--- a/docs/开题/开题答辩.pptx
+++ b/docs/开题/开题答辩.pptx
@@ -212,7 +212,7 @@
           <a:p>
             <a:fld id="{36606CF4-FA77-4E71-BDBB-B62F97D48318}" type="datetimeFigureOut">
               <a:rPr lang="zh-CN" altLang="en-US" smtClean="0"/>
-              <a:t>2023/1/6</a:t>
+              <a:t>2023/1/7</a:t>
             </a:fld>
             <a:endParaRPr lang="zh-CN" altLang="en-US"/>
           </a:p>
@@ -2307,7 +2307,7 @@
             <a:fld id="{6489D9C7-5DC6-4263-87FF-7C99F6FB63C3}" type="datetime1">
               <a:rPr lang="zh-CN" altLang="en-US" smtClean="0"/>
               <a:pPr/>
-              <a:t>2023/1/6</a:t>
+              <a:t>2023/1/7</a:t>
             </a:fld>
             <a:endParaRPr lang="zh-CN" altLang="en-US"/>
           </a:p>
@@ -2459,7 +2459,7 @@
             <a:fld id="{6489D9C7-5DC6-4263-87FF-7C99F6FB63C3}" type="datetime1">
               <a:rPr lang="zh-CN" altLang="en-US" smtClean="0"/>
               <a:pPr/>
-              <a:t>2023/1/6</a:t>
+              <a:t>2023/1/7</a:t>
             </a:fld>
             <a:endParaRPr lang="zh-CN" altLang="en-US"/>
           </a:p>
@@ -2941,7 +2941,7 @@
             <a:fld id="{6489D9C7-5DC6-4263-87FF-7C99F6FB63C3}" type="datetime1">
               <a:rPr lang="zh-CN" altLang="en-US" smtClean="0"/>
               <a:pPr/>
-              <a:t>2023/1/6</a:t>
+              <a:t>2023/1/7</a:t>
             </a:fld>
             <a:endParaRPr lang="zh-CN" altLang="en-US"/>
           </a:p>
@@ -4697,11 +4697,24 @@
           <a:p>
             <a:r>
               <a:rPr lang="zh-CN" altLang="en-US" dirty="0">
-                <a:hlinkClick r:id="rId3"/>
+                <a:solidFill>
+                  <a:schemeClr val="tx2"/>
+                </a:solidFill>
+                <a:hlinkClick r:id="rId3">
+                  <a:extLst>
+                    <a:ext uri="{A12FA001-AC4F-418D-AE19-62706E023703}">
+                      <ahyp:hlinkClr xmlns:ahyp="http://schemas.microsoft.com/office/drawing/2018/hyperlinkcolor" val="tx"/>
+                    </a:ext>
+                  </a:extLst>
+                </a:hlinkClick>
               </a:rPr>
               <a:t>学生端</a:t>
             </a:r>
-            <a:endParaRPr lang="zh-CN" altLang="en-US" dirty="0"/>
+            <a:endParaRPr lang="zh-CN" altLang="en-US" dirty="0">
+              <a:solidFill>
+                <a:schemeClr val="tx2"/>
+              </a:solidFill>
+            </a:endParaRPr>
           </a:p>
         </p:txBody>
       </p:sp>
@@ -4735,11 +4748,24 @@
           <a:p>
             <a:r>
               <a:rPr lang="zh-CN" altLang="en-US" dirty="0">
-                <a:hlinkClick r:id="rId4"/>
+                <a:solidFill>
+                  <a:schemeClr val="tx2"/>
+                </a:solidFill>
+                <a:hlinkClick r:id="rId4">
+                  <a:extLst>
+                    <a:ext uri="{A12FA001-AC4F-418D-AE19-62706E023703}">
+                      <ahyp:hlinkClr xmlns:ahyp="http://schemas.microsoft.com/office/drawing/2018/hyperlinkcolor" val="tx"/>
+                    </a:ext>
+                  </a:extLst>
+                </a:hlinkClick>
               </a:rPr>
               <a:t>教师端</a:t>
             </a:r>
-            <a:endParaRPr lang="zh-CN" altLang="en-US" dirty="0"/>
+            <a:endParaRPr lang="zh-CN" altLang="en-US" dirty="0">
+              <a:solidFill>
+                <a:schemeClr val="tx2"/>
+              </a:solidFill>
+            </a:endParaRPr>
           </a:p>
           <a:p>
             <a:endParaRPr lang="zh-CN" altLang="en-US" dirty="0"/>

--- a/docs/开题/开题答辩.pptx
+++ b/docs/开题/开题答辩.pptx
@@ -5,7 +5,7 @@
     <p:sldMasterId id="2147483648" r:id="rId1"/>
   </p:sldMasterIdLst>
   <p:notesMasterIdLst>
-    <p:notesMasterId r:id="rId15"/>
+    <p:notesMasterId r:id="rId17"/>
   </p:notesMasterIdLst>
   <p:sldIdLst>
     <p:sldId id="256" r:id="rId2"/>
@@ -18,14 +18,16 @@
     <p:sldId id="276" r:id="rId9"/>
     <p:sldId id="284" r:id="rId10"/>
     <p:sldId id="286" r:id="rId11"/>
-    <p:sldId id="295" r:id="rId12"/>
-    <p:sldId id="283" r:id="rId13"/>
-    <p:sldId id="293" r:id="rId14"/>
+    <p:sldId id="296" r:id="rId12"/>
+    <p:sldId id="297" r:id="rId13"/>
+    <p:sldId id="295" r:id="rId14"/>
+    <p:sldId id="283" r:id="rId15"/>
+    <p:sldId id="293" r:id="rId16"/>
   </p:sldIdLst>
   <p:sldSz cx="12192000" cy="6858000"/>
   <p:notesSz cx="6858000" cy="9144000"/>
   <p:custDataLst>
-    <p:tags r:id="rId16"/>
+    <p:tags r:id="rId18"/>
   </p:custDataLst>
   <p:defaultTextStyle>
     <a:defPPr>
@@ -130,6 +132,6686 @@
 </p:presentation>
 </file>
 
+<file path=ppt/diagrams/colors1.xml><?xml version="1.0" encoding="utf-8"?>
+<dgm:colorsDef xmlns:dgm="http://schemas.openxmlformats.org/drawingml/2006/diagram" xmlns:a="http://schemas.openxmlformats.org/drawingml/2006/main" uniqueId="urn:microsoft.com/office/officeart/2005/8/colors/accent1_2">
+  <dgm:title val=""/>
+  <dgm:desc val=""/>
+  <dgm:catLst>
+    <dgm:cat type="accent1" pri="11200"/>
+  </dgm:catLst>
+  <dgm:styleLbl name="node0">
+    <dgm:fillClrLst meth="repeat">
+      <a:schemeClr val="accent1"/>
+    </dgm:fillClrLst>
+    <dgm:linClrLst meth="repeat">
+      <a:schemeClr val="lt1"/>
+    </dgm:linClrLst>
+    <dgm:effectClrLst/>
+    <dgm:txLinClrLst/>
+    <dgm:txFillClrLst/>
+    <dgm:txEffectClrLst/>
+  </dgm:styleLbl>
+  <dgm:styleLbl name="alignNode1">
+    <dgm:fillClrLst meth="repeat">
+      <a:schemeClr val="accent1"/>
+    </dgm:fillClrLst>
+    <dgm:linClrLst meth="repeat">
+      <a:schemeClr val="accent1"/>
+    </dgm:linClrLst>
+    <dgm:effectClrLst/>
+    <dgm:txLinClrLst/>
+    <dgm:txFillClrLst/>
+    <dgm:txEffectClrLst/>
+  </dgm:styleLbl>
+  <dgm:styleLbl name="node1">
+    <dgm:fillClrLst meth="repeat">
+      <a:schemeClr val="accent1"/>
+    </dgm:fillClrLst>
+    <dgm:linClrLst meth="repeat">
+      <a:schemeClr val="lt1"/>
+    </dgm:linClrLst>
+    <dgm:effectClrLst/>
+    <dgm:txLinClrLst/>
+    <dgm:txFillClrLst/>
+    <dgm:txEffectClrLst/>
+  </dgm:styleLbl>
+  <dgm:styleLbl name="lnNode1">
+    <dgm:fillClrLst meth="repeat">
+      <a:schemeClr val="accent1"/>
+    </dgm:fillClrLst>
+    <dgm:linClrLst meth="repeat">
+      <a:schemeClr val="lt1"/>
+    </dgm:linClrLst>
+    <dgm:effectClrLst/>
+    <dgm:txLinClrLst/>
+    <dgm:txFillClrLst/>
+    <dgm:txEffectClrLst/>
+  </dgm:styleLbl>
+  <dgm:styleLbl name="vennNode1">
+    <dgm:fillClrLst meth="repeat">
+      <a:schemeClr val="accent1">
+        <a:alpha val="50000"/>
+      </a:schemeClr>
+    </dgm:fillClrLst>
+    <dgm:linClrLst meth="repeat">
+      <a:schemeClr val="lt1"/>
+    </dgm:linClrLst>
+    <dgm:effectClrLst/>
+    <dgm:txLinClrLst/>
+    <dgm:txFillClrLst/>
+    <dgm:txEffectClrLst/>
+  </dgm:styleLbl>
+  <dgm:styleLbl name="node2">
+    <dgm:fillClrLst meth="repeat">
+      <a:schemeClr val="accent1"/>
+    </dgm:fillClrLst>
+    <dgm:linClrLst meth="repeat">
+      <a:schemeClr val="lt1"/>
+    </dgm:linClrLst>
+    <dgm:effectClrLst/>
+    <dgm:txLinClrLst/>
+    <dgm:txFillClrLst/>
+    <dgm:txEffectClrLst/>
+  </dgm:styleLbl>
+  <dgm:styleLbl name="node3">
+    <dgm:fillClrLst meth="repeat">
+      <a:schemeClr val="accent1"/>
+    </dgm:fillClrLst>
+    <dgm:linClrLst meth="repeat">
+      <a:schemeClr val="lt1"/>
+    </dgm:linClrLst>
+    <dgm:effectClrLst/>
+    <dgm:txLinClrLst/>
+    <dgm:txFillClrLst/>
+    <dgm:txEffectClrLst/>
+  </dgm:styleLbl>
+  <dgm:styleLbl name="node4">
+    <dgm:fillClrLst meth="repeat">
+      <a:schemeClr val="accent1"/>
+    </dgm:fillClrLst>
+    <dgm:linClrLst meth="repeat">
+      <a:schemeClr val="lt1"/>
+    </dgm:linClrLst>
+    <dgm:effectClrLst/>
+    <dgm:txLinClrLst/>
+    <dgm:txFillClrLst/>
+    <dgm:txEffectClrLst/>
+  </dgm:styleLbl>
+  <dgm:styleLbl name="fgImgPlace1">
+    <dgm:fillClrLst meth="repeat">
+      <a:schemeClr val="accent1">
+        <a:tint val="50000"/>
+      </a:schemeClr>
+    </dgm:fillClrLst>
+    <dgm:linClrLst meth="repeat">
+      <a:schemeClr val="lt1"/>
+    </dgm:linClrLst>
+    <dgm:effectClrLst/>
+    <dgm:txLinClrLst/>
+    <dgm:txFillClrLst meth="repeat">
+      <a:schemeClr val="lt1"/>
+    </dgm:txFillClrLst>
+    <dgm:txEffectClrLst/>
+  </dgm:styleLbl>
+  <dgm:styleLbl name="alignImgPlace1">
+    <dgm:fillClrLst meth="repeat">
+      <a:schemeClr val="accent1">
+        <a:tint val="50000"/>
+      </a:schemeClr>
+    </dgm:fillClrLst>
+    <dgm:linClrLst meth="repeat">
+      <a:schemeClr val="lt1"/>
+    </dgm:linClrLst>
+    <dgm:effectClrLst/>
+    <dgm:txLinClrLst/>
+    <dgm:txFillClrLst meth="repeat">
+      <a:schemeClr val="lt1"/>
+    </dgm:txFillClrLst>
+    <dgm:txEffectClrLst/>
+  </dgm:styleLbl>
+  <dgm:styleLbl name="bgImgPlace1">
+    <dgm:fillClrLst meth="repeat">
+      <a:schemeClr val="accent1">
+        <a:tint val="50000"/>
+      </a:schemeClr>
+    </dgm:fillClrLst>
+    <dgm:linClrLst meth="repeat">
+      <a:schemeClr val="lt1"/>
+    </dgm:linClrLst>
+    <dgm:effectClrLst/>
+    <dgm:txLinClrLst/>
+    <dgm:txFillClrLst meth="repeat">
+      <a:schemeClr val="lt1"/>
+    </dgm:txFillClrLst>
+    <dgm:txEffectClrLst/>
+  </dgm:styleLbl>
+  <dgm:styleLbl name="sibTrans2D1">
+    <dgm:fillClrLst meth="repeat">
+      <a:schemeClr val="accent1">
+        <a:tint val="60000"/>
+      </a:schemeClr>
+    </dgm:fillClrLst>
+    <dgm:linClrLst meth="repeat">
+      <a:schemeClr val="accent1">
+        <a:tint val="60000"/>
+      </a:schemeClr>
+    </dgm:linClrLst>
+    <dgm:effectClrLst/>
+    <dgm:txLinClrLst/>
+    <dgm:txFillClrLst/>
+    <dgm:txEffectClrLst/>
+  </dgm:styleLbl>
+  <dgm:styleLbl name="fgSibTrans2D1">
+    <dgm:fillClrLst meth="repeat">
+      <a:schemeClr val="accent1">
+        <a:tint val="60000"/>
+      </a:schemeClr>
+    </dgm:fillClrLst>
+    <dgm:linClrLst meth="repeat">
+      <a:schemeClr val="accent1">
+        <a:tint val="60000"/>
+      </a:schemeClr>
+    </dgm:linClrLst>
+    <dgm:effectClrLst/>
+    <dgm:txLinClrLst/>
+    <dgm:txFillClrLst/>
+    <dgm:txEffectClrLst/>
+  </dgm:styleLbl>
+  <dgm:styleLbl name="bgSibTrans2D1">
+    <dgm:fillClrLst meth="repeat">
+      <a:schemeClr val="accent1">
+        <a:tint val="60000"/>
+      </a:schemeClr>
+    </dgm:fillClrLst>
+    <dgm:linClrLst meth="repeat">
+      <a:schemeClr val="accent1">
+        <a:tint val="60000"/>
+      </a:schemeClr>
+    </dgm:linClrLst>
+    <dgm:effectClrLst/>
+    <dgm:txLinClrLst/>
+    <dgm:txFillClrLst/>
+    <dgm:txEffectClrLst/>
+  </dgm:styleLbl>
+  <dgm:styleLbl name="sibTrans1D1">
+    <dgm:fillClrLst meth="repeat">
+      <a:schemeClr val="accent1"/>
+    </dgm:fillClrLst>
+    <dgm:linClrLst meth="repeat">
+      <a:schemeClr val="accent1"/>
+    </dgm:linClrLst>
+    <dgm:effectClrLst/>
+    <dgm:txLinClrLst/>
+    <dgm:txFillClrLst meth="repeat">
+      <a:schemeClr val="tx1"/>
+    </dgm:txFillClrLst>
+    <dgm:txEffectClrLst/>
+  </dgm:styleLbl>
+  <dgm:styleLbl name="callout">
+    <dgm:fillClrLst meth="repeat">
+      <a:schemeClr val="accent1"/>
+    </dgm:fillClrLst>
+    <dgm:linClrLst meth="repeat">
+      <a:schemeClr val="accent1">
+        <a:tint val="50000"/>
+      </a:schemeClr>
+    </dgm:linClrLst>
+    <dgm:effectClrLst/>
+    <dgm:txLinClrLst/>
+    <dgm:txFillClrLst meth="repeat">
+      <a:schemeClr val="tx1"/>
+    </dgm:txFillClrLst>
+    <dgm:txEffectClrLst/>
+  </dgm:styleLbl>
+  <dgm:styleLbl name="asst0">
+    <dgm:fillClrLst meth="repeat">
+      <a:schemeClr val="accent1"/>
+    </dgm:fillClrLst>
+    <dgm:linClrLst meth="repeat">
+      <a:schemeClr val="lt1"/>
+    </dgm:linClrLst>
+    <dgm:effectClrLst/>
+    <dgm:txLinClrLst/>
+    <dgm:txFillClrLst/>
+    <dgm:txEffectClrLst/>
+  </dgm:styleLbl>
+  <dgm:styleLbl name="asst1">
+    <dgm:fillClrLst meth="repeat">
+      <a:schemeClr val="accent1"/>
+    </dgm:fillClrLst>
+    <dgm:linClrLst meth="repeat">
+      <a:schemeClr val="lt1"/>
+    </dgm:linClrLst>
+    <dgm:effectClrLst/>
+    <dgm:txLinClrLst/>
+    <dgm:txFillClrLst/>
+    <dgm:txEffectClrLst/>
+  </dgm:styleLbl>
+  <dgm:styleLbl name="asst2">
+    <dgm:fillClrLst meth="repeat">
+      <a:schemeClr val="accent1"/>
+    </dgm:fillClrLst>
+    <dgm:linClrLst meth="repeat">
+      <a:schemeClr val="lt1"/>
+    </dgm:linClrLst>
+    <dgm:effectClrLst/>
+    <dgm:txLinClrLst/>
+    <dgm:txFillClrLst/>
+    <dgm:txEffectClrLst/>
+  </dgm:styleLbl>
+  <dgm:styleLbl name="asst3">
+    <dgm:fillClrLst meth="repeat">
+      <a:schemeClr val="accent1"/>
+    </dgm:fillClrLst>
+    <dgm:linClrLst meth="repeat">
+      <a:schemeClr val="lt1"/>
+    </dgm:linClrLst>
+    <dgm:effectClrLst/>
+    <dgm:txLinClrLst/>
+    <dgm:txFillClrLst/>
+    <dgm:txEffectClrLst/>
+  </dgm:styleLbl>
+  <dgm:styleLbl name="asst4">
+    <dgm:fillClrLst meth="repeat">
+      <a:schemeClr val="accent1"/>
+    </dgm:fillClrLst>
+    <dgm:linClrLst meth="repeat">
+      <a:schemeClr val="lt1"/>
+    </dgm:linClrLst>
+    <dgm:effectClrLst/>
+    <dgm:txLinClrLst/>
+    <dgm:txFillClrLst/>
+    <dgm:txEffectClrLst/>
+  </dgm:styleLbl>
+  <dgm:styleLbl name="parChTrans2D1">
+    <dgm:fillClrLst meth="repeat">
+      <a:schemeClr val="accent1">
+        <a:tint val="60000"/>
+      </a:schemeClr>
+    </dgm:fillClrLst>
+    <dgm:linClrLst meth="repeat">
+      <a:schemeClr val="accent1">
+        <a:tint val="60000"/>
+      </a:schemeClr>
+    </dgm:linClrLst>
+    <dgm:effectClrLst/>
+    <dgm:txLinClrLst/>
+    <dgm:txFillClrLst meth="repeat">
+      <a:schemeClr val="lt1"/>
+    </dgm:txFillClrLst>
+    <dgm:txEffectClrLst/>
+  </dgm:styleLbl>
+  <dgm:styleLbl name="parChTrans2D2">
+    <dgm:fillClrLst meth="repeat">
+      <a:schemeClr val="accent1"/>
+    </dgm:fillClrLst>
+    <dgm:linClrLst meth="repeat">
+      <a:schemeClr val="accent1"/>
+    </dgm:linClrLst>
+    <dgm:effectClrLst/>
+    <dgm:txLinClrLst/>
+    <dgm:txFillClrLst meth="repeat">
+      <a:schemeClr val="lt1"/>
+    </dgm:txFillClrLst>
+    <dgm:txEffectClrLst/>
+  </dgm:styleLbl>
+  <dgm:styleLbl name="parChTrans2D3">
+    <dgm:fillClrLst meth="repeat">
+      <a:schemeClr val="accent1"/>
+    </dgm:fillClrLst>
+    <dgm:linClrLst meth="repeat">
+      <a:schemeClr val="accent1"/>
+    </dgm:linClrLst>
+    <dgm:effectClrLst/>
+    <dgm:txLinClrLst/>
+    <dgm:txFillClrLst meth="repeat">
+      <a:schemeClr val="lt1"/>
+    </dgm:txFillClrLst>
+    <dgm:txEffectClrLst/>
+  </dgm:styleLbl>
+  <dgm:styleLbl name="parChTrans2D4">
+    <dgm:fillClrLst meth="repeat">
+      <a:schemeClr val="accent1"/>
+    </dgm:fillClrLst>
+    <dgm:linClrLst meth="repeat">
+      <a:schemeClr val="accent1"/>
+    </dgm:linClrLst>
+    <dgm:effectClrLst/>
+    <dgm:txLinClrLst/>
+    <dgm:txFillClrLst meth="repeat">
+      <a:schemeClr val="lt1"/>
+    </dgm:txFillClrLst>
+    <dgm:txEffectClrLst/>
+  </dgm:styleLbl>
+  <dgm:styleLbl name="parChTrans1D1">
+    <dgm:fillClrLst meth="repeat">
+      <a:schemeClr val="accent1"/>
+    </dgm:fillClrLst>
+    <dgm:linClrLst meth="repeat">
+      <a:schemeClr val="accent1">
+        <a:shade val="60000"/>
+      </a:schemeClr>
+    </dgm:linClrLst>
+    <dgm:effectClrLst/>
+    <dgm:txLinClrLst/>
+    <dgm:txFillClrLst meth="repeat">
+      <a:schemeClr val="tx1"/>
+    </dgm:txFillClrLst>
+    <dgm:txEffectClrLst/>
+  </dgm:styleLbl>
+  <dgm:styleLbl name="parChTrans1D2">
+    <dgm:fillClrLst meth="repeat">
+      <a:schemeClr val="accent1"/>
+    </dgm:fillClrLst>
+    <dgm:linClrLst meth="repeat">
+      <a:schemeClr val="accent1">
+        <a:shade val="60000"/>
+      </a:schemeClr>
+    </dgm:linClrLst>
+    <dgm:effectClrLst/>
+    <dgm:txLinClrLst/>
+    <dgm:txFillClrLst meth="repeat">
+      <a:schemeClr val="tx1"/>
+    </dgm:txFillClrLst>
+    <dgm:txEffectClrLst/>
+  </dgm:styleLbl>
+  <dgm:styleLbl name="parChTrans1D3">
+    <dgm:fillClrLst meth="repeat">
+      <a:schemeClr val="accent1"/>
+    </dgm:fillClrLst>
+    <dgm:linClrLst meth="repeat">
+      <a:schemeClr val="accent1">
+        <a:shade val="80000"/>
+      </a:schemeClr>
+    </dgm:linClrLst>
+    <dgm:effectClrLst/>
+    <dgm:txLinClrLst/>
+    <dgm:txFillClrLst meth="repeat">
+      <a:schemeClr val="tx1"/>
+    </dgm:txFillClrLst>
+    <dgm:txEffectClrLst/>
+  </dgm:styleLbl>
+  <dgm:styleLbl name="parChTrans1D4">
+    <dgm:fillClrLst meth="repeat">
+      <a:schemeClr val="accent1"/>
+    </dgm:fillClrLst>
+    <dgm:linClrLst meth="repeat">
+      <a:schemeClr val="accent1">
+        <a:shade val="80000"/>
+      </a:schemeClr>
+    </dgm:linClrLst>
+    <dgm:effectClrLst/>
+    <dgm:txLinClrLst/>
+    <dgm:txFillClrLst meth="repeat">
+      <a:schemeClr val="tx1"/>
+    </dgm:txFillClrLst>
+    <dgm:txEffectClrLst/>
+  </dgm:styleLbl>
+  <dgm:styleLbl name="fgAcc1">
+    <dgm:fillClrLst meth="repeat">
+      <a:schemeClr val="lt1">
+        <a:alpha val="90000"/>
+      </a:schemeClr>
+    </dgm:fillClrLst>
+    <dgm:linClrLst meth="repeat">
+      <a:schemeClr val="accent1"/>
+    </dgm:linClrLst>
+    <dgm:effectClrLst/>
+    <dgm:txLinClrLst/>
+    <dgm:txFillClrLst meth="repeat">
+      <a:schemeClr val="dk1"/>
+    </dgm:txFillClrLst>
+    <dgm:txEffectClrLst/>
+  </dgm:styleLbl>
+  <dgm:styleLbl name="conFgAcc1">
+    <dgm:fillClrLst meth="repeat">
+      <a:schemeClr val="lt1">
+        <a:alpha val="90000"/>
+      </a:schemeClr>
+    </dgm:fillClrLst>
+    <dgm:linClrLst meth="repeat">
+      <a:schemeClr val="accent1"/>
+    </dgm:linClrLst>
+    <dgm:effectClrLst/>
+    <dgm:txLinClrLst/>
+    <dgm:txFillClrLst meth="repeat">
+      <a:schemeClr val="dk1"/>
+    </dgm:txFillClrLst>
+    <dgm:txEffectClrLst/>
+  </dgm:styleLbl>
+  <dgm:styleLbl name="alignAcc1">
+    <dgm:fillClrLst meth="repeat">
+      <a:schemeClr val="lt1">
+        <a:alpha val="90000"/>
+      </a:schemeClr>
+    </dgm:fillClrLst>
+    <dgm:linClrLst meth="repeat">
+      <a:schemeClr val="accent1"/>
+    </dgm:linClrLst>
+    <dgm:effectClrLst/>
+    <dgm:txLinClrLst/>
+    <dgm:txFillClrLst meth="repeat">
+      <a:schemeClr val="dk1"/>
+    </dgm:txFillClrLst>
+    <dgm:txEffectClrLst/>
+  </dgm:styleLbl>
+  <dgm:styleLbl name="trAlignAcc1">
+    <dgm:fillClrLst meth="repeat">
+      <a:schemeClr val="lt1">
+        <a:alpha val="40000"/>
+      </a:schemeClr>
+    </dgm:fillClrLst>
+    <dgm:linClrLst meth="repeat">
+      <a:schemeClr val="accent1"/>
+    </dgm:linClrLst>
+    <dgm:effectClrLst/>
+    <dgm:txLinClrLst/>
+    <dgm:txFillClrLst meth="repeat">
+      <a:schemeClr val="dk1"/>
+    </dgm:txFillClrLst>
+    <dgm:txEffectClrLst/>
+  </dgm:styleLbl>
+  <dgm:styleLbl name="bgAcc1">
+    <dgm:fillClrLst meth="repeat">
+      <a:schemeClr val="lt1">
+        <a:alpha val="90000"/>
+      </a:schemeClr>
+    </dgm:fillClrLst>
+    <dgm:linClrLst meth="repeat">
+      <a:schemeClr val="accent1"/>
+    </dgm:linClrLst>
+    <dgm:effectClrLst/>
+    <dgm:txLinClrLst/>
+    <dgm:txFillClrLst meth="repeat">
+      <a:schemeClr val="dk1"/>
+    </dgm:txFillClrLst>
+    <dgm:txEffectClrLst/>
+  </dgm:styleLbl>
+  <dgm:styleLbl name="solidFgAcc1">
+    <dgm:fillClrLst meth="repeat">
+      <a:schemeClr val="lt1"/>
+    </dgm:fillClrLst>
+    <dgm:linClrLst meth="repeat">
+      <a:schemeClr val="accent1"/>
+    </dgm:linClrLst>
+    <dgm:effectClrLst/>
+    <dgm:txLinClrLst/>
+    <dgm:txFillClrLst meth="repeat">
+      <a:schemeClr val="dk1"/>
+    </dgm:txFillClrLst>
+    <dgm:txEffectClrLst/>
+  </dgm:styleLbl>
+  <dgm:styleLbl name="solidAlignAcc1">
+    <dgm:fillClrLst meth="repeat">
+      <a:schemeClr val="lt1"/>
+    </dgm:fillClrLst>
+    <dgm:linClrLst meth="repeat">
+      <a:schemeClr val="accent1"/>
+    </dgm:linClrLst>
+    <dgm:effectClrLst/>
+    <dgm:txLinClrLst/>
+    <dgm:txFillClrLst meth="repeat">
+      <a:schemeClr val="dk1"/>
+    </dgm:txFillClrLst>
+    <dgm:txEffectClrLst/>
+  </dgm:styleLbl>
+  <dgm:styleLbl name="solidBgAcc1">
+    <dgm:fillClrLst meth="repeat">
+      <a:schemeClr val="lt1"/>
+    </dgm:fillClrLst>
+    <dgm:linClrLst meth="repeat">
+      <a:schemeClr val="accent1"/>
+    </dgm:linClrLst>
+    <dgm:effectClrLst/>
+    <dgm:txLinClrLst/>
+    <dgm:txFillClrLst meth="repeat">
+      <a:schemeClr val="dk1"/>
+    </dgm:txFillClrLst>
+    <dgm:txEffectClrLst/>
+  </dgm:styleLbl>
+  <dgm:styleLbl name="fgAccFollowNode1">
+    <dgm:fillClrLst meth="repeat">
+      <a:schemeClr val="accent1">
+        <a:alpha val="90000"/>
+        <a:tint val="40000"/>
+      </a:schemeClr>
+    </dgm:fillClrLst>
+    <dgm:linClrLst meth="repeat">
+      <a:schemeClr val="accent1">
+        <a:alpha val="90000"/>
+        <a:tint val="40000"/>
+      </a:schemeClr>
+    </dgm:linClrLst>
+    <dgm:effectClrLst/>
+    <dgm:txLinClrLst/>
+    <dgm:txFillClrLst meth="repeat">
+      <a:schemeClr val="dk1"/>
+    </dgm:txFillClrLst>
+    <dgm:txEffectClrLst/>
+  </dgm:styleLbl>
+  <dgm:styleLbl name="alignAccFollowNode1">
+    <dgm:fillClrLst meth="repeat">
+      <a:schemeClr val="accent1">
+        <a:alpha val="90000"/>
+        <a:tint val="40000"/>
+      </a:schemeClr>
+    </dgm:fillClrLst>
+    <dgm:linClrLst meth="repeat">
+      <a:schemeClr val="accent1">
+        <a:alpha val="90000"/>
+        <a:tint val="40000"/>
+      </a:schemeClr>
+    </dgm:linClrLst>
+    <dgm:effectClrLst/>
+    <dgm:txLinClrLst/>
+    <dgm:txFillClrLst meth="repeat">
+      <a:schemeClr val="dk1"/>
+    </dgm:txFillClrLst>
+    <dgm:txEffectClrLst/>
+  </dgm:styleLbl>
+  <dgm:styleLbl name="bgAccFollowNode1">
+    <dgm:fillClrLst meth="repeat">
+      <a:schemeClr val="accent1">
+        <a:alpha val="90000"/>
+        <a:tint val="40000"/>
+      </a:schemeClr>
+    </dgm:fillClrLst>
+    <dgm:linClrLst meth="repeat">
+      <a:schemeClr val="accent1">
+        <a:alpha val="90000"/>
+        <a:tint val="40000"/>
+      </a:schemeClr>
+    </dgm:linClrLst>
+    <dgm:effectClrLst/>
+    <dgm:txLinClrLst/>
+    <dgm:txFillClrLst meth="repeat">
+      <a:schemeClr val="dk1"/>
+    </dgm:txFillClrLst>
+    <dgm:txEffectClrLst/>
+  </dgm:styleLbl>
+  <dgm:styleLbl name="fgAcc0">
+    <dgm:fillClrLst meth="repeat">
+      <a:schemeClr val="lt1">
+        <a:alpha val="90000"/>
+      </a:schemeClr>
+    </dgm:fillClrLst>
+    <dgm:linClrLst meth="repeat">
+      <a:schemeClr val="accent1"/>
+    </dgm:linClrLst>
+    <dgm:effectClrLst/>
+    <dgm:txLinClrLst/>
+    <dgm:txFillClrLst meth="repeat">
+      <a:schemeClr val="dk1"/>
+    </dgm:txFillClrLst>
+    <dgm:txEffectClrLst/>
+  </dgm:styleLbl>
+  <dgm:styleLbl name="fgAcc2">
+    <dgm:fillClrLst meth="repeat">
+      <a:schemeClr val="lt1">
+        <a:alpha val="90000"/>
+      </a:schemeClr>
+    </dgm:fillClrLst>
+    <dgm:linClrLst meth="repeat">
+      <a:schemeClr val="accent1"/>
+    </dgm:linClrLst>
+    <dgm:effectClrLst/>
+    <dgm:txLinClrLst/>
+    <dgm:txFillClrLst meth="repeat">
+      <a:schemeClr val="dk1"/>
+    </dgm:txFillClrLst>
+    <dgm:txEffectClrLst/>
+  </dgm:styleLbl>
+  <dgm:styleLbl name="fgAcc3">
+    <dgm:fillClrLst meth="repeat">
+      <a:schemeClr val="lt1">
+        <a:alpha val="90000"/>
+      </a:schemeClr>
+    </dgm:fillClrLst>
+    <dgm:linClrLst meth="repeat">
+      <a:schemeClr val="accent1"/>
+    </dgm:linClrLst>
+    <dgm:effectClrLst/>
+    <dgm:txLinClrLst/>
+    <dgm:txFillClrLst meth="repeat">
+      <a:schemeClr val="dk1"/>
+    </dgm:txFillClrLst>
+    <dgm:txEffectClrLst/>
+  </dgm:styleLbl>
+  <dgm:styleLbl name="fgAcc4">
+    <dgm:fillClrLst meth="repeat">
+      <a:schemeClr val="lt1">
+        <a:alpha val="90000"/>
+      </a:schemeClr>
+    </dgm:fillClrLst>
+    <dgm:linClrLst meth="repeat">
+      <a:schemeClr val="accent1"/>
+    </dgm:linClrLst>
+    <dgm:effectClrLst/>
+    <dgm:txLinClrLst/>
+    <dgm:txFillClrLst meth="repeat">
+      <a:schemeClr val="dk1"/>
+    </dgm:txFillClrLst>
+    <dgm:txEffectClrLst/>
+  </dgm:styleLbl>
+  <dgm:styleLbl name="bgShp">
+    <dgm:fillClrLst meth="repeat">
+      <a:schemeClr val="accent1">
+        <a:tint val="40000"/>
+      </a:schemeClr>
+    </dgm:fillClrLst>
+    <dgm:linClrLst meth="repeat">
+      <a:schemeClr val="accent1"/>
+    </dgm:linClrLst>
+    <dgm:effectClrLst/>
+    <dgm:txLinClrLst/>
+    <dgm:txFillClrLst meth="repeat">
+      <a:schemeClr val="dk1"/>
+    </dgm:txFillClrLst>
+    <dgm:txEffectClrLst/>
+  </dgm:styleLbl>
+  <dgm:styleLbl name="dkBgShp">
+    <dgm:fillClrLst meth="repeat">
+      <a:schemeClr val="accent1">
+        <a:shade val="80000"/>
+      </a:schemeClr>
+    </dgm:fillClrLst>
+    <dgm:linClrLst meth="repeat">
+      <a:schemeClr val="accent1"/>
+    </dgm:linClrLst>
+    <dgm:effectClrLst/>
+    <dgm:txLinClrLst/>
+    <dgm:txFillClrLst meth="repeat">
+      <a:schemeClr val="lt1"/>
+    </dgm:txFillClrLst>
+    <dgm:txEffectClrLst/>
+  </dgm:styleLbl>
+  <dgm:styleLbl name="trBgShp">
+    <dgm:fillClrLst meth="repeat">
+      <a:schemeClr val="accent1">
+        <a:tint val="50000"/>
+        <a:alpha val="40000"/>
+      </a:schemeClr>
+    </dgm:fillClrLst>
+    <dgm:linClrLst meth="repeat">
+      <a:schemeClr val="accent1"/>
+    </dgm:linClrLst>
+    <dgm:effectClrLst/>
+    <dgm:txLinClrLst/>
+    <dgm:txFillClrLst meth="repeat">
+      <a:schemeClr val="lt1"/>
+    </dgm:txFillClrLst>
+    <dgm:txEffectClrLst/>
+  </dgm:styleLbl>
+  <dgm:styleLbl name="fgShp">
+    <dgm:fillClrLst meth="repeat">
+      <a:schemeClr val="accent1">
+        <a:tint val="60000"/>
+      </a:schemeClr>
+    </dgm:fillClrLst>
+    <dgm:linClrLst meth="repeat">
+      <a:schemeClr val="lt1"/>
+    </dgm:linClrLst>
+    <dgm:effectClrLst/>
+    <dgm:txLinClrLst/>
+    <dgm:txFillClrLst meth="repeat">
+      <a:schemeClr val="dk1"/>
+    </dgm:txFillClrLst>
+    <dgm:txEffectClrLst/>
+  </dgm:styleLbl>
+  <dgm:styleLbl name="revTx">
+    <dgm:fillClrLst meth="repeat">
+      <a:schemeClr val="lt1">
+        <a:alpha val="0"/>
+      </a:schemeClr>
+    </dgm:fillClrLst>
+    <dgm:linClrLst meth="repeat">
+      <a:schemeClr val="dk1">
+        <a:alpha val="0"/>
+      </a:schemeClr>
+    </dgm:linClrLst>
+    <dgm:effectClrLst/>
+    <dgm:txLinClrLst/>
+    <dgm:txFillClrLst meth="repeat">
+      <a:schemeClr val="tx1"/>
+    </dgm:txFillClrLst>
+    <dgm:txEffectClrLst/>
+  </dgm:styleLbl>
+</dgm:colorsDef>
+</file>
+
+<file path=ppt/diagrams/colors2.xml><?xml version="1.0" encoding="utf-8"?>
+<dgm:colorsDef xmlns:dgm="http://schemas.openxmlformats.org/drawingml/2006/diagram" xmlns:a="http://schemas.openxmlformats.org/drawingml/2006/main" uniqueId="urn:microsoft.com/office/officeart/2005/8/colors/accent1_2">
+  <dgm:title val=""/>
+  <dgm:desc val=""/>
+  <dgm:catLst>
+    <dgm:cat type="accent1" pri="11200"/>
+  </dgm:catLst>
+  <dgm:styleLbl name="node0">
+    <dgm:fillClrLst meth="repeat">
+      <a:schemeClr val="accent1"/>
+    </dgm:fillClrLst>
+    <dgm:linClrLst meth="repeat">
+      <a:schemeClr val="lt1"/>
+    </dgm:linClrLst>
+    <dgm:effectClrLst/>
+    <dgm:txLinClrLst/>
+    <dgm:txFillClrLst/>
+    <dgm:txEffectClrLst/>
+  </dgm:styleLbl>
+  <dgm:styleLbl name="alignNode1">
+    <dgm:fillClrLst meth="repeat">
+      <a:schemeClr val="accent1"/>
+    </dgm:fillClrLst>
+    <dgm:linClrLst meth="repeat">
+      <a:schemeClr val="accent1"/>
+    </dgm:linClrLst>
+    <dgm:effectClrLst/>
+    <dgm:txLinClrLst/>
+    <dgm:txFillClrLst/>
+    <dgm:txEffectClrLst/>
+  </dgm:styleLbl>
+  <dgm:styleLbl name="node1">
+    <dgm:fillClrLst meth="repeat">
+      <a:schemeClr val="accent1"/>
+    </dgm:fillClrLst>
+    <dgm:linClrLst meth="repeat">
+      <a:schemeClr val="lt1"/>
+    </dgm:linClrLst>
+    <dgm:effectClrLst/>
+    <dgm:txLinClrLst/>
+    <dgm:txFillClrLst/>
+    <dgm:txEffectClrLst/>
+  </dgm:styleLbl>
+  <dgm:styleLbl name="lnNode1">
+    <dgm:fillClrLst meth="repeat">
+      <a:schemeClr val="accent1"/>
+    </dgm:fillClrLst>
+    <dgm:linClrLst meth="repeat">
+      <a:schemeClr val="lt1"/>
+    </dgm:linClrLst>
+    <dgm:effectClrLst/>
+    <dgm:txLinClrLst/>
+    <dgm:txFillClrLst/>
+    <dgm:txEffectClrLst/>
+  </dgm:styleLbl>
+  <dgm:styleLbl name="vennNode1">
+    <dgm:fillClrLst meth="repeat">
+      <a:schemeClr val="accent1">
+        <a:alpha val="50000"/>
+      </a:schemeClr>
+    </dgm:fillClrLst>
+    <dgm:linClrLst meth="repeat">
+      <a:schemeClr val="lt1"/>
+    </dgm:linClrLst>
+    <dgm:effectClrLst/>
+    <dgm:txLinClrLst/>
+    <dgm:txFillClrLst/>
+    <dgm:txEffectClrLst/>
+  </dgm:styleLbl>
+  <dgm:styleLbl name="node2">
+    <dgm:fillClrLst meth="repeat">
+      <a:schemeClr val="accent1"/>
+    </dgm:fillClrLst>
+    <dgm:linClrLst meth="repeat">
+      <a:schemeClr val="lt1"/>
+    </dgm:linClrLst>
+    <dgm:effectClrLst/>
+    <dgm:txLinClrLst/>
+    <dgm:txFillClrLst/>
+    <dgm:txEffectClrLst/>
+  </dgm:styleLbl>
+  <dgm:styleLbl name="node3">
+    <dgm:fillClrLst meth="repeat">
+      <a:schemeClr val="accent1"/>
+    </dgm:fillClrLst>
+    <dgm:linClrLst meth="repeat">
+      <a:schemeClr val="lt1"/>
+    </dgm:linClrLst>
+    <dgm:effectClrLst/>
+    <dgm:txLinClrLst/>
+    <dgm:txFillClrLst/>
+    <dgm:txEffectClrLst/>
+  </dgm:styleLbl>
+  <dgm:styleLbl name="node4">
+    <dgm:fillClrLst meth="repeat">
+      <a:schemeClr val="accent1"/>
+    </dgm:fillClrLst>
+    <dgm:linClrLst meth="repeat">
+      <a:schemeClr val="lt1"/>
+    </dgm:linClrLst>
+    <dgm:effectClrLst/>
+    <dgm:txLinClrLst/>
+    <dgm:txFillClrLst/>
+    <dgm:txEffectClrLst/>
+  </dgm:styleLbl>
+  <dgm:styleLbl name="fgImgPlace1">
+    <dgm:fillClrLst meth="repeat">
+      <a:schemeClr val="accent1">
+        <a:tint val="50000"/>
+      </a:schemeClr>
+    </dgm:fillClrLst>
+    <dgm:linClrLst meth="repeat">
+      <a:schemeClr val="lt1"/>
+    </dgm:linClrLst>
+    <dgm:effectClrLst/>
+    <dgm:txLinClrLst/>
+    <dgm:txFillClrLst meth="repeat">
+      <a:schemeClr val="lt1"/>
+    </dgm:txFillClrLst>
+    <dgm:txEffectClrLst/>
+  </dgm:styleLbl>
+  <dgm:styleLbl name="alignImgPlace1">
+    <dgm:fillClrLst meth="repeat">
+      <a:schemeClr val="accent1">
+        <a:tint val="50000"/>
+      </a:schemeClr>
+    </dgm:fillClrLst>
+    <dgm:linClrLst meth="repeat">
+      <a:schemeClr val="lt1"/>
+    </dgm:linClrLst>
+    <dgm:effectClrLst/>
+    <dgm:txLinClrLst/>
+    <dgm:txFillClrLst meth="repeat">
+      <a:schemeClr val="lt1"/>
+    </dgm:txFillClrLst>
+    <dgm:txEffectClrLst/>
+  </dgm:styleLbl>
+  <dgm:styleLbl name="bgImgPlace1">
+    <dgm:fillClrLst meth="repeat">
+      <a:schemeClr val="accent1">
+        <a:tint val="50000"/>
+      </a:schemeClr>
+    </dgm:fillClrLst>
+    <dgm:linClrLst meth="repeat">
+      <a:schemeClr val="lt1"/>
+    </dgm:linClrLst>
+    <dgm:effectClrLst/>
+    <dgm:txLinClrLst/>
+    <dgm:txFillClrLst meth="repeat">
+      <a:schemeClr val="lt1"/>
+    </dgm:txFillClrLst>
+    <dgm:txEffectClrLst/>
+  </dgm:styleLbl>
+  <dgm:styleLbl name="sibTrans2D1">
+    <dgm:fillClrLst meth="repeat">
+      <a:schemeClr val="accent1">
+        <a:tint val="60000"/>
+      </a:schemeClr>
+    </dgm:fillClrLst>
+    <dgm:linClrLst meth="repeat">
+      <a:schemeClr val="accent1">
+        <a:tint val="60000"/>
+      </a:schemeClr>
+    </dgm:linClrLst>
+    <dgm:effectClrLst/>
+    <dgm:txLinClrLst/>
+    <dgm:txFillClrLst/>
+    <dgm:txEffectClrLst/>
+  </dgm:styleLbl>
+  <dgm:styleLbl name="fgSibTrans2D1">
+    <dgm:fillClrLst meth="repeat">
+      <a:schemeClr val="accent1">
+        <a:tint val="60000"/>
+      </a:schemeClr>
+    </dgm:fillClrLst>
+    <dgm:linClrLst meth="repeat">
+      <a:schemeClr val="accent1">
+        <a:tint val="60000"/>
+      </a:schemeClr>
+    </dgm:linClrLst>
+    <dgm:effectClrLst/>
+    <dgm:txLinClrLst/>
+    <dgm:txFillClrLst/>
+    <dgm:txEffectClrLst/>
+  </dgm:styleLbl>
+  <dgm:styleLbl name="bgSibTrans2D1">
+    <dgm:fillClrLst meth="repeat">
+      <a:schemeClr val="accent1">
+        <a:tint val="60000"/>
+      </a:schemeClr>
+    </dgm:fillClrLst>
+    <dgm:linClrLst meth="repeat">
+      <a:schemeClr val="accent1">
+        <a:tint val="60000"/>
+      </a:schemeClr>
+    </dgm:linClrLst>
+    <dgm:effectClrLst/>
+    <dgm:txLinClrLst/>
+    <dgm:txFillClrLst/>
+    <dgm:txEffectClrLst/>
+  </dgm:styleLbl>
+  <dgm:styleLbl name="sibTrans1D1">
+    <dgm:fillClrLst meth="repeat">
+      <a:schemeClr val="accent1"/>
+    </dgm:fillClrLst>
+    <dgm:linClrLst meth="repeat">
+      <a:schemeClr val="accent1"/>
+    </dgm:linClrLst>
+    <dgm:effectClrLst/>
+    <dgm:txLinClrLst/>
+    <dgm:txFillClrLst meth="repeat">
+      <a:schemeClr val="tx1"/>
+    </dgm:txFillClrLst>
+    <dgm:txEffectClrLst/>
+  </dgm:styleLbl>
+  <dgm:styleLbl name="callout">
+    <dgm:fillClrLst meth="repeat">
+      <a:schemeClr val="accent1"/>
+    </dgm:fillClrLst>
+    <dgm:linClrLst meth="repeat">
+      <a:schemeClr val="accent1">
+        <a:tint val="50000"/>
+      </a:schemeClr>
+    </dgm:linClrLst>
+    <dgm:effectClrLst/>
+    <dgm:txLinClrLst/>
+    <dgm:txFillClrLst meth="repeat">
+      <a:schemeClr val="tx1"/>
+    </dgm:txFillClrLst>
+    <dgm:txEffectClrLst/>
+  </dgm:styleLbl>
+  <dgm:styleLbl name="asst0">
+    <dgm:fillClrLst meth="repeat">
+      <a:schemeClr val="accent1"/>
+    </dgm:fillClrLst>
+    <dgm:linClrLst meth="repeat">
+      <a:schemeClr val="lt1"/>
+    </dgm:linClrLst>
+    <dgm:effectClrLst/>
+    <dgm:txLinClrLst/>
+    <dgm:txFillClrLst/>
+    <dgm:txEffectClrLst/>
+  </dgm:styleLbl>
+  <dgm:styleLbl name="asst1">
+    <dgm:fillClrLst meth="repeat">
+      <a:schemeClr val="accent1"/>
+    </dgm:fillClrLst>
+    <dgm:linClrLst meth="repeat">
+      <a:schemeClr val="lt1"/>
+    </dgm:linClrLst>
+    <dgm:effectClrLst/>
+    <dgm:txLinClrLst/>
+    <dgm:txFillClrLst/>
+    <dgm:txEffectClrLst/>
+  </dgm:styleLbl>
+  <dgm:styleLbl name="asst2">
+    <dgm:fillClrLst meth="repeat">
+      <a:schemeClr val="accent1"/>
+    </dgm:fillClrLst>
+    <dgm:linClrLst meth="repeat">
+      <a:schemeClr val="lt1"/>
+    </dgm:linClrLst>
+    <dgm:effectClrLst/>
+    <dgm:txLinClrLst/>
+    <dgm:txFillClrLst/>
+    <dgm:txEffectClrLst/>
+  </dgm:styleLbl>
+  <dgm:styleLbl name="asst3">
+    <dgm:fillClrLst meth="repeat">
+      <a:schemeClr val="accent1"/>
+    </dgm:fillClrLst>
+    <dgm:linClrLst meth="repeat">
+      <a:schemeClr val="lt1"/>
+    </dgm:linClrLst>
+    <dgm:effectClrLst/>
+    <dgm:txLinClrLst/>
+    <dgm:txFillClrLst/>
+    <dgm:txEffectClrLst/>
+  </dgm:styleLbl>
+  <dgm:styleLbl name="asst4">
+    <dgm:fillClrLst meth="repeat">
+      <a:schemeClr val="accent1"/>
+    </dgm:fillClrLst>
+    <dgm:linClrLst meth="repeat">
+      <a:schemeClr val="lt1"/>
+    </dgm:linClrLst>
+    <dgm:effectClrLst/>
+    <dgm:txLinClrLst/>
+    <dgm:txFillClrLst/>
+    <dgm:txEffectClrLst/>
+  </dgm:styleLbl>
+  <dgm:styleLbl name="parChTrans2D1">
+    <dgm:fillClrLst meth="repeat">
+      <a:schemeClr val="accent1">
+        <a:tint val="60000"/>
+      </a:schemeClr>
+    </dgm:fillClrLst>
+    <dgm:linClrLst meth="repeat">
+      <a:schemeClr val="accent1">
+        <a:tint val="60000"/>
+      </a:schemeClr>
+    </dgm:linClrLst>
+    <dgm:effectClrLst/>
+    <dgm:txLinClrLst/>
+    <dgm:txFillClrLst meth="repeat">
+      <a:schemeClr val="lt1"/>
+    </dgm:txFillClrLst>
+    <dgm:txEffectClrLst/>
+  </dgm:styleLbl>
+  <dgm:styleLbl name="parChTrans2D2">
+    <dgm:fillClrLst meth="repeat">
+      <a:schemeClr val="accent1"/>
+    </dgm:fillClrLst>
+    <dgm:linClrLst meth="repeat">
+      <a:schemeClr val="accent1"/>
+    </dgm:linClrLst>
+    <dgm:effectClrLst/>
+    <dgm:txLinClrLst/>
+    <dgm:txFillClrLst meth="repeat">
+      <a:schemeClr val="lt1"/>
+    </dgm:txFillClrLst>
+    <dgm:txEffectClrLst/>
+  </dgm:styleLbl>
+  <dgm:styleLbl name="parChTrans2D3">
+    <dgm:fillClrLst meth="repeat">
+      <a:schemeClr val="accent1"/>
+    </dgm:fillClrLst>
+    <dgm:linClrLst meth="repeat">
+      <a:schemeClr val="accent1"/>
+    </dgm:linClrLst>
+    <dgm:effectClrLst/>
+    <dgm:txLinClrLst/>
+    <dgm:txFillClrLst meth="repeat">
+      <a:schemeClr val="lt1"/>
+    </dgm:txFillClrLst>
+    <dgm:txEffectClrLst/>
+  </dgm:styleLbl>
+  <dgm:styleLbl name="parChTrans2D4">
+    <dgm:fillClrLst meth="repeat">
+      <a:schemeClr val="accent1"/>
+    </dgm:fillClrLst>
+    <dgm:linClrLst meth="repeat">
+      <a:schemeClr val="accent1"/>
+    </dgm:linClrLst>
+    <dgm:effectClrLst/>
+    <dgm:txLinClrLst/>
+    <dgm:txFillClrLst meth="repeat">
+      <a:schemeClr val="lt1"/>
+    </dgm:txFillClrLst>
+    <dgm:txEffectClrLst/>
+  </dgm:styleLbl>
+  <dgm:styleLbl name="parChTrans1D1">
+    <dgm:fillClrLst meth="repeat">
+      <a:schemeClr val="accent1"/>
+    </dgm:fillClrLst>
+    <dgm:linClrLst meth="repeat">
+      <a:schemeClr val="accent1">
+        <a:shade val="60000"/>
+      </a:schemeClr>
+    </dgm:linClrLst>
+    <dgm:effectClrLst/>
+    <dgm:txLinClrLst/>
+    <dgm:txFillClrLst meth="repeat">
+      <a:schemeClr val="tx1"/>
+    </dgm:txFillClrLst>
+    <dgm:txEffectClrLst/>
+  </dgm:styleLbl>
+  <dgm:styleLbl name="parChTrans1D2">
+    <dgm:fillClrLst meth="repeat">
+      <a:schemeClr val="accent1"/>
+    </dgm:fillClrLst>
+    <dgm:linClrLst meth="repeat">
+      <a:schemeClr val="accent1">
+        <a:shade val="60000"/>
+      </a:schemeClr>
+    </dgm:linClrLst>
+    <dgm:effectClrLst/>
+    <dgm:txLinClrLst/>
+    <dgm:txFillClrLst meth="repeat">
+      <a:schemeClr val="tx1"/>
+    </dgm:txFillClrLst>
+    <dgm:txEffectClrLst/>
+  </dgm:styleLbl>
+  <dgm:styleLbl name="parChTrans1D3">
+    <dgm:fillClrLst meth="repeat">
+      <a:schemeClr val="accent1"/>
+    </dgm:fillClrLst>
+    <dgm:linClrLst meth="repeat">
+      <a:schemeClr val="accent1">
+        <a:shade val="80000"/>
+      </a:schemeClr>
+    </dgm:linClrLst>
+    <dgm:effectClrLst/>
+    <dgm:txLinClrLst/>
+    <dgm:txFillClrLst meth="repeat">
+      <a:schemeClr val="tx1"/>
+    </dgm:txFillClrLst>
+    <dgm:txEffectClrLst/>
+  </dgm:styleLbl>
+  <dgm:styleLbl name="parChTrans1D4">
+    <dgm:fillClrLst meth="repeat">
+      <a:schemeClr val="accent1"/>
+    </dgm:fillClrLst>
+    <dgm:linClrLst meth="repeat">
+      <a:schemeClr val="accent1">
+        <a:shade val="80000"/>
+      </a:schemeClr>
+    </dgm:linClrLst>
+    <dgm:effectClrLst/>
+    <dgm:txLinClrLst/>
+    <dgm:txFillClrLst meth="repeat">
+      <a:schemeClr val="tx1"/>
+    </dgm:txFillClrLst>
+    <dgm:txEffectClrLst/>
+  </dgm:styleLbl>
+  <dgm:styleLbl name="fgAcc1">
+    <dgm:fillClrLst meth="repeat">
+      <a:schemeClr val="lt1">
+        <a:alpha val="90000"/>
+      </a:schemeClr>
+    </dgm:fillClrLst>
+    <dgm:linClrLst meth="repeat">
+      <a:schemeClr val="accent1"/>
+    </dgm:linClrLst>
+    <dgm:effectClrLst/>
+    <dgm:txLinClrLst/>
+    <dgm:txFillClrLst meth="repeat">
+      <a:schemeClr val="dk1"/>
+    </dgm:txFillClrLst>
+    <dgm:txEffectClrLst/>
+  </dgm:styleLbl>
+  <dgm:styleLbl name="conFgAcc1">
+    <dgm:fillClrLst meth="repeat">
+      <a:schemeClr val="lt1">
+        <a:alpha val="90000"/>
+      </a:schemeClr>
+    </dgm:fillClrLst>
+    <dgm:linClrLst meth="repeat">
+      <a:schemeClr val="accent1"/>
+    </dgm:linClrLst>
+    <dgm:effectClrLst/>
+    <dgm:txLinClrLst/>
+    <dgm:txFillClrLst meth="repeat">
+      <a:schemeClr val="dk1"/>
+    </dgm:txFillClrLst>
+    <dgm:txEffectClrLst/>
+  </dgm:styleLbl>
+  <dgm:styleLbl name="alignAcc1">
+    <dgm:fillClrLst meth="repeat">
+      <a:schemeClr val="lt1">
+        <a:alpha val="90000"/>
+      </a:schemeClr>
+    </dgm:fillClrLst>
+    <dgm:linClrLst meth="repeat">
+      <a:schemeClr val="accent1"/>
+    </dgm:linClrLst>
+    <dgm:effectClrLst/>
+    <dgm:txLinClrLst/>
+    <dgm:txFillClrLst meth="repeat">
+      <a:schemeClr val="dk1"/>
+    </dgm:txFillClrLst>
+    <dgm:txEffectClrLst/>
+  </dgm:styleLbl>
+  <dgm:styleLbl name="trAlignAcc1">
+    <dgm:fillClrLst meth="repeat">
+      <a:schemeClr val="lt1">
+        <a:alpha val="40000"/>
+      </a:schemeClr>
+    </dgm:fillClrLst>
+    <dgm:linClrLst meth="repeat">
+      <a:schemeClr val="accent1"/>
+    </dgm:linClrLst>
+    <dgm:effectClrLst/>
+    <dgm:txLinClrLst/>
+    <dgm:txFillClrLst meth="repeat">
+      <a:schemeClr val="dk1"/>
+    </dgm:txFillClrLst>
+    <dgm:txEffectClrLst/>
+  </dgm:styleLbl>
+  <dgm:styleLbl name="bgAcc1">
+    <dgm:fillClrLst meth="repeat">
+      <a:schemeClr val="lt1">
+        <a:alpha val="90000"/>
+      </a:schemeClr>
+    </dgm:fillClrLst>
+    <dgm:linClrLst meth="repeat">
+      <a:schemeClr val="accent1"/>
+    </dgm:linClrLst>
+    <dgm:effectClrLst/>
+    <dgm:txLinClrLst/>
+    <dgm:txFillClrLst meth="repeat">
+      <a:schemeClr val="dk1"/>
+    </dgm:txFillClrLst>
+    <dgm:txEffectClrLst/>
+  </dgm:styleLbl>
+  <dgm:styleLbl name="solidFgAcc1">
+    <dgm:fillClrLst meth="repeat">
+      <a:schemeClr val="lt1"/>
+    </dgm:fillClrLst>
+    <dgm:linClrLst meth="repeat">
+      <a:schemeClr val="accent1"/>
+    </dgm:linClrLst>
+    <dgm:effectClrLst/>
+    <dgm:txLinClrLst/>
+    <dgm:txFillClrLst meth="repeat">
+      <a:schemeClr val="dk1"/>
+    </dgm:txFillClrLst>
+    <dgm:txEffectClrLst/>
+  </dgm:styleLbl>
+  <dgm:styleLbl name="solidAlignAcc1">
+    <dgm:fillClrLst meth="repeat">
+      <a:schemeClr val="lt1"/>
+    </dgm:fillClrLst>
+    <dgm:linClrLst meth="repeat">
+      <a:schemeClr val="accent1"/>
+    </dgm:linClrLst>
+    <dgm:effectClrLst/>
+    <dgm:txLinClrLst/>
+    <dgm:txFillClrLst meth="repeat">
+      <a:schemeClr val="dk1"/>
+    </dgm:txFillClrLst>
+    <dgm:txEffectClrLst/>
+  </dgm:styleLbl>
+  <dgm:styleLbl name="solidBgAcc1">
+    <dgm:fillClrLst meth="repeat">
+      <a:schemeClr val="lt1"/>
+    </dgm:fillClrLst>
+    <dgm:linClrLst meth="repeat">
+      <a:schemeClr val="accent1"/>
+    </dgm:linClrLst>
+    <dgm:effectClrLst/>
+    <dgm:txLinClrLst/>
+    <dgm:txFillClrLst meth="repeat">
+      <a:schemeClr val="dk1"/>
+    </dgm:txFillClrLst>
+    <dgm:txEffectClrLst/>
+  </dgm:styleLbl>
+  <dgm:styleLbl name="fgAccFollowNode1">
+    <dgm:fillClrLst meth="repeat">
+      <a:schemeClr val="accent1">
+        <a:alpha val="90000"/>
+        <a:tint val="40000"/>
+      </a:schemeClr>
+    </dgm:fillClrLst>
+    <dgm:linClrLst meth="repeat">
+      <a:schemeClr val="accent1">
+        <a:alpha val="90000"/>
+        <a:tint val="40000"/>
+      </a:schemeClr>
+    </dgm:linClrLst>
+    <dgm:effectClrLst/>
+    <dgm:txLinClrLst/>
+    <dgm:txFillClrLst meth="repeat">
+      <a:schemeClr val="dk1"/>
+    </dgm:txFillClrLst>
+    <dgm:txEffectClrLst/>
+  </dgm:styleLbl>
+  <dgm:styleLbl name="alignAccFollowNode1">
+    <dgm:fillClrLst meth="repeat">
+      <a:schemeClr val="accent1">
+        <a:alpha val="90000"/>
+        <a:tint val="40000"/>
+      </a:schemeClr>
+    </dgm:fillClrLst>
+    <dgm:linClrLst meth="repeat">
+      <a:schemeClr val="accent1">
+        <a:alpha val="90000"/>
+        <a:tint val="40000"/>
+      </a:schemeClr>
+    </dgm:linClrLst>
+    <dgm:effectClrLst/>
+    <dgm:txLinClrLst/>
+    <dgm:txFillClrLst meth="repeat">
+      <a:schemeClr val="dk1"/>
+    </dgm:txFillClrLst>
+    <dgm:txEffectClrLst/>
+  </dgm:styleLbl>
+  <dgm:styleLbl name="bgAccFollowNode1">
+    <dgm:fillClrLst meth="repeat">
+      <a:schemeClr val="accent1">
+        <a:alpha val="90000"/>
+        <a:tint val="40000"/>
+      </a:schemeClr>
+    </dgm:fillClrLst>
+    <dgm:linClrLst meth="repeat">
+      <a:schemeClr val="accent1">
+        <a:alpha val="90000"/>
+        <a:tint val="40000"/>
+      </a:schemeClr>
+    </dgm:linClrLst>
+    <dgm:effectClrLst/>
+    <dgm:txLinClrLst/>
+    <dgm:txFillClrLst meth="repeat">
+      <a:schemeClr val="dk1"/>
+    </dgm:txFillClrLst>
+    <dgm:txEffectClrLst/>
+  </dgm:styleLbl>
+  <dgm:styleLbl name="fgAcc0">
+    <dgm:fillClrLst meth="repeat">
+      <a:schemeClr val="lt1">
+        <a:alpha val="90000"/>
+      </a:schemeClr>
+    </dgm:fillClrLst>
+    <dgm:linClrLst meth="repeat">
+      <a:schemeClr val="accent1"/>
+    </dgm:linClrLst>
+    <dgm:effectClrLst/>
+    <dgm:txLinClrLst/>
+    <dgm:txFillClrLst meth="repeat">
+      <a:schemeClr val="dk1"/>
+    </dgm:txFillClrLst>
+    <dgm:txEffectClrLst/>
+  </dgm:styleLbl>
+  <dgm:styleLbl name="fgAcc2">
+    <dgm:fillClrLst meth="repeat">
+      <a:schemeClr val="lt1">
+        <a:alpha val="90000"/>
+      </a:schemeClr>
+    </dgm:fillClrLst>
+    <dgm:linClrLst meth="repeat">
+      <a:schemeClr val="accent1"/>
+    </dgm:linClrLst>
+    <dgm:effectClrLst/>
+    <dgm:txLinClrLst/>
+    <dgm:txFillClrLst meth="repeat">
+      <a:schemeClr val="dk1"/>
+    </dgm:txFillClrLst>
+    <dgm:txEffectClrLst/>
+  </dgm:styleLbl>
+  <dgm:styleLbl name="fgAcc3">
+    <dgm:fillClrLst meth="repeat">
+      <a:schemeClr val="lt1">
+        <a:alpha val="90000"/>
+      </a:schemeClr>
+    </dgm:fillClrLst>
+    <dgm:linClrLst meth="repeat">
+      <a:schemeClr val="accent1"/>
+    </dgm:linClrLst>
+    <dgm:effectClrLst/>
+    <dgm:txLinClrLst/>
+    <dgm:txFillClrLst meth="repeat">
+      <a:schemeClr val="dk1"/>
+    </dgm:txFillClrLst>
+    <dgm:txEffectClrLst/>
+  </dgm:styleLbl>
+  <dgm:styleLbl name="fgAcc4">
+    <dgm:fillClrLst meth="repeat">
+      <a:schemeClr val="lt1">
+        <a:alpha val="90000"/>
+      </a:schemeClr>
+    </dgm:fillClrLst>
+    <dgm:linClrLst meth="repeat">
+      <a:schemeClr val="accent1"/>
+    </dgm:linClrLst>
+    <dgm:effectClrLst/>
+    <dgm:txLinClrLst/>
+    <dgm:txFillClrLst meth="repeat">
+      <a:schemeClr val="dk1"/>
+    </dgm:txFillClrLst>
+    <dgm:txEffectClrLst/>
+  </dgm:styleLbl>
+  <dgm:styleLbl name="bgShp">
+    <dgm:fillClrLst meth="repeat">
+      <a:schemeClr val="accent1">
+        <a:tint val="40000"/>
+      </a:schemeClr>
+    </dgm:fillClrLst>
+    <dgm:linClrLst meth="repeat">
+      <a:schemeClr val="accent1"/>
+    </dgm:linClrLst>
+    <dgm:effectClrLst/>
+    <dgm:txLinClrLst/>
+    <dgm:txFillClrLst meth="repeat">
+      <a:schemeClr val="dk1"/>
+    </dgm:txFillClrLst>
+    <dgm:txEffectClrLst/>
+  </dgm:styleLbl>
+  <dgm:styleLbl name="dkBgShp">
+    <dgm:fillClrLst meth="repeat">
+      <a:schemeClr val="accent1">
+        <a:shade val="80000"/>
+      </a:schemeClr>
+    </dgm:fillClrLst>
+    <dgm:linClrLst meth="repeat">
+      <a:schemeClr val="accent1"/>
+    </dgm:linClrLst>
+    <dgm:effectClrLst/>
+    <dgm:txLinClrLst/>
+    <dgm:txFillClrLst meth="repeat">
+      <a:schemeClr val="lt1"/>
+    </dgm:txFillClrLst>
+    <dgm:txEffectClrLst/>
+  </dgm:styleLbl>
+  <dgm:styleLbl name="trBgShp">
+    <dgm:fillClrLst meth="repeat">
+      <a:schemeClr val="accent1">
+        <a:tint val="50000"/>
+        <a:alpha val="40000"/>
+      </a:schemeClr>
+    </dgm:fillClrLst>
+    <dgm:linClrLst meth="repeat">
+      <a:schemeClr val="accent1"/>
+    </dgm:linClrLst>
+    <dgm:effectClrLst/>
+    <dgm:txLinClrLst/>
+    <dgm:txFillClrLst meth="repeat">
+      <a:schemeClr val="lt1"/>
+    </dgm:txFillClrLst>
+    <dgm:txEffectClrLst/>
+  </dgm:styleLbl>
+  <dgm:styleLbl name="fgShp">
+    <dgm:fillClrLst meth="repeat">
+      <a:schemeClr val="accent1">
+        <a:tint val="60000"/>
+      </a:schemeClr>
+    </dgm:fillClrLst>
+    <dgm:linClrLst meth="repeat">
+      <a:schemeClr val="lt1"/>
+    </dgm:linClrLst>
+    <dgm:effectClrLst/>
+    <dgm:txLinClrLst/>
+    <dgm:txFillClrLst meth="repeat">
+      <a:schemeClr val="dk1"/>
+    </dgm:txFillClrLst>
+    <dgm:txEffectClrLst/>
+  </dgm:styleLbl>
+  <dgm:styleLbl name="revTx">
+    <dgm:fillClrLst meth="repeat">
+      <a:schemeClr val="lt1">
+        <a:alpha val="0"/>
+      </a:schemeClr>
+    </dgm:fillClrLst>
+    <dgm:linClrLst meth="repeat">
+      <a:schemeClr val="dk1">
+        <a:alpha val="0"/>
+      </a:schemeClr>
+    </dgm:linClrLst>
+    <dgm:effectClrLst/>
+    <dgm:txLinClrLst/>
+    <dgm:txFillClrLst meth="repeat">
+      <a:schemeClr val="tx1"/>
+    </dgm:txFillClrLst>
+    <dgm:txEffectClrLst/>
+  </dgm:styleLbl>
+</dgm:colorsDef>
+</file>
+
+<file path=ppt/diagrams/data1.xml><?xml version="1.0" encoding="utf-8"?>
+<dgm:dataModel xmlns:dgm="http://schemas.openxmlformats.org/drawingml/2006/diagram" xmlns:a="http://schemas.openxmlformats.org/drawingml/2006/main">
+  <dgm:ptLst>
+    <dgm:pt modelId="{EAEE3FDB-6A51-4BE8-92C0-6EB55EB3C5B8}" type="doc">
+      <dgm:prSet loTypeId="urn:microsoft.com/office/officeart/2008/layout/VerticalCurvedList" loCatId="list" qsTypeId="urn:microsoft.com/office/officeart/2005/8/quickstyle/simple1" qsCatId="simple" csTypeId="urn:microsoft.com/office/officeart/2005/8/colors/accent1_2" csCatId="accent1" phldr="1"/>
+      <dgm:spPr/>
+      <dgm:t>
+        <a:bodyPr/>
+        <a:lstStyle/>
+        <a:p>
+          <a:endParaRPr lang="zh-CN" altLang="en-US"/>
+        </a:p>
+      </dgm:t>
+    </dgm:pt>
+    <dgm:pt modelId="{99CB3157-A8C5-4605-90CD-7656D2B75E4E}">
+      <dgm:prSet phldrT="[文本]"/>
+      <dgm:spPr/>
+      <dgm:t>
+        <a:bodyPr/>
+        <a:lstStyle/>
+        <a:p>
+          <a:r>
+            <a:rPr lang="zh-CN" altLang="en-US" dirty="0"/>
+            <a:t>提供多种算法</a:t>
+          </a:r>
+        </a:p>
+      </dgm:t>
+    </dgm:pt>
+    <dgm:pt modelId="{F4783EF4-79D5-4BA7-BF60-9B492DA027A8}" type="parTrans" cxnId="{A3B06B4D-6CD3-44AD-BF2E-D9DCEBA3F9D3}">
+      <dgm:prSet/>
+      <dgm:spPr/>
+      <dgm:t>
+        <a:bodyPr/>
+        <a:lstStyle/>
+        <a:p>
+          <a:endParaRPr lang="zh-CN" altLang="en-US"/>
+        </a:p>
+      </dgm:t>
+    </dgm:pt>
+    <dgm:pt modelId="{369833A8-05F1-4BC9-B1B2-7D07C86F452E}" type="sibTrans" cxnId="{A3B06B4D-6CD3-44AD-BF2E-D9DCEBA3F9D3}">
+      <dgm:prSet/>
+      <dgm:spPr/>
+      <dgm:t>
+        <a:bodyPr/>
+        <a:lstStyle/>
+        <a:p>
+          <a:endParaRPr lang="zh-CN" altLang="en-US"/>
+        </a:p>
+      </dgm:t>
+    </dgm:pt>
+    <dgm:pt modelId="{2DD5636D-A38F-46AE-80EB-C6F27BA00B9F}">
+      <dgm:prSet phldrT="[文本]"/>
+      <dgm:spPr/>
+      <dgm:t>
+        <a:bodyPr/>
+        <a:lstStyle/>
+        <a:p>
+          <a:r>
+            <a:rPr lang="zh-CN" altLang="en-US" dirty="0"/>
+            <a:t>用户自由选择</a:t>
+          </a:r>
+        </a:p>
+      </dgm:t>
+    </dgm:pt>
+    <dgm:pt modelId="{25288944-C2B2-45A4-8329-AB485E2E3083}" type="parTrans" cxnId="{D1DB026E-DBFE-406C-A26A-A6C4EC723D4F}">
+      <dgm:prSet/>
+      <dgm:spPr/>
+      <dgm:t>
+        <a:bodyPr/>
+        <a:lstStyle/>
+        <a:p>
+          <a:endParaRPr lang="zh-CN" altLang="en-US"/>
+        </a:p>
+      </dgm:t>
+    </dgm:pt>
+    <dgm:pt modelId="{8139E9F7-2456-4853-B958-CC495CF82516}" type="sibTrans" cxnId="{D1DB026E-DBFE-406C-A26A-A6C4EC723D4F}">
+      <dgm:prSet/>
+      <dgm:spPr/>
+      <dgm:t>
+        <a:bodyPr/>
+        <a:lstStyle/>
+        <a:p>
+          <a:endParaRPr lang="zh-CN" altLang="en-US"/>
+        </a:p>
+      </dgm:t>
+    </dgm:pt>
+    <dgm:pt modelId="{D303CD5B-5691-4987-BC9A-7927A42706CB}">
+      <dgm:prSet phldrT="[文本]"/>
+      <dgm:spPr/>
+      <dgm:t>
+        <a:bodyPr/>
+        <a:lstStyle/>
+        <a:p>
+          <a:r>
+            <a:rPr lang="zh-CN" altLang="en-US" dirty="0"/>
+            <a:t>总结算法特性</a:t>
+          </a:r>
+        </a:p>
+      </dgm:t>
+    </dgm:pt>
+    <dgm:pt modelId="{4672C41E-D49F-4FBA-B260-75A277AD1965}" type="sibTrans" cxnId="{30AEA3F9-E491-48B7-927D-2B2ECD43A5E8}">
+      <dgm:prSet/>
+      <dgm:spPr/>
+      <dgm:t>
+        <a:bodyPr/>
+        <a:lstStyle/>
+        <a:p>
+          <a:endParaRPr lang="zh-CN" altLang="en-US"/>
+        </a:p>
+      </dgm:t>
+    </dgm:pt>
+    <dgm:pt modelId="{1B16F9F1-267D-450F-9738-B147C914BAA8}" type="parTrans" cxnId="{30AEA3F9-E491-48B7-927D-2B2ECD43A5E8}">
+      <dgm:prSet/>
+      <dgm:spPr/>
+      <dgm:t>
+        <a:bodyPr/>
+        <a:lstStyle/>
+        <a:p>
+          <a:endParaRPr lang="zh-CN" altLang="en-US"/>
+        </a:p>
+      </dgm:t>
+    </dgm:pt>
+    <dgm:pt modelId="{0505E9E8-D96E-4F94-AB4F-073953E77351}" type="pres">
+      <dgm:prSet presAssocID="{EAEE3FDB-6A51-4BE8-92C0-6EB55EB3C5B8}" presName="Name0" presStyleCnt="0">
+        <dgm:presLayoutVars>
+          <dgm:chMax val="7"/>
+          <dgm:chPref val="7"/>
+          <dgm:dir/>
+        </dgm:presLayoutVars>
+      </dgm:prSet>
+      <dgm:spPr/>
+    </dgm:pt>
+    <dgm:pt modelId="{4EA6FE19-A8C7-4902-BED4-52E34EDB46A6}" type="pres">
+      <dgm:prSet presAssocID="{EAEE3FDB-6A51-4BE8-92C0-6EB55EB3C5B8}" presName="Name1" presStyleCnt="0"/>
+      <dgm:spPr/>
+    </dgm:pt>
+    <dgm:pt modelId="{BAFE9E4E-8609-478A-84D5-524A01A57E67}" type="pres">
+      <dgm:prSet presAssocID="{EAEE3FDB-6A51-4BE8-92C0-6EB55EB3C5B8}" presName="cycle" presStyleCnt="0"/>
+      <dgm:spPr/>
+    </dgm:pt>
+    <dgm:pt modelId="{8A92A2BC-3DC3-4A00-A07C-C4513EE8D81C}" type="pres">
+      <dgm:prSet presAssocID="{EAEE3FDB-6A51-4BE8-92C0-6EB55EB3C5B8}" presName="srcNode" presStyleLbl="node1" presStyleIdx="0" presStyleCnt="3"/>
+      <dgm:spPr/>
+    </dgm:pt>
+    <dgm:pt modelId="{701802FC-8228-4A94-908E-26DF7A6DE2E5}" type="pres">
+      <dgm:prSet presAssocID="{EAEE3FDB-6A51-4BE8-92C0-6EB55EB3C5B8}" presName="conn" presStyleLbl="parChTrans1D2" presStyleIdx="0" presStyleCnt="1"/>
+      <dgm:spPr/>
+    </dgm:pt>
+    <dgm:pt modelId="{30563726-FFD3-4842-AD3A-CEF66C191BF3}" type="pres">
+      <dgm:prSet presAssocID="{EAEE3FDB-6A51-4BE8-92C0-6EB55EB3C5B8}" presName="extraNode" presStyleLbl="node1" presStyleIdx="0" presStyleCnt="3"/>
+      <dgm:spPr/>
+    </dgm:pt>
+    <dgm:pt modelId="{9CD9E6A8-2858-4F8F-8432-B51169F74A97}" type="pres">
+      <dgm:prSet presAssocID="{EAEE3FDB-6A51-4BE8-92C0-6EB55EB3C5B8}" presName="dstNode" presStyleLbl="node1" presStyleIdx="0" presStyleCnt="3"/>
+      <dgm:spPr/>
+    </dgm:pt>
+    <dgm:pt modelId="{339D537B-444C-4738-B12A-4651673D4678}" type="pres">
+      <dgm:prSet presAssocID="{99CB3157-A8C5-4605-90CD-7656D2B75E4E}" presName="text_1" presStyleLbl="node1" presStyleIdx="0" presStyleCnt="3">
+        <dgm:presLayoutVars>
+          <dgm:bulletEnabled val="1"/>
+        </dgm:presLayoutVars>
+      </dgm:prSet>
+      <dgm:spPr/>
+    </dgm:pt>
+    <dgm:pt modelId="{3A7D16FF-9C1D-4763-9305-8DB38878D3DA}" type="pres">
+      <dgm:prSet presAssocID="{99CB3157-A8C5-4605-90CD-7656D2B75E4E}" presName="accent_1" presStyleCnt="0"/>
+      <dgm:spPr/>
+    </dgm:pt>
+    <dgm:pt modelId="{53AF3800-925A-4DDA-9954-A4C14E2C7596}" type="pres">
+      <dgm:prSet presAssocID="{99CB3157-A8C5-4605-90CD-7656D2B75E4E}" presName="accentRepeatNode" presStyleLbl="solidFgAcc1" presStyleIdx="0" presStyleCnt="3"/>
+      <dgm:spPr/>
+    </dgm:pt>
+    <dgm:pt modelId="{A357F13F-1760-4400-B991-FF577DB19B42}" type="pres">
+      <dgm:prSet presAssocID="{D303CD5B-5691-4987-BC9A-7927A42706CB}" presName="text_2" presStyleLbl="node1" presStyleIdx="1" presStyleCnt="3">
+        <dgm:presLayoutVars>
+          <dgm:bulletEnabled val="1"/>
+        </dgm:presLayoutVars>
+      </dgm:prSet>
+      <dgm:spPr/>
+    </dgm:pt>
+    <dgm:pt modelId="{74AA498C-5E50-40E0-BEC7-1D84D40CA57C}" type="pres">
+      <dgm:prSet presAssocID="{D303CD5B-5691-4987-BC9A-7927A42706CB}" presName="accent_2" presStyleCnt="0"/>
+      <dgm:spPr/>
+    </dgm:pt>
+    <dgm:pt modelId="{A40BAE15-16E1-443E-85C5-CBA244D082CA}" type="pres">
+      <dgm:prSet presAssocID="{D303CD5B-5691-4987-BC9A-7927A42706CB}" presName="accentRepeatNode" presStyleLbl="solidFgAcc1" presStyleIdx="1" presStyleCnt="3"/>
+      <dgm:spPr/>
+    </dgm:pt>
+    <dgm:pt modelId="{AD0A4662-63CD-48D9-AA2D-302F5D6B4B9E}" type="pres">
+      <dgm:prSet presAssocID="{2DD5636D-A38F-46AE-80EB-C6F27BA00B9F}" presName="text_3" presStyleLbl="node1" presStyleIdx="2" presStyleCnt="3">
+        <dgm:presLayoutVars>
+          <dgm:bulletEnabled val="1"/>
+        </dgm:presLayoutVars>
+      </dgm:prSet>
+      <dgm:spPr/>
+    </dgm:pt>
+    <dgm:pt modelId="{B1C76AC4-CEB3-445F-A24F-3E14A1084578}" type="pres">
+      <dgm:prSet presAssocID="{2DD5636D-A38F-46AE-80EB-C6F27BA00B9F}" presName="accent_3" presStyleCnt="0"/>
+      <dgm:spPr/>
+    </dgm:pt>
+    <dgm:pt modelId="{2859CC1C-DD18-4F9A-B25A-FF1ED5A06FD7}" type="pres">
+      <dgm:prSet presAssocID="{2DD5636D-A38F-46AE-80EB-C6F27BA00B9F}" presName="accentRepeatNode" presStyleLbl="solidFgAcc1" presStyleIdx="2" presStyleCnt="3"/>
+      <dgm:spPr/>
+    </dgm:pt>
+  </dgm:ptLst>
+  <dgm:cxnLst>
+    <dgm:cxn modelId="{F2E47201-40FE-456C-A4F1-3D4766DAC93B}" type="presOf" srcId="{369833A8-05F1-4BC9-B1B2-7D07C86F452E}" destId="{701802FC-8228-4A94-908E-26DF7A6DE2E5}" srcOrd="0" destOrd="0" presId="urn:microsoft.com/office/officeart/2008/layout/VerticalCurvedList"/>
+    <dgm:cxn modelId="{852ABC13-7566-4679-8298-7BA10329367E}" type="presOf" srcId="{2DD5636D-A38F-46AE-80EB-C6F27BA00B9F}" destId="{AD0A4662-63CD-48D9-AA2D-302F5D6B4B9E}" srcOrd="0" destOrd="0" presId="urn:microsoft.com/office/officeart/2008/layout/VerticalCurvedList"/>
+    <dgm:cxn modelId="{A3B06B4D-6CD3-44AD-BF2E-D9DCEBA3F9D3}" srcId="{EAEE3FDB-6A51-4BE8-92C0-6EB55EB3C5B8}" destId="{99CB3157-A8C5-4605-90CD-7656D2B75E4E}" srcOrd="0" destOrd="0" parTransId="{F4783EF4-79D5-4BA7-BF60-9B492DA027A8}" sibTransId="{369833A8-05F1-4BC9-B1B2-7D07C86F452E}"/>
+    <dgm:cxn modelId="{D1DB026E-DBFE-406C-A26A-A6C4EC723D4F}" srcId="{EAEE3FDB-6A51-4BE8-92C0-6EB55EB3C5B8}" destId="{2DD5636D-A38F-46AE-80EB-C6F27BA00B9F}" srcOrd="2" destOrd="0" parTransId="{25288944-C2B2-45A4-8329-AB485E2E3083}" sibTransId="{8139E9F7-2456-4853-B958-CC495CF82516}"/>
+    <dgm:cxn modelId="{E7B5109F-1056-4324-92E0-75CADDE12422}" type="presOf" srcId="{EAEE3FDB-6A51-4BE8-92C0-6EB55EB3C5B8}" destId="{0505E9E8-D96E-4F94-AB4F-073953E77351}" srcOrd="0" destOrd="0" presId="urn:microsoft.com/office/officeart/2008/layout/VerticalCurvedList"/>
+    <dgm:cxn modelId="{996B3DB3-16D2-456B-A1E7-B5242F5CF674}" type="presOf" srcId="{99CB3157-A8C5-4605-90CD-7656D2B75E4E}" destId="{339D537B-444C-4738-B12A-4651673D4678}" srcOrd="0" destOrd="0" presId="urn:microsoft.com/office/officeart/2008/layout/VerticalCurvedList"/>
+    <dgm:cxn modelId="{BC3A53B7-312F-49CD-8760-FED65949F493}" type="presOf" srcId="{D303CD5B-5691-4987-BC9A-7927A42706CB}" destId="{A357F13F-1760-4400-B991-FF577DB19B42}" srcOrd="0" destOrd="0" presId="urn:microsoft.com/office/officeart/2008/layout/VerticalCurvedList"/>
+    <dgm:cxn modelId="{30AEA3F9-E491-48B7-927D-2B2ECD43A5E8}" srcId="{EAEE3FDB-6A51-4BE8-92C0-6EB55EB3C5B8}" destId="{D303CD5B-5691-4987-BC9A-7927A42706CB}" srcOrd="1" destOrd="0" parTransId="{1B16F9F1-267D-450F-9738-B147C914BAA8}" sibTransId="{4672C41E-D49F-4FBA-B260-75A277AD1965}"/>
+    <dgm:cxn modelId="{B22F910F-01A2-48F7-8EEF-DE3A4CDE6307}" type="presParOf" srcId="{0505E9E8-D96E-4F94-AB4F-073953E77351}" destId="{4EA6FE19-A8C7-4902-BED4-52E34EDB46A6}" srcOrd="0" destOrd="0" presId="urn:microsoft.com/office/officeart/2008/layout/VerticalCurvedList"/>
+    <dgm:cxn modelId="{085162BD-8FD2-4FDF-A648-D67C964B7796}" type="presParOf" srcId="{4EA6FE19-A8C7-4902-BED4-52E34EDB46A6}" destId="{BAFE9E4E-8609-478A-84D5-524A01A57E67}" srcOrd="0" destOrd="0" presId="urn:microsoft.com/office/officeart/2008/layout/VerticalCurvedList"/>
+    <dgm:cxn modelId="{8F310242-40AB-4B87-A0A7-B0AA2BE48581}" type="presParOf" srcId="{BAFE9E4E-8609-478A-84D5-524A01A57E67}" destId="{8A92A2BC-3DC3-4A00-A07C-C4513EE8D81C}" srcOrd="0" destOrd="0" presId="urn:microsoft.com/office/officeart/2008/layout/VerticalCurvedList"/>
+    <dgm:cxn modelId="{A72B2AA8-8C94-457E-92FC-A6F58C8C295A}" type="presParOf" srcId="{BAFE9E4E-8609-478A-84D5-524A01A57E67}" destId="{701802FC-8228-4A94-908E-26DF7A6DE2E5}" srcOrd="1" destOrd="0" presId="urn:microsoft.com/office/officeart/2008/layout/VerticalCurvedList"/>
+    <dgm:cxn modelId="{80DAD8D6-7016-4DF6-B6C7-EF8037127E41}" type="presParOf" srcId="{BAFE9E4E-8609-478A-84D5-524A01A57E67}" destId="{30563726-FFD3-4842-AD3A-CEF66C191BF3}" srcOrd="2" destOrd="0" presId="urn:microsoft.com/office/officeart/2008/layout/VerticalCurvedList"/>
+    <dgm:cxn modelId="{0C8B1C55-808B-4B48-B550-40295E11B97E}" type="presParOf" srcId="{BAFE9E4E-8609-478A-84D5-524A01A57E67}" destId="{9CD9E6A8-2858-4F8F-8432-B51169F74A97}" srcOrd="3" destOrd="0" presId="urn:microsoft.com/office/officeart/2008/layout/VerticalCurvedList"/>
+    <dgm:cxn modelId="{808DB427-EA11-490A-8C24-53E1CB5D888C}" type="presParOf" srcId="{4EA6FE19-A8C7-4902-BED4-52E34EDB46A6}" destId="{339D537B-444C-4738-B12A-4651673D4678}" srcOrd="1" destOrd="0" presId="urn:microsoft.com/office/officeart/2008/layout/VerticalCurvedList"/>
+    <dgm:cxn modelId="{CC9E5FD5-CAA4-4601-A34A-5AFBEB5695E5}" type="presParOf" srcId="{4EA6FE19-A8C7-4902-BED4-52E34EDB46A6}" destId="{3A7D16FF-9C1D-4763-9305-8DB38878D3DA}" srcOrd="2" destOrd="0" presId="urn:microsoft.com/office/officeart/2008/layout/VerticalCurvedList"/>
+    <dgm:cxn modelId="{BD8C728B-ECA0-4A67-BE76-7F0E468EA637}" type="presParOf" srcId="{3A7D16FF-9C1D-4763-9305-8DB38878D3DA}" destId="{53AF3800-925A-4DDA-9954-A4C14E2C7596}" srcOrd="0" destOrd="0" presId="urn:microsoft.com/office/officeart/2008/layout/VerticalCurvedList"/>
+    <dgm:cxn modelId="{459AA0AE-DBD5-4CAB-9696-5388F1D6FFBC}" type="presParOf" srcId="{4EA6FE19-A8C7-4902-BED4-52E34EDB46A6}" destId="{A357F13F-1760-4400-B991-FF577DB19B42}" srcOrd="3" destOrd="0" presId="urn:microsoft.com/office/officeart/2008/layout/VerticalCurvedList"/>
+    <dgm:cxn modelId="{5E302704-02F9-46AB-A4EA-7B1851307416}" type="presParOf" srcId="{4EA6FE19-A8C7-4902-BED4-52E34EDB46A6}" destId="{74AA498C-5E50-40E0-BEC7-1D84D40CA57C}" srcOrd="4" destOrd="0" presId="urn:microsoft.com/office/officeart/2008/layout/VerticalCurvedList"/>
+    <dgm:cxn modelId="{ABA795B3-0FA9-4F30-991A-4048D0F50A7F}" type="presParOf" srcId="{74AA498C-5E50-40E0-BEC7-1D84D40CA57C}" destId="{A40BAE15-16E1-443E-85C5-CBA244D082CA}" srcOrd="0" destOrd="0" presId="urn:microsoft.com/office/officeart/2008/layout/VerticalCurvedList"/>
+    <dgm:cxn modelId="{7C8D4B3F-5ACF-45A7-ADC9-D52C6F1A6391}" type="presParOf" srcId="{4EA6FE19-A8C7-4902-BED4-52E34EDB46A6}" destId="{AD0A4662-63CD-48D9-AA2D-302F5D6B4B9E}" srcOrd="5" destOrd="0" presId="urn:microsoft.com/office/officeart/2008/layout/VerticalCurvedList"/>
+    <dgm:cxn modelId="{E5802460-61B5-419A-B8C9-83FAE8D06499}" type="presParOf" srcId="{4EA6FE19-A8C7-4902-BED4-52E34EDB46A6}" destId="{B1C76AC4-CEB3-445F-A24F-3E14A1084578}" srcOrd="6" destOrd="0" presId="urn:microsoft.com/office/officeart/2008/layout/VerticalCurvedList"/>
+    <dgm:cxn modelId="{DE52FF01-2AEA-4F62-9070-2C8B0D84166C}" type="presParOf" srcId="{B1C76AC4-CEB3-445F-A24F-3E14A1084578}" destId="{2859CC1C-DD18-4F9A-B25A-FF1ED5A06FD7}" srcOrd="0" destOrd="0" presId="urn:microsoft.com/office/officeart/2008/layout/VerticalCurvedList"/>
+  </dgm:cxnLst>
+  <dgm:bg/>
+  <dgm:whole/>
+  <dgm:extLst>
+    <a:ext uri="http://schemas.microsoft.com/office/drawing/2008/diagram">
+      <dsp:dataModelExt xmlns:dsp="http://schemas.microsoft.com/office/drawing/2008/diagram" relId="rId7" minVer="http://schemas.openxmlformats.org/drawingml/2006/diagram"/>
+    </a:ext>
+  </dgm:extLst>
+</dgm:dataModel>
+</file>
+
+<file path=ppt/diagrams/data2.xml><?xml version="1.0" encoding="utf-8"?>
+<dgm:dataModel xmlns:dgm="http://schemas.openxmlformats.org/drawingml/2006/diagram" xmlns:a="http://schemas.openxmlformats.org/drawingml/2006/main">
+  <dgm:ptLst>
+    <dgm:pt modelId="{373B28CC-8B8F-45E0-9FC4-852DD624D86F}" type="doc">
+      <dgm:prSet loTypeId="urn:microsoft.com/office/officeart/2005/8/layout/vList2" loCatId="list" qsTypeId="urn:microsoft.com/office/officeart/2005/8/quickstyle/simple1" qsCatId="simple" csTypeId="urn:microsoft.com/office/officeart/2005/8/colors/accent1_2" csCatId="accent1" phldr="1"/>
+      <dgm:spPr/>
+      <dgm:t>
+        <a:bodyPr/>
+        <a:lstStyle/>
+        <a:p>
+          <a:endParaRPr lang="zh-CN" altLang="en-US"/>
+        </a:p>
+      </dgm:t>
+    </dgm:pt>
+    <dgm:pt modelId="{B57066F1-444C-4BAC-9A7B-63E7C1D2F5B3}">
+      <dgm:prSet phldrT="[文本]"/>
+      <dgm:spPr/>
+      <dgm:t>
+        <a:bodyPr/>
+        <a:lstStyle/>
+        <a:p>
+          <a:r>
+            <a:rPr lang="zh-CN" altLang="en-US" dirty="0"/>
+            <a:t>选择题</a:t>
+          </a:r>
+        </a:p>
+      </dgm:t>
+    </dgm:pt>
+    <dgm:pt modelId="{67F19FFA-1D04-424C-9C19-A5F5172F8CC2}" type="parTrans" cxnId="{C53AA3DB-C26A-4B7B-83CC-D2AAF62AFC11}">
+      <dgm:prSet/>
+      <dgm:spPr/>
+      <dgm:t>
+        <a:bodyPr/>
+        <a:lstStyle/>
+        <a:p>
+          <a:endParaRPr lang="zh-CN" altLang="en-US"/>
+        </a:p>
+      </dgm:t>
+    </dgm:pt>
+    <dgm:pt modelId="{EF438696-3D5A-4C40-8A25-FD60898AC580}" type="sibTrans" cxnId="{C53AA3DB-C26A-4B7B-83CC-D2AAF62AFC11}">
+      <dgm:prSet/>
+      <dgm:spPr/>
+      <dgm:t>
+        <a:bodyPr/>
+        <a:lstStyle/>
+        <a:p>
+          <a:endParaRPr lang="zh-CN" altLang="en-US"/>
+        </a:p>
+      </dgm:t>
+    </dgm:pt>
+    <dgm:pt modelId="{8E0B3018-7151-4F64-A086-CCDB7C6AE59B}">
+      <dgm:prSet phldrT="[文本]"/>
+      <dgm:spPr/>
+      <dgm:t>
+        <a:bodyPr/>
+        <a:lstStyle/>
+        <a:p>
+          <a:r>
+            <a:rPr lang="zh-CN" altLang="en-US" dirty="0"/>
+            <a:t>简单模式对比</a:t>
+          </a:r>
+        </a:p>
+      </dgm:t>
+    </dgm:pt>
+    <dgm:pt modelId="{81FF6C2E-6765-4959-9C26-929117E1135D}" type="parTrans" cxnId="{A569D458-FF49-4D1C-A935-5737DBBF7C11}">
+      <dgm:prSet/>
+      <dgm:spPr/>
+      <dgm:t>
+        <a:bodyPr/>
+        <a:lstStyle/>
+        <a:p>
+          <a:endParaRPr lang="zh-CN" altLang="en-US"/>
+        </a:p>
+      </dgm:t>
+    </dgm:pt>
+    <dgm:pt modelId="{20FFB27C-D066-4DA8-A333-D422CEE7AA71}" type="sibTrans" cxnId="{A569D458-FF49-4D1C-A935-5737DBBF7C11}">
+      <dgm:prSet/>
+      <dgm:spPr/>
+      <dgm:t>
+        <a:bodyPr/>
+        <a:lstStyle/>
+        <a:p>
+          <a:endParaRPr lang="zh-CN" altLang="en-US"/>
+        </a:p>
+      </dgm:t>
+    </dgm:pt>
+    <dgm:pt modelId="{22142095-B5CC-4118-B24C-89C16A6EE17C}">
+      <dgm:prSet phldrT="[文本]"/>
+      <dgm:spPr/>
+      <dgm:t>
+        <a:bodyPr/>
+        <a:lstStyle/>
+        <a:p>
+          <a:r>
+            <a:rPr lang="zh-CN" altLang="en-US" dirty="0"/>
+            <a:t>填空</a:t>
+          </a:r>
+        </a:p>
+      </dgm:t>
+    </dgm:pt>
+    <dgm:pt modelId="{A1B60CAD-91F6-4599-AE88-A80F9AA20D48}" type="parTrans" cxnId="{7BA73C26-69DF-4125-A75B-52B5DE0E27A0}">
+      <dgm:prSet/>
+      <dgm:spPr/>
+      <dgm:t>
+        <a:bodyPr/>
+        <a:lstStyle/>
+        <a:p>
+          <a:endParaRPr lang="zh-CN" altLang="en-US"/>
+        </a:p>
+      </dgm:t>
+    </dgm:pt>
+    <dgm:pt modelId="{16C46A2F-624C-47B4-9714-98F4A4135482}" type="sibTrans" cxnId="{7BA73C26-69DF-4125-A75B-52B5DE0E27A0}">
+      <dgm:prSet/>
+      <dgm:spPr/>
+      <dgm:t>
+        <a:bodyPr/>
+        <a:lstStyle/>
+        <a:p>
+          <a:endParaRPr lang="zh-CN" altLang="en-US"/>
+        </a:p>
+      </dgm:t>
+    </dgm:pt>
+    <dgm:pt modelId="{B46BABAA-0673-4471-BC5E-075BE8684D3E}">
+      <dgm:prSet phldrT="[文本]"/>
+      <dgm:spPr/>
+      <dgm:t>
+        <a:bodyPr/>
+        <a:lstStyle/>
+        <a:p>
+          <a:r>
+            <a:rPr lang="zh-CN" altLang="en-US" dirty="0"/>
+            <a:t>分词后按词对比</a:t>
+          </a:r>
+        </a:p>
+      </dgm:t>
+    </dgm:pt>
+    <dgm:pt modelId="{3DF2A089-39BB-4E6E-8EE4-75C8E691750C}" type="parTrans" cxnId="{D42A2F2A-8302-4835-B2E1-884517085032}">
+      <dgm:prSet/>
+      <dgm:spPr/>
+      <dgm:t>
+        <a:bodyPr/>
+        <a:lstStyle/>
+        <a:p>
+          <a:endParaRPr lang="zh-CN" altLang="en-US"/>
+        </a:p>
+      </dgm:t>
+    </dgm:pt>
+    <dgm:pt modelId="{1494FB48-3F6B-443B-9261-8D432FD64440}" type="sibTrans" cxnId="{D42A2F2A-8302-4835-B2E1-884517085032}">
+      <dgm:prSet/>
+      <dgm:spPr/>
+      <dgm:t>
+        <a:bodyPr/>
+        <a:lstStyle/>
+        <a:p>
+          <a:endParaRPr lang="zh-CN" altLang="en-US"/>
+        </a:p>
+      </dgm:t>
+    </dgm:pt>
+    <dgm:pt modelId="{CC7F832C-8544-4162-ADE5-E231C03F3D78}">
+      <dgm:prSet phldrT="[文本]"/>
+      <dgm:spPr/>
+      <dgm:t>
+        <a:bodyPr/>
+        <a:lstStyle/>
+        <a:p>
+          <a:r>
+            <a:rPr lang="zh-CN" altLang="en-US" dirty="0"/>
+            <a:t>长文本主观题、代码题</a:t>
+          </a:r>
+        </a:p>
+      </dgm:t>
+    </dgm:pt>
+    <dgm:pt modelId="{FF175EB5-25D0-4199-9B1B-091CCF0E8D19}" type="parTrans" cxnId="{4F0CD20E-7A95-4DD7-91FD-C25F8D081318}">
+      <dgm:prSet/>
+      <dgm:spPr/>
+      <dgm:t>
+        <a:bodyPr/>
+        <a:lstStyle/>
+        <a:p>
+          <a:endParaRPr lang="zh-CN" altLang="en-US"/>
+        </a:p>
+      </dgm:t>
+    </dgm:pt>
+    <dgm:pt modelId="{1D24B8ED-0CC6-4C1E-9CA7-2C88C50B313F}" type="sibTrans" cxnId="{4F0CD20E-7A95-4DD7-91FD-C25F8D081318}">
+      <dgm:prSet/>
+      <dgm:spPr/>
+      <dgm:t>
+        <a:bodyPr/>
+        <a:lstStyle/>
+        <a:p>
+          <a:endParaRPr lang="zh-CN" altLang="en-US"/>
+        </a:p>
+      </dgm:t>
+    </dgm:pt>
+    <dgm:pt modelId="{4A8D91FF-9098-4559-B34F-496FEE98D2A4}">
+      <dgm:prSet phldrT="[文本]"/>
+      <dgm:spPr/>
+      <dgm:t>
+        <a:bodyPr/>
+        <a:lstStyle/>
+        <a:p>
+          <a:r>
+            <a:rPr lang="en-US" altLang="zh-CN" dirty="0" err="1"/>
+            <a:t>SimHash</a:t>
+          </a:r>
+          <a:r>
+            <a:rPr lang="en-US" altLang="zh-CN" dirty="0"/>
+            <a:t>+</a:t>
+          </a:r>
+          <a:r>
+            <a:rPr lang="zh-CN" altLang="en-US" dirty="0"/>
+            <a:t>海明距离</a:t>
+          </a:r>
+        </a:p>
+      </dgm:t>
+    </dgm:pt>
+    <dgm:pt modelId="{6CD1BFAB-A785-44FC-A2BE-1D66B8C387BF}" type="parTrans" cxnId="{BEC2C9CD-98C5-4CCD-AD57-0721DC3B4286}">
+      <dgm:prSet/>
+      <dgm:spPr/>
+      <dgm:t>
+        <a:bodyPr/>
+        <a:lstStyle/>
+        <a:p>
+          <a:endParaRPr lang="zh-CN" altLang="en-US"/>
+        </a:p>
+      </dgm:t>
+    </dgm:pt>
+    <dgm:pt modelId="{E7911ABA-0F32-46D4-9557-65A5796B56BE}" type="sibTrans" cxnId="{BEC2C9CD-98C5-4CCD-AD57-0721DC3B4286}">
+      <dgm:prSet/>
+      <dgm:spPr/>
+      <dgm:t>
+        <a:bodyPr/>
+        <a:lstStyle/>
+        <a:p>
+          <a:endParaRPr lang="zh-CN" altLang="en-US"/>
+        </a:p>
+      </dgm:t>
+    </dgm:pt>
+    <dgm:pt modelId="{A80C138C-98F3-473F-B29B-899EB8F8BD7B}">
+      <dgm:prSet phldrT="[文本]"/>
+      <dgm:spPr/>
+      <dgm:t>
+        <a:bodyPr/>
+        <a:lstStyle/>
+        <a:p>
+          <a:r>
+            <a:rPr lang="zh-CN" altLang="en-US" dirty="0"/>
+            <a:t>短文本主观题、代码题</a:t>
+          </a:r>
+        </a:p>
+      </dgm:t>
+    </dgm:pt>
+    <dgm:pt modelId="{6380004E-D5FC-4E66-968A-DD5E01CEC384}" type="parTrans" cxnId="{57D3539D-E93E-45DB-8292-10177E642E85}">
+      <dgm:prSet/>
+      <dgm:spPr/>
+      <dgm:t>
+        <a:bodyPr/>
+        <a:lstStyle/>
+        <a:p>
+          <a:endParaRPr lang="zh-CN" altLang="en-US"/>
+        </a:p>
+      </dgm:t>
+    </dgm:pt>
+    <dgm:pt modelId="{179C5B4E-E6AE-4DD5-AD89-1ED96732F54E}" type="sibTrans" cxnId="{57D3539D-E93E-45DB-8292-10177E642E85}">
+      <dgm:prSet/>
+      <dgm:spPr/>
+      <dgm:t>
+        <a:bodyPr/>
+        <a:lstStyle/>
+        <a:p>
+          <a:endParaRPr lang="zh-CN" altLang="en-US"/>
+        </a:p>
+      </dgm:t>
+    </dgm:pt>
+    <dgm:pt modelId="{549E50A8-72DB-4D0F-8E6C-07CE213AB74B}">
+      <dgm:prSet phldrT="[文本]"/>
+      <dgm:spPr/>
+      <dgm:t>
+        <a:bodyPr/>
+        <a:lstStyle/>
+        <a:p>
+          <a:r>
+            <a:rPr lang="zh-CN" altLang="en-US" dirty="0"/>
+            <a:t>余弦相似度算法</a:t>
+          </a:r>
+        </a:p>
+      </dgm:t>
+    </dgm:pt>
+    <dgm:pt modelId="{3BED0807-7459-4FDB-AE81-82D752AD283B}" type="parTrans" cxnId="{ED8E92DC-EF55-4EBA-A016-B0D622DAC6DF}">
+      <dgm:prSet/>
+      <dgm:spPr/>
+      <dgm:t>
+        <a:bodyPr/>
+        <a:lstStyle/>
+        <a:p>
+          <a:endParaRPr lang="zh-CN" altLang="en-US"/>
+        </a:p>
+      </dgm:t>
+    </dgm:pt>
+    <dgm:pt modelId="{F43E1994-A379-42CE-8007-C018A79E42DA}" type="sibTrans" cxnId="{ED8E92DC-EF55-4EBA-A016-B0D622DAC6DF}">
+      <dgm:prSet/>
+      <dgm:spPr/>
+      <dgm:t>
+        <a:bodyPr/>
+        <a:lstStyle/>
+        <a:p>
+          <a:endParaRPr lang="zh-CN" altLang="en-US"/>
+        </a:p>
+      </dgm:t>
+    </dgm:pt>
+    <dgm:pt modelId="{41AA8137-19DA-408E-B469-0A4B9ADDF65D}" type="pres">
+      <dgm:prSet presAssocID="{373B28CC-8B8F-45E0-9FC4-852DD624D86F}" presName="linear" presStyleCnt="0">
+        <dgm:presLayoutVars>
+          <dgm:animLvl val="lvl"/>
+          <dgm:resizeHandles val="exact"/>
+        </dgm:presLayoutVars>
+      </dgm:prSet>
+      <dgm:spPr/>
+    </dgm:pt>
+    <dgm:pt modelId="{12DB9862-48F9-41F7-8616-6A2ADE87278A}" type="pres">
+      <dgm:prSet presAssocID="{B57066F1-444C-4BAC-9A7B-63E7C1D2F5B3}" presName="parentText" presStyleLbl="node1" presStyleIdx="0" presStyleCnt="4">
+        <dgm:presLayoutVars>
+          <dgm:chMax val="0"/>
+          <dgm:bulletEnabled val="1"/>
+        </dgm:presLayoutVars>
+      </dgm:prSet>
+      <dgm:spPr/>
+    </dgm:pt>
+    <dgm:pt modelId="{A54897DB-C2AD-4FBD-AEBA-F4CC9F9277D0}" type="pres">
+      <dgm:prSet presAssocID="{B57066F1-444C-4BAC-9A7B-63E7C1D2F5B3}" presName="childText" presStyleLbl="revTx" presStyleIdx="0" presStyleCnt="4">
+        <dgm:presLayoutVars>
+          <dgm:bulletEnabled val="1"/>
+        </dgm:presLayoutVars>
+      </dgm:prSet>
+      <dgm:spPr/>
+    </dgm:pt>
+    <dgm:pt modelId="{D6F91DAE-0986-4619-95AC-A3BD0156AE83}" type="pres">
+      <dgm:prSet presAssocID="{22142095-B5CC-4118-B24C-89C16A6EE17C}" presName="parentText" presStyleLbl="node1" presStyleIdx="1" presStyleCnt="4">
+        <dgm:presLayoutVars>
+          <dgm:chMax val="0"/>
+          <dgm:bulletEnabled val="1"/>
+        </dgm:presLayoutVars>
+      </dgm:prSet>
+      <dgm:spPr/>
+    </dgm:pt>
+    <dgm:pt modelId="{57EE55CA-4413-4FEA-8A01-7BD02FBB4A8C}" type="pres">
+      <dgm:prSet presAssocID="{22142095-B5CC-4118-B24C-89C16A6EE17C}" presName="childText" presStyleLbl="revTx" presStyleIdx="1" presStyleCnt="4">
+        <dgm:presLayoutVars>
+          <dgm:bulletEnabled val="1"/>
+        </dgm:presLayoutVars>
+      </dgm:prSet>
+      <dgm:spPr/>
+    </dgm:pt>
+    <dgm:pt modelId="{8DBCF9BE-E380-49CF-80D8-B01FA496D303}" type="pres">
+      <dgm:prSet presAssocID="{CC7F832C-8544-4162-ADE5-E231C03F3D78}" presName="parentText" presStyleLbl="node1" presStyleIdx="2" presStyleCnt="4">
+        <dgm:presLayoutVars>
+          <dgm:chMax val="0"/>
+          <dgm:bulletEnabled val="1"/>
+        </dgm:presLayoutVars>
+      </dgm:prSet>
+      <dgm:spPr/>
+    </dgm:pt>
+    <dgm:pt modelId="{212FD9BE-A5EE-46CE-A01C-375CBDFC6431}" type="pres">
+      <dgm:prSet presAssocID="{CC7F832C-8544-4162-ADE5-E231C03F3D78}" presName="childText" presStyleLbl="revTx" presStyleIdx="2" presStyleCnt="4">
+        <dgm:presLayoutVars>
+          <dgm:bulletEnabled val="1"/>
+        </dgm:presLayoutVars>
+      </dgm:prSet>
+      <dgm:spPr/>
+    </dgm:pt>
+    <dgm:pt modelId="{9A0EE025-114C-4560-9354-156938680F9D}" type="pres">
+      <dgm:prSet presAssocID="{A80C138C-98F3-473F-B29B-899EB8F8BD7B}" presName="parentText" presStyleLbl="node1" presStyleIdx="3" presStyleCnt="4">
+        <dgm:presLayoutVars>
+          <dgm:chMax val="0"/>
+          <dgm:bulletEnabled val="1"/>
+        </dgm:presLayoutVars>
+      </dgm:prSet>
+      <dgm:spPr/>
+    </dgm:pt>
+    <dgm:pt modelId="{9C4A4E86-1908-49F9-A242-464286A477EE}" type="pres">
+      <dgm:prSet presAssocID="{A80C138C-98F3-473F-B29B-899EB8F8BD7B}" presName="childText" presStyleLbl="revTx" presStyleIdx="3" presStyleCnt="4">
+        <dgm:presLayoutVars>
+          <dgm:bulletEnabled val="1"/>
+        </dgm:presLayoutVars>
+      </dgm:prSet>
+      <dgm:spPr/>
+    </dgm:pt>
+  </dgm:ptLst>
+  <dgm:cxnLst>
+    <dgm:cxn modelId="{B8480C0A-FEA6-41FF-8488-21E8B6F6B133}" type="presOf" srcId="{A80C138C-98F3-473F-B29B-899EB8F8BD7B}" destId="{9A0EE025-114C-4560-9354-156938680F9D}" srcOrd="0" destOrd="0" presId="urn:microsoft.com/office/officeart/2005/8/layout/vList2"/>
+    <dgm:cxn modelId="{4F0CD20E-7A95-4DD7-91FD-C25F8D081318}" srcId="{373B28CC-8B8F-45E0-9FC4-852DD624D86F}" destId="{CC7F832C-8544-4162-ADE5-E231C03F3D78}" srcOrd="2" destOrd="0" parTransId="{FF175EB5-25D0-4199-9B1B-091CCF0E8D19}" sibTransId="{1D24B8ED-0CC6-4C1E-9CA7-2C88C50B313F}"/>
+    <dgm:cxn modelId="{7BA73C26-69DF-4125-A75B-52B5DE0E27A0}" srcId="{373B28CC-8B8F-45E0-9FC4-852DD624D86F}" destId="{22142095-B5CC-4118-B24C-89C16A6EE17C}" srcOrd="1" destOrd="0" parTransId="{A1B60CAD-91F6-4599-AE88-A80F9AA20D48}" sibTransId="{16C46A2F-624C-47B4-9714-98F4A4135482}"/>
+    <dgm:cxn modelId="{D42A2F2A-8302-4835-B2E1-884517085032}" srcId="{22142095-B5CC-4118-B24C-89C16A6EE17C}" destId="{B46BABAA-0673-4471-BC5E-075BE8684D3E}" srcOrd="0" destOrd="0" parTransId="{3DF2A089-39BB-4E6E-8EE4-75C8E691750C}" sibTransId="{1494FB48-3F6B-443B-9261-8D432FD64440}"/>
+    <dgm:cxn modelId="{331D0A33-AE62-42E9-8C99-613695C7F8B1}" type="presOf" srcId="{8E0B3018-7151-4F64-A086-CCDB7C6AE59B}" destId="{A54897DB-C2AD-4FBD-AEBA-F4CC9F9277D0}" srcOrd="0" destOrd="0" presId="urn:microsoft.com/office/officeart/2005/8/layout/vList2"/>
+    <dgm:cxn modelId="{725D9635-D7E1-40C8-B87C-8BC0362F07F0}" type="presOf" srcId="{B46BABAA-0673-4471-BC5E-075BE8684D3E}" destId="{57EE55CA-4413-4FEA-8A01-7BD02FBB4A8C}" srcOrd="0" destOrd="0" presId="urn:microsoft.com/office/officeart/2005/8/layout/vList2"/>
+    <dgm:cxn modelId="{A104053F-355F-4652-88D2-14CE60B3619A}" type="presOf" srcId="{CC7F832C-8544-4162-ADE5-E231C03F3D78}" destId="{8DBCF9BE-E380-49CF-80D8-B01FA496D303}" srcOrd="0" destOrd="0" presId="urn:microsoft.com/office/officeart/2005/8/layout/vList2"/>
+    <dgm:cxn modelId="{CB8F536D-8DD5-4118-9FC8-8615AB4E1250}" type="presOf" srcId="{549E50A8-72DB-4D0F-8E6C-07CE213AB74B}" destId="{9C4A4E86-1908-49F9-A242-464286A477EE}" srcOrd="0" destOrd="0" presId="urn:microsoft.com/office/officeart/2005/8/layout/vList2"/>
+    <dgm:cxn modelId="{A569D458-FF49-4D1C-A935-5737DBBF7C11}" srcId="{B57066F1-444C-4BAC-9A7B-63E7C1D2F5B3}" destId="{8E0B3018-7151-4F64-A086-CCDB7C6AE59B}" srcOrd="0" destOrd="0" parTransId="{81FF6C2E-6765-4959-9C26-929117E1135D}" sibTransId="{20FFB27C-D066-4DA8-A333-D422CEE7AA71}"/>
+    <dgm:cxn modelId="{57D3539D-E93E-45DB-8292-10177E642E85}" srcId="{373B28CC-8B8F-45E0-9FC4-852DD624D86F}" destId="{A80C138C-98F3-473F-B29B-899EB8F8BD7B}" srcOrd="3" destOrd="0" parTransId="{6380004E-D5FC-4E66-968A-DD5E01CEC384}" sibTransId="{179C5B4E-E6AE-4DD5-AD89-1ED96732F54E}"/>
+    <dgm:cxn modelId="{2E1813AF-3719-423B-835C-619AC51FBBB4}" type="presOf" srcId="{B57066F1-444C-4BAC-9A7B-63E7C1D2F5B3}" destId="{12DB9862-48F9-41F7-8616-6A2ADE87278A}" srcOrd="0" destOrd="0" presId="urn:microsoft.com/office/officeart/2005/8/layout/vList2"/>
+    <dgm:cxn modelId="{634CF6BF-5CA8-4DE5-A0C9-BFCCEAB48CC1}" type="presOf" srcId="{4A8D91FF-9098-4559-B34F-496FEE98D2A4}" destId="{212FD9BE-A5EE-46CE-A01C-375CBDFC6431}" srcOrd="0" destOrd="0" presId="urn:microsoft.com/office/officeart/2005/8/layout/vList2"/>
+    <dgm:cxn modelId="{BEC2C9CD-98C5-4CCD-AD57-0721DC3B4286}" srcId="{CC7F832C-8544-4162-ADE5-E231C03F3D78}" destId="{4A8D91FF-9098-4559-B34F-496FEE98D2A4}" srcOrd="0" destOrd="0" parTransId="{6CD1BFAB-A785-44FC-A2BE-1D66B8C387BF}" sibTransId="{E7911ABA-0F32-46D4-9557-65A5796B56BE}"/>
+    <dgm:cxn modelId="{C53AA3DB-C26A-4B7B-83CC-D2AAF62AFC11}" srcId="{373B28CC-8B8F-45E0-9FC4-852DD624D86F}" destId="{B57066F1-444C-4BAC-9A7B-63E7C1D2F5B3}" srcOrd="0" destOrd="0" parTransId="{67F19FFA-1D04-424C-9C19-A5F5172F8CC2}" sibTransId="{EF438696-3D5A-4C40-8A25-FD60898AC580}"/>
+    <dgm:cxn modelId="{ED8E92DC-EF55-4EBA-A016-B0D622DAC6DF}" srcId="{A80C138C-98F3-473F-B29B-899EB8F8BD7B}" destId="{549E50A8-72DB-4D0F-8E6C-07CE213AB74B}" srcOrd="0" destOrd="0" parTransId="{3BED0807-7459-4FDB-AE81-82D752AD283B}" sibTransId="{F43E1994-A379-42CE-8007-C018A79E42DA}"/>
+    <dgm:cxn modelId="{756F62EF-6120-42B2-8E3C-05109B656D0F}" type="presOf" srcId="{373B28CC-8B8F-45E0-9FC4-852DD624D86F}" destId="{41AA8137-19DA-408E-B469-0A4B9ADDF65D}" srcOrd="0" destOrd="0" presId="urn:microsoft.com/office/officeart/2005/8/layout/vList2"/>
+    <dgm:cxn modelId="{E52E32F4-1E7F-45B3-9C82-636FBCA8F1FF}" type="presOf" srcId="{22142095-B5CC-4118-B24C-89C16A6EE17C}" destId="{D6F91DAE-0986-4619-95AC-A3BD0156AE83}" srcOrd="0" destOrd="0" presId="urn:microsoft.com/office/officeart/2005/8/layout/vList2"/>
+    <dgm:cxn modelId="{0A815898-4B6D-4C04-8239-57C646573F82}" type="presParOf" srcId="{41AA8137-19DA-408E-B469-0A4B9ADDF65D}" destId="{12DB9862-48F9-41F7-8616-6A2ADE87278A}" srcOrd="0" destOrd="0" presId="urn:microsoft.com/office/officeart/2005/8/layout/vList2"/>
+    <dgm:cxn modelId="{1B795CE4-1AF2-490D-91FC-D96EF5A8D5C2}" type="presParOf" srcId="{41AA8137-19DA-408E-B469-0A4B9ADDF65D}" destId="{A54897DB-C2AD-4FBD-AEBA-F4CC9F9277D0}" srcOrd="1" destOrd="0" presId="urn:microsoft.com/office/officeart/2005/8/layout/vList2"/>
+    <dgm:cxn modelId="{F43B04FE-854B-40F0-A245-BA1F7E289FD4}" type="presParOf" srcId="{41AA8137-19DA-408E-B469-0A4B9ADDF65D}" destId="{D6F91DAE-0986-4619-95AC-A3BD0156AE83}" srcOrd="2" destOrd="0" presId="urn:microsoft.com/office/officeart/2005/8/layout/vList2"/>
+    <dgm:cxn modelId="{AD33DD5B-960C-46A2-A966-05BE27E20424}" type="presParOf" srcId="{41AA8137-19DA-408E-B469-0A4B9ADDF65D}" destId="{57EE55CA-4413-4FEA-8A01-7BD02FBB4A8C}" srcOrd="3" destOrd="0" presId="urn:microsoft.com/office/officeart/2005/8/layout/vList2"/>
+    <dgm:cxn modelId="{B4A50ADB-2869-489F-A4B5-9A1A3592426D}" type="presParOf" srcId="{41AA8137-19DA-408E-B469-0A4B9ADDF65D}" destId="{8DBCF9BE-E380-49CF-80D8-B01FA496D303}" srcOrd="4" destOrd="0" presId="urn:microsoft.com/office/officeart/2005/8/layout/vList2"/>
+    <dgm:cxn modelId="{915B2EAE-EE2B-415C-93C4-5CA93EF8EBA2}" type="presParOf" srcId="{41AA8137-19DA-408E-B469-0A4B9ADDF65D}" destId="{212FD9BE-A5EE-46CE-A01C-375CBDFC6431}" srcOrd="5" destOrd="0" presId="urn:microsoft.com/office/officeart/2005/8/layout/vList2"/>
+    <dgm:cxn modelId="{D657E896-D9A8-4F19-B56A-2B98647DBAD0}" type="presParOf" srcId="{41AA8137-19DA-408E-B469-0A4B9ADDF65D}" destId="{9A0EE025-114C-4560-9354-156938680F9D}" srcOrd="6" destOrd="0" presId="urn:microsoft.com/office/officeart/2005/8/layout/vList2"/>
+    <dgm:cxn modelId="{0F16F6AC-9359-45B1-AC20-1E4D60342B67}" type="presParOf" srcId="{41AA8137-19DA-408E-B469-0A4B9ADDF65D}" destId="{9C4A4E86-1908-49F9-A242-464286A477EE}" srcOrd="7" destOrd="0" presId="urn:microsoft.com/office/officeart/2005/8/layout/vList2"/>
+  </dgm:cxnLst>
+  <dgm:bg/>
+  <dgm:whole/>
+  <dgm:extLst>
+    <a:ext uri="http://schemas.microsoft.com/office/drawing/2008/diagram">
+      <dsp:dataModelExt xmlns:dsp="http://schemas.microsoft.com/office/drawing/2008/diagram" relId="rId12" minVer="http://schemas.openxmlformats.org/drawingml/2006/diagram"/>
+    </a:ext>
+  </dgm:extLst>
+</dgm:dataModel>
+</file>
+
+<file path=ppt/diagrams/drawing1.xml><?xml version="1.0" encoding="utf-8"?>
+<dsp:drawing xmlns:dgm="http://schemas.openxmlformats.org/drawingml/2006/diagram" xmlns:dsp="http://schemas.microsoft.com/office/drawing/2008/diagram" xmlns:a="http://schemas.openxmlformats.org/drawingml/2006/main">
+  <dsp:spTree>
+    <dsp:nvGrpSpPr>
+      <dsp:cNvPr id="0" name=""/>
+      <dsp:cNvGrpSpPr/>
+    </dsp:nvGrpSpPr>
+    <dsp:grpSpPr/>
+    <dsp:sp modelId="{701802FC-8228-4A94-908E-26DF7A6DE2E5}">
+      <dsp:nvSpPr>
+        <dsp:cNvPr id="0" name=""/>
+        <dsp:cNvSpPr/>
+      </dsp:nvSpPr>
+      <dsp:spPr>
+        <a:xfrm>
+          <a:off x="-3387790" y="-520981"/>
+          <a:ext cx="4039527" cy="4039527"/>
+        </a:xfrm>
+        <a:prstGeom prst="blockArc">
+          <a:avLst>
+            <a:gd name="adj1" fmla="val 18900000"/>
+            <a:gd name="adj2" fmla="val 2700000"/>
+            <a:gd name="adj3" fmla="val 535"/>
+          </a:avLst>
+        </a:prstGeom>
+        <a:noFill/>
+        <a:ln w="12700" cap="flat" cmpd="sng" algn="ctr">
+          <a:solidFill>
+            <a:schemeClr val="accent1">
+              <a:shade val="60000"/>
+              <a:hueOff val="0"/>
+              <a:satOff val="0"/>
+              <a:lumOff val="0"/>
+              <a:alphaOff val="0"/>
+            </a:schemeClr>
+          </a:solidFill>
+          <a:prstDash val="solid"/>
+          <a:miter lim="800000"/>
+        </a:ln>
+        <a:effectLst/>
+      </dsp:spPr>
+      <dsp:style>
+        <a:lnRef idx="2">
+          <a:scrgbClr r="0" g="0" b="0"/>
+        </a:lnRef>
+        <a:fillRef idx="0">
+          <a:scrgbClr r="0" g="0" b="0"/>
+        </a:fillRef>
+        <a:effectRef idx="0">
+          <a:scrgbClr r="0" g="0" b="0"/>
+        </a:effectRef>
+        <a:fontRef idx="minor"/>
+      </dsp:style>
+    </dsp:sp>
+    <dsp:sp modelId="{339D537B-444C-4738-B12A-4651673D4678}">
+      <dsp:nvSpPr>
+        <dsp:cNvPr id="0" name=""/>
+        <dsp:cNvSpPr/>
+      </dsp:nvSpPr>
+      <dsp:spPr>
+        <a:xfrm>
+          <a:off x="419085" y="299756"/>
+          <a:ext cx="3971006" cy="599513"/>
+        </a:xfrm>
+        <a:prstGeom prst="rect">
+          <a:avLst/>
+        </a:prstGeom>
+        <a:solidFill>
+          <a:schemeClr val="accent1">
+            <a:hueOff val="0"/>
+            <a:satOff val="0"/>
+            <a:lumOff val="0"/>
+            <a:alphaOff val="0"/>
+          </a:schemeClr>
+        </a:solidFill>
+        <a:ln w="12700" cap="flat" cmpd="sng" algn="ctr">
+          <a:solidFill>
+            <a:schemeClr val="lt1">
+              <a:hueOff val="0"/>
+              <a:satOff val="0"/>
+              <a:lumOff val="0"/>
+              <a:alphaOff val="0"/>
+            </a:schemeClr>
+          </a:solidFill>
+          <a:prstDash val="solid"/>
+          <a:miter lim="800000"/>
+        </a:ln>
+        <a:effectLst/>
+      </dsp:spPr>
+      <dsp:style>
+        <a:lnRef idx="2">
+          <a:scrgbClr r="0" g="0" b="0"/>
+        </a:lnRef>
+        <a:fillRef idx="1">
+          <a:scrgbClr r="0" g="0" b="0"/>
+        </a:fillRef>
+        <a:effectRef idx="0">
+          <a:scrgbClr r="0" g="0" b="0"/>
+        </a:effectRef>
+        <a:fontRef idx="minor">
+          <a:schemeClr val="lt1"/>
+        </a:fontRef>
+      </dsp:style>
+      <dsp:txBody>
+        <a:bodyPr spcFirstLastPara="0" vert="horz" wrap="square" lIns="475863" tIns="58420" rIns="58420" bIns="58420" numCol="1" spcCol="1270" anchor="ctr" anchorCtr="0">
+          <a:noAutofit/>
+        </a:bodyPr>
+        <a:lstStyle/>
+        <a:p>
+          <a:pPr marL="0" lvl="0" indent="0" algn="l" defTabSz="1022350">
+            <a:lnSpc>
+              <a:spcPct val="90000"/>
+            </a:lnSpc>
+            <a:spcBef>
+              <a:spcPct val="0"/>
+            </a:spcBef>
+            <a:spcAft>
+              <a:spcPct val="35000"/>
+            </a:spcAft>
+            <a:buNone/>
+          </a:pPr>
+          <a:r>
+            <a:rPr lang="zh-CN" altLang="en-US" sz="2300" kern="1200" dirty="0"/>
+            <a:t>提供多种算法</a:t>
+          </a:r>
+        </a:p>
+      </dsp:txBody>
+      <dsp:txXfrm>
+        <a:off x="419085" y="299756"/>
+        <a:ext cx="3971006" cy="599513"/>
+      </dsp:txXfrm>
+    </dsp:sp>
+    <dsp:sp modelId="{53AF3800-925A-4DDA-9954-A4C14E2C7596}">
+      <dsp:nvSpPr>
+        <dsp:cNvPr id="0" name=""/>
+        <dsp:cNvSpPr/>
+      </dsp:nvSpPr>
+      <dsp:spPr>
+        <a:xfrm>
+          <a:off x="44389" y="224817"/>
+          <a:ext cx="749391" cy="749391"/>
+        </a:xfrm>
+        <a:prstGeom prst="ellipse">
+          <a:avLst/>
+        </a:prstGeom>
+        <a:solidFill>
+          <a:schemeClr val="lt1">
+            <a:hueOff val="0"/>
+            <a:satOff val="0"/>
+            <a:lumOff val="0"/>
+            <a:alphaOff val="0"/>
+          </a:schemeClr>
+        </a:solidFill>
+        <a:ln w="12700" cap="flat" cmpd="sng" algn="ctr">
+          <a:solidFill>
+            <a:schemeClr val="accent1">
+              <a:hueOff val="0"/>
+              <a:satOff val="0"/>
+              <a:lumOff val="0"/>
+              <a:alphaOff val="0"/>
+            </a:schemeClr>
+          </a:solidFill>
+          <a:prstDash val="solid"/>
+          <a:miter lim="800000"/>
+        </a:ln>
+        <a:effectLst/>
+      </dsp:spPr>
+      <dsp:style>
+        <a:lnRef idx="2">
+          <a:scrgbClr r="0" g="0" b="0"/>
+        </a:lnRef>
+        <a:fillRef idx="1">
+          <a:scrgbClr r="0" g="0" b="0"/>
+        </a:fillRef>
+        <a:effectRef idx="0">
+          <a:scrgbClr r="0" g="0" b="0"/>
+        </a:effectRef>
+        <a:fontRef idx="minor"/>
+      </dsp:style>
+    </dsp:sp>
+    <dsp:sp modelId="{A357F13F-1760-4400-B991-FF577DB19B42}">
+      <dsp:nvSpPr>
+        <dsp:cNvPr id="0" name=""/>
+        <dsp:cNvSpPr/>
+      </dsp:nvSpPr>
+      <dsp:spPr>
+        <a:xfrm>
+          <a:off x="637008" y="1199026"/>
+          <a:ext cx="3753083" cy="599513"/>
+        </a:xfrm>
+        <a:prstGeom prst="rect">
+          <a:avLst/>
+        </a:prstGeom>
+        <a:solidFill>
+          <a:schemeClr val="accent1">
+            <a:hueOff val="0"/>
+            <a:satOff val="0"/>
+            <a:lumOff val="0"/>
+            <a:alphaOff val="0"/>
+          </a:schemeClr>
+        </a:solidFill>
+        <a:ln w="12700" cap="flat" cmpd="sng" algn="ctr">
+          <a:solidFill>
+            <a:schemeClr val="lt1">
+              <a:hueOff val="0"/>
+              <a:satOff val="0"/>
+              <a:lumOff val="0"/>
+              <a:alphaOff val="0"/>
+            </a:schemeClr>
+          </a:solidFill>
+          <a:prstDash val="solid"/>
+          <a:miter lim="800000"/>
+        </a:ln>
+        <a:effectLst/>
+      </dsp:spPr>
+      <dsp:style>
+        <a:lnRef idx="2">
+          <a:scrgbClr r="0" g="0" b="0"/>
+        </a:lnRef>
+        <a:fillRef idx="1">
+          <a:scrgbClr r="0" g="0" b="0"/>
+        </a:fillRef>
+        <a:effectRef idx="0">
+          <a:scrgbClr r="0" g="0" b="0"/>
+        </a:effectRef>
+        <a:fontRef idx="minor">
+          <a:schemeClr val="lt1"/>
+        </a:fontRef>
+      </dsp:style>
+      <dsp:txBody>
+        <a:bodyPr spcFirstLastPara="0" vert="horz" wrap="square" lIns="475863" tIns="58420" rIns="58420" bIns="58420" numCol="1" spcCol="1270" anchor="ctr" anchorCtr="0">
+          <a:noAutofit/>
+        </a:bodyPr>
+        <a:lstStyle/>
+        <a:p>
+          <a:pPr marL="0" lvl="0" indent="0" algn="l" defTabSz="1022350">
+            <a:lnSpc>
+              <a:spcPct val="90000"/>
+            </a:lnSpc>
+            <a:spcBef>
+              <a:spcPct val="0"/>
+            </a:spcBef>
+            <a:spcAft>
+              <a:spcPct val="35000"/>
+            </a:spcAft>
+            <a:buNone/>
+          </a:pPr>
+          <a:r>
+            <a:rPr lang="zh-CN" altLang="en-US" sz="2300" kern="1200" dirty="0"/>
+            <a:t>总结算法特性</a:t>
+          </a:r>
+        </a:p>
+      </dsp:txBody>
+      <dsp:txXfrm>
+        <a:off x="637008" y="1199026"/>
+        <a:ext cx="3753083" cy="599513"/>
+      </dsp:txXfrm>
+    </dsp:sp>
+    <dsp:sp modelId="{A40BAE15-16E1-443E-85C5-CBA244D082CA}">
+      <dsp:nvSpPr>
+        <dsp:cNvPr id="0" name=""/>
+        <dsp:cNvSpPr/>
+      </dsp:nvSpPr>
+      <dsp:spPr>
+        <a:xfrm>
+          <a:off x="262312" y="1124086"/>
+          <a:ext cx="749391" cy="749391"/>
+        </a:xfrm>
+        <a:prstGeom prst="ellipse">
+          <a:avLst/>
+        </a:prstGeom>
+        <a:solidFill>
+          <a:schemeClr val="lt1">
+            <a:hueOff val="0"/>
+            <a:satOff val="0"/>
+            <a:lumOff val="0"/>
+            <a:alphaOff val="0"/>
+          </a:schemeClr>
+        </a:solidFill>
+        <a:ln w="12700" cap="flat" cmpd="sng" algn="ctr">
+          <a:solidFill>
+            <a:schemeClr val="accent1">
+              <a:hueOff val="0"/>
+              <a:satOff val="0"/>
+              <a:lumOff val="0"/>
+              <a:alphaOff val="0"/>
+            </a:schemeClr>
+          </a:solidFill>
+          <a:prstDash val="solid"/>
+          <a:miter lim="800000"/>
+        </a:ln>
+        <a:effectLst/>
+      </dsp:spPr>
+      <dsp:style>
+        <a:lnRef idx="2">
+          <a:scrgbClr r="0" g="0" b="0"/>
+        </a:lnRef>
+        <a:fillRef idx="1">
+          <a:scrgbClr r="0" g="0" b="0"/>
+        </a:fillRef>
+        <a:effectRef idx="0">
+          <a:scrgbClr r="0" g="0" b="0"/>
+        </a:effectRef>
+        <a:fontRef idx="minor"/>
+      </dsp:style>
+    </dsp:sp>
+    <dsp:sp modelId="{AD0A4662-63CD-48D9-AA2D-302F5D6B4B9E}">
+      <dsp:nvSpPr>
+        <dsp:cNvPr id="0" name=""/>
+        <dsp:cNvSpPr/>
+      </dsp:nvSpPr>
+      <dsp:spPr>
+        <a:xfrm>
+          <a:off x="419085" y="2098295"/>
+          <a:ext cx="3971006" cy="599513"/>
+        </a:xfrm>
+        <a:prstGeom prst="rect">
+          <a:avLst/>
+        </a:prstGeom>
+        <a:solidFill>
+          <a:schemeClr val="accent1">
+            <a:hueOff val="0"/>
+            <a:satOff val="0"/>
+            <a:lumOff val="0"/>
+            <a:alphaOff val="0"/>
+          </a:schemeClr>
+        </a:solidFill>
+        <a:ln w="12700" cap="flat" cmpd="sng" algn="ctr">
+          <a:solidFill>
+            <a:schemeClr val="lt1">
+              <a:hueOff val="0"/>
+              <a:satOff val="0"/>
+              <a:lumOff val="0"/>
+              <a:alphaOff val="0"/>
+            </a:schemeClr>
+          </a:solidFill>
+          <a:prstDash val="solid"/>
+          <a:miter lim="800000"/>
+        </a:ln>
+        <a:effectLst/>
+      </dsp:spPr>
+      <dsp:style>
+        <a:lnRef idx="2">
+          <a:scrgbClr r="0" g="0" b="0"/>
+        </a:lnRef>
+        <a:fillRef idx="1">
+          <a:scrgbClr r="0" g="0" b="0"/>
+        </a:fillRef>
+        <a:effectRef idx="0">
+          <a:scrgbClr r="0" g="0" b="0"/>
+        </a:effectRef>
+        <a:fontRef idx="minor">
+          <a:schemeClr val="lt1"/>
+        </a:fontRef>
+      </dsp:style>
+      <dsp:txBody>
+        <a:bodyPr spcFirstLastPara="0" vert="horz" wrap="square" lIns="475863" tIns="58420" rIns="58420" bIns="58420" numCol="1" spcCol="1270" anchor="ctr" anchorCtr="0">
+          <a:noAutofit/>
+        </a:bodyPr>
+        <a:lstStyle/>
+        <a:p>
+          <a:pPr marL="0" lvl="0" indent="0" algn="l" defTabSz="1022350">
+            <a:lnSpc>
+              <a:spcPct val="90000"/>
+            </a:lnSpc>
+            <a:spcBef>
+              <a:spcPct val="0"/>
+            </a:spcBef>
+            <a:spcAft>
+              <a:spcPct val="35000"/>
+            </a:spcAft>
+            <a:buNone/>
+          </a:pPr>
+          <a:r>
+            <a:rPr lang="zh-CN" altLang="en-US" sz="2300" kern="1200" dirty="0"/>
+            <a:t>用户自由选择</a:t>
+          </a:r>
+        </a:p>
+      </dsp:txBody>
+      <dsp:txXfrm>
+        <a:off x="419085" y="2098295"/>
+        <a:ext cx="3971006" cy="599513"/>
+      </dsp:txXfrm>
+    </dsp:sp>
+    <dsp:sp modelId="{2859CC1C-DD18-4F9A-B25A-FF1ED5A06FD7}">
+      <dsp:nvSpPr>
+        <dsp:cNvPr id="0" name=""/>
+        <dsp:cNvSpPr/>
+      </dsp:nvSpPr>
+      <dsp:spPr>
+        <a:xfrm>
+          <a:off x="44389" y="2023356"/>
+          <a:ext cx="749391" cy="749391"/>
+        </a:xfrm>
+        <a:prstGeom prst="ellipse">
+          <a:avLst/>
+        </a:prstGeom>
+        <a:solidFill>
+          <a:schemeClr val="lt1">
+            <a:hueOff val="0"/>
+            <a:satOff val="0"/>
+            <a:lumOff val="0"/>
+            <a:alphaOff val="0"/>
+          </a:schemeClr>
+        </a:solidFill>
+        <a:ln w="12700" cap="flat" cmpd="sng" algn="ctr">
+          <a:solidFill>
+            <a:schemeClr val="accent1">
+              <a:hueOff val="0"/>
+              <a:satOff val="0"/>
+              <a:lumOff val="0"/>
+              <a:alphaOff val="0"/>
+            </a:schemeClr>
+          </a:solidFill>
+          <a:prstDash val="solid"/>
+          <a:miter lim="800000"/>
+        </a:ln>
+        <a:effectLst/>
+      </dsp:spPr>
+      <dsp:style>
+        <a:lnRef idx="2">
+          <a:scrgbClr r="0" g="0" b="0"/>
+        </a:lnRef>
+        <a:fillRef idx="1">
+          <a:scrgbClr r="0" g="0" b="0"/>
+        </a:fillRef>
+        <a:effectRef idx="0">
+          <a:scrgbClr r="0" g="0" b="0"/>
+        </a:effectRef>
+        <a:fontRef idx="minor"/>
+      </dsp:style>
+    </dsp:sp>
+  </dsp:spTree>
+</dsp:drawing>
+</file>
+
+<file path=ppt/diagrams/drawing2.xml><?xml version="1.0" encoding="utf-8"?>
+<dsp:drawing xmlns:dgm="http://schemas.openxmlformats.org/drawingml/2006/diagram" xmlns:dsp="http://schemas.microsoft.com/office/drawing/2008/diagram" xmlns:a="http://schemas.openxmlformats.org/drawingml/2006/main">
+  <dsp:spTree>
+    <dsp:nvGrpSpPr>
+      <dsp:cNvPr id="0" name=""/>
+      <dsp:cNvGrpSpPr/>
+    </dsp:nvGrpSpPr>
+    <dsp:grpSpPr/>
+    <dsp:sp modelId="{12DB9862-48F9-41F7-8616-6A2ADE87278A}">
+      <dsp:nvSpPr>
+        <dsp:cNvPr id="0" name=""/>
+        <dsp:cNvSpPr/>
+      </dsp:nvSpPr>
+      <dsp:spPr>
+        <a:xfrm>
+          <a:off x="0" y="83470"/>
+          <a:ext cx="4289287" cy="682110"/>
+        </a:xfrm>
+        <a:prstGeom prst="roundRect">
+          <a:avLst/>
+        </a:prstGeom>
+        <a:solidFill>
+          <a:schemeClr val="accent1">
+            <a:hueOff val="0"/>
+            <a:satOff val="0"/>
+            <a:lumOff val="0"/>
+            <a:alphaOff val="0"/>
+          </a:schemeClr>
+        </a:solidFill>
+        <a:ln w="12700" cap="flat" cmpd="sng" algn="ctr">
+          <a:solidFill>
+            <a:schemeClr val="lt1">
+              <a:hueOff val="0"/>
+              <a:satOff val="0"/>
+              <a:lumOff val="0"/>
+              <a:alphaOff val="0"/>
+            </a:schemeClr>
+          </a:solidFill>
+          <a:prstDash val="solid"/>
+          <a:miter lim="800000"/>
+        </a:ln>
+        <a:effectLst/>
+      </dsp:spPr>
+      <dsp:style>
+        <a:lnRef idx="2">
+          <a:scrgbClr r="0" g="0" b="0"/>
+        </a:lnRef>
+        <a:fillRef idx="1">
+          <a:scrgbClr r="0" g="0" b="0"/>
+        </a:fillRef>
+        <a:effectRef idx="0">
+          <a:scrgbClr r="0" g="0" b="0"/>
+        </a:effectRef>
+        <a:fontRef idx="minor">
+          <a:schemeClr val="lt1"/>
+        </a:fontRef>
+      </dsp:style>
+      <dsp:txBody>
+        <a:bodyPr spcFirstLastPara="0" vert="horz" wrap="square" lIns="83820" tIns="83820" rIns="83820" bIns="83820" numCol="1" spcCol="1270" anchor="ctr" anchorCtr="0">
+          <a:noAutofit/>
+        </a:bodyPr>
+        <a:lstStyle/>
+        <a:p>
+          <a:pPr marL="0" lvl="0" indent="0" algn="l" defTabSz="977900">
+            <a:lnSpc>
+              <a:spcPct val="90000"/>
+            </a:lnSpc>
+            <a:spcBef>
+              <a:spcPct val="0"/>
+            </a:spcBef>
+            <a:spcAft>
+              <a:spcPct val="35000"/>
+            </a:spcAft>
+            <a:buNone/>
+          </a:pPr>
+          <a:r>
+            <a:rPr lang="zh-CN" altLang="en-US" sz="2200" kern="1200" dirty="0"/>
+            <a:t>选择题</a:t>
+          </a:r>
+        </a:p>
+      </dsp:txBody>
+      <dsp:txXfrm>
+        <a:off x="33298" y="116768"/>
+        <a:ext cx="4222691" cy="615514"/>
+      </dsp:txXfrm>
+    </dsp:sp>
+    <dsp:sp modelId="{A54897DB-C2AD-4FBD-AEBA-F4CC9F9277D0}">
+      <dsp:nvSpPr>
+        <dsp:cNvPr id="0" name=""/>
+        <dsp:cNvSpPr/>
+      </dsp:nvSpPr>
+      <dsp:spPr>
+        <a:xfrm>
+          <a:off x="0" y="765580"/>
+          <a:ext cx="4289287" cy="409860"/>
+        </a:xfrm>
+        <a:prstGeom prst="rect">
+          <a:avLst/>
+        </a:prstGeom>
+        <a:noFill/>
+        <a:ln>
+          <a:noFill/>
+        </a:ln>
+        <a:effectLst/>
+      </dsp:spPr>
+      <dsp:style>
+        <a:lnRef idx="0">
+          <a:scrgbClr r="0" g="0" b="0"/>
+        </a:lnRef>
+        <a:fillRef idx="0">
+          <a:scrgbClr r="0" g="0" b="0"/>
+        </a:fillRef>
+        <a:effectRef idx="0">
+          <a:scrgbClr r="0" g="0" b="0"/>
+        </a:effectRef>
+        <a:fontRef idx="minor"/>
+      </dsp:style>
+      <dsp:txBody>
+        <a:bodyPr spcFirstLastPara="0" vert="horz" wrap="square" lIns="136185" tIns="27940" rIns="156464" bIns="27940" numCol="1" spcCol="1270" anchor="t" anchorCtr="0">
+          <a:noAutofit/>
+        </a:bodyPr>
+        <a:lstStyle/>
+        <a:p>
+          <a:pPr marL="171450" lvl="1" indent="-171450" algn="l" defTabSz="755650">
+            <a:lnSpc>
+              <a:spcPct val="90000"/>
+            </a:lnSpc>
+            <a:spcBef>
+              <a:spcPct val="0"/>
+            </a:spcBef>
+            <a:spcAft>
+              <a:spcPct val="20000"/>
+            </a:spcAft>
+            <a:buChar char="•"/>
+          </a:pPr>
+          <a:r>
+            <a:rPr lang="zh-CN" altLang="en-US" sz="1700" kern="1200" dirty="0"/>
+            <a:t>简单模式对比</a:t>
+          </a:r>
+        </a:p>
+      </dsp:txBody>
+      <dsp:txXfrm>
+        <a:off x="0" y="765580"/>
+        <a:ext cx="4289287" cy="409860"/>
+      </dsp:txXfrm>
+    </dsp:sp>
+    <dsp:sp modelId="{D6F91DAE-0986-4619-95AC-A3BD0156AE83}">
+      <dsp:nvSpPr>
+        <dsp:cNvPr id="0" name=""/>
+        <dsp:cNvSpPr/>
+      </dsp:nvSpPr>
+      <dsp:spPr>
+        <a:xfrm>
+          <a:off x="0" y="1175440"/>
+          <a:ext cx="4289287" cy="682110"/>
+        </a:xfrm>
+        <a:prstGeom prst="roundRect">
+          <a:avLst/>
+        </a:prstGeom>
+        <a:solidFill>
+          <a:schemeClr val="accent1">
+            <a:hueOff val="0"/>
+            <a:satOff val="0"/>
+            <a:lumOff val="0"/>
+            <a:alphaOff val="0"/>
+          </a:schemeClr>
+        </a:solidFill>
+        <a:ln w="12700" cap="flat" cmpd="sng" algn="ctr">
+          <a:solidFill>
+            <a:schemeClr val="lt1">
+              <a:hueOff val="0"/>
+              <a:satOff val="0"/>
+              <a:lumOff val="0"/>
+              <a:alphaOff val="0"/>
+            </a:schemeClr>
+          </a:solidFill>
+          <a:prstDash val="solid"/>
+          <a:miter lim="800000"/>
+        </a:ln>
+        <a:effectLst/>
+      </dsp:spPr>
+      <dsp:style>
+        <a:lnRef idx="2">
+          <a:scrgbClr r="0" g="0" b="0"/>
+        </a:lnRef>
+        <a:fillRef idx="1">
+          <a:scrgbClr r="0" g="0" b="0"/>
+        </a:fillRef>
+        <a:effectRef idx="0">
+          <a:scrgbClr r="0" g="0" b="0"/>
+        </a:effectRef>
+        <a:fontRef idx="minor">
+          <a:schemeClr val="lt1"/>
+        </a:fontRef>
+      </dsp:style>
+      <dsp:txBody>
+        <a:bodyPr spcFirstLastPara="0" vert="horz" wrap="square" lIns="83820" tIns="83820" rIns="83820" bIns="83820" numCol="1" spcCol="1270" anchor="ctr" anchorCtr="0">
+          <a:noAutofit/>
+        </a:bodyPr>
+        <a:lstStyle/>
+        <a:p>
+          <a:pPr marL="0" lvl="0" indent="0" algn="l" defTabSz="977900">
+            <a:lnSpc>
+              <a:spcPct val="90000"/>
+            </a:lnSpc>
+            <a:spcBef>
+              <a:spcPct val="0"/>
+            </a:spcBef>
+            <a:spcAft>
+              <a:spcPct val="35000"/>
+            </a:spcAft>
+            <a:buNone/>
+          </a:pPr>
+          <a:r>
+            <a:rPr lang="zh-CN" altLang="en-US" sz="2200" kern="1200" dirty="0"/>
+            <a:t>填空</a:t>
+          </a:r>
+        </a:p>
+      </dsp:txBody>
+      <dsp:txXfrm>
+        <a:off x="33298" y="1208738"/>
+        <a:ext cx="4222691" cy="615514"/>
+      </dsp:txXfrm>
+    </dsp:sp>
+    <dsp:sp modelId="{57EE55CA-4413-4FEA-8A01-7BD02FBB4A8C}">
+      <dsp:nvSpPr>
+        <dsp:cNvPr id="0" name=""/>
+        <dsp:cNvSpPr/>
+      </dsp:nvSpPr>
+      <dsp:spPr>
+        <a:xfrm>
+          <a:off x="0" y="1857550"/>
+          <a:ext cx="4289287" cy="409860"/>
+        </a:xfrm>
+        <a:prstGeom prst="rect">
+          <a:avLst/>
+        </a:prstGeom>
+        <a:noFill/>
+        <a:ln>
+          <a:noFill/>
+        </a:ln>
+        <a:effectLst/>
+      </dsp:spPr>
+      <dsp:style>
+        <a:lnRef idx="0">
+          <a:scrgbClr r="0" g="0" b="0"/>
+        </a:lnRef>
+        <a:fillRef idx="0">
+          <a:scrgbClr r="0" g="0" b="0"/>
+        </a:fillRef>
+        <a:effectRef idx="0">
+          <a:scrgbClr r="0" g="0" b="0"/>
+        </a:effectRef>
+        <a:fontRef idx="minor"/>
+      </dsp:style>
+      <dsp:txBody>
+        <a:bodyPr spcFirstLastPara="0" vert="horz" wrap="square" lIns="136185" tIns="27940" rIns="156464" bIns="27940" numCol="1" spcCol="1270" anchor="t" anchorCtr="0">
+          <a:noAutofit/>
+        </a:bodyPr>
+        <a:lstStyle/>
+        <a:p>
+          <a:pPr marL="171450" lvl="1" indent="-171450" algn="l" defTabSz="755650">
+            <a:lnSpc>
+              <a:spcPct val="90000"/>
+            </a:lnSpc>
+            <a:spcBef>
+              <a:spcPct val="0"/>
+            </a:spcBef>
+            <a:spcAft>
+              <a:spcPct val="20000"/>
+            </a:spcAft>
+            <a:buChar char="•"/>
+          </a:pPr>
+          <a:r>
+            <a:rPr lang="zh-CN" altLang="en-US" sz="1700" kern="1200" dirty="0"/>
+            <a:t>分词后按词对比</a:t>
+          </a:r>
+        </a:p>
+      </dsp:txBody>
+      <dsp:txXfrm>
+        <a:off x="0" y="1857550"/>
+        <a:ext cx="4289287" cy="409860"/>
+      </dsp:txXfrm>
+    </dsp:sp>
+    <dsp:sp modelId="{8DBCF9BE-E380-49CF-80D8-B01FA496D303}">
+      <dsp:nvSpPr>
+        <dsp:cNvPr id="0" name=""/>
+        <dsp:cNvSpPr/>
+      </dsp:nvSpPr>
+      <dsp:spPr>
+        <a:xfrm>
+          <a:off x="0" y="2267410"/>
+          <a:ext cx="4289287" cy="682110"/>
+        </a:xfrm>
+        <a:prstGeom prst="roundRect">
+          <a:avLst/>
+        </a:prstGeom>
+        <a:solidFill>
+          <a:schemeClr val="accent1">
+            <a:hueOff val="0"/>
+            <a:satOff val="0"/>
+            <a:lumOff val="0"/>
+            <a:alphaOff val="0"/>
+          </a:schemeClr>
+        </a:solidFill>
+        <a:ln w="12700" cap="flat" cmpd="sng" algn="ctr">
+          <a:solidFill>
+            <a:schemeClr val="lt1">
+              <a:hueOff val="0"/>
+              <a:satOff val="0"/>
+              <a:lumOff val="0"/>
+              <a:alphaOff val="0"/>
+            </a:schemeClr>
+          </a:solidFill>
+          <a:prstDash val="solid"/>
+          <a:miter lim="800000"/>
+        </a:ln>
+        <a:effectLst/>
+      </dsp:spPr>
+      <dsp:style>
+        <a:lnRef idx="2">
+          <a:scrgbClr r="0" g="0" b="0"/>
+        </a:lnRef>
+        <a:fillRef idx="1">
+          <a:scrgbClr r="0" g="0" b="0"/>
+        </a:fillRef>
+        <a:effectRef idx="0">
+          <a:scrgbClr r="0" g="0" b="0"/>
+        </a:effectRef>
+        <a:fontRef idx="minor">
+          <a:schemeClr val="lt1"/>
+        </a:fontRef>
+      </dsp:style>
+      <dsp:txBody>
+        <a:bodyPr spcFirstLastPara="0" vert="horz" wrap="square" lIns="83820" tIns="83820" rIns="83820" bIns="83820" numCol="1" spcCol="1270" anchor="ctr" anchorCtr="0">
+          <a:noAutofit/>
+        </a:bodyPr>
+        <a:lstStyle/>
+        <a:p>
+          <a:pPr marL="0" lvl="0" indent="0" algn="l" defTabSz="977900">
+            <a:lnSpc>
+              <a:spcPct val="90000"/>
+            </a:lnSpc>
+            <a:spcBef>
+              <a:spcPct val="0"/>
+            </a:spcBef>
+            <a:spcAft>
+              <a:spcPct val="35000"/>
+            </a:spcAft>
+            <a:buNone/>
+          </a:pPr>
+          <a:r>
+            <a:rPr lang="zh-CN" altLang="en-US" sz="2200" kern="1200" dirty="0"/>
+            <a:t>长文本主观题、代码题</a:t>
+          </a:r>
+        </a:p>
+      </dsp:txBody>
+      <dsp:txXfrm>
+        <a:off x="33298" y="2300708"/>
+        <a:ext cx="4222691" cy="615514"/>
+      </dsp:txXfrm>
+    </dsp:sp>
+    <dsp:sp modelId="{212FD9BE-A5EE-46CE-A01C-375CBDFC6431}">
+      <dsp:nvSpPr>
+        <dsp:cNvPr id="0" name=""/>
+        <dsp:cNvSpPr/>
+      </dsp:nvSpPr>
+      <dsp:spPr>
+        <a:xfrm>
+          <a:off x="0" y="2949520"/>
+          <a:ext cx="4289287" cy="409860"/>
+        </a:xfrm>
+        <a:prstGeom prst="rect">
+          <a:avLst/>
+        </a:prstGeom>
+        <a:noFill/>
+        <a:ln>
+          <a:noFill/>
+        </a:ln>
+        <a:effectLst/>
+      </dsp:spPr>
+      <dsp:style>
+        <a:lnRef idx="0">
+          <a:scrgbClr r="0" g="0" b="0"/>
+        </a:lnRef>
+        <a:fillRef idx="0">
+          <a:scrgbClr r="0" g="0" b="0"/>
+        </a:fillRef>
+        <a:effectRef idx="0">
+          <a:scrgbClr r="0" g="0" b="0"/>
+        </a:effectRef>
+        <a:fontRef idx="minor"/>
+      </dsp:style>
+      <dsp:txBody>
+        <a:bodyPr spcFirstLastPara="0" vert="horz" wrap="square" lIns="136185" tIns="27940" rIns="156464" bIns="27940" numCol="1" spcCol="1270" anchor="t" anchorCtr="0">
+          <a:noAutofit/>
+        </a:bodyPr>
+        <a:lstStyle/>
+        <a:p>
+          <a:pPr marL="171450" lvl="1" indent="-171450" algn="l" defTabSz="755650">
+            <a:lnSpc>
+              <a:spcPct val="90000"/>
+            </a:lnSpc>
+            <a:spcBef>
+              <a:spcPct val="0"/>
+            </a:spcBef>
+            <a:spcAft>
+              <a:spcPct val="20000"/>
+            </a:spcAft>
+            <a:buChar char="•"/>
+          </a:pPr>
+          <a:r>
+            <a:rPr lang="en-US" altLang="zh-CN" sz="1700" kern="1200" dirty="0" err="1"/>
+            <a:t>SimHash</a:t>
+          </a:r>
+          <a:r>
+            <a:rPr lang="en-US" altLang="zh-CN" sz="1700" kern="1200" dirty="0"/>
+            <a:t>+</a:t>
+          </a:r>
+          <a:r>
+            <a:rPr lang="zh-CN" altLang="en-US" sz="1700" kern="1200" dirty="0"/>
+            <a:t>海明距离</a:t>
+          </a:r>
+        </a:p>
+      </dsp:txBody>
+      <dsp:txXfrm>
+        <a:off x="0" y="2949520"/>
+        <a:ext cx="4289287" cy="409860"/>
+      </dsp:txXfrm>
+    </dsp:sp>
+    <dsp:sp modelId="{9A0EE025-114C-4560-9354-156938680F9D}">
+      <dsp:nvSpPr>
+        <dsp:cNvPr id="0" name=""/>
+        <dsp:cNvSpPr/>
+      </dsp:nvSpPr>
+      <dsp:spPr>
+        <a:xfrm>
+          <a:off x="0" y="3359380"/>
+          <a:ext cx="4289287" cy="682110"/>
+        </a:xfrm>
+        <a:prstGeom prst="roundRect">
+          <a:avLst/>
+        </a:prstGeom>
+        <a:solidFill>
+          <a:schemeClr val="accent1">
+            <a:hueOff val="0"/>
+            <a:satOff val="0"/>
+            <a:lumOff val="0"/>
+            <a:alphaOff val="0"/>
+          </a:schemeClr>
+        </a:solidFill>
+        <a:ln w="12700" cap="flat" cmpd="sng" algn="ctr">
+          <a:solidFill>
+            <a:schemeClr val="lt1">
+              <a:hueOff val="0"/>
+              <a:satOff val="0"/>
+              <a:lumOff val="0"/>
+              <a:alphaOff val="0"/>
+            </a:schemeClr>
+          </a:solidFill>
+          <a:prstDash val="solid"/>
+          <a:miter lim="800000"/>
+        </a:ln>
+        <a:effectLst/>
+      </dsp:spPr>
+      <dsp:style>
+        <a:lnRef idx="2">
+          <a:scrgbClr r="0" g="0" b="0"/>
+        </a:lnRef>
+        <a:fillRef idx="1">
+          <a:scrgbClr r="0" g="0" b="0"/>
+        </a:fillRef>
+        <a:effectRef idx="0">
+          <a:scrgbClr r="0" g="0" b="0"/>
+        </a:effectRef>
+        <a:fontRef idx="minor">
+          <a:schemeClr val="lt1"/>
+        </a:fontRef>
+      </dsp:style>
+      <dsp:txBody>
+        <a:bodyPr spcFirstLastPara="0" vert="horz" wrap="square" lIns="83820" tIns="83820" rIns="83820" bIns="83820" numCol="1" spcCol="1270" anchor="ctr" anchorCtr="0">
+          <a:noAutofit/>
+        </a:bodyPr>
+        <a:lstStyle/>
+        <a:p>
+          <a:pPr marL="0" lvl="0" indent="0" algn="l" defTabSz="977900">
+            <a:lnSpc>
+              <a:spcPct val="90000"/>
+            </a:lnSpc>
+            <a:spcBef>
+              <a:spcPct val="0"/>
+            </a:spcBef>
+            <a:spcAft>
+              <a:spcPct val="35000"/>
+            </a:spcAft>
+            <a:buNone/>
+          </a:pPr>
+          <a:r>
+            <a:rPr lang="zh-CN" altLang="en-US" sz="2200" kern="1200" dirty="0"/>
+            <a:t>短文本主观题、代码题</a:t>
+          </a:r>
+        </a:p>
+      </dsp:txBody>
+      <dsp:txXfrm>
+        <a:off x="33298" y="3392678"/>
+        <a:ext cx="4222691" cy="615514"/>
+      </dsp:txXfrm>
+    </dsp:sp>
+    <dsp:sp modelId="{9C4A4E86-1908-49F9-A242-464286A477EE}">
+      <dsp:nvSpPr>
+        <dsp:cNvPr id="0" name=""/>
+        <dsp:cNvSpPr/>
+      </dsp:nvSpPr>
+      <dsp:spPr>
+        <a:xfrm>
+          <a:off x="0" y="4041490"/>
+          <a:ext cx="4289287" cy="409860"/>
+        </a:xfrm>
+        <a:prstGeom prst="rect">
+          <a:avLst/>
+        </a:prstGeom>
+        <a:noFill/>
+        <a:ln>
+          <a:noFill/>
+        </a:ln>
+        <a:effectLst/>
+      </dsp:spPr>
+      <dsp:style>
+        <a:lnRef idx="0">
+          <a:scrgbClr r="0" g="0" b="0"/>
+        </a:lnRef>
+        <a:fillRef idx="0">
+          <a:scrgbClr r="0" g="0" b="0"/>
+        </a:fillRef>
+        <a:effectRef idx="0">
+          <a:scrgbClr r="0" g="0" b="0"/>
+        </a:effectRef>
+        <a:fontRef idx="minor"/>
+      </dsp:style>
+      <dsp:txBody>
+        <a:bodyPr spcFirstLastPara="0" vert="horz" wrap="square" lIns="136185" tIns="27940" rIns="156464" bIns="27940" numCol="1" spcCol="1270" anchor="t" anchorCtr="0">
+          <a:noAutofit/>
+        </a:bodyPr>
+        <a:lstStyle/>
+        <a:p>
+          <a:pPr marL="171450" lvl="1" indent="-171450" algn="l" defTabSz="755650">
+            <a:lnSpc>
+              <a:spcPct val="90000"/>
+            </a:lnSpc>
+            <a:spcBef>
+              <a:spcPct val="0"/>
+            </a:spcBef>
+            <a:spcAft>
+              <a:spcPct val="20000"/>
+            </a:spcAft>
+            <a:buChar char="•"/>
+          </a:pPr>
+          <a:r>
+            <a:rPr lang="zh-CN" altLang="en-US" sz="1700" kern="1200" dirty="0"/>
+            <a:t>余弦相似度算法</a:t>
+          </a:r>
+        </a:p>
+      </dsp:txBody>
+      <dsp:txXfrm>
+        <a:off x="0" y="4041490"/>
+        <a:ext cx="4289287" cy="409860"/>
+      </dsp:txXfrm>
+    </dsp:sp>
+  </dsp:spTree>
+</dsp:drawing>
+</file>
+
+<file path=ppt/diagrams/layout1.xml><?xml version="1.0" encoding="utf-8"?>
+<dgm:layoutDef xmlns:dgm="http://schemas.openxmlformats.org/drawingml/2006/diagram" xmlns:a="http://schemas.openxmlformats.org/drawingml/2006/main" uniqueId="urn:microsoft.com/office/officeart/2008/layout/VerticalCurvedList">
+  <dgm:title val=""/>
+  <dgm:desc val=""/>
+  <dgm:catLst>
+    <dgm:cat type="list" pri="20000"/>
+  </dgm:catLst>
+  <dgm:sampData>
+    <dgm:dataModel>
+      <dgm:ptLst>
+        <dgm:pt modelId="0" type="doc"/>
+        <dgm:pt modelId="1">
+          <dgm:prSet phldr="1"/>
+        </dgm:pt>
+        <dgm:pt modelId="2">
+          <dgm:prSet phldr="1"/>
+        </dgm:pt>
+        <dgm:pt modelId="3">
+          <dgm:prSet phldr="1"/>
+        </dgm:pt>
+      </dgm:ptLst>
+      <dgm:cxnLst>
+        <dgm:cxn modelId="4" srcId="0" destId="1" srcOrd="0" destOrd="0"/>
+        <dgm:cxn modelId="5" srcId="0" destId="2" srcOrd="1" destOrd="0"/>
+        <dgm:cxn modelId="6" srcId="0" destId="3" srcOrd="2" destOrd="0"/>
+      </dgm:cxnLst>
+      <dgm:bg/>
+      <dgm:whole/>
+    </dgm:dataModel>
+  </dgm:sampData>
+  <dgm:styleData>
+    <dgm:dataModel>
+      <dgm:ptLst>
+        <dgm:pt modelId="0" type="doc"/>
+        <dgm:pt modelId="1">
+          <dgm:prSet phldr="1"/>
+        </dgm:pt>
+        <dgm:pt modelId="2">
+          <dgm:prSet phldr="1"/>
+        </dgm:pt>
+      </dgm:ptLst>
+      <dgm:cxnLst>
+        <dgm:cxn modelId="3" srcId="0" destId="1" srcOrd="0" destOrd="0"/>
+        <dgm:cxn modelId="4" srcId="0" destId="2" srcOrd="1" destOrd="0"/>
+      </dgm:cxnLst>
+      <dgm:bg/>
+      <dgm:whole/>
+    </dgm:dataModel>
+  </dgm:styleData>
+  <dgm:clrData>
+    <dgm:dataModel>
+      <dgm:ptLst>
+        <dgm:pt modelId="0" type="doc"/>
+        <dgm:pt modelId="1">
+          <dgm:prSet phldr="1"/>
+        </dgm:pt>
+        <dgm:pt modelId="2">
+          <dgm:prSet phldr="1"/>
+        </dgm:pt>
+        <dgm:pt modelId="3">
+          <dgm:prSet phldr="1"/>
+        </dgm:pt>
+        <dgm:pt modelId="4">
+          <dgm:prSet phldr="1"/>
+        </dgm:pt>
+      </dgm:ptLst>
+      <dgm:cxnLst>
+        <dgm:cxn modelId="5" srcId="0" destId="1" srcOrd="0" destOrd="0"/>
+        <dgm:cxn modelId="6" srcId="0" destId="2" srcOrd="1" destOrd="0"/>
+        <dgm:cxn modelId="7" srcId="0" destId="3" srcOrd="2" destOrd="0"/>
+        <dgm:cxn modelId="8" srcId="0" destId="4" srcOrd="3" destOrd="0"/>
+      </dgm:cxnLst>
+      <dgm:bg/>
+      <dgm:whole/>
+    </dgm:dataModel>
+  </dgm:clrData>
+  <dgm:layoutNode name="Name0">
+    <dgm:varLst>
+      <dgm:chMax val="7"/>
+      <dgm:chPref val="7"/>
+      <dgm:dir/>
+    </dgm:varLst>
+    <dgm:alg type="composite"/>
+    <dgm:shape xmlns:r="http://schemas.openxmlformats.org/officeDocument/2006/relationships" r:blip="">
+      <dgm:adjLst/>
+    </dgm:shape>
+    <dgm:constrLst>
+      <dgm:constr type="w" for="ch" refType="h" refFor="ch" op="gte" fact="0.8"/>
+    </dgm:constrLst>
+    <dgm:layoutNode name="Name1">
+      <dgm:alg type="composite"/>
+      <dgm:shape xmlns:r="http://schemas.openxmlformats.org/officeDocument/2006/relationships" r:blip="">
+        <dgm:adjLst/>
+      </dgm:shape>
+      <dgm:choose name="Name2">
+        <dgm:if name="Name3" func="var" arg="dir" op="equ" val="norm">
+          <dgm:choose name="Name4">
+            <dgm:if name="Name5" axis="ch" ptType="node" func="cnt" op="equ" val="1">
+              <dgm:constrLst>
+                <dgm:constr type="h" for="ch" forName="cycle" refType="h"/>
+                <dgm:constr type="w" for="ch" forName="cycle" refType="h" refFor="ch" refForName="cycle" fact="0.26"/>
+                <dgm:constr type="l" for="ch" forName="cycle"/>
+                <dgm:constr type="ctrY" for="ch" forName="cycle" refType="h" fact="0.5"/>
+                <dgm:constr type="diam" for="ch" forName="cycle" refType="h" fact="1.344"/>
+                <dgm:constr type="h" for="ch" forName="accent_1" refType="h" fact="0.625"/>
+                <dgm:constr type="w" for="ch" forName="accent_1" refType="h" refFor="ch" refForName="accent_1" op="equ"/>
+                <dgm:constr type="ctrY" for="ch" forName="accent_1" refType="h" fact="0.5"/>
+                <dgm:constr type="ctrX" for="ch" forName="accent_1" refType="h" fact="0.2253"/>
+                <dgm:constr type="l" for="ch" forName="text_1" refType="ctrX" refFor="ch" refForName="accent_1"/>
+                <dgm:constr type="r" for="ch" forName="text_1" refType="w"/>
+                <dgm:constr type="w" for="ch" forName="text_1" refType="h" refFor="ch" refForName="text_1" op="gte"/>
+                <dgm:constr type="h" for="ch" forName="text_1" refType="h" refFor="ch" refForName="accent_1" fact="0.8"/>
+                <dgm:constr type="ctrY" for="ch" forName="text_1" refType="ctrY" refFor="ch" refForName="accent_1"/>
+                <dgm:constr type="lMarg" for="ch" forName="text_1" refType="w" refFor="ch" refForName="accent_1" fact="1.8"/>
+                <dgm:constr type="primFontSz" for="ch" ptType="node" op="equ" val="65"/>
+              </dgm:constrLst>
+            </dgm:if>
+            <dgm:if name="Name6" axis="ch" ptType="node" func="cnt" op="equ" val="2">
+              <dgm:constrLst>
+                <dgm:constr type="h" for="ch" forName="cycle" refType="h"/>
+                <dgm:constr type="w" for="ch" forName="cycle" refType="h" refFor="ch" refForName="cycle" fact="0.26"/>
+                <dgm:constr type="l" for="ch" forName="cycle"/>
+                <dgm:constr type="ctrY" for="ch" forName="cycle" refType="h" fact="0.5"/>
+                <dgm:constr type="diam" for="ch" forName="cycle" refType="h" fact="1.344"/>
+                <dgm:constr type="h" for="ch" forName="accent_1" refType="h" fact="0.3571"/>
+                <dgm:constr type="w" for="ch" forName="accent_1" refType="h" refFor="ch" refForName="accent_1" op="equ"/>
+                <dgm:constr type="ctrY" for="ch" forName="accent_1" refType="h" fact="0.2857"/>
+                <dgm:constr type="ctrX" for="ch" forName="accent_1" refType="h" fact="0.1891"/>
+                <dgm:constr type="l" for="ch" forName="text_1" refType="ctrX" refFor="ch" refForName="accent_1"/>
+                <dgm:constr type="r" for="ch" forName="text_1" refType="w"/>
+                <dgm:constr type="w" for="ch" forName="text_1" refType="h" refFor="ch" refForName="text_1" op="gte"/>
+                <dgm:constr type="h" for="ch" forName="text_1" refType="h" refFor="ch" refForName="accent_1" fact="0.8"/>
+                <dgm:constr type="ctrY" for="ch" forName="text_1" refType="ctrY" refFor="ch" refForName="accent_1"/>
+                <dgm:constr type="lMarg" for="ch" forName="text_1" refType="w" refFor="ch" refForName="accent_1" fact="1.8"/>
+                <dgm:constr type="h" for="ch" forName="accent_2" refType="h" fact="0.3571"/>
+                <dgm:constr type="w" for="ch" forName="accent_2" refType="h" refFor="ch" refForName="accent_2" op="equ"/>
+                <dgm:constr type="ctrY" for="ch" forName="accent_2" refType="h" fact="0.7143"/>
+                <dgm:constr type="ctrX" for="ch" forName="accent_2" refType="h" fact="0.1891"/>
+                <dgm:constr type="l" for="ch" forName="text_2" refType="ctrX" refFor="ch" refForName="accent_2"/>
+                <dgm:constr type="r" for="ch" forName="text_2" refType="w"/>
+                <dgm:constr type="w" for="ch" forName="text_2" refType="h" refFor="ch" refForName="text_2" op="gte"/>
+                <dgm:constr type="h" for="ch" forName="text_2" refType="h" refFor="ch" refForName="accent_2" fact="0.8"/>
+                <dgm:constr type="ctrY" for="ch" forName="text_2" refType="ctrY" refFor="ch" refForName="accent_2"/>
+                <dgm:constr type="lMarg" for="ch" forName="text_2" refType="w" refFor="ch" refForName="accent_2" fact="1.8"/>
+                <dgm:constr type="primFontSz" for="ch" ptType="node" op="equ" val="65"/>
+              </dgm:constrLst>
+            </dgm:if>
+            <dgm:if name="Name7" axis="ch" ptType="node" func="cnt" op="equ" val="3">
+              <dgm:constrLst>
+                <dgm:constr type="h" for="ch" forName="cycle" refType="h"/>
+                <dgm:constr type="w" for="ch" forName="cycle" refType="h" refFor="ch" refForName="cycle" fact="0.26"/>
+                <dgm:constr type="l" for="ch" forName="cycle"/>
+                <dgm:constr type="ctrY" for="ch" forName="cycle" refType="h" fact="0.5"/>
+                <dgm:constr type="diam" for="ch" forName="cycle" refType="h" fact="1.344"/>
+                <dgm:constr type="h" for="ch" forName="accent_1" refType="h" fact="0.25"/>
+                <dgm:constr type="w" for="ch" forName="accent_1" refType="h" refFor="ch" refForName="accent_1" op="equ"/>
+                <dgm:constr type="ctrY" for="ch" forName="accent_1" refType="h" fact="0.2"/>
+                <dgm:constr type="ctrX" for="ch" forName="accent_1" refType="h" fact="0.1526"/>
+                <dgm:constr type="l" for="ch" forName="text_1" refType="ctrX" refFor="ch" refForName="accent_1"/>
+                <dgm:constr type="r" for="ch" forName="text_1" refType="w"/>
+                <dgm:constr type="w" for="ch" forName="text_1" refType="h" refFor="ch" refForName="text_1" op="gte"/>
+                <dgm:constr type="h" for="ch" forName="text_1" refType="h" refFor="ch" refForName="accent_1" fact="0.8"/>
+                <dgm:constr type="ctrY" for="ch" forName="text_1" refType="ctrY" refFor="ch" refForName="accent_1"/>
+                <dgm:constr type="lMarg" for="ch" forName="text_1" refType="w" refFor="ch" refForName="accent_1" fact="1.8"/>
+                <dgm:constr type="h" for="ch" forName="accent_2" refType="h" fact="0.25"/>
+                <dgm:constr type="w" for="ch" forName="accent_2" refType="h" refFor="ch" refForName="accent_2" op="equ"/>
+                <dgm:constr type="ctrY" for="ch" forName="accent_2" refType="h" fact="0.5"/>
+                <dgm:constr type="ctrX" for="ch" forName="accent_2" refType="h" fact="0.2253"/>
+                <dgm:constr type="l" for="ch" forName="text_2" refType="ctrX" refFor="ch" refForName="accent_2"/>
+                <dgm:constr type="r" for="ch" forName="text_2" refType="w"/>
+                <dgm:constr type="w" for="ch" forName="text_2" refType="h" refFor="ch" refForName="text_2" op="gte"/>
+                <dgm:constr type="h" for="ch" forName="text_2" refType="h" refFor="ch" refForName="accent_2" fact="0.8"/>
+                <dgm:constr type="ctrY" for="ch" forName="text_2" refType="ctrY" refFor="ch" refForName="accent_2"/>
+                <dgm:constr type="lMarg" for="ch" forName="text_2" refType="w" refFor="ch" refForName="accent_2" fact="1.8"/>
+                <dgm:constr type="h" for="ch" forName="accent_3" refType="h" fact="0.25"/>
+                <dgm:constr type="w" for="ch" forName="accent_3" refType="h" refFor="ch" refForName="accent_3" op="equ"/>
+                <dgm:constr type="ctrY" for="ch" forName="accent_3" refType="h" fact="0.8"/>
+                <dgm:constr type="ctrX" for="ch" forName="accent_3" refType="h" fact="0.1526"/>
+                <dgm:constr type="l" for="ch" forName="text_3" refType="ctrX" refFor="ch" refForName="accent_3"/>
+                <dgm:constr type="r" for="ch" forName="text_3" refType="w"/>
+                <dgm:constr type="w" for="ch" forName="text_3" refType="h" refFor="ch" refForName="text_3" op="gte"/>
+                <dgm:constr type="h" for="ch" forName="text_3" refType="h" refFor="ch" refForName="accent_3" fact="0.8"/>
+                <dgm:constr type="ctrY" for="ch" forName="text_3" refType="ctrY" refFor="ch" refForName="accent_3"/>
+                <dgm:constr type="lMarg" for="ch" forName="text_3" refType="w" refFor="ch" refForName="accent_3" fact="1.8"/>
+                <dgm:constr type="primFontSz" for="ch" ptType="node" op="equ" val="65"/>
+              </dgm:constrLst>
+            </dgm:if>
+            <dgm:if name="Name8" axis="ch" ptType="node" func="cnt" op="equ" val="4">
+              <dgm:constrLst>
+                <dgm:constr type="h" for="ch" forName="cycle" refType="h"/>
+                <dgm:constr type="w" for="ch" forName="cycle" refType="h" refFor="ch" refForName="cycle" fact="0.26"/>
+                <dgm:constr type="l" for="ch" forName="cycle"/>
+                <dgm:constr type="ctrY" for="ch" forName="cycle" refType="h" fact="0.5"/>
+                <dgm:constr type="diam" for="ch" forName="cycle" refType="h" fact="1.344"/>
+                <dgm:constr type="h" for="ch" forName="accent_1" refType="h" fact="0.1923"/>
+                <dgm:constr type="w" for="ch" forName="accent_1" refType="h" refFor="ch" refForName="accent_1" op="equ"/>
+                <dgm:constr type="ctrY" for="ch" forName="accent_1" refType="h" fact="0.1538"/>
+                <dgm:constr type="ctrX" for="ch" forName="accent_1" refType="h" fact="0.1268"/>
+                <dgm:constr type="l" for="ch" forName="text_1" refType="ctrX" refFor="ch" refForName="accent_1"/>
+                <dgm:constr type="r" for="ch" forName="text_1" refType="w"/>
+                <dgm:constr type="w" for="ch" forName="text_1" refType="h" refFor="ch" refForName="text_1" op="gte"/>
+                <dgm:constr type="h" for="ch" forName="text_1" refType="h" refFor="ch" refForName="accent_1" fact="0.8"/>
+                <dgm:constr type="ctrY" for="ch" forName="text_1" refType="ctrY" refFor="ch" refForName="accent_1"/>
+                <dgm:constr type="lMarg" for="ch" forName="text_1" refType="w" refFor="ch" refForName="accent_1" fact="1.8"/>
+                <dgm:constr type="h" for="ch" forName="accent_2" refType="h" fact="0.1923"/>
+                <dgm:constr type="w" for="ch" forName="accent_2" refType="h" refFor="ch" refForName="accent_2" op="equ"/>
+                <dgm:constr type="ctrY" for="ch" forName="accent_2" refType="h" fact="0.3846"/>
+                <dgm:constr type="ctrX" for="ch" forName="accent_2" refType="h" fact="0.215"/>
+                <dgm:constr type="l" for="ch" forName="text_2" refType="ctrX" refFor="ch" refForName="accent_2"/>
+                <dgm:constr type="r" for="ch" forName="text_2" refType="w"/>
+                <dgm:constr type="w" for="ch" forName="text_2" refType="h" refFor="ch" refForName="text_2" op="gte"/>
+                <dgm:constr type="h" for="ch" forName="text_2" refType="h" refFor="ch" refForName="accent_2" fact="0.8"/>
+                <dgm:constr type="ctrY" for="ch" forName="text_2" refType="ctrY" refFor="ch" refForName="accent_2"/>
+                <dgm:constr type="lMarg" for="ch" forName="text_2" refType="w" refFor="ch" refForName="accent_2" fact="1.8"/>
+                <dgm:constr type="h" for="ch" forName="accent_3" refType="h" fact="0.1923"/>
+                <dgm:constr type="w" for="ch" forName="accent_3" refType="h" refFor="ch" refForName="accent_3" op="equ"/>
+                <dgm:constr type="ctrY" for="ch" forName="accent_3" refType="h" fact="0.6154"/>
+                <dgm:constr type="ctrX" for="ch" forName="accent_3" refType="h" fact="0.215"/>
+                <dgm:constr type="l" for="ch" forName="text_3" refType="ctrX" refFor="ch" refForName="accent_3"/>
+                <dgm:constr type="r" for="ch" forName="text_3" refType="w"/>
+                <dgm:constr type="w" for="ch" forName="text_3" refType="h" refFor="ch" refForName="text_3" op="gte"/>
+                <dgm:constr type="h" for="ch" forName="text_3" refType="h" refFor="ch" refForName="accent_3" fact="0.8"/>
+                <dgm:constr type="ctrY" for="ch" forName="text_3" refType="ctrY" refFor="ch" refForName="accent_3"/>
+                <dgm:constr type="lMarg" for="ch" forName="text_3" refType="w" refFor="ch" refForName="accent_3" fact="1.8"/>
+                <dgm:constr type="h" for="ch" forName="accent_4" refType="h" fact="0.1923"/>
+                <dgm:constr type="w" for="ch" forName="accent_4" refType="h" refFor="ch" refForName="accent_4" op="equ"/>
+                <dgm:constr type="ctrY" for="ch" forName="accent_4" refType="h" fact="0.8462"/>
+                <dgm:constr type="ctrX" for="ch" forName="accent_4" refType="h" fact="0.1268"/>
+                <dgm:constr type="l" for="ch" forName="text_4" refType="ctrX" refFor="ch" refForName="accent_4"/>
+                <dgm:constr type="r" for="ch" forName="text_4" refType="w"/>
+                <dgm:constr type="w" for="ch" forName="text_4" refType="h" refFor="ch" refForName="text_4" op="gte"/>
+                <dgm:constr type="h" for="ch" forName="text_4" refType="h" refFor="ch" refForName="accent_4" fact="0.8"/>
+                <dgm:constr type="ctrY" for="ch" forName="text_4" refType="ctrY" refFor="ch" refForName="accent_4"/>
+                <dgm:constr type="lMarg" for="ch" forName="text_4" refType="w" refFor="ch" refForName="accent_4" fact="1.8"/>
+                <dgm:constr type="primFontSz" for="ch" ptType="node" op="equ" val="65"/>
+              </dgm:constrLst>
+            </dgm:if>
+            <dgm:if name="Name9" axis="ch" ptType="node" func="cnt" op="equ" val="5">
+              <dgm:constrLst>
+                <dgm:constr type="h" for="ch" forName="cycle" refType="h"/>
+                <dgm:constr type="w" for="ch" forName="cycle" refType="h" refFor="ch" refForName="cycle" fact="0.26"/>
+                <dgm:constr type="l" for="ch" forName="cycle"/>
+                <dgm:constr type="ctrY" for="ch" forName="cycle" refType="h" fact="0.5"/>
+                <dgm:constr type="diam" for="ch" forName="cycle" refType="h" fact="1.344"/>
+                <dgm:constr type="h" for="ch" forName="accent_1" refType="h" fact="0.1563"/>
+                <dgm:constr type="w" for="ch" forName="accent_1" refType="h" refFor="ch" refForName="accent_1" op="equ"/>
+                <dgm:constr type="ctrY" for="ch" forName="accent_1" refType="h" fact="0.125"/>
+                <dgm:constr type="ctrX" for="ch" forName="accent_1" refType="h" fact="0.1082"/>
+                <dgm:constr type="l" for="ch" forName="text_1" refType="ctrX" refFor="ch" refForName="accent_1"/>
+                <dgm:constr type="r" for="ch" forName="text_1" refType="w"/>
+                <dgm:constr type="w" for="ch" forName="text_1" refType="h" refFor="ch" refForName="text_1" op="gte"/>
+                <dgm:constr type="h" for="ch" forName="text_1" refType="h" refFor="ch" refForName="accent_1" fact="0.8"/>
+                <dgm:constr type="ctrY" for="ch" forName="text_1" refType="ctrY" refFor="ch" refForName="accent_1"/>
+                <dgm:constr type="lMarg" for="ch" forName="text_1" refType="w" refFor="ch" refForName="accent_1" fact="1.8"/>
+                <dgm:constr type="h" for="ch" forName="accent_2" refType="h" fact="0.1563"/>
+                <dgm:constr type="w" for="ch" forName="accent_2" refType="h" refFor="ch" refForName="accent_2" op="equ"/>
+                <dgm:constr type="ctrY" for="ch" forName="accent_2" refType="h" fact="0.3125"/>
+                <dgm:constr type="ctrX" for="ch" forName="accent_2" refType="h" fact="0.1978"/>
+                <dgm:constr type="l" for="ch" forName="text_2" refType="ctrX" refFor="ch" refForName="accent_2"/>
+                <dgm:constr type="r" for="ch" forName="text_2" refType="w"/>
+                <dgm:constr type="w" for="ch" forName="text_2" refType="h" refFor="ch" refForName="text_2" op="gte"/>
+                <dgm:constr type="h" for="ch" forName="text_2" refType="h" refFor="ch" refForName="accent_2" fact="0.8"/>
+                <dgm:constr type="ctrY" for="ch" forName="text_2" refType="ctrY" refFor="ch" refForName="accent_2"/>
+                <dgm:constr type="lMarg" for="ch" forName="text_2" refType="w" refFor="ch" refForName="accent_2" fact="1.8"/>
+                <dgm:constr type="h" for="ch" forName="accent_3" refType="h" fact="0.1563"/>
+                <dgm:constr type="w" for="ch" forName="accent_3" refType="h" refFor="ch" refForName="accent_3" op="equ"/>
+                <dgm:constr type="ctrY" for="ch" forName="accent_3" refType="h" fact="0.5"/>
+                <dgm:constr type="ctrX" for="ch" forName="accent_3" refType="h" fact="0.2253"/>
+                <dgm:constr type="l" for="ch" forName="text_3" refType="ctrX" refFor="ch" refForName="accent_3"/>
+                <dgm:constr type="r" for="ch" forName="text_3" refType="w"/>
+                <dgm:constr type="w" for="ch" forName="text_3" refType="h" refFor="ch" refForName="text_3" op="gte"/>
+                <dgm:constr type="h" for="ch" forName="text_3" refType="h" refFor="ch" refForName="accent_3" fact="0.8"/>
+                <dgm:constr type="ctrY" for="ch" forName="text_3" refType="ctrY" refFor="ch" refForName="accent_3"/>
+                <dgm:constr type="lMarg" for="ch" forName="text_3" refType="w" refFor="ch" refForName="accent_3" fact="1.8"/>
+                <dgm:constr type="h" for="ch" forName="accent_4" refType="h" fact="0.1563"/>
+                <dgm:constr type="w" for="ch" forName="accent_4" refType="h" refFor="ch" refForName="accent_4" op="equ"/>
+                <dgm:constr type="ctrY" for="ch" forName="accent_4" refType="h" fact="0.6875"/>
+                <dgm:constr type="ctrX" for="ch" forName="accent_4" refType="h" fact="0.1978"/>
+                <dgm:constr type="l" for="ch" forName="text_4" refType="ctrX" refFor="ch" refForName="accent_4"/>
+                <dgm:constr type="r" for="ch" forName="text_4" refType="w"/>
+                <dgm:constr type="w" for="ch" forName="text_4" refType="h" refFor="ch" refForName="text_4" op="gte"/>
+                <dgm:constr type="h" for="ch" forName="text_4" refType="h" refFor="ch" refForName="accent_4" fact="0.8"/>
+                <dgm:constr type="ctrY" for="ch" forName="text_4" refType="ctrY" refFor="ch" refForName="accent_4"/>
+                <dgm:constr type="lMarg" for="ch" forName="text_4" refType="w" refFor="ch" refForName="accent_4" fact="1.8"/>
+                <dgm:constr type="h" for="ch" forName="accent_5" refType="h" fact="0.1563"/>
+                <dgm:constr type="w" for="ch" forName="accent_5" refType="h" refFor="ch" refForName="accent_5" op="equ"/>
+                <dgm:constr type="ctrY" for="ch" forName="accent_5" refType="h" fact="0.875"/>
+                <dgm:constr type="ctrX" for="ch" forName="accent_5" refType="h" fact="0.1082"/>
+                <dgm:constr type="l" for="ch" forName="text_5" refType="ctrX" refFor="ch" refForName="accent_5"/>
+                <dgm:constr type="r" for="ch" forName="text_5" refType="w"/>
+                <dgm:constr type="w" for="ch" forName="text_5" refType="h" refFor="ch" refForName="text_5" op="gte"/>
+                <dgm:constr type="h" for="ch" forName="text_5" refType="h" refFor="ch" refForName="accent_5" fact="0.8"/>
+                <dgm:constr type="ctrY" for="ch" forName="text_5" refType="ctrY" refFor="ch" refForName="accent_5"/>
+                <dgm:constr type="lMarg" for="ch" forName="text_5" refType="w" refFor="ch" refForName="accent_5" fact="1.8"/>
+                <dgm:constr type="primFontSz" for="ch" ptType="node" op="equ" val="65"/>
+              </dgm:constrLst>
+            </dgm:if>
+            <dgm:if name="Name10" axis="ch" ptType="node" func="cnt" op="equ" val="6">
+              <dgm:constrLst>
+                <dgm:constr type="h" for="ch" forName="cycle" refType="h"/>
+                <dgm:constr type="w" for="ch" forName="cycle" refType="h" refFor="ch" refForName="cycle" fact="0.26"/>
+                <dgm:constr type="l" for="ch" forName="cycle"/>
+                <dgm:constr type="ctrY" for="ch" forName="cycle" refType="h" fact="0.5"/>
+                <dgm:constr type="diam" for="ch" forName="cycle" refType="h" fact="1.344"/>
+                <dgm:constr type="h" for="ch" forName="accent_1" refType="h" fact="0.1316"/>
+                <dgm:constr type="w" for="ch" forName="accent_1" refType="h" refFor="ch" refForName="accent_1" op="equ"/>
+                <dgm:constr type="ctrY" for="ch" forName="accent_1" refType="h" fact="0.1053"/>
+                <dgm:constr type="ctrX" for="ch" forName="accent_1" refType="h" fact="0.0943"/>
+                <dgm:constr type="l" for="ch" forName="text_1" refType="ctrX" refFor="ch" refForName="accent_1"/>
+                <dgm:constr type="r" for="ch" forName="text_1" refType="w"/>
+                <dgm:constr type="w" for="ch" forName="text_1" refType="h" refFor="ch" refForName="text_1" op="gte"/>
+                <dgm:constr type="h" for="ch" forName="text_1" refType="h" refFor="ch" refForName="accent_1" fact="0.8"/>
+                <dgm:constr type="ctrY" for="ch" forName="text_1" refType="ctrY" refFor="ch" refForName="accent_1"/>
+                <dgm:constr type="lMarg" for="ch" forName="text_1" refType="w" refFor="ch" refForName="accent_1" fact="1.8"/>
+                <dgm:constr type="h" for="ch" forName="accent_2" refType="h" fact="0.1316"/>
+                <dgm:constr type="w" for="ch" forName="accent_2" refType="h" refFor="ch" refForName="accent_2" op="equ"/>
+                <dgm:constr type="ctrY" for="ch" forName="accent_2" refType="h" fact="0.2632"/>
+                <dgm:constr type="ctrX" for="ch" forName="accent_2" refType="h" fact="0.1809"/>
+                <dgm:constr type="l" for="ch" forName="text_2" refType="ctrX" refFor="ch" refForName="accent_2"/>
+                <dgm:constr type="r" for="ch" forName="text_2" refType="w"/>
+                <dgm:constr type="w" for="ch" forName="text_2" refType="h" refFor="ch" refForName="text_2" op="gte"/>
+                <dgm:constr type="h" for="ch" forName="text_2" refType="h" refFor="ch" refForName="accent_2" fact="0.8"/>
+                <dgm:constr type="ctrY" for="ch" forName="text_2" refType="ctrY" refFor="ch" refForName="accent_2"/>
+                <dgm:constr type="lMarg" for="ch" forName="text_2" refType="w" refFor="ch" refForName="accent_2" fact="1.8"/>
+                <dgm:constr type="h" for="ch" forName="accent_3" refType="h" fact="0.1316"/>
+                <dgm:constr type="w" for="ch" forName="accent_3" refType="h" refFor="ch" refForName="accent_3" op="equ"/>
+                <dgm:constr type="ctrY" for="ch" forName="accent_3" refType="h" fact="0.4211"/>
+                <dgm:constr type="ctrX" for="ch" forName="accent_3" refType="h" fact="0.2205"/>
+                <dgm:constr type="l" for="ch" forName="text_3" refType="ctrX" refFor="ch" refForName="accent_3"/>
+                <dgm:constr type="r" for="ch" forName="text_3" refType="w"/>
+                <dgm:constr type="w" for="ch" forName="text_3" refType="h" refFor="ch" refForName="text_3" op="gte"/>
+                <dgm:constr type="h" for="ch" forName="text_3" refType="h" refFor="ch" refForName="accent_3" fact="0.8"/>
+                <dgm:constr type="ctrY" for="ch" forName="text_3" refType="ctrY" refFor="ch" refForName="accent_3"/>
+                <dgm:constr type="lMarg" for="ch" forName="text_3" refType="w" refFor="ch" refForName="accent_3" fact="1.8"/>
+                <dgm:constr type="h" for="ch" forName="accent_4" refType="h" fact="0.1316"/>
+                <dgm:constr type="w" for="ch" forName="accent_4" refType="h" refFor="ch" refForName="accent_4" op="equ"/>
+                <dgm:constr type="ctrY" for="ch" forName="accent_4" refType="h" fact="0.5789"/>
+                <dgm:constr type="ctrX" for="ch" forName="accent_4" refType="h" fact="0.2205"/>
+                <dgm:constr type="l" for="ch" forName="text_4" refType="ctrX" refFor="ch" refForName="accent_4"/>
+                <dgm:constr type="r" for="ch" forName="text_4" refType="w"/>
+                <dgm:constr type="w" for="ch" forName="text_4" refType="h" refFor="ch" refForName="text_4" op="gte"/>
+                <dgm:constr type="h" for="ch" forName="text_4" refType="h" refFor="ch" refForName="accent_4" fact="0.8"/>
+                <dgm:constr type="ctrY" for="ch" forName="text_4" refType="ctrY" refFor="ch" refForName="accent_4"/>
+                <dgm:constr type="lMarg" for="ch" forName="text_4" refType="w" refFor="ch" refForName="accent_4" fact="1.8"/>
+                <dgm:constr type="h" for="ch" forName="accent_5" refType="h" fact="0.1316"/>
+                <dgm:constr type="w" for="ch" forName="accent_5" refType="h" refFor="ch" refForName="accent_5" op="equ"/>
+                <dgm:constr type="ctrY" for="ch" forName="accent_5" refType="h" fact="0.7368"/>
+                <dgm:constr type="ctrX" for="ch" forName="accent_5" refType="h" fact="0.1809"/>
+                <dgm:constr type="l" for="ch" forName="text_5" refType="ctrX" refFor="ch" refForName="accent_5"/>
+                <dgm:constr type="r" for="ch" forName="text_5" refType="w"/>
+                <dgm:constr type="w" for="ch" forName="text_5" refType="h" refFor="ch" refForName="text_5" op="gte"/>
+                <dgm:constr type="h" for="ch" forName="text_5" refType="h" refFor="ch" refForName="accent_5" fact="0.8"/>
+                <dgm:constr type="ctrY" for="ch" forName="text_5" refType="ctrY" refFor="ch" refForName="accent_5"/>
+                <dgm:constr type="lMarg" for="ch" forName="text_5" refType="w" refFor="ch" refForName="accent_5" fact="1.8"/>
+                <dgm:constr type="h" for="ch" forName="accent_6" refType="h" fact="0.1316"/>
+                <dgm:constr type="w" for="ch" forName="accent_6" refType="h" refFor="ch" refForName="accent_6" op="equ"/>
+                <dgm:constr type="ctrY" for="ch" forName="accent_6" refType="h" fact="0.8947"/>
+                <dgm:constr type="ctrX" for="ch" forName="accent_6" refType="h" fact="0.0943"/>
+                <dgm:constr type="l" for="ch" forName="text_6" refType="ctrX" refFor="ch" refForName="accent_6"/>
+                <dgm:constr type="r" for="ch" forName="text_6" refType="w"/>
+                <dgm:constr type="w" for="ch" forName="text_6" refType="h" refFor="ch" refForName="text_6" op="gte"/>
+                <dgm:constr type="h" for="ch" forName="text_6" refType="h" refFor="ch" refForName="accent_6" fact="0.8"/>
+                <dgm:constr type="ctrY" for="ch" forName="text_6" refType="ctrY" refFor="ch" refForName="accent_6"/>
+                <dgm:constr type="lMarg" for="ch" forName="text_6" refType="w" refFor="ch" refForName="accent_6" fact="1.8"/>
+                <dgm:constr type="primFontSz" for="ch" ptType="node" op="equ" val="65"/>
+              </dgm:constrLst>
+            </dgm:if>
+            <dgm:else name="Name11">
+              <dgm:constrLst>
+                <dgm:constr type="h" for="ch" forName="cycle" refType="h"/>
+                <dgm:constr type="w" for="ch" forName="cycle" refType="h" refFor="ch" refForName="cycle" fact="0.26"/>
+                <dgm:constr type="l" for="ch" forName="cycle"/>
+                <dgm:constr type="ctrY" for="ch" forName="cycle" refType="h" fact="0.5"/>
+                <dgm:constr type="diam" for="ch" forName="cycle" refType="h" fact="1.344"/>
+                <dgm:constr type="h" for="ch" forName="accent_1" refType="h" fact="0.1136"/>
+                <dgm:constr type="w" for="ch" forName="accent_1" refType="h" refFor="ch" refForName="accent_1" op="equ"/>
+                <dgm:constr type="ctrY" for="ch" forName="accent_1" refType="h" fact="0.0909"/>
+                <dgm:constr type="ctrX" for="ch" forName="accent_1" refType="h" fact="0.0835"/>
+                <dgm:constr type="l" for="ch" forName="text_1" refType="ctrX" refFor="ch" refForName="accent_1"/>
+                <dgm:constr type="r" for="ch" forName="text_1" refType="w"/>
+                <dgm:constr type="w" for="ch" forName="text_1" refType="h" refFor="ch" refForName="text_1" op="gte"/>
+                <dgm:constr type="h" for="ch" forName="text_1" refType="h" refFor="ch" refForName="accent_1" fact="0.8"/>
+                <dgm:constr type="ctrY" for="ch" forName="text_1" refType="ctrY" refFor="ch" refForName="accent_1"/>
+                <dgm:constr type="lMarg" for="ch" forName="text_1" refType="w" refFor="ch" refForName="accent_1" fact="1.8"/>
+                <dgm:constr type="h" for="ch" forName="accent_2" refType="h" fact="0.1136"/>
+                <dgm:constr type="w" for="ch" forName="accent_2" refType="h" refFor="ch" refForName="accent_2" op="equ"/>
+                <dgm:constr type="ctrY" for="ch" forName="accent_2" refType="h" fact="0.2273"/>
+                <dgm:constr type="ctrX" for="ch" forName="accent_2" refType="h" fact="0.1658"/>
+                <dgm:constr type="l" for="ch" forName="text_2" refType="ctrX" refFor="ch" refForName="accent_2"/>
+                <dgm:constr type="r" for="ch" forName="text_2" refType="w"/>
+                <dgm:constr type="w" for="ch" forName="text_2" refType="h" refFor="ch" refForName="text_2" op="gte"/>
+                <dgm:constr type="h" for="ch" forName="text_2" refType="h" refFor="ch" refForName="accent_2" fact="0.8"/>
+                <dgm:constr type="ctrY" for="ch" forName="text_2" refType="ctrY" refFor="ch" refForName="accent_2"/>
+                <dgm:constr type="lMarg" for="ch" forName="text_2" refType="w" refFor="ch" refForName="accent_2" fact="1.8"/>
+                <dgm:constr type="h" for="ch" forName="accent_3" refType="h" fact="0.1136"/>
+                <dgm:constr type="w" for="ch" forName="accent_3" refType="h" refFor="ch" refForName="accent_3" op="equ"/>
+                <dgm:constr type="ctrY" for="ch" forName="accent_3" refType="h" fact="0.3636"/>
+                <dgm:constr type="ctrX" for="ch" forName="accent_3" refType="h" fact="0.2109"/>
+                <dgm:constr type="l" for="ch" forName="text_3" refType="ctrX" refFor="ch" refForName="accent_3"/>
+                <dgm:constr type="r" for="ch" forName="text_3" refType="w"/>
+                <dgm:constr type="w" for="ch" forName="text_3" refType="h" refFor="ch" refForName="text_3" op="gte"/>
+                <dgm:constr type="h" for="ch" forName="text_3" refType="h" refFor="ch" refForName="accent_3" fact="0.8"/>
+                <dgm:constr type="ctrY" for="ch" forName="text_3" refType="ctrY" refFor="ch" refForName="accent_3"/>
+                <dgm:constr type="lMarg" for="ch" forName="text_3" refType="w" refFor="ch" refForName="accent_3" fact="1.8"/>
+                <dgm:constr type="h" for="ch" forName="accent_4" refType="h" fact="0.1136"/>
+                <dgm:constr type="w" for="ch" forName="accent_4" refType="h" refFor="ch" refForName="accent_4" op="equ"/>
+                <dgm:constr type="ctrY" for="ch" forName="accent_4" refType="h" fact="0.5"/>
+                <dgm:constr type="ctrX" for="ch" forName="accent_4" refType="h" fact="0.2253"/>
+                <dgm:constr type="l" for="ch" forName="text_4" refType="ctrX" refFor="ch" refForName="accent_4"/>
+                <dgm:constr type="r" for="ch" forName="text_4" refType="w"/>
+                <dgm:constr type="w" for="ch" forName="text_4" refType="h" refFor="ch" refForName="text_4" op="gte"/>
+                <dgm:constr type="h" for="ch" forName="text_4" refType="h" refFor="ch" refForName="accent_4" fact="0.8"/>
+                <dgm:constr type="ctrY" for="ch" forName="text_4" refType="ctrY" refFor="ch" refForName="accent_4"/>
+                <dgm:constr type="lMarg" for="ch" forName="text_4" refType="w" refFor="ch" refForName="accent_4" fact="1.8"/>
+                <dgm:constr type="h" for="ch" forName="accent_5" refType="h" fact="0.1136"/>
+                <dgm:constr type="w" for="ch" forName="accent_5" refType="h" refFor="ch" refForName="accent_5" op="equ"/>
+                <dgm:constr type="ctrY" for="ch" forName="accent_5" refType="h" fact="0.6364"/>
+                <dgm:constr type="ctrX" for="ch" forName="accent_5" refType="h" fact="0.2109"/>
+                <dgm:constr type="l" for="ch" forName="text_5" refType="ctrX" refFor="ch" refForName="accent_5"/>
+                <dgm:constr type="r" for="ch" forName="text_5" refType="w"/>
+                <dgm:constr type="w" for="ch" forName="text_5" refType="h" refFor="ch" refForName="text_5" op="gte"/>
+                <dgm:constr type="h" for="ch" forName="text_5" refType="h" refFor="ch" refForName="accent_5" fact="0.8"/>
+                <dgm:constr type="ctrY" for="ch" forName="text_5" refType="ctrY" refFor="ch" refForName="accent_5"/>
+                <dgm:constr type="lMarg" for="ch" forName="text_5" refType="w" refFor="ch" refForName="accent_5" fact="1.8"/>
+                <dgm:constr type="h" for="ch" forName="accent_6" refType="h" fact="0.1136"/>
+                <dgm:constr type="w" for="ch" forName="accent_6" refType="h" refFor="ch" refForName="accent_6" op="equ"/>
+                <dgm:constr type="ctrY" for="ch" forName="accent_6" refType="h" fact="0.7727"/>
+                <dgm:constr type="ctrX" for="ch" forName="accent_6" refType="h" fact="0.1658"/>
+                <dgm:constr type="l" for="ch" forName="text_6" refType="ctrX" refFor="ch" refForName="accent_6"/>
+                <dgm:constr type="r" for="ch" forName="text_6" refType="w"/>
+                <dgm:constr type="w" for="ch" forName="text_6" refType="h" refFor="ch" refForName="text_6" op="gte"/>
+                <dgm:constr type="h" for="ch" forName="text_6" refType="h" refFor="ch" refForName="accent_6" fact="0.8"/>
+                <dgm:constr type="ctrY" for="ch" forName="text_6" refType="ctrY" refFor="ch" refForName="accent_6"/>
+                <dgm:constr type="lMarg" for="ch" forName="text_6" refType="w" refFor="ch" refForName="accent_6" fact="1.8"/>
+                <dgm:constr type="h" for="ch" forName="accent_7" refType="h" fact="0.1136"/>
+                <dgm:constr type="w" for="ch" forName="accent_7" refType="h" refFor="ch" refForName="accent_7" op="equ"/>
+                <dgm:constr type="ctrY" for="ch" forName="accent_7" refType="h" fact="0.9091"/>
+                <dgm:constr type="ctrX" for="ch" forName="accent_7" refType="h" fact="0.0835"/>
+                <dgm:constr type="l" for="ch" forName="text_7" refType="ctrX" refFor="ch" refForName="accent_7"/>
+                <dgm:constr type="r" for="ch" forName="text_7" refType="w"/>
+                <dgm:constr type="w" for="ch" forName="text_7" refType="h" refFor="ch" refForName="text_7" op="gte"/>
+                <dgm:constr type="h" for="ch" forName="text_7" refType="h" refFor="ch" refForName="accent_7" fact="0.8"/>
+                <dgm:constr type="ctrY" for="ch" forName="text_7" refType="ctrY" refFor="ch" refForName="accent_7"/>
+                <dgm:constr type="lMarg" for="ch" forName="text_7" refType="w" refFor="ch" refForName="accent_7" fact="1.8"/>
+                <dgm:constr type="primFontSz" for="ch" ptType="node" op="equ" val="65"/>
+              </dgm:constrLst>
+            </dgm:else>
+          </dgm:choose>
+        </dgm:if>
+        <dgm:else name="Name12">
+          <dgm:choose name="Name13">
+            <dgm:if name="Name14" axis="ch" ptType="node" func="cnt" op="equ" val="1">
+              <dgm:constrLst>
+                <dgm:constr type="h" for="ch" forName="cycle" refType="h"/>
+                <dgm:constr type="w" for="ch" forName="cycle" refType="h" refFor="ch" refForName="cycle" fact="0.26"/>
+                <dgm:constr type="r" for="ch" forName="cycle" refType="w"/>
+                <dgm:constr type="ctrY" for="ch" forName="cycle" refType="h" fact="0.5"/>
+                <dgm:constr type="diam" for="ch" forName="cycle" refType="h" fact="1.344"/>
+                <dgm:constr type="h" for="ch" forName="accent_1" refType="h" fact="0.625"/>
+                <dgm:constr type="w" for="ch" forName="accent_1" refType="h" refFor="ch" refForName="accent_1" op="equ"/>
+                <dgm:constr type="ctrY" for="ch" forName="accent_1" refType="h" fact="0.5"/>
+                <dgm:constr type="ctrX" for="ch" forName="accent_1" refType="w"/>
+                <dgm:constr type="ctrXOff" for="ch" forName="accent_1" refType="h" fact="-0.2253"/>
+                <dgm:constr type="r" for="ch" forName="text_1" refType="ctrX" refFor="ch" refForName="accent_1"/>
+                <dgm:constr type="rOff" for="ch" forName="text_1" refType="ctrXOff" refFor="ch" refForName="accent_1"/>
+                <dgm:constr type="l" for="ch" forName="text_1"/>
+                <dgm:constr type="w" for="ch" forName="text_1" refType="h" refFor="ch" refForName="text_1" op="gte"/>
+                <dgm:constr type="h" for="ch" forName="text_1" refType="h" refFor="ch" refForName="accent_1" fact="0.8"/>
+                <dgm:constr type="ctrY" for="ch" forName="text_1" refType="ctrY" refFor="ch" refForName="accent_1"/>
+                <dgm:constr type="rMarg" for="ch" forName="text_1" refType="w" refFor="ch" refForName="accent_1" fact="1.8"/>
+                <dgm:constr type="primFontSz" for="ch" ptType="node" op="equ" val="65"/>
+              </dgm:constrLst>
+            </dgm:if>
+            <dgm:if name="Name15" axis="ch" ptType="node" func="cnt" op="equ" val="2">
+              <dgm:constrLst>
+                <dgm:constr type="h" for="ch" forName="cycle" refType="h"/>
+                <dgm:constr type="w" for="ch" forName="cycle" refType="h" refFor="ch" refForName="cycle" fact="0.26"/>
+                <dgm:constr type="r" for="ch" forName="cycle" refType="w"/>
+                <dgm:constr type="ctrY" for="ch" forName="cycle" refType="h" fact="0.5"/>
+                <dgm:constr type="diam" for="ch" forName="cycle" refType="h" fact="1.344"/>
+                <dgm:constr type="h" for="ch" forName="accent_1" refType="h" fact="0.3571"/>
+                <dgm:constr type="w" for="ch" forName="accent_1" refType="h" refFor="ch" refForName="accent_1" op="equ"/>
+                <dgm:constr type="ctrY" for="ch" forName="accent_1" refType="h" fact="0.2857"/>
+                <dgm:constr type="ctrX" for="ch" forName="accent_1" refType="w"/>
+                <dgm:constr type="ctrXOff" for="ch" forName="accent_1" refType="h" fact="-0.1891"/>
+                <dgm:constr type="r" for="ch" forName="text_1" refType="ctrX" refFor="ch" refForName="accent_1"/>
+                <dgm:constr type="rOff" for="ch" forName="text_1" refType="ctrXOff" refFor="ch" refForName="accent_1"/>
+                <dgm:constr type="l" for="ch" forName="text_1"/>
+                <dgm:constr type="w" for="ch" forName="text_1" refType="h" refFor="ch" refForName="text_1" op="gte"/>
+                <dgm:constr type="h" for="ch" forName="text_1" refType="h" refFor="ch" refForName="accent_1" fact="0.8"/>
+                <dgm:constr type="ctrY" for="ch" forName="text_1" refType="ctrY" refFor="ch" refForName="accent_1"/>
+                <dgm:constr type="rMarg" for="ch" forName="text_1" refType="w" refFor="ch" refForName="accent_1" fact="1.8"/>
+                <dgm:constr type="h" for="ch" forName="accent_2" refType="h" fact="0.3571"/>
+                <dgm:constr type="w" for="ch" forName="accent_2" refType="h" refFor="ch" refForName="accent_2" op="equ"/>
+                <dgm:constr type="ctrY" for="ch" forName="accent_2" refType="h" fact="0.7143"/>
+                <dgm:constr type="ctrX" for="ch" forName="accent_2" refType="w"/>
+                <dgm:constr type="ctrXOff" for="ch" forName="accent_2" refType="h" fact="-0.1891"/>
+                <dgm:constr type="r" for="ch" forName="text_2" refType="ctrX" refFor="ch" refForName="accent_2"/>
+                <dgm:constr type="rOff" for="ch" forName="text_2" refType="ctrXOff" refFor="ch" refForName="accent_2"/>
+                <dgm:constr type="l" for="ch" forName="text_2"/>
+                <dgm:constr type="w" for="ch" forName="text_2" refType="h" refFor="ch" refForName="text_2" op="gte"/>
+                <dgm:constr type="h" for="ch" forName="text_2" refType="h" refFor="ch" refForName="accent_2" fact="0.8"/>
+                <dgm:constr type="ctrY" for="ch" forName="text_2" refType="ctrY" refFor="ch" refForName="accent_2"/>
+                <dgm:constr type="rMarg" for="ch" forName="text_2" refType="w" refFor="ch" refForName="accent_2" fact="1.8"/>
+                <dgm:constr type="primFontSz" for="ch" ptType="node" op="equ" val="65"/>
+              </dgm:constrLst>
+            </dgm:if>
+            <dgm:if name="Name16" axis="ch" ptType="node" func="cnt" op="equ" val="3">
+              <dgm:constrLst>
+                <dgm:constr type="h" for="ch" forName="cycle" refType="h"/>
+                <dgm:constr type="w" for="ch" forName="cycle" refType="h" refFor="ch" refForName="cycle" fact="0.26"/>
+                <dgm:constr type="r" for="ch" forName="cycle" refType="w"/>
+                <dgm:constr type="ctrY" for="ch" forName="cycle" refType="h" fact="0.5"/>
+                <dgm:constr type="diam" for="ch" forName="cycle" refType="h" fact="1.344"/>
+                <dgm:constr type="h" for="ch" forName="accent_1" refType="h" fact="0.25"/>
+                <dgm:constr type="w" for="ch" forName="accent_1" refType="h" refFor="ch" refForName="accent_1" op="equ"/>
+                <dgm:constr type="ctrY" for="ch" forName="accent_1" refType="h" fact="0.2"/>
+                <dgm:constr type="ctrX" for="ch" forName="accent_1" refType="w"/>
+                <dgm:constr type="ctrXOff" for="ch" forName="accent_1" refType="h" fact="-0.1526"/>
+                <dgm:constr type="r" for="ch" forName="text_1" refType="ctrX" refFor="ch" refForName="accent_1"/>
+                <dgm:constr type="rOff" for="ch" forName="text_1" refType="ctrXOff" refFor="ch" refForName="accent_1"/>
+                <dgm:constr type="l" for="ch" forName="text_1"/>
+                <dgm:constr type="w" for="ch" forName="text_1" refType="h" refFor="ch" refForName="text_1" op="gte"/>
+                <dgm:constr type="h" for="ch" forName="text_1" refType="h" refFor="ch" refForName="accent_1" fact="0.8"/>
+                <dgm:constr type="ctrY" for="ch" forName="text_1" refType="ctrY" refFor="ch" refForName="accent_1"/>
+                <dgm:constr type="rMarg" for="ch" forName="text_1" refType="w" refFor="ch" refForName="accent_1" fact="1.8"/>
+                <dgm:constr type="h" for="ch" forName="accent_2" refType="h" fact="0.25"/>
+                <dgm:constr type="w" for="ch" forName="accent_2" refType="h" refFor="ch" refForName="accent_2" op="equ"/>
+                <dgm:constr type="ctrY" for="ch" forName="accent_2" refType="h" fact="0.5"/>
+                <dgm:constr type="ctrX" for="ch" forName="accent_2" refType="w"/>
+                <dgm:constr type="ctrXOff" for="ch" forName="accent_2" refType="h" fact="-0.2253"/>
+                <dgm:constr type="r" for="ch" forName="text_2" refType="ctrX" refFor="ch" refForName="accent_2"/>
+                <dgm:constr type="rOff" for="ch" forName="text_2" refType="ctrXOff" refFor="ch" refForName="accent_2"/>
+                <dgm:constr type="l" for="ch" forName="text_2"/>
+                <dgm:constr type="w" for="ch" forName="text_2" refType="h" refFor="ch" refForName="text_2" op="gte"/>
+                <dgm:constr type="h" for="ch" forName="text_2" refType="h" refFor="ch" refForName="accent_2" fact="0.8"/>
+                <dgm:constr type="ctrY" for="ch" forName="text_2" refType="ctrY" refFor="ch" refForName="accent_2"/>
+                <dgm:constr type="rMarg" for="ch" forName="text_2" refType="w" refFor="ch" refForName="accent_2" fact="1.8"/>
+                <dgm:constr type="h" for="ch" forName="accent_3" refType="h" fact="0.25"/>
+                <dgm:constr type="w" for="ch" forName="accent_3" refType="h" refFor="ch" refForName="accent_3" op="equ"/>
+                <dgm:constr type="ctrY" for="ch" forName="accent_3" refType="h" fact="0.8"/>
+                <dgm:constr type="ctrX" for="ch" forName="accent_3" refType="w"/>
+                <dgm:constr type="ctrXOff" for="ch" forName="accent_3" refType="h" fact="-0.1526"/>
+                <dgm:constr type="r" for="ch" forName="text_3" refType="ctrX" refFor="ch" refForName="accent_3"/>
+                <dgm:constr type="rOff" for="ch" forName="text_3" refType="ctrXOff" refFor="ch" refForName="accent_3"/>
+                <dgm:constr type="l" for="ch" forName="text_3"/>
+                <dgm:constr type="w" for="ch" forName="text_3" refType="h" refFor="ch" refForName="text_3" op="gte"/>
+                <dgm:constr type="h" for="ch" forName="text_3" refType="h" refFor="ch" refForName="accent_3" fact="0.8"/>
+                <dgm:constr type="ctrY" for="ch" forName="text_3" refType="ctrY" refFor="ch" refForName="accent_3"/>
+                <dgm:constr type="rMarg" for="ch" forName="text_3" refType="w" refFor="ch" refForName="accent_3" fact="1.8"/>
+                <dgm:constr type="primFontSz" for="ch" ptType="node" op="equ" val="65"/>
+              </dgm:constrLst>
+            </dgm:if>
+            <dgm:if name="Name17" axis="ch" ptType="node" func="cnt" op="equ" val="4">
+              <dgm:constrLst>
+                <dgm:constr type="h" for="ch" forName="cycle" refType="h"/>
+                <dgm:constr type="w" for="ch" forName="cycle" refType="h" refFor="ch" refForName="cycle" fact="0.26"/>
+                <dgm:constr type="r" for="ch" forName="cycle" refType="w"/>
+                <dgm:constr type="ctrY" for="ch" forName="cycle" refType="h" fact="0.5"/>
+                <dgm:constr type="diam" for="ch" forName="cycle" refType="h" fact="1.344"/>
+                <dgm:constr type="h" for="ch" forName="accent_1" refType="h" fact="0.1923"/>
+                <dgm:constr type="w" for="ch" forName="accent_1" refType="h" refFor="ch" refForName="accent_1" op="equ"/>
+                <dgm:constr type="ctrY" for="ch" forName="accent_1" refType="h" fact="0.1538"/>
+                <dgm:constr type="ctrX" for="ch" forName="accent_1" refType="w"/>
+                <dgm:constr type="ctrXOff" for="ch" forName="accent_1" refType="h" fact="-0.1268"/>
+                <dgm:constr type="r" for="ch" forName="text_1" refType="ctrX" refFor="ch" refForName="accent_1"/>
+                <dgm:constr type="rOff" for="ch" forName="text_1" refType="ctrXOff" refFor="ch" refForName="accent_1"/>
+                <dgm:constr type="l" for="ch" forName="text_1"/>
+                <dgm:constr type="w" for="ch" forName="text_1" refType="h" refFor="ch" refForName="text_1" op="gte"/>
+                <dgm:constr type="h" for="ch" forName="text_1" refType="h" refFor="ch" refForName="accent_1" fact="0.8"/>
+                <dgm:constr type="ctrY" for="ch" forName="text_1" refType="ctrY" refFor="ch" refForName="accent_1"/>
+                <dgm:constr type="rMarg" for="ch" forName="text_1" refType="w" refFor="ch" refForName="accent_1" fact="1.8"/>
+                <dgm:constr type="h" for="ch" forName="accent_2" refType="h" fact="0.1923"/>
+                <dgm:constr type="w" for="ch" forName="accent_2" refType="h" refFor="ch" refForName="accent_2" op="equ"/>
+                <dgm:constr type="ctrY" for="ch" forName="accent_2" refType="h" fact="0.3846"/>
+                <dgm:constr type="ctrX" for="ch" forName="accent_2" refType="w"/>
+                <dgm:constr type="ctrXOff" for="ch" forName="accent_2" refType="h" fact="-0.215"/>
+                <dgm:constr type="r" for="ch" forName="text_2" refType="ctrX" refFor="ch" refForName="accent_2"/>
+                <dgm:constr type="rOff" for="ch" forName="text_2" refType="ctrXOff" refFor="ch" refForName="accent_2"/>
+                <dgm:constr type="l" for="ch" forName="text_2"/>
+                <dgm:constr type="w" for="ch" forName="text_2" refType="h" refFor="ch" refForName="text_2" op="gte"/>
+                <dgm:constr type="h" for="ch" forName="text_2" refType="h" refFor="ch" refForName="accent_2" fact="0.8"/>
+                <dgm:constr type="ctrY" for="ch" forName="text_2" refType="ctrY" refFor="ch" refForName="accent_2"/>
+                <dgm:constr type="rMarg" for="ch" forName="text_2" refType="w" refFor="ch" refForName="accent_2" fact="1.8"/>
+                <dgm:constr type="h" for="ch" forName="accent_3" refType="h" fact="0.1923"/>
+                <dgm:constr type="w" for="ch" forName="accent_3" refType="h" refFor="ch" refForName="accent_3" op="equ"/>
+                <dgm:constr type="ctrY" for="ch" forName="accent_3" refType="h" fact="0.6154"/>
+                <dgm:constr type="ctrX" for="ch" forName="accent_3" refType="w"/>
+                <dgm:constr type="ctrXOff" for="ch" forName="accent_3" refType="h" fact="-0.215"/>
+                <dgm:constr type="r" for="ch" forName="text_3" refType="ctrX" refFor="ch" refForName="accent_3"/>
+                <dgm:constr type="rOff" for="ch" forName="text_3" refType="ctrXOff" refFor="ch" refForName="accent_3"/>
+                <dgm:constr type="l" for="ch" forName="text_3"/>
+                <dgm:constr type="w" for="ch" forName="text_3" refType="h" refFor="ch" refForName="text_3" op="gte"/>
+                <dgm:constr type="h" for="ch" forName="text_3" refType="h" refFor="ch" refForName="accent_3" fact="0.8"/>
+                <dgm:constr type="ctrY" for="ch" forName="text_3" refType="ctrY" refFor="ch" refForName="accent_3"/>
+                <dgm:constr type="rMarg" for="ch" forName="text_3" refType="w" refFor="ch" refForName="accent_3" fact="1.8"/>
+                <dgm:constr type="h" for="ch" forName="accent_4" refType="h" fact="0.1923"/>
+                <dgm:constr type="w" for="ch" forName="accent_4" refType="h" refFor="ch" refForName="accent_4" op="equ"/>
+                <dgm:constr type="ctrY" for="ch" forName="accent_4" refType="h" fact="0.8462"/>
+                <dgm:constr type="ctrX" for="ch" forName="accent_4" refType="w"/>
+                <dgm:constr type="ctrXOff" for="ch" forName="accent_4" refType="h" fact="-0.1268"/>
+                <dgm:constr type="r" for="ch" forName="text_4" refType="ctrX" refFor="ch" refForName="accent_4"/>
+                <dgm:constr type="rOff" for="ch" forName="text_4" refType="ctrXOff" refFor="ch" refForName="accent_4"/>
+                <dgm:constr type="l" for="ch" forName="text_4"/>
+                <dgm:constr type="w" for="ch" forName="text_4" refType="h" refFor="ch" refForName="text_4" op="gte"/>
+                <dgm:constr type="h" for="ch" forName="text_4" refType="h" refFor="ch" refForName="accent_4" fact="0.8"/>
+                <dgm:constr type="ctrY" for="ch" forName="text_4" refType="ctrY" refFor="ch" refForName="accent_4"/>
+                <dgm:constr type="rMarg" for="ch" forName="text_4" refType="w" refFor="ch" refForName="accent_4" fact="1.8"/>
+                <dgm:constr type="primFontSz" for="ch" ptType="node" op="equ" val="65"/>
+              </dgm:constrLst>
+            </dgm:if>
+            <dgm:if name="Name18" axis="ch" ptType="node" func="cnt" op="equ" val="5">
+              <dgm:constrLst>
+                <dgm:constr type="h" for="ch" forName="cycle" refType="h"/>
+                <dgm:constr type="w" for="ch" forName="cycle" refType="h" refFor="ch" refForName="cycle" fact="0.26"/>
+                <dgm:constr type="r" for="ch" forName="cycle" refType="w"/>
+                <dgm:constr type="ctrY" for="ch" forName="cycle" refType="h" fact="0.5"/>
+                <dgm:constr type="diam" for="ch" forName="cycle" refType="h" fact="1.344"/>
+                <dgm:constr type="h" for="ch" forName="accent_1" refType="h" fact="0.1563"/>
+                <dgm:constr type="w" for="ch" forName="accent_1" refType="h" refFor="ch" refForName="accent_1" op="equ"/>
+                <dgm:constr type="ctrY" for="ch" forName="accent_1" refType="h" fact="0.125"/>
+                <dgm:constr type="ctrX" for="ch" forName="accent_1" refType="w"/>
+                <dgm:constr type="ctrXOff" for="ch" forName="accent_1" refType="h" fact="-0.1082"/>
+                <dgm:constr type="r" for="ch" forName="text_1" refType="ctrX" refFor="ch" refForName="accent_1"/>
+                <dgm:constr type="rOff" for="ch" forName="text_1" refType="ctrXOff" refFor="ch" refForName="accent_1"/>
+                <dgm:constr type="l" for="ch" forName="text_1"/>
+                <dgm:constr type="w" for="ch" forName="text_1" refType="h" refFor="ch" refForName="text_1" op="gte"/>
+                <dgm:constr type="h" for="ch" forName="text_1" refType="h" refFor="ch" refForName="accent_1" fact="0.8"/>
+                <dgm:constr type="ctrY" for="ch" forName="text_1" refType="ctrY" refFor="ch" refForName="accent_1"/>
+                <dgm:constr type="rMarg" for="ch" forName="text_1" refType="w" refFor="ch" refForName="accent_1" fact="1.8"/>
+                <dgm:constr type="h" for="ch" forName="accent_2" refType="h" fact="0.1563"/>
+                <dgm:constr type="w" for="ch" forName="accent_2" refType="h" refFor="ch" refForName="accent_2" op="equ"/>
+                <dgm:constr type="ctrY" for="ch" forName="accent_2" refType="h" fact="0.3125"/>
+                <dgm:constr type="ctrX" for="ch" forName="accent_2" refType="w"/>
+                <dgm:constr type="ctrXOff" for="ch" forName="accent_2" refType="h" fact="-0.1978"/>
+                <dgm:constr type="r" for="ch" forName="text_2" refType="ctrX" refFor="ch" refForName="accent_2"/>
+                <dgm:constr type="rOff" for="ch" forName="text_2" refType="ctrXOff" refFor="ch" refForName="accent_2"/>
+                <dgm:constr type="l" for="ch" forName="text_2"/>
+                <dgm:constr type="w" for="ch" forName="text_2" refType="h" refFor="ch" refForName="text_2" op="gte"/>
+                <dgm:constr type="h" for="ch" forName="text_2" refType="h" refFor="ch" refForName="accent_2" fact="0.8"/>
+                <dgm:constr type="ctrY" for="ch" forName="text_2" refType="ctrY" refFor="ch" refForName="accent_2"/>
+                <dgm:constr type="rMarg" for="ch" forName="text_2" refType="w" refFor="ch" refForName="accent_2" fact="1.8"/>
+                <dgm:constr type="h" for="ch" forName="accent_3" refType="h" fact="0.1563"/>
+                <dgm:constr type="w" for="ch" forName="accent_3" refType="h" refFor="ch" refForName="accent_3" op="equ"/>
+                <dgm:constr type="ctrY" for="ch" forName="accent_3" refType="h" fact="0.5"/>
+                <dgm:constr type="ctrX" for="ch" forName="accent_3" refType="w"/>
+                <dgm:constr type="ctrXOff" for="ch" forName="accent_3" refType="h" fact="-0.2253"/>
+                <dgm:constr type="r" for="ch" forName="text_3" refType="ctrX" refFor="ch" refForName="accent_3"/>
+                <dgm:constr type="rOff" for="ch" forName="text_3" refType="ctrXOff" refFor="ch" refForName="accent_3"/>
+                <dgm:constr type="l" for="ch" forName="text_3"/>
+                <dgm:constr type="w" for="ch" forName="text_3" refType="h" refFor="ch" refForName="text_3" op="gte"/>
+                <dgm:constr type="h" for="ch" forName="text_3" refType="h" refFor="ch" refForName="accent_3" fact="0.8"/>
+                <dgm:constr type="ctrY" for="ch" forName="text_3" refType="ctrY" refFor="ch" refForName="accent_3"/>
+                <dgm:constr type="rMarg" for="ch" forName="text_3" refType="w" refFor="ch" refForName="accent_3" fact="1.8"/>
+                <dgm:constr type="h" for="ch" forName="accent_4" refType="h" fact="0.1563"/>
+                <dgm:constr type="w" for="ch" forName="accent_4" refType="h" refFor="ch" refForName="accent_4" op="equ"/>
+                <dgm:constr type="ctrY" for="ch" forName="accent_4" refType="h" fact="0.6875"/>
+                <dgm:constr type="ctrX" for="ch" forName="accent_4" refType="w"/>
+                <dgm:constr type="ctrXOff" for="ch" forName="accent_4" refType="h" fact="-0.1978"/>
+                <dgm:constr type="r" for="ch" forName="text_4" refType="ctrX" refFor="ch" refForName="accent_4"/>
+                <dgm:constr type="rOff" for="ch" forName="text_4" refType="ctrXOff" refFor="ch" refForName="accent_4"/>
+                <dgm:constr type="l" for="ch" forName="text_4"/>
+                <dgm:constr type="w" for="ch" forName="text_4" refType="h" refFor="ch" refForName="text_4" op="gte"/>
+                <dgm:constr type="h" for="ch" forName="text_4" refType="h" refFor="ch" refForName="accent_4" fact="0.8"/>
+                <dgm:constr type="ctrY" for="ch" forName="text_4" refType="ctrY" refFor="ch" refForName="accent_4"/>
+                <dgm:constr type="rMarg" for="ch" forName="text_4" refType="w" refFor="ch" refForName="accent_4" fact="1.8"/>
+                <dgm:constr type="h" for="ch" forName="accent_5" refType="h" fact="0.1563"/>
+                <dgm:constr type="w" for="ch" forName="accent_5" refType="h" refFor="ch" refForName="accent_5" op="equ"/>
+                <dgm:constr type="ctrY" for="ch" forName="accent_5" refType="h" fact="0.875"/>
+                <dgm:constr type="ctrX" for="ch" forName="accent_5" refType="w"/>
+                <dgm:constr type="ctrXOff" for="ch" forName="accent_5" refType="h" fact="-0.1082"/>
+                <dgm:constr type="r" for="ch" forName="text_5" refType="ctrX" refFor="ch" refForName="accent_5"/>
+                <dgm:constr type="rOff" for="ch" forName="text_5" refType="ctrXOff" refFor="ch" refForName="accent_5"/>
+                <dgm:constr type="l" for="ch" forName="text_5"/>
+                <dgm:constr type="w" for="ch" forName="text_5" refType="h" refFor="ch" refForName="text_5" op="gte"/>
+                <dgm:constr type="h" for="ch" forName="text_5" refType="h" refFor="ch" refForName="accent_5" fact="0.8"/>
+                <dgm:constr type="ctrY" for="ch" forName="text_5" refType="ctrY" refFor="ch" refForName="accent_5"/>
+                <dgm:constr type="rMarg" for="ch" forName="text_5" refType="w" refFor="ch" refForName="accent_5" fact="1.8"/>
+                <dgm:constr type="primFontSz" for="ch" ptType="node" op="equ" val="65"/>
+              </dgm:constrLst>
+            </dgm:if>
+            <dgm:if name="Name19" axis="ch" ptType="node" func="cnt" op="equ" val="6">
+              <dgm:constrLst>
+                <dgm:constr type="h" for="ch" forName="cycle" refType="h"/>
+                <dgm:constr type="w" for="ch" forName="cycle" refType="h" refFor="ch" refForName="cycle" fact="0.26"/>
+                <dgm:constr type="r" for="ch" forName="cycle" refType="w"/>
+                <dgm:constr type="ctrY" for="ch" forName="cycle" refType="h" fact="0.5"/>
+                <dgm:constr type="diam" for="ch" forName="cycle" refType="h" fact="1.344"/>
+                <dgm:constr type="h" for="ch" forName="accent_1" refType="h" fact="0.1316"/>
+                <dgm:constr type="w" for="ch" forName="accent_1" refType="h" refFor="ch" refForName="accent_1" op="equ"/>
+                <dgm:constr type="ctrY" for="ch" forName="accent_1" refType="h" fact="0.1053"/>
+                <dgm:constr type="ctrX" for="ch" forName="accent_1" refType="w"/>
+                <dgm:constr type="ctrXOff" for="ch" forName="accent_1" refType="h" fact="-0.0943"/>
+                <dgm:constr type="r" for="ch" forName="text_1" refType="ctrX" refFor="ch" refForName="accent_1"/>
+                <dgm:constr type="rOff" for="ch" forName="text_1" refType="ctrXOff" refFor="ch" refForName="accent_1"/>
+                <dgm:constr type="l" for="ch" forName="text_1"/>
+                <dgm:constr type="w" for="ch" forName="text_1" refType="h" refFor="ch" refForName="text_1" op="gte"/>
+                <dgm:constr type="h" for="ch" forName="text_1" refType="h" refFor="ch" refForName="accent_1" fact="0.8"/>
+                <dgm:constr type="ctrY" for="ch" forName="text_1" refType="ctrY" refFor="ch" refForName="accent_1"/>
+                <dgm:constr type="rMarg" for="ch" forName="text_1" refType="w" refFor="ch" refForName="accent_1" fact="1.8"/>
+                <dgm:constr type="h" for="ch" forName="accent_2" refType="h" fact="0.1316"/>
+                <dgm:constr type="w" for="ch" forName="accent_2" refType="h" refFor="ch" refForName="accent_2" op="equ"/>
+                <dgm:constr type="ctrY" for="ch" forName="accent_2" refType="h" fact="0.2632"/>
+                <dgm:constr type="ctrX" for="ch" forName="accent_2" refType="w"/>
+                <dgm:constr type="ctrXOff" for="ch" forName="accent_2" refType="h" fact="-0.1809"/>
+                <dgm:constr type="r" for="ch" forName="text_2" refType="ctrX" refFor="ch" refForName="accent_2"/>
+                <dgm:constr type="rOff" for="ch" forName="text_2" refType="ctrXOff" refFor="ch" refForName="accent_2"/>
+                <dgm:constr type="l" for="ch" forName="text_2"/>
+                <dgm:constr type="w" for="ch" forName="text_2" refType="h" refFor="ch" refForName="text_2" op="gte"/>
+                <dgm:constr type="h" for="ch" forName="text_2" refType="h" refFor="ch" refForName="accent_2" fact="0.8"/>
+                <dgm:constr type="ctrY" for="ch" forName="text_2" refType="ctrY" refFor="ch" refForName="accent_2"/>
+                <dgm:constr type="rMarg" for="ch" forName="text_2" refType="w" refFor="ch" refForName="accent_2" fact="1.8"/>
+                <dgm:constr type="h" for="ch" forName="accent_3" refType="h" fact="0.1316"/>
+                <dgm:constr type="w" for="ch" forName="accent_3" refType="h" refFor="ch" refForName="accent_3" op="equ"/>
+                <dgm:constr type="ctrY" for="ch" forName="accent_3" refType="h" fact="0.4211"/>
+                <dgm:constr type="ctrX" for="ch" forName="accent_3" refType="w"/>
+                <dgm:constr type="ctrXOff" for="ch" forName="accent_3" refType="h" fact="-0.2205"/>
+                <dgm:constr type="r" for="ch" forName="text_3" refType="ctrX" refFor="ch" refForName="accent_3"/>
+                <dgm:constr type="rOff" for="ch" forName="text_3" refType="ctrXOff" refFor="ch" refForName="accent_3"/>
+                <dgm:constr type="l" for="ch" forName="text_3"/>
+                <dgm:constr type="w" for="ch" forName="text_3" refType="h" refFor="ch" refForName="text_3" op="gte"/>
+                <dgm:constr type="h" for="ch" forName="text_3" refType="h" refFor="ch" refForName="accent_3" fact="0.8"/>
+                <dgm:constr type="ctrY" for="ch" forName="text_3" refType="ctrY" refFor="ch" refForName="accent_3"/>
+                <dgm:constr type="rMarg" for="ch" forName="text_3" refType="w" refFor="ch" refForName="accent_3" fact="1.8"/>
+                <dgm:constr type="h" for="ch" forName="accent_4" refType="h" fact="0.1316"/>
+                <dgm:constr type="w" for="ch" forName="accent_4" refType="h" refFor="ch" refForName="accent_4" op="equ"/>
+                <dgm:constr type="ctrY" for="ch" forName="accent_4" refType="h" fact="0.5789"/>
+                <dgm:constr type="ctrX" for="ch" forName="accent_4" refType="w"/>
+                <dgm:constr type="ctrXOff" for="ch" forName="accent_4" refType="h" fact="-0.2205"/>
+                <dgm:constr type="r" for="ch" forName="text_4" refType="ctrX" refFor="ch" refForName="accent_4"/>
+                <dgm:constr type="rOff" for="ch" forName="text_4" refType="ctrXOff" refFor="ch" refForName="accent_4"/>
+                <dgm:constr type="l" for="ch" forName="text_4"/>
+                <dgm:constr type="w" for="ch" forName="text_4" refType="h" refFor="ch" refForName="text_4" op="gte"/>
+                <dgm:constr type="h" for="ch" forName="text_4" refType="h" refFor="ch" refForName="accent_4" fact="0.8"/>
+                <dgm:constr type="ctrY" for="ch" forName="text_4" refType="ctrY" refFor="ch" refForName="accent_4"/>
+                <dgm:constr type="rMarg" for="ch" forName="text_4" refType="w" refFor="ch" refForName="accent_4" fact="1.8"/>
+                <dgm:constr type="h" for="ch" forName="accent_5" refType="h" fact="0.1316"/>
+                <dgm:constr type="w" for="ch" forName="accent_5" refType="h" refFor="ch" refForName="accent_5" op="equ"/>
+                <dgm:constr type="ctrY" for="ch" forName="accent_5" refType="h" fact="0.7368"/>
+                <dgm:constr type="ctrX" for="ch" forName="accent_5" refType="w"/>
+                <dgm:constr type="ctrXOff" for="ch" forName="accent_5" refType="h" fact="-0.1809"/>
+                <dgm:constr type="r" for="ch" forName="text_5" refType="ctrX" refFor="ch" refForName="accent_5"/>
+                <dgm:constr type="rOff" for="ch" forName="text_5" refType="ctrXOff" refFor="ch" refForName="accent_5"/>
+                <dgm:constr type="l" for="ch" forName="text_5"/>
+                <dgm:constr type="w" for="ch" forName="text_5" refType="h" refFor="ch" refForName="text_5" op="gte"/>
+                <dgm:constr type="h" for="ch" forName="text_5" refType="h" refFor="ch" refForName="accent_5" fact="0.8"/>
+                <dgm:constr type="ctrY" for="ch" forName="text_5" refType="ctrY" refFor="ch" refForName="accent_5"/>
+                <dgm:constr type="rMarg" for="ch" forName="text_5" refType="w" refFor="ch" refForName="accent_5" fact="1.8"/>
+                <dgm:constr type="h" for="ch" forName="accent_6" refType="h" fact="0.1316"/>
+                <dgm:constr type="w" for="ch" forName="accent_6" refType="h" refFor="ch" refForName="accent_6" op="equ"/>
+                <dgm:constr type="ctrY" for="ch" forName="accent_6" refType="h" fact="0.8947"/>
+                <dgm:constr type="ctrX" for="ch" forName="accent_6" refType="w"/>
+                <dgm:constr type="ctrXOff" for="ch" forName="accent_6" refType="h" fact="-0.0943"/>
+                <dgm:constr type="r" for="ch" forName="text_6" refType="ctrX" refFor="ch" refForName="accent_6"/>
+                <dgm:constr type="rOff" for="ch" forName="text_6" refType="ctrXOff" refFor="ch" refForName="accent_6"/>
+                <dgm:constr type="l" for="ch" forName="text_6"/>
+                <dgm:constr type="w" for="ch" forName="text_6" refType="h" refFor="ch" refForName="text_6" op="gte"/>
+                <dgm:constr type="h" for="ch" forName="text_6" refType="h" refFor="ch" refForName="accent_6" fact="0.8"/>
+                <dgm:constr type="ctrY" for="ch" forName="text_6" refType="ctrY" refFor="ch" refForName="accent_6"/>
+                <dgm:constr type="rMarg" for="ch" forName="text_6" refType="w" refFor="ch" refForName="accent_6" fact="1.8"/>
+                <dgm:constr type="primFontSz" for="ch" ptType="node" op="equ" val="65"/>
+              </dgm:constrLst>
+            </dgm:if>
+            <dgm:else name="Name20">
+              <dgm:constrLst>
+                <dgm:constr type="h" for="ch" forName="cycle" refType="h"/>
+                <dgm:constr type="w" for="ch" forName="cycle" refType="h" refFor="ch" refForName="cycle" fact="0.26"/>
+                <dgm:constr type="r" for="ch" forName="cycle" refType="w"/>
+                <dgm:constr type="ctrY" for="ch" forName="cycle" refType="h" fact="0.5"/>
+                <dgm:constr type="diam" for="ch" forName="cycle" refType="h" fact="1.344"/>
+                <dgm:constr type="h" for="ch" forName="accent_1" refType="h" fact="0.1136"/>
+                <dgm:constr type="w" for="ch" forName="accent_1" refType="h" refFor="ch" refForName="accent_1" op="equ"/>
+                <dgm:constr type="ctrY" for="ch" forName="accent_1" refType="h" fact="0.0909"/>
+                <dgm:constr type="ctrX" for="ch" forName="accent_1" refType="w"/>
+                <dgm:constr type="ctrXOff" for="ch" forName="accent_1" refType="h" fact="-0.0835"/>
+                <dgm:constr type="r" for="ch" forName="text_1" refType="ctrX" refFor="ch" refForName="accent_1"/>
+                <dgm:constr type="rOff" for="ch" forName="text_1" refType="ctrXOff" refFor="ch" refForName="accent_1"/>
+                <dgm:constr type="l" for="ch" forName="text_1"/>
+                <dgm:constr type="w" for="ch" forName="text_1" refType="h" refFor="ch" refForName="text_1" op="gte"/>
+                <dgm:constr type="h" for="ch" forName="text_1" refType="h" refFor="ch" refForName="accent_1" fact="0.8"/>
+                <dgm:constr type="ctrY" for="ch" forName="text_1" refType="ctrY" refFor="ch" refForName="accent_1"/>
+                <dgm:constr type="rMarg" for="ch" forName="text_1" refType="w" refFor="ch" refForName="accent_1" fact="1.8"/>
+                <dgm:constr type="h" for="ch" forName="accent_2" refType="h" fact="0.1136"/>
+                <dgm:constr type="w" for="ch" forName="accent_2" refType="h" refFor="ch" refForName="accent_2" op="equ"/>
+                <dgm:constr type="ctrY" for="ch" forName="accent_2" refType="h" fact="0.2273"/>
+                <dgm:constr type="ctrX" for="ch" forName="accent_2" refType="w"/>
+                <dgm:constr type="ctrXOff" for="ch" forName="accent_2" refType="h" fact="-0.1658"/>
+                <dgm:constr type="r" for="ch" forName="text_2" refType="ctrX" refFor="ch" refForName="accent_2"/>
+                <dgm:constr type="rOff" for="ch" forName="text_2" refType="ctrXOff" refFor="ch" refForName="accent_2"/>
+                <dgm:constr type="l" for="ch" forName="text_2"/>
+                <dgm:constr type="w" for="ch" forName="text_2" refType="h" refFor="ch" refForName="text_2" op="gte"/>
+                <dgm:constr type="h" for="ch" forName="text_2" refType="h" refFor="ch" refForName="accent_2" fact="0.8"/>
+                <dgm:constr type="ctrY" for="ch" forName="text_2" refType="ctrY" refFor="ch" refForName="accent_2"/>
+                <dgm:constr type="rMarg" for="ch" forName="text_2" refType="w" refFor="ch" refForName="accent_2" fact="1.8"/>
+                <dgm:constr type="h" for="ch" forName="accent_3" refType="h" fact="0.1136"/>
+                <dgm:constr type="w" for="ch" forName="accent_3" refType="h" refFor="ch" refForName="accent_3" op="equ"/>
+                <dgm:constr type="ctrY" for="ch" forName="accent_3" refType="h" fact="0.3636"/>
+                <dgm:constr type="ctrX" for="ch" forName="accent_3" refType="w"/>
+                <dgm:constr type="ctrXOff" for="ch" forName="accent_3" refType="h" fact="-0.2109"/>
+                <dgm:constr type="r" for="ch" forName="text_3" refType="ctrX" refFor="ch" refForName="accent_3"/>
+                <dgm:constr type="rOff" for="ch" forName="text_3" refType="ctrXOff" refFor="ch" refForName="accent_3"/>
+                <dgm:constr type="l" for="ch" forName="text_3"/>
+                <dgm:constr type="w" for="ch" forName="text_3" refType="h" refFor="ch" refForName="text_3" op="gte"/>
+                <dgm:constr type="h" for="ch" forName="text_3" refType="h" refFor="ch" refForName="accent_3" fact="0.8"/>
+                <dgm:constr type="ctrY" for="ch" forName="text_3" refType="ctrY" refFor="ch" refForName="accent_3"/>
+                <dgm:constr type="rMarg" for="ch" forName="text_3" refType="w" refFor="ch" refForName="accent_3" fact="1.8"/>
+                <dgm:constr type="h" for="ch" forName="accent_4" refType="h" fact="0.1136"/>
+                <dgm:constr type="w" for="ch" forName="accent_4" refType="h" refFor="ch" refForName="accent_4" op="equ"/>
+                <dgm:constr type="ctrY" for="ch" forName="accent_4" refType="h" fact="0.5"/>
+                <dgm:constr type="ctrX" for="ch" forName="accent_4" refType="w"/>
+                <dgm:constr type="ctrXOff" for="ch" forName="accent_4" refType="h" fact="-0.2253"/>
+                <dgm:constr type="r" for="ch" forName="text_4" refType="ctrX" refFor="ch" refForName="accent_4"/>
+                <dgm:constr type="rOff" for="ch" forName="text_4" refType="ctrXOff" refFor="ch" refForName="accent_4"/>
+                <dgm:constr type="l" for="ch" forName="text_4"/>
+                <dgm:constr type="w" for="ch" forName="text_4" refType="h" refFor="ch" refForName="text_4" op="gte"/>
+                <dgm:constr type="h" for="ch" forName="text_4" refType="h" refFor="ch" refForName="accent_4" fact="0.8"/>
+                <dgm:constr type="ctrY" for="ch" forName="text_4" refType="ctrY" refFor="ch" refForName="accent_4"/>
+                <dgm:constr type="rMarg" for="ch" forName="text_4" refType="w" refFor="ch" refForName="accent_4" fact="1.8"/>
+                <dgm:constr type="h" for="ch" forName="accent_5" refType="h" fact="0.1136"/>
+                <dgm:constr type="w" for="ch" forName="accent_5" refType="h" refFor="ch" refForName="accent_5" op="equ"/>
+                <dgm:constr type="ctrY" for="ch" forName="accent_5" refType="h" fact="0.6364"/>
+                <dgm:constr type="ctrX" for="ch" forName="accent_5" refType="w"/>
+                <dgm:constr type="ctrXOff" for="ch" forName="accent_5" refType="h" fact="-0.2109"/>
+                <dgm:constr type="r" for="ch" forName="text_5" refType="ctrX" refFor="ch" refForName="accent_5"/>
+                <dgm:constr type="rOff" for="ch" forName="text_5" refType="ctrXOff" refFor="ch" refForName="accent_5"/>
+                <dgm:constr type="l" for="ch" forName="text_5"/>
+                <dgm:constr type="w" for="ch" forName="text_5" refType="h" refFor="ch" refForName="text_5" op="gte"/>
+                <dgm:constr type="h" for="ch" forName="text_5" refType="h" refFor="ch" refForName="accent_5" fact="0.8"/>
+                <dgm:constr type="ctrY" for="ch" forName="text_5" refType="ctrY" refFor="ch" refForName="accent_5"/>
+                <dgm:constr type="rMarg" for="ch" forName="text_5" refType="w" refFor="ch" refForName="accent_5" fact="1.8"/>
+                <dgm:constr type="h" for="ch" forName="accent_6" refType="h" fact="0.1136"/>
+                <dgm:constr type="w" for="ch" forName="accent_6" refType="h" refFor="ch" refForName="accent_6" op="equ"/>
+                <dgm:constr type="ctrY" for="ch" forName="accent_6" refType="h" fact="0.7727"/>
+                <dgm:constr type="ctrX" for="ch" forName="accent_6" refType="w"/>
+                <dgm:constr type="ctrXOff" for="ch" forName="accent_6" refType="h" fact="-0.1658"/>
+                <dgm:constr type="r" for="ch" forName="text_6" refType="ctrX" refFor="ch" refForName="accent_6"/>
+                <dgm:constr type="rOff" for="ch" forName="text_6" refType="ctrXOff" refFor="ch" refForName="accent_6"/>
+                <dgm:constr type="l" for="ch" forName="text_6"/>
+                <dgm:constr type="w" for="ch" forName="text_6" refType="h" refFor="ch" refForName="text_6" op="gte"/>
+                <dgm:constr type="h" for="ch" forName="text_6" refType="h" refFor="ch" refForName="accent_6" fact="0.8"/>
+                <dgm:constr type="ctrY" for="ch" forName="text_6" refType="ctrY" refFor="ch" refForName="accent_6"/>
+                <dgm:constr type="rMarg" for="ch" forName="text_6" refType="w" refFor="ch" refForName="accent_6" fact="1.8"/>
+                <dgm:constr type="h" for="ch" forName="accent_7" refType="h" fact="0.1136"/>
+                <dgm:constr type="w" for="ch" forName="accent_7" refType="h" refFor="ch" refForName="accent_7" op="equ"/>
+                <dgm:constr type="ctrY" for="ch" forName="accent_7" refType="h" fact="0.9091"/>
+                <dgm:constr type="ctrX" for="ch" forName="accent_7" refType="w"/>
+                <dgm:constr type="ctrXOff" for="ch" forName="accent_7" refType="h" fact="-0.0835"/>
+                <dgm:constr type="r" for="ch" forName="text_7" refType="ctrX" refFor="ch" refForName="accent_7"/>
+                <dgm:constr type="rOff" for="ch" forName="text_7" refType="ctrXOff" refFor="ch" refForName="accent_7"/>
+                <dgm:constr type="l" for="ch" forName="text_7"/>
+                <dgm:constr type="w" for="ch" forName="text_7" refType="h" refFor="ch" refForName="text_7" op="gte"/>
+                <dgm:constr type="h" for="ch" forName="text_7" refType="h" refFor="ch" refForName="accent_7" fact="0.8"/>
+                <dgm:constr type="ctrY" for="ch" forName="text_7" refType="ctrY" refFor="ch" refForName="accent_7"/>
+                <dgm:constr type="rMarg" for="ch" forName="text_7" refType="w" refFor="ch" refForName="accent_7" fact="1.8"/>
+                <dgm:constr type="primFontSz" for="ch" ptType="node" op="equ" val="65"/>
+              </dgm:constrLst>
+            </dgm:else>
+          </dgm:choose>
+        </dgm:else>
+      </dgm:choose>
+      <dgm:layoutNode name="cycle">
+        <dgm:choose name="Name21">
+          <dgm:if name="Name22" func="var" arg="dir" op="equ" val="norm">
+            <dgm:alg type="cycle">
+              <dgm:param type="stAng" val="45"/>
+              <dgm:param type="spanAng" val="90"/>
+            </dgm:alg>
+          </dgm:if>
+          <dgm:else name="Name23">
+            <dgm:alg type="cycle">
+              <dgm:param type="stAng" val="225"/>
+              <dgm:param type="spanAng" val="90"/>
+            </dgm:alg>
+          </dgm:else>
+        </dgm:choose>
+        <dgm:shape xmlns:r="http://schemas.openxmlformats.org/officeDocument/2006/relationships" r:blip="">
+          <dgm:adjLst/>
+        </dgm:shape>
+        <dgm:presOf/>
+        <dgm:constrLst>
+          <dgm:constr type="w" for="ch" val="1"/>
+          <dgm:constr type="h" for="ch" val="1"/>
+          <dgm:constr type="diam" for="ch" forName="conn" refType="diam"/>
+        </dgm:constrLst>
+        <dgm:layoutNode name="srcNode">
+          <dgm:alg type="sp"/>
+          <dgm:shape xmlns:r="http://schemas.openxmlformats.org/officeDocument/2006/relationships" type="rect" r:blip="" hideGeom="1">
+            <dgm:adjLst/>
+          </dgm:shape>
+          <dgm:presOf/>
+        </dgm:layoutNode>
+        <dgm:layoutNode name="conn" styleLbl="parChTrans1D2">
+          <dgm:alg type="conn">
+            <dgm:param type="connRout" val="curve"/>
+            <dgm:param type="srcNode" val="srcNode"/>
+            <dgm:param type="dstNode" val="dstNode"/>
+            <dgm:param type="begPts" val="ctr"/>
+            <dgm:param type="endPts" val="ctr"/>
+            <dgm:param type="endSty" val="noArr"/>
+          </dgm:alg>
+          <dgm:shape xmlns:r="http://schemas.openxmlformats.org/officeDocument/2006/relationships" type="conn" r:blip="">
+            <dgm:adjLst/>
+          </dgm:shape>
+          <dgm:presOf axis="desOrSelf" ptType="sibTrans" hideLastTrans="0" st="0" cnt="1"/>
+          <dgm:constrLst>
+            <dgm:constr type="begPad"/>
+            <dgm:constr type="endPad"/>
+          </dgm:constrLst>
+        </dgm:layoutNode>
+        <dgm:layoutNode name="extraNode">
+          <dgm:alg type="sp"/>
+          <dgm:shape xmlns:r="http://schemas.openxmlformats.org/officeDocument/2006/relationships" type="rect" r:blip="" hideGeom="1">
+            <dgm:adjLst/>
+          </dgm:shape>
+          <dgm:presOf/>
+        </dgm:layoutNode>
+        <dgm:layoutNode name="dstNode">
+          <dgm:alg type="sp"/>
+          <dgm:shape xmlns:r="http://schemas.openxmlformats.org/officeDocument/2006/relationships" type="rect" r:blip="" hideGeom="1">
+            <dgm:adjLst/>
+          </dgm:shape>
+          <dgm:presOf/>
+        </dgm:layoutNode>
+      </dgm:layoutNode>
+      <dgm:forEach name="wrapper" axis="self" ptType="parTrans">
+        <dgm:forEach name="wrapper2" axis="self" ptType="sibTrans" st="2">
+          <dgm:forEach name="accentRepeat" axis="self">
+            <dgm:layoutNode name="accentRepeatNode" styleLbl="solidFgAcc1">
+              <dgm:alg type="sp"/>
+              <dgm:shape xmlns:r="http://schemas.openxmlformats.org/officeDocument/2006/relationships" type="ellipse" r:blip="">
+                <dgm:adjLst/>
+              </dgm:shape>
+              <dgm:presOf/>
+            </dgm:layoutNode>
+          </dgm:forEach>
+        </dgm:forEach>
+      </dgm:forEach>
+      <dgm:forEach name="Name24" axis="ch" ptType="node" cnt="1">
+        <dgm:layoutNode name="text_1" styleLbl="node1">
+          <dgm:varLst>
+            <dgm:bulletEnabled val="1"/>
+          </dgm:varLst>
+          <dgm:choose name="Name25">
+            <dgm:if name="Name26" func="var" arg="dir" op="equ" val="norm">
+              <dgm:alg type="tx">
+                <dgm:param type="parTxLTRAlign" val="l"/>
+                <dgm:param type="shpTxLTRAlignCh" val="l"/>
+                <dgm:param type="parTxRTLAlign" val="l"/>
+                <dgm:param type="shpTxRTLAlignCh" val="l"/>
+              </dgm:alg>
+            </dgm:if>
+            <dgm:else name="Name27">
+              <dgm:alg type="tx">
+                <dgm:param type="parTxLTRAlign" val="r"/>
+                <dgm:param type="shpTxLTRAlignCh" val="r"/>
+                <dgm:param type="parTxRTLAlign" val="r"/>
+                <dgm:param type="shpTxRTLAlignCh" val="r"/>
+              </dgm:alg>
+            </dgm:else>
+          </dgm:choose>
+          <dgm:shape xmlns:r="http://schemas.openxmlformats.org/officeDocument/2006/relationships" type="rect" r:blip="">
+            <dgm:adjLst/>
+          </dgm:shape>
+          <dgm:presOf axis="desOrSelf" ptType="node"/>
+          <dgm:constrLst>
+            <dgm:constr type="primFontSz" val="65"/>
+            <dgm:constr type="lMarg" refType="primFontSz" fact="0.2"/>
+            <dgm:constr type="rMarg" refType="primFontSz" fact="0.2"/>
+            <dgm:constr type="tMarg" refType="primFontSz" fact="0.2"/>
+            <dgm:constr type="bMarg" refType="primFontSz" fact="0.2"/>
+          </dgm:constrLst>
+          <dgm:ruleLst>
+            <dgm:rule type="primFontSz" val="5" fact="NaN" max="NaN"/>
+          </dgm:ruleLst>
+        </dgm:layoutNode>
+        <dgm:layoutNode name="accent_1">
+          <dgm:alg type="sp"/>
+          <dgm:shape xmlns:r="http://schemas.openxmlformats.org/officeDocument/2006/relationships" r:blip="">
+            <dgm:adjLst/>
+          </dgm:shape>
+          <dgm:presOf/>
+          <dgm:constrLst/>
+          <dgm:forEach name="Name28" ref="accentRepeat"/>
+        </dgm:layoutNode>
+      </dgm:forEach>
+      <dgm:forEach name="Name29" axis="ch" ptType="node" st="2" cnt="1">
+        <dgm:layoutNode name="text_2" styleLbl="node1">
+          <dgm:varLst>
+            <dgm:bulletEnabled val="1"/>
+          </dgm:varLst>
+          <dgm:choose name="Name30">
+            <dgm:if name="Name31" func="var" arg="dir" op="equ" val="norm">
+              <dgm:alg type="tx">
+                <dgm:param type="parTxLTRAlign" val="l"/>
+                <dgm:param type="shpTxLTRAlignCh" val="l"/>
+                <dgm:param type="parTxRTLAlign" val="l"/>
+                <dgm:param type="shpTxRTLAlignCh" val="l"/>
+              </dgm:alg>
+            </dgm:if>
+            <dgm:else name="Name32">
+              <dgm:alg type="tx">
+                <dgm:param type="parTxLTRAlign" val="r"/>
+                <dgm:param type="shpTxLTRAlignCh" val="r"/>
+                <dgm:param type="parTxRTLAlign" val="r"/>
+                <dgm:param type="shpTxRTLAlignCh" val="r"/>
+              </dgm:alg>
+            </dgm:else>
+          </dgm:choose>
+          <dgm:shape xmlns:r="http://schemas.openxmlformats.org/officeDocument/2006/relationships" type="rect" r:blip="">
+            <dgm:adjLst/>
+          </dgm:shape>
+          <dgm:presOf axis="desOrSelf" ptType="node"/>
+          <dgm:constrLst>
+            <dgm:constr type="primFontSz" val="65"/>
+            <dgm:constr type="lMarg" refType="primFontSz" fact="0.2"/>
+            <dgm:constr type="rMarg" refType="primFontSz" fact="0.2"/>
+            <dgm:constr type="tMarg" refType="primFontSz" fact="0.2"/>
+            <dgm:constr type="bMarg" refType="primFontSz" fact="0.2"/>
+          </dgm:constrLst>
+          <dgm:ruleLst>
+            <dgm:rule type="primFontSz" val="5" fact="NaN" max="NaN"/>
+          </dgm:ruleLst>
+        </dgm:layoutNode>
+        <dgm:layoutNode name="accent_2">
+          <dgm:alg type="sp"/>
+          <dgm:shape xmlns:r="http://schemas.openxmlformats.org/officeDocument/2006/relationships" r:blip="">
+            <dgm:adjLst/>
+          </dgm:shape>
+          <dgm:presOf/>
+          <dgm:constrLst/>
+          <dgm:forEach name="Name33" ref="accentRepeat"/>
+        </dgm:layoutNode>
+      </dgm:forEach>
+      <dgm:forEach name="Name34" axis="ch" ptType="node" st="3" cnt="1">
+        <dgm:layoutNode name="text_3" styleLbl="node1">
+          <dgm:varLst>
+            <dgm:bulletEnabled val="1"/>
+          </dgm:varLst>
+          <dgm:choose name="Name35">
+            <dgm:if name="Name36" func="var" arg="dir" op="equ" val="norm">
+              <dgm:alg type="tx">
+                <dgm:param type="parTxLTRAlign" val="l"/>
+                <dgm:param type="shpTxLTRAlignCh" val="l"/>
+                <dgm:param type="parTxRTLAlign" val="l"/>
+                <dgm:param type="shpTxRTLAlignCh" val="l"/>
+              </dgm:alg>
+            </dgm:if>
+            <dgm:else name="Name37">
+              <dgm:alg type="tx">
+                <dgm:param type="parTxLTRAlign" val="r"/>
+                <dgm:param type="shpTxLTRAlignCh" val="r"/>
+                <dgm:param type="parTxRTLAlign" val="r"/>
+                <dgm:param type="shpTxRTLAlignCh" val="r"/>
+              </dgm:alg>
+            </dgm:else>
+          </dgm:choose>
+          <dgm:shape xmlns:r="http://schemas.openxmlformats.org/officeDocument/2006/relationships" type="rect" r:blip="">
+            <dgm:adjLst/>
+          </dgm:shape>
+          <dgm:presOf axis="desOrSelf" ptType="node"/>
+          <dgm:constrLst>
+            <dgm:constr type="primFontSz" val="65"/>
+            <dgm:constr type="lMarg" refType="primFontSz" fact="0.2"/>
+            <dgm:constr type="rMarg" refType="primFontSz" fact="0.2"/>
+            <dgm:constr type="tMarg" refType="primFontSz" fact="0.2"/>
+            <dgm:constr type="bMarg" refType="primFontSz" fact="0.2"/>
+          </dgm:constrLst>
+          <dgm:ruleLst>
+            <dgm:rule type="primFontSz" val="5" fact="NaN" max="NaN"/>
+          </dgm:ruleLst>
+        </dgm:layoutNode>
+        <dgm:layoutNode name="accent_3">
+          <dgm:alg type="sp"/>
+          <dgm:shape xmlns:r="http://schemas.openxmlformats.org/officeDocument/2006/relationships" r:blip="">
+            <dgm:adjLst/>
+          </dgm:shape>
+          <dgm:presOf/>
+          <dgm:constrLst/>
+          <dgm:forEach name="Name38" ref="accentRepeat"/>
+        </dgm:layoutNode>
+      </dgm:forEach>
+      <dgm:forEach name="Name39" axis="ch" ptType="node" st="4" cnt="1">
+        <dgm:layoutNode name="text_4" styleLbl="node1">
+          <dgm:varLst>
+            <dgm:bulletEnabled val="1"/>
+          </dgm:varLst>
+          <dgm:choose name="Name40">
+            <dgm:if name="Name41" func="var" arg="dir" op="equ" val="norm">
+              <dgm:alg type="tx">
+                <dgm:param type="parTxLTRAlign" val="l"/>
+                <dgm:param type="shpTxLTRAlignCh" val="l"/>
+                <dgm:param type="parTxRTLAlign" val="l"/>
+                <dgm:param type="shpTxRTLAlignCh" val="l"/>
+              </dgm:alg>
+            </dgm:if>
+            <dgm:else name="Name42">
+              <dgm:alg type="tx">
+                <dgm:param type="parTxLTRAlign" val="r"/>
+                <dgm:param type="shpTxLTRAlignCh" val="r"/>
+                <dgm:param type="parTxRTLAlign" val="r"/>
+                <dgm:param type="shpTxRTLAlignCh" val="r"/>
+              </dgm:alg>
+            </dgm:else>
+          </dgm:choose>
+          <dgm:shape xmlns:r="http://schemas.openxmlformats.org/officeDocument/2006/relationships" type="rect" r:blip="">
+            <dgm:adjLst/>
+          </dgm:shape>
+          <dgm:presOf axis="desOrSelf" ptType="node"/>
+          <dgm:constrLst>
+            <dgm:constr type="primFontSz" val="65"/>
+            <dgm:constr type="lMarg" refType="primFontSz" fact="0.2"/>
+            <dgm:constr type="rMarg" refType="primFontSz" fact="0.2"/>
+            <dgm:constr type="tMarg" refType="primFontSz" fact="0.2"/>
+            <dgm:constr type="bMarg" refType="primFontSz" fact="0.2"/>
+          </dgm:constrLst>
+          <dgm:ruleLst>
+            <dgm:rule type="primFontSz" val="5" fact="NaN" max="NaN"/>
+          </dgm:ruleLst>
+        </dgm:layoutNode>
+        <dgm:layoutNode name="accent_4">
+          <dgm:alg type="sp"/>
+          <dgm:shape xmlns:r="http://schemas.openxmlformats.org/officeDocument/2006/relationships" r:blip="">
+            <dgm:adjLst/>
+          </dgm:shape>
+          <dgm:presOf/>
+          <dgm:constrLst/>
+          <dgm:forEach name="Name43" ref="accentRepeat"/>
+        </dgm:layoutNode>
+      </dgm:forEach>
+      <dgm:forEach name="Name44" axis="ch" ptType="node" st="5" cnt="1">
+        <dgm:layoutNode name="text_5" styleLbl="node1">
+          <dgm:varLst>
+            <dgm:bulletEnabled val="1"/>
+          </dgm:varLst>
+          <dgm:choose name="Name45">
+            <dgm:if name="Name46" func="var" arg="dir" op="equ" val="norm">
+              <dgm:alg type="tx">
+                <dgm:param type="parTxLTRAlign" val="l"/>
+                <dgm:param type="shpTxLTRAlignCh" val="l"/>
+                <dgm:param type="parTxRTLAlign" val="l"/>
+                <dgm:param type="shpTxRTLAlignCh" val="l"/>
+              </dgm:alg>
+            </dgm:if>
+            <dgm:else name="Name47">
+              <dgm:alg type="tx">
+                <dgm:param type="parTxLTRAlign" val="r"/>
+                <dgm:param type="shpTxLTRAlignCh" val="r"/>
+                <dgm:param type="parTxRTLAlign" val="r"/>
+                <dgm:param type="shpTxRTLAlignCh" val="r"/>
+              </dgm:alg>
+            </dgm:else>
+          </dgm:choose>
+          <dgm:shape xmlns:r="http://schemas.openxmlformats.org/officeDocument/2006/relationships" type="rect" r:blip="">
+            <dgm:adjLst/>
+          </dgm:shape>
+          <dgm:presOf axis="desOrSelf" ptType="node"/>
+          <dgm:constrLst>
+            <dgm:constr type="primFontSz" val="65"/>
+            <dgm:constr type="lMarg" refType="primFontSz" fact="0.2"/>
+            <dgm:constr type="rMarg" refType="primFontSz" fact="0.2"/>
+            <dgm:constr type="tMarg" refType="primFontSz" fact="0.2"/>
+            <dgm:constr type="bMarg" refType="primFontSz" fact="0.2"/>
+          </dgm:constrLst>
+          <dgm:ruleLst>
+            <dgm:rule type="primFontSz" val="5" fact="NaN" max="NaN"/>
+          </dgm:ruleLst>
+        </dgm:layoutNode>
+        <dgm:layoutNode name="accent_5">
+          <dgm:alg type="sp"/>
+          <dgm:shape xmlns:r="http://schemas.openxmlformats.org/officeDocument/2006/relationships" r:blip="">
+            <dgm:adjLst/>
+          </dgm:shape>
+          <dgm:presOf/>
+          <dgm:constrLst/>
+          <dgm:forEach name="Name48" ref="accentRepeat"/>
+        </dgm:layoutNode>
+      </dgm:forEach>
+      <dgm:forEach name="Name49" axis="ch" ptType="node" st="6" cnt="1">
+        <dgm:layoutNode name="text_6" styleLbl="node1">
+          <dgm:varLst>
+            <dgm:bulletEnabled val="1"/>
+          </dgm:varLst>
+          <dgm:choose name="Name50">
+            <dgm:if name="Name51" func="var" arg="dir" op="equ" val="norm">
+              <dgm:alg type="tx">
+                <dgm:param type="parTxLTRAlign" val="l"/>
+                <dgm:param type="shpTxLTRAlignCh" val="l"/>
+                <dgm:param type="parTxRTLAlign" val="l"/>
+                <dgm:param type="shpTxRTLAlignCh" val="l"/>
+              </dgm:alg>
+            </dgm:if>
+            <dgm:else name="Name52">
+              <dgm:alg type="tx">
+                <dgm:param type="parTxLTRAlign" val="r"/>
+                <dgm:param type="shpTxLTRAlignCh" val="r"/>
+                <dgm:param type="parTxRTLAlign" val="r"/>
+                <dgm:param type="shpTxRTLAlignCh" val="r"/>
+              </dgm:alg>
+            </dgm:else>
+          </dgm:choose>
+          <dgm:shape xmlns:r="http://schemas.openxmlformats.org/officeDocument/2006/relationships" type="rect" r:blip="">
+            <dgm:adjLst/>
+          </dgm:shape>
+          <dgm:presOf axis="desOrSelf" ptType="node"/>
+          <dgm:constrLst>
+            <dgm:constr type="primFontSz" val="65"/>
+            <dgm:constr type="lMarg" refType="primFontSz" fact="0.2"/>
+            <dgm:constr type="rMarg" refType="primFontSz" fact="0.2"/>
+            <dgm:constr type="tMarg" refType="primFontSz" fact="0.2"/>
+            <dgm:constr type="bMarg" refType="primFontSz" fact="0.2"/>
+          </dgm:constrLst>
+          <dgm:ruleLst>
+            <dgm:rule type="primFontSz" val="5" fact="NaN" max="NaN"/>
+          </dgm:ruleLst>
+        </dgm:layoutNode>
+        <dgm:layoutNode name="accent_6">
+          <dgm:alg type="sp"/>
+          <dgm:shape xmlns:r="http://schemas.openxmlformats.org/officeDocument/2006/relationships" r:blip="">
+            <dgm:adjLst/>
+          </dgm:shape>
+          <dgm:presOf/>
+          <dgm:constrLst/>
+          <dgm:forEach name="Name53" ref="accentRepeat"/>
+        </dgm:layoutNode>
+      </dgm:forEach>
+      <dgm:forEach name="Name54" axis="ch" ptType="node" st="7" cnt="1">
+        <dgm:layoutNode name="text_7" styleLbl="node1">
+          <dgm:varLst>
+            <dgm:bulletEnabled val="1"/>
+          </dgm:varLst>
+          <dgm:choose name="Name55">
+            <dgm:if name="Name56" func="var" arg="dir" op="equ" val="norm">
+              <dgm:alg type="tx">
+                <dgm:param type="parTxLTRAlign" val="l"/>
+                <dgm:param type="shpTxLTRAlignCh" val="l"/>
+                <dgm:param type="parTxRTLAlign" val="l"/>
+                <dgm:param type="shpTxRTLAlignCh" val="l"/>
+              </dgm:alg>
+            </dgm:if>
+            <dgm:else name="Name57">
+              <dgm:alg type="tx">
+                <dgm:param type="parTxLTRAlign" val="r"/>
+                <dgm:param type="shpTxLTRAlignCh" val="r"/>
+                <dgm:param type="parTxRTLAlign" val="r"/>
+                <dgm:param type="shpTxRTLAlignCh" val="r"/>
+              </dgm:alg>
+            </dgm:else>
+          </dgm:choose>
+          <dgm:shape xmlns:r="http://schemas.openxmlformats.org/officeDocument/2006/relationships" type="rect" r:blip="">
+            <dgm:adjLst/>
+          </dgm:shape>
+          <dgm:presOf axis="desOrSelf" ptType="node"/>
+          <dgm:constrLst>
+            <dgm:constr type="primFontSz" val="65"/>
+            <dgm:constr type="lMarg" refType="primFontSz" fact="0.2"/>
+            <dgm:constr type="rMarg" refType="primFontSz" fact="0.2"/>
+            <dgm:constr type="tMarg" refType="primFontSz" fact="0.2"/>
+            <dgm:constr type="bMarg" refType="primFontSz" fact="0.2"/>
+          </dgm:constrLst>
+          <dgm:ruleLst>
+            <dgm:rule type="primFontSz" val="5" fact="NaN" max="NaN"/>
+          </dgm:ruleLst>
+        </dgm:layoutNode>
+        <dgm:layoutNode name="accent_7">
+          <dgm:alg type="sp"/>
+          <dgm:shape xmlns:r="http://schemas.openxmlformats.org/officeDocument/2006/relationships" r:blip="">
+            <dgm:adjLst/>
+          </dgm:shape>
+          <dgm:presOf/>
+          <dgm:constrLst/>
+          <dgm:forEach name="Name58" ref="accentRepeat"/>
+        </dgm:layoutNode>
+      </dgm:forEach>
+    </dgm:layoutNode>
+  </dgm:layoutNode>
+</dgm:layoutDef>
+</file>
+
+<file path=ppt/diagrams/layout2.xml><?xml version="1.0" encoding="utf-8"?>
+<dgm:layoutDef xmlns:dgm="http://schemas.openxmlformats.org/drawingml/2006/diagram" xmlns:a="http://schemas.openxmlformats.org/drawingml/2006/main" uniqueId="urn:microsoft.com/office/officeart/2005/8/layout/vList2">
+  <dgm:title val=""/>
+  <dgm:desc val=""/>
+  <dgm:catLst>
+    <dgm:cat type="list" pri="3000"/>
+    <dgm:cat type="convert" pri="1000"/>
+  </dgm:catLst>
+  <dgm:sampData>
+    <dgm:dataModel>
+      <dgm:ptLst>
+        <dgm:pt modelId="0" type="doc"/>
+        <dgm:pt modelId="1">
+          <dgm:prSet phldr="1"/>
+        </dgm:pt>
+        <dgm:pt modelId="11">
+          <dgm:prSet phldr="1"/>
+        </dgm:pt>
+        <dgm:pt modelId="2">
+          <dgm:prSet phldr="1"/>
+        </dgm:pt>
+        <dgm:pt modelId="21">
+          <dgm:prSet phldr="1"/>
+        </dgm:pt>
+      </dgm:ptLst>
+      <dgm:cxnLst>
+        <dgm:cxn modelId="4" srcId="0" destId="1" srcOrd="0" destOrd="0"/>
+        <dgm:cxn modelId="5" srcId="0" destId="2" srcOrd="1" destOrd="0"/>
+        <dgm:cxn modelId="12" srcId="1" destId="11" srcOrd="0" destOrd="0"/>
+        <dgm:cxn modelId="23" srcId="2" destId="21" srcOrd="0" destOrd="0"/>
+      </dgm:cxnLst>
+      <dgm:bg/>
+      <dgm:whole/>
+    </dgm:dataModel>
+  </dgm:sampData>
+  <dgm:styleData>
+    <dgm:dataModel>
+      <dgm:ptLst>
+        <dgm:pt modelId="0" type="doc"/>
+        <dgm:pt modelId="1"/>
+        <dgm:pt modelId="2"/>
+      </dgm:ptLst>
+      <dgm:cxnLst>
+        <dgm:cxn modelId="3" srcId="0" destId="1" srcOrd="0" destOrd="0"/>
+        <dgm:cxn modelId="4" srcId="0" destId="2" srcOrd="1" destOrd="0"/>
+      </dgm:cxnLst>
+      <dgm:bg/>
+      <dgm:whole/>
+    </dgm:dataModel>
+  </dgm:styleData>
+  <dgm:clrData>
+    <dgm:dataModel>
+      <dgm:ptLst>
+        <dgm:pt modelId="0" type="doc"/>
+        <dgm:pt modelId="1"/>
+        <dgm:pt modelId="2"/>
+        <dgm:pt modelId="3"/>
+        <dgm:pt modelId="4"/>
+      </dgm:ptLst>
+      <dgm:cxnLst>
+        <dgm:cxn modelId="5" srcId="0" destId="1" srcOrd="0" destOrd="0"/>
+        <dgm:cxn modelId="6" srcId="0" destId="2" srcOrd="1" destOrd="0"/>
+        <dgm:cxn modelId="7" srcId="0" destId="3" srcOrd="2" destOrd="0"/>
+        <dgm:cxn modelId="8" srcId="0" destId="4" srcOrd="3" destOrd="0"/>
+      </dgm:cxnLst>
+      <dgm:bg/>
+      <dgm:whole/>
+    </dgm:dataModel>
+  </dgm:clrData>
+  <dgm:layoutNode name="linear">
+    <dgm:varLst>
+      <dgm:animLvl val="lvl"/>
+      <dgm:resizeHandles val="exact"/>
+    </dgm:varLst>
+    <dgm:alg type="lin">
+      <dgm:param type="linDir" val="fromT"/>
+      <dgm:param type="vertAlign" val="mid"/>
+    </dgm:alg>
+    <dgm:shape xmlns:r="http://schemas.openxmlformats.org/officeDocument/2006/relationships" r:blip="">
+      <dgm:adjLst/>
+    </dgm:shape>
+    <dgm:presOf/>
+    <dgm:constrLst>
+      <dgm:constr type="w" for="ch" forName="parentText" refType="w"/>
+      <dgm:constr type="h" for="ch" forName="parentText" refType="primFontSz" refFor="ch" refForName="parentText" fact="0.52"/>
+      <dgm:constr type="w" for="ch" forName="childText" refType="w"/>
+      <dgm:constr type="h" for="ch" forName="childText" refType="primFontSz" refFor="ch" refForName="parentText" fact="0.46"/>
+      <dgm:constr type="h" for="ch" forName="parentText" op="equ"/>
+      <dgm:constr type="primFontSz" for="ch" forName="parentText" op="equ" val="65"/>
+      <dgm:constr type="primFontSz" for="ch" forName="childText" refType="primFontSz" refFor="ch" refForName="parentText" op="equ"/>
+      <dgm:constr type="h" for="ch" forName="spacer" refType="primFontSz" refFor="ch" refForName="parentText" fact="0.08"/>
+    </dgm:constrLst>
+    <dgm:ruleLst>
+      <dgm:rule type="primFontSz" for="ch" forName="parentText" val="5" fact="NaN" max="NaN"/>
+    </dgm:ruleLst>
+    <dgm:forEach name="Name0" axis="ch" ptType="node">
+      <dgm:layoutNode name="parentText" styleLbl="node1">
+        <dgm:varLst>
+          <dgm:chMax val="0"/>
+          <dgm:bulletEnabled val="1"/>
+        </dgm:varLst>
+        <dgm:alg type="tx">
+          <dgm:param type="parTxLTRAlign" val="l"/>
+          <dgm:param type="parTxRTLAlign" val="r"/>
+        </dgm:alg>
+        <dgm:shape xmlns:r="http://schemas.openxmlformats.org/officeDocument/2006/relationships" type="roundRect" r:blip="">
+          <dgm:adjLst/>
+        </dgm:shape>
+        <dgm:presOf axis="self"/>
+        <dgm:constrLst>
+          <dgm:constr type="tMarg" refType="primFontSz" fact="0.3"/>
+          <dgm:constr type="bMarg" refType="primFontSz" fact="0.3"/>
+          <dgm:constr type="lMarg" refType="primFontSz" fact="0.3"/>
+          <dgm:constr type="rMarg" refType="primFontSz" fact="0.3"/>
+        </dgm:constrLst>
+        <dgm:ruleLst>
+          <dgm:rule type="h" val="INF" fact="NaN" max="NaN"/>
+        </dgm:ruleLst>
+      </dgm:layoutNode>
+      <dgm:choose name="Name1">
+        <dgm:if name="Name2" axis="ch" ptType="node" func="cnt" op="gte" val="1">
+          <dgm:layoutNode name="childText" styleLbl="revTx">
+            <dgm:varLst>
+              <dgm:bulletEnabled val="1"/>
+            </dgm:varLst>
+            <dgm:alg type="tx">
+              <dgm:param type="stBulletLvl" val="1"/>
+              <dgm:param type="lnSpAfChP" val="20"/>
+            </dgm:alg>
+            <dgm:shape xmlns:r="http://schemas.openxmlformats.org/officeDocument/2006/relationships" type="rect" r:blip="">
+              <dgm:adjLst/>
+            </dgm:shape>
+            <dgm:presOf axis="des" ptType="node"/>
+            <dgm:constrLst>
+              <dgm:constr type="tMarg" refType="primFontSz" fact="0.1"/>
+              <dgm:constr type="bMarg" refType="primFontSz" fact="0.1"/>
+              <dgm:constr type="lMarg" refType="w" fact="0.09"/>
+            </dgm:constrLst>
+            <dgm:ruleLst>
+              <dgm:rule type="h" val="INF" fact="NaN" max="NaN"/>
+            </dgm:ruleLst>
+          </dgm:layoutNode>
+        </dgm:if>
+        <dgm:else name="Name3">
+          <dgm:choose name="Name4">
+            <dgm:if name="Name5" axis="par ch" ptType="doc node" func="cnt" op="gte" val="2">
+              <dgm:forEach name="Name6" axis="followSib" ptType="sibTrans" cnt="1">
+                <dgm:layoutNode name="spacer">
+                  <dgm:alg type="sp"/>
+                  <dgm:shape xmlns:r="http://schemas.openxmlformats.org/officeDocument/2006/relationships" r:blip="">
+                    <dgm:adjLst/>
+                  </dgm:shape>
+                  <dgm:presOf/>
+                  <dgm:constrLst/>
+                  <dgm:ruleLst/>
+                </dgm:layoutNode>
+              </dgm:forEach>
+            </dgm:if>
+            <dgm:else name="Name7"/>
+          </dgm:choose>
+        </dgm:else>
+      </dgm:choose>
+    </dgm:forEach>
+  </dgm:layoutNode>
+</dgm:layoutDef>
+</file>
+
+<file path=ppt/diagrams/quickStyle1.xml><?xml version="1.0" encoding="utf-8"?>
+<dgm:styleDef xmlns:dgm="http://schemas.openxmlformats.org/drawingml/2006/diagram" xmlns:a="http://schemas.openxmlformats.org/drawingml/2006/main" uniqueId="urn:microsoft.com/office/officeart/2005/8/quickstyle/simple1">
+  <dgm:title val=""/>
+  <dgm:desc val=""/>
+  <dgm:catLst>
+    <dgm:cat type="simple" pri="10100"/>
+  </dgm:catLst>
+  <dgm:scene3d>
+    <a:camera prst="orthographicFront"/>
+    <a:lightRig rig="threePt" dir="t"/>
+  </dgm:scene3d>
+  <dgm:styleLbl name="node0">
+    <dgm:scene3d>
+      <a:camera prst="orthographicFront"/>
+      <a:lightRig rig="threePt" dir="t"/>
+    </dgm:scene3d>
+    <dgm:sp3d/>
+    <dgm:txPr/>
+    <dgm:style>
+      <a:lnRef idx="2">
+        <a:scrgbClr r="0" g="0" b="0"/>
+      </a:lnRef>
+      <a:fillRef idx="1">
+        <a:scrgbClr r="0" g="0" b="0"/>
+      </a:fillRef>
+      <a:effectRef idx="0">
+        <a:scrgbClr r="0" g="0" b="0"/>
+      </a:effectRef>
+      <a:fontRef idx="minor">
+        <a:schemeClr val="lt1"/>
+      </a:fontRef>
+    </dgm:style>
+  </dgm:styleLbl>
+  <dgm:styleLbl name="lnNode1">
+    <dgm:scene3d>
+      <a:camera prst="orthographicFront"/>
+      <a:lightRig rig="threePt" dir="t"/>
+    </dgm:scene3d>
+    <dgm:sp3d/>
+    <dgm:txPr/>
+    <dgm:style>
+      <a:lnRef idx="2">
+        <a:scrgbClr r="0" g="0" b="0"/>
+      </a:lnRef>
+      <a:fillRef idx="1">
+        <a:scrgbClr r="0" g="0" b="0"/>
+      </a:fillRef>
+      <a:effectRef idx="0">
+        <a:scrgbClr r="0" g="0" b="0"/>
+      </a:effectRef>
+      <a:fontRef idx="minor">
+        <a:schemeClr val="lt1"/>
+      </a:fontRef>
+    </dgm:style>
+  </dgm:styleLbl>
+  <dgm:styleLbl name="vennNode1">
+    <dgm:scene3d>
+      <a:camera prst="orthographicFront"/>
+      <a:lightRig rig="threePt" dir="t"/>
+    </dgm:scene3d>
+    <dgm:sp3d/>
+    <dgm:txPr/>
+    <dgm:style>
+      <a:lnRef idx="2">
+        <a:scrgbClr r="0" g="0" b="0"/>
+      </a:lnRef>
+      <a:fillRef idx="1">
+        <a:scrgbClr r="0" g="0" b="0"/>
+      </a:fillRef>
+      <a:effectRef idx="0">
+        <a:scrgbClr r="0" g="0" b="0"/>
+      </a:effectRef>
+      <a:fontRef idx="minor">
+        <a:schemeClr val="tx1"/>
+      </a:fontRef>
+    </dgm:style>
+  </dgm:styleLbl>
+  <dgm:styleLbl name="alignNode1">
+    <dgm:scene3d>
+      <a:camera prst="orthographicFront"/>
+      <a:lightRig rig="threePt" dir="t"/>
+    </dgm:scene3d>
+    <dgm:sp3d/>
+    <dgm:txPr/>
+    <dgm:style>
+      <a:lnRef idx="2">
+        <a:scrgbClr r="0" g="0" b="0"/>
+      </a:lnRef>
+      <a:fillRef idx="1">
+        <a:scrgbClr r="0" g="0" b="0"/>
+      </a:fillRef>
+      <a:effectRef idx="0">
+        <a:scrgbClr r="0" g="0" b="0"/>
+      </a:effectRef>
+      <a:fontRef idx="minor">
+        <a:schemeClr val="lt1"/>
+      </a:fontRef>
+    </dgm:style>
+  </dgm:styleLbl>
+  <dgm:styleLbl name="node1">
+    <dgm:scene3d>
+      <a:camera prst="orthographicFront"/>
+      <a:lightRig rig="threePt" dir="t"/>
+    </dgm:scene3d>
+    <dgm:sp3d/>
+    <dgm:txPr/>
+    <dgm:style>
+      <a:lnRef idx="2">
+        <a:scrgbClr r="0" g="0" b="0"/>
+      </a:lnRef>
+      <a:fillRef idx="1">
+        <a:scrgbClr r="0" g="0" b="0"/>
+      </a:fillRef>
+      <a:effectRef idx="0">
+        <a:scrgbClr r="0" g="0" b="0"/>
+      </a:effectRef>
+      <a:fontRef idx="minor">
+        <a:schemeClr val="lt1"/>
+      </a:fontRef>
+    </dgm:style>
+  </dgm:styleLbl>
+  <dgm:styleLbl name="node2">
+    <dgm:scene3d>
+      <a:camera prst="orthographicFront"/>
+      <a:lightRig rig="threePt" dir="t"/>
+    </dgm:scene3d>
+    <dgm:sp3d/>
+    <dgm:txPr/>
+    <dgm:style>
+      <a:lnRef idx="2">
+        <a:scrgbClr r="0" g="0" b="0"/>
+      </a:lnRef>
+      <a:fillRef idx="1">
+        <a:scrgbClr r="0" g="0" b="0"/>
+      </a:fillRef>
+      <a:effectRef idx="0">
+        <a:scrgbClr r="0" g="0" b="0"/>
+      </a:effectRef>
+      <a:fontRef idx="minor">
+        <a:schemeClr val="lt1"/>
+      </a:fontRef>
+    </dgm:style>
+  </dgm:styleLbl>
+  <dgm:styleLbl name="node3">
+    <dgm:scene3d>
+      <a:camera prst="orthographicFront"/>
+      <a:lightRig rig="threePt" dir="t"/>
+    </dgm:scene3d>
+    <dgm:sp3d/>
+    <dgm:txPr/>
+    <dgm:style>
+      <a:lnRef idx="2">
+        <a:scrgbClr r="0" g="0" b="0"/>
+      </a:lnRef>
+      <a:fillRef idx="1">
+        <a:scrgbClr r="0" g="0" b="0"/>
+      </a:fillRef>
+      <a:effectRef idx="0">
+        <a:scrgbClr r="0" g="0" b="0"/>
+      </a:effectRef>
+      <a:fontRef idx="minor">
+        <a:schemeClr val="lt1"/>
+      </a:fontRef>
+    </dgm:style>
+  </dgm:styleLbl>
+  <dgm:styleLbl name="node4">
+    <dgm:scene3d>
+      <a:camera prst="orthographicFront"/>
+      <a:lightRig rig="threePt" dir="t"/>
+    </dgm:scene3d>
+    <dgm:sp3d/>
+    <dgm:txPr/>
+    <dgm:style>
+      <a:lnRef idx="2">
+        <a:scrgbClr r="0" g="0" b="0"/>
+      </a:lnRef>
+      <a:fillRef idx="1">
+        <a:scrgbClr r="0" g="0" b="0"/>
+      </a:fillRef>
+      <a:effectRef idx="0">
+        <a:scrgbClr r="0" g="0" b="0"/>
+      </a:effectRef>
+      <a:fontRef idx="minor">
+        <a:schemeClr val="lt1"/>
+      </a:fontRef>
+    </dgm:style>
+  </dgm:styleLbl>
+  <dgm:styleLbl name="fgImgPlace1">
+    <dgm:scene3d>
+      <a:camera prst="orthographicFront"/>
+      <a:lightRig rig="threePt" dir="t"/>
+    </dgm:scene3d>
+    <dgm:sp3d/>
+    <dgm:txPr/>
+    <dgm:style>
+      <a:lnRef idx="2">
+        <a:scrgbClr r="0" g="0" b="0"/>
+      </a:lnRef>
+      <a:fillRef idx="1">
+        <a:scrgbClr r="0" g="0" b="0"/>
+      </a:fillRef>
+      <a:effectRef idx="0">
+        <a:scrgbClr r="0" g="0" b="0"/>
+      </a:effectRef>
+      <a:fontRef idx="minor"/>
+    </dgm:style>
+  </dgm:styleLbl>
+  <dgm:styleLbl name="alignImgPlace1">
+    <dgm:scene3d>
+      <a:camera prst="orthographicFront"/>
+      <a:lightRig rig="threePt" dir="t"/>
+    </dgm:scene3d>
+    <dgm:sp3d/>
+    <dgm:txPr/>
+    <dgm:style>
+      <a:lnRef idx="2">
+        <a:scrgbClr r="0" g="0" b="0"/>
+      </a:lnRef>
+      <a:fillRef idx="1">
+        <a:scrgbClr r="0" g="0" b="0"/>
+      </a:fillRef>
+      <a:effectRef idx="0">
+        <a:scrgbClr r="0" g="0" b="0"/>
+      </a:effectRef>
+      <a:fontRef idx="minor"/>
+    </dgm:style>
+  </dgm:styleLbl>
+  <dgm:styleLbl name="bgImgPlace1">
+    <dgm:scene3d>
+      <a:camera prst="orthographicFront"/>
+      <a:lightRig rig="threePt" dir="t"/>
+    </dgm:scene3d>
+    <dgm:sp3d/>
+    <dgm:txPr/>
+    <dgm:style>
+      <a:lnRef idx="2">
+        <a:scrgbClr r="0" g="0" b="0"/>
+      </a:lnRef>
+      <a:fillRef idx="1">
+        <a:scrgbClr r="0" g="0" b="0"/>
+      </a:fillRef>
+      <a:effectRef idx="0">
+        <a:scrgbClr r="0" g="0" b="0"/>
+      </a:effectRef>
+      <a:fontRef idx="minor"/>
+    </dgm:style>
+  </dgm:styleLbl>
+  <dgm:styleLbl name="sibTrans2D1">
+    <dgm:scene3d>
+      <a:camera prst="orthographicFront"/>
+      <a:lightRig rig="threePt" dir="t"/>
+    </dgm:scene3d>
+    <dgm:sp3d/>
+    <dgm:txPr/>
+    <dgm:style>
+      <a:lnRef idx="0">
+        <a:scrgbClr r="0" g="0" b="0"/>
+      </a:lnRef>
+      <a:fillRef idx="1">
+        <a:scrgbClr r="0" g="0" b="0"/>
+      </a:fillRef>
+      <a:effectRef idx="0">
+        <a:scrgbClr r="0" g="0" b="0"/>
+      </a:effectRef>
+      <a:fontRef idx="minor">
+        <a:schemeClr val="lt1"/>
+      </a:fontRef>
+    </dgm:style>
+  </dgm:styleLbl>
+  <dgm:styleLbl name="fgSibTrans2D1">
+    <dgm:scene3d>
+      <a:camera prst="orthographicFront"/>
+      <a:lightRig rig="threePt" dir="t"/>
+    </dgm:scene3d>
+    <dgm:sp3d/>
+    <dgm:txPr/>
+    <dgm:style>
+      <a:lnRef idx="0">
+        <a:scrgbClr r="0" g="0" b="0"/>
+      </a:lnRef>
+      <a:fillRef idx="1">
+        <a:scrgbClr r="0" g="0" b="0"/>
+      </a:fillRef>
+      <a:effectRef idx="0">
+        <a:scrgbClr r="0" g="0" b="0"/>
+      </a:effectRef>
+      <a:fontRef idx="minor">
+        <a:schemeClr val="lt1"/>
+      </a:fontRef>
+    </dgm:style>
+  </dgm:styleLbl>
+  <dgm:styleLbl name="bgSibTrans2D1">
+    <dgm:scene3d>
+      <a:camera prst="orthographicFront"/>
+      <a:lightRig rig="threePt" dir="t"/>
+    </dgm:scene3d>
+    <dgm:sp3d/>
+    <dgm:txPr/>
+    <dgm:style>
+      <a:lnRef idx="0">
+        <a:scrgbClr r="0" g="0" b="0"/>
+      </a:lnRef>
+      <a:fillRef idx="1">
+        <a:scrgbClr r="0" g="0" b="0"/>
+      </a:fillRef>
+      <a:effectRef idx="0">
+        <a:scrgbClr r="0" g="0" b="0"/>
+      </a:effectRef>
+      <a:fontRef idx="minor">
+        <a:schemeClr val="lt1"/>
+      </a:fontRef>
+    </dgm:style>
+  </dgm:styleLbl>
+  <dgm:styleLbl name="sibTrans1D1">
+    <dgm:scene3d>
+      <a:camera prst="orthographicFront"/>
+      <a:lightRig rig="threePt" dir="t"/>
+    </dgm:scene3d>
+    <dgm:sp3d/>
+    <dgm:txPr/>
+    <dgm:style>
+      <a:lnRef idx="1">
+        <a:scrgbClr r="0" g="0" b="0"/>
+      </a:lnRef>
+      <a:fillRef idx="0">
+        <a:scrgbClr r="0" g="0" b="0"/>
+      </a:fillRef>
+      <a:effectRef idx="0">
+        <a:scrgbClr r="0" g="0" b="0"/>
+      </a:effectRef>
+      <a:fontRef idx="minor"/>
+    </dgm:style>
+  </dgm:styleLbl>
+  <dgm:styleLbl name="callout">
+    <dgm:scene3d>
+      <a:camera prst="orthographicFront"/>
+      <a:lightRig rig="threePt" dir="t"/>
+    </dgm:scene3d>
+    <dgm:sp3d/>
+    <dgm:txPr/>
+    <dgm:style>
+      <a:lnRef idx="2">
+        <a:scrgbClr r="0" g="0" b="0"/>
+      </a:lnRef>
+      <a:fillRef idx="1">
+        <a:scrgbClr r="0" g="0" b="0"/>
+      </a:fillRef>
+      <a:effectRef idx="0">
+        <a:scrgbClr r="0" g="0" b="0"/>
+      </a:effectRef>
+      <a:fontRef idx="minor"/>
+    </dgm:style>
+  </dgm:styleLbl>
+  <dgm:styleLbl name="asst0">
+    <dgm:scene3d>
+      <a:camera prst="orthographicFront"/>
+      <a:lightRig rig="threePt" dir="t"/>
+    </dgm:scene3d>
+    <dgm:sp3d/>
+    <dgm:txPr/>
+    <dgm:style>
+      <a:lnRef idx="2">
+        <a:scrgbClr r="0" g="0" b="0"/>
+      </a:lnRef>
+      <a:fillRef idx="1">
+        <a:scrgbClr r="0" g="0" b="0"/>
+      </a:fillRef>
+      <a:effectRef idx="0">
+        <a:scrgbClr r="0" g="0" b="0"/>
+      </a:effectRef>
+      <a:fontRef idx="minor">
+        <a:schemeClr val="lt1"/>
+      </a:fontRef>
+    </dgm:style>
+  </dgm:styleLbl>
+  <dgm:styleLbl name="asst1">
+    <dgm:scene3d>
+      <a:camera prst="orthographicFront"/>
+      <a:lightRig rig="threePt" dir="t"/>
+    </dgm:scene3d>
+    <dgm:sp3d/>
+    <dgm:txPr/>
+    <dgm:style>
+      <a:lnRef idx="2">
+        <a:scrgbClr r="0" g="0" b="0"/>
+      </a:lnRef>
+      <a:fillRef idx="1">
+        <a:scrgbClr r="0" g="0" b="0"/>
+      </a:fillRef>
+      <a:effectRef idx="0">
+        <a:scrgbClr r="0" g="0" b="0"/>
+      </a:effectRef>
+      <a:fontRef idx="minor">
+        <a:schemeClr val="lt1"/>
+      </a:fontRef>
+    </dgm:style>
+  </dgm:styleLbl>
+  <dgm:styleLbl name="asst2">
+    <dgm:scene3d>
+      <a:camera prst="orthographicFront"/>
+      <a:lightRig rig="threePt" dir="t"/>
+    </dgm:scene3d>
+    <dgm:sp3d/>
+    <dgm:txPr/>
+    <dgm:style>
+      <a:lnRef idx="2">
+        <a:scrgbClr r="0" g="0" b="0"/>
+      </a:lnRef>
+      <a:fillRef idx="1">
+        <a:scrgbClr r="0" g="0" b="0"/>
+      </a:fillRef>
+      <a:effectRef idx="0">
+        <a:scrgbClr r="0" g="0" b="0"/>
+      </a:effectRef>
+      <a:fontRef idx="minor">
+        <a:schemeClr val="lt1"/>
+      </a:fontRef>
+    </dgm:style>
+  </dgm:styleLbl>
+  <dgm:styleLbl name="asst3">
+    <dgm:scene3d>
+      <a:camera prst="orthographicFront"/>
+      <a:lightRig rig="threePt" dir="t"/>
+    </dgm:scene3d>
+    <dgm:sp3d/>
+    <dgm:txPr/>
+    <dgm:style>
+      <a:lnRef idx="2">
+        <a:scrgbClr r="0" g="0" b="0"/>
+      </a:lnRef>
+      <a:fillRef idx="1">
+        <a:scrgbClr r="0" g="0" b="0"/>
+      </a:fillRef>
+      <a:effectRef idx="0">
+        <a:scrgbClr r="0" g="0" b="0"/>
+      </a:effectRef>
+      <a:fontRef idx="minor">
+        <a:schemeClr val="lt1"/>
+      </a:fontRef>
+    </dgm:style>
+  </dgm:styleLbl>
+  <dgm:styleLbl name="asst4">
+    <dgm:scene3d>
+      <a:camera prst="orthographicFront"/>
+      <a:lightRig rig="threePt" dir="t"/>
+    </dgm:scene3d>
+    <dgm:sp3d/>
+    <dgm:txPr/>
+    <dgm:style>
+      <a:lnRef idx="2">
+        <a:scrgbClr r="0" g="0" b="0"/>
+      </a:lnRef>
+      <a:fillRef idx="1">
+        <a:scrgbClr r="0" g="0" b="0"/>
+      </a:fillRef>
+      <a:effectRef idx="0">
+        <a:scrgbClr r="0" g="0" b="0"/>
+      </a:effectRef>
+      <a:fontRef idx="minor">
+        <a:schemeClr val="lt1"/>
+      </a:fontRef>
+    </dgm:style>
+  </dgm:styleLbl>
+  <dgm:styleLbl name="parChTrans2D1">
+    <dgm:scene3d>
+      <a:camera prst="orthographicFront"/>
+      <a:lightRig rig="threePt" dir="t"/>
+    </dgm:scene3d>
+    <dgm:sp3d/>
+    <dgm:txPr/>
+    <dgm:style>
+      <a:lnRef idx="2">
+        <a:scrgbClr r="0" g="0" b="0"/>
+      </a:lnRef>
+      <a:fillRef idx="1">
+        <a:scrgbClr r="0" g="0" b="0"/>
+      </a:fillRef>
+      <a:effectRef idx="0">
+        <a:scrgbClr r="0" g="0" b="0"/>
+      </a:effectRef>
+      <a:fontRef idx="minor">
+        <a:schemeClr val="lt1"/>
+      </a:fontRef>
+    </dgm:style>
+  </dgm:styleLbl>
+  <dgm:styleLbl name="parChTrans2D2">
+    <dgm:scene3d>
+      <a:camera prst="orthographicFront"/>
+      <a:lightRig rig="threePt" dir="t"/>
+    </dgm:scene3d>
+    <dgm:sp3d/>
+    <dgm:txPr/>
+    <dgm:style>
+      <a:lnRef idx="2">
+        <a:scrgbClr r="0" g="0" b="0"/>
+      </a:lnRef>
+      <a:fillRef idx="1">
+        <a:scrgbClr r="0" g="0" b="0"/>
+      </a:fillRef>
+      <a:effectRef idx="0">
+        <a:scrgbClr r="0" g="0" b="0"/>
+      </a:effectRef>
+      <a:fontRef idx="minor">
+        <a:schemeClr val="lt1"/>
+      </a:fontRef>
+    </dgm:style>
+  </dgm:styleLbl>
+  <dgm:styleLbl name="parChTrans2D3">
+    <dgm:scene3d>
+      <a:camera prst="orthographicFront"/>
+      <a:lightRig rig="threePt" dir="t"/>
+    </dgm:scene3d>
+    <dgm:sp3d/>
+    <dgm:txPr/>
+    <dgm:style>
+      <a:lnRef idx="2">
+        <a:scrgbClr r="0" g="0" b="0"/>
+      </a:lnRef>
+      <a:fillRef idx="1">
+        <a:scrgbClr r="0" g="0" b="0"/>
+      </a:fillRef>
+      <a:effectRef idx="0">
+        <a:scrgbClr r="0" g="0" b="0"/>
+      </a:effectRef>
+      <a:fontRef idx="minor">
+        <a:schemeClr val="lt1"/>
+      </a:fontRef>
+    </dgm:style>
+  </dgm:styleLbl>
+  <dgm:styleLbl name="parChTrans2D4">
+    <dgm:scene3d>
+      <a:camera prst="orthographicFront"/>
+      <a:lightRig rig="threePt" dir="t"/>
+    </dgm:scene3d>
+    <dgm:sp3d/>
+    <dgm:txPr/>
+    <dgm:style>
+      <a:lnRef idx="2">
+        <a:scrgbClr r="0" g="0" b="0"/>
+      </a:lnRef>
+      <a:fillRef idx="1">
+        <a:scrgbClr r="0" g="0" b="0"/>
+      </a:fillRef>
+      <a:effectRef idx="0">
+        <a:scrgbClr r="0" g="0" b="0"/>
+      </a:effectRef>
+      <a:fontRef idx="minor">
+        <a:schemeClr val="lt1"/>
+      </a:fontRef>
+    </dgm:style>
+  </dgm:styleLbl>
+  <dgm:styleLbl name="parChTrans1D1">
+    <dgm:scene3d>
+      <a:camera prst="orthographicFront"/>
+      <a:lightRig rig="threePt" dir="t"/>
+    </dgm:scene3d>
+    <dgm:sp3d/>
+    <dgm:txPr/>
+    <dgm:style>
+      <a:lnRef idx="2">
+        <a:scrgbClr r="0" g="0" b="0"/>
+      </a:lnRef>
+      <a:fillRef idx="0">
+        <a:scrgbClr r="0" g="0" b="0"/>
+      </a:fillRef>
+      <a:effectRef idx="0">
+        <a:scrgbClr r="0" g="0" b="0"/>
+      </a:effectRef>
+      <a:fontRef idx="minor"/>
+    </dgm:style>
+  </dgm:styleLbl>
+  <dgm:styleLbl name="parChTrans1D2">
+    <dgm:scene3d>
+      <a:camera prst="orthographicFront"/>
+      <a:lightRig rig="threePt" dir="t"/>
+    </dgm:scene3d>
+    <dgm:sp3d/>
+    <dgm:txPr/>
+    <dgm:style>
+      <a:lnRef idx="2">
+        <a:scrgbClr r="0" g="0" b="0"/>
+      </a:lnRef>
+      <a:fillRef idx="0">
+        <a:scrgbClr r="0" g="0" b="0"/>
+      </a:fillRef>
+      <a:effectRef idx="0">
+        <a:scrgbClr r="0" g="0" b="0"/>
+      </a:effectRef>
+      <a:fontRef idx="minor"/>
+    </dgm:style>
+  </dgm:styleLbl>
+  <dgm:styleLbl name="parChTrans1D3">
+    <dgm:scene3d>
+      <a:camera prst="orthographicFront"/>
+      <a:lightRig rig="threePt" dir="t"/>
+    </dgm:scene3d>
+    <dgm:sp3d/>
+    <dgm:txPr/>
+    <dgm:style>
+      <a:lnRef idx="2">
+        <a:scrgbClr r="0" g="0" b="0"/>
+      </a:lnRef>
+      <a:fillRef idx="0">
+        <a:scrgbClr r="0" g="0" b="0"/>
+      </a:fillRef>
+      <a:effectRef idx="0">
+        <a:scrgbClr r="0" g="0" b="0"/>
+      </a:effectRef>
+      <a:fontRef idx="minor"/>
+    </dgm:style>
+  </dgm:styleLbl>
+  <dgm:styleLbl name="parChTrans1D4">
+    <dgm:scene3d>
+      <a:camera prst="orthographicFront"/>
+      <a:lightRig rig="threePt" dir="t"/>
+    </dgm:scene3d>
+    <dgm:sp3d/>
+    <dgm:txPr/>
+    <dgm:style>
+      <a:lnRef idx="2">
+        <a:scrgbClr r="0" g="0" b="0"/>
+      </a:lnRef>
+      <a:fillRef idx="0">
+        <a:scrgbClr r="0" g="0" b="0"/>
+      </a:fillRef>
+      <a:effectRef idx="0">
+        <a:scrgbClr r="0" g="0" b="0"/>
+      </a:effectRef>
+      <a:fontRef idx="minor"/>
+    </dgm:style>
+  </dgm:styleLbl>
+  <dgm:styleLbl name="fgAcc1">
+    <dgm:scene3d>
+      <a:camera prst="orthographicFront"/>
+      <a:lightRig rig="threePt" dir="t"/>
+    </dgm:scene3d>
+    <dgm:sp3d/>
+    <dgm:txPr/>
+    <dgm:style>
+      <a:lnRef idx="2">
+        <a:scrgbClr r="0" g="0" b="0"/>
+      </a:lnRef>
+      <a:fillRef idx="1">
+        <a:scrgbClr r="0" g="0" b="0"/>
+      </a:fillRef>
+      <a:effectRef idx="0">
+        <a:scrgbClr r="0" g="0" b="0"/>
+      </a:effectRef>
+      <a:fontRef idx="minor"/>
+    </dgm:style>
+  </dgm:styleLbl>
+  <dgm:styleLbl name="conFgAcc1">
+    <dgm:scene3d>
+      <a:camera prst="orthographicFront"/>
+      <a:lightRig rig="threePt" dir="t"/>
+    </dgm:scene3d>
+    <dgm:sp3d/>
+    <dgm:txPr/>
+    <dgm:style>
+      <a:lnRef idx="2">
+        <a:scrgbClr r="0" g="0" b="0"/>
+      </a:lnRef>
+      <a:fillRef idx="1">
+        <a:scrgbClr r="0" g="0" b="0"/>
+      </a:fillRef>
+      <a:effectRef idx="0">
+        <a:scrgbClr r="0" g="0" b="0"/>
+      </a:effectRef>
+      <a:fontRef idx="minor"/>
+    </dgm:style>
+  </dgm:styleLbl>
+  <dgm:styleLbl name="alignAcc1">
+    <dgm:scene3d>
+      <a:camera prst="orthographicFront"/>
+      <a:lightRig rig="threePt" dir="t"/>
+    </dgm:scene3d>
+    <dgm:sp3d/>
+    <dgm:txPr/>
+    <dgm:style>
+      <a:lnRef idx="2">
+        <a:scrgbClr r="0" g="0" b="0"/>
+      </a:lnRef>
+      <a:fillRef idx="1">
+        <a:scrgbClr r="0" g="0" b="0"/>
+      </a:fillRef>
+      <a:effectRef idx="0">
+        <a:scrgbClr r="0" g="0" b="0"/>
+      </a:effectRef>
+      <a:fontRef idx="minor"/>
+    </dgm:style>
+  </dgm:styleLbl>
+  <dgm:styleLbl name="trAlignAcc1">
+    <dgm:scene3d>
+      <a:camera prst="orthographicFront"/>
+      <a:lightRig rig="threePt" dir="t"/>
+    </dgm:scene3d>
+    <dgm:sp3d/>
+    <dgm:txPr/>
+    <dgm:style>
+      <a:lnRef idx="1">
+        <a:scrgbClr r="0" g="0" b="0"/>
+      </a:lnRef>
+      <a:fillRef idx="1">
+        <a:scrgbClr r="0" g="0" b="0"/>
+      </a:fillRef>
+      <a:effectRef idx="0">
+        <a:scrgbClr r="0" g="0" b="0"/>
+      </a:effectRef>
+      <a:fontRef idx="minor"/>
+    </dgm:style>
+  </dgm:styleLbl>
+  <dgm:styleLbl name="bgAcc1">
+    <dgm:scene3d>
+      <a:camera prst="orthographicFront"/>
+      <a:lightRig rig="threePt" dir="t"/>
+    </dgm:scene3d>
+    <dgm:sp3d/>
+    <dgm:txPr/>
+    <dgm:style>
+      <a:lnRef idx="2">
+        <a:scrgbClr r="0" g="0" b="0"/>
+      </a:lnRef>
+      <a:fillRef idx="1">
+        <a:scrgbClr r="0" g="0" b="0"/>
+      </a:fillRef>
+      <a:effectRef idx="0">
+        <a:scrgbClr r="0" g="0" b="0"/>
+      </a:effectRef>
+      <a:fontRef idx="minor"/>
+    </dgm:style>
+  </dgm:styleLbl>
+  <dgm:styleLbl name="solidFgAcc1">
+    <dgm:scene3d>
+      <a:camera prst="orthographicFront"/>
+      <a:lightRig rig="threePt" dir="t"/>
+    </dgm:scene3d>
+    <dgm:sp3d/>
+    <dgm:txPr/>
+    <dgm:style>
+      <a:lnRef idx="2">
+        <a:scrgbClr r="0" g="0" b="0"/>
+      </a:lnRef>
+      <a:fillRef idx="1">
+        <a:scrgbClr r="0" g="0" b="0"/>
+      </a:fillRef>
+      <a:effectRef idx="0">
+        <a:scrgbClr r="0" g="0" b="0"/>
+      </a:effectRef>
+      <a:fontRef idx="minor"/>
+    </dgm:style>
+  </dgm:styleLbl>
+  <dgm:styleLbl name="solidAlignAcc1">
+    <dgm:scene3d>
+      <a:camera prst="orthographicFront"/>
+      <a:lightRig rig="threePt" dir="t"/>
+    </dgm:scene3d>
+    <dgm:sp3d/>
+    <dgm:txPr/>
+    <dgm:style>
+      <a:lnRef idx="2">
+        <a:scrgbClr r="0" g="0" b="0"/>
+      </a:lnRef>
+      <a:fillRef idx="1">
+        <a:scrgbClr r="0" g="0" b="0"/>
+      </a:fillRef>
+      <a:effectRef idx="0">
+        <a:scrgbClr r="0" g="0" b="0"/>
+      </a:effectRef>
+      <a:fontRef idx="minor"/>
+    </dgm:style>
+  </dgm:styleLbl>
+  <dgm:styleLbl name="solidBgAcc1">
+    <dgm:scene3d>
+      <a:camera prst="orthographicFront"/>
+      <a:lightRig rig="threePt" dir="t"/>
+    </dgm:scene3d>
+    <dgm:sp3d/>
+    <dgm:txPr/>
+    <dgm:style>
+      <a:lnRef idx="2">
+        <a:scrgbClr r="0" g="0" b="0"/>
+      </a:lnRef>
+      <a:fillRef idx="1">
+        <a:scrgbClr r="0" g="0" b="0"/>
+      </a:fillRef>
+      <a:effectRef idx="0">
+        <a:scrgbClr r="0" g="0" b="0"/>
+      </a:effectRef>
+      <a:fontRef idx="minor"/>
+    </dgm:style>
+  </dgm:styleLbl>
+  <dgm:styleLbl name="fgAccFollowNode1">
+    <dgm:scene3d>
+      <a:camera prst="orthographicFront"/>
+      <a:lightRig rig="threePt" dir="t"/>
+    </dgm:scene3d>
+    <dgm:sp3d/>
+    <dgm:txPr/>
+    <dgm:style>
+      <a:lnRef idx="2">
+        <a:scrgbClr r="0" g="0" b="0"/>
+      </a:lnRef>
+      <a:fillRef idx="1">
+        <a:scrgbClr r="0" g="0" b="0"/>
+      </a:fillRef>
+      <a:effectRef idx="0">
+        <a:scrgbClr r="0" g="0" b="0"/>
+      </a:effectRef>
+      <a:fontRef idx="minor"/>
+    </dgm:style>
+  </dgm:styleLbl>
+  <dgm:styleLbl name="alignAccFollowNode1">
+    <dgm:scene3d>
+      <a:camera prst="orthographicFront"/>
+      <a:lightRig rig="threePt" dir="t"/>
+    </dgm:scene3d>
+    <dgm:sp3d/>
+    <dgm:txPr/>
+    <dgm:style>
+      <a:lnRef idx="2">
+        <a:scrgbClr r="0" g="0" b="0"/>
+      </a:lnRef>
+      <a:fillRef idx="1">
+        <a:scrgbClr r="0" g="0" b="0"/>
+      </a:fillRef>
+      <a:effectRef idx="0">
+        <a:scrgbClr r="0" g="0" b="0"/>
+      </a:effectRef>
+      <a:fontRef idx="minor"/>
+    </dgm:style>
+  </dgm:styleLbl>
+  <dgm:styleLbl name="bgAccFollowNode1">
+    <dgm:scene3d>
+      <a:camera prst="orthographicFront"/>
+      <a:lightRig rig="threePt" dir="t"/>
+    </dgm:scene3d>
+    <dgm:sp3d/>
+    <dgm:txPr/>
+    <dgm:style>
+      <a:lnRef idx="2">
+        <a:scrgbClr r="0" g="0" b="0"/>
+      </a:lnRef>
+      <a:fillRef idx="1">
+        <a:scrgbClr r="0" g="0" b="0"/>
+      </a:fillRef>
+      <a:effectRef idx="0">
+        <a:scrgbClr r="0" g="0" b="0"/>
+      </a:effectRef>
+      <a:fontRef idx="minor"/>
+    </dgm:style>
+  </dgm:styleLbl>
+  <dgm:styleLbl name="fgAcc0">
+    <dgm:scene3d>
+      <a:camera prst="orthographicFront"/>
+      <a:lightRig rig="threePt" dir="t"/>
+    </dgm:scene3d>
+    <dgm:sp3d/>
+    <dgm:txPr/>
+    <dgm:style>
+      <a:lnRef idx="2">
+        <a:scrgbClr r="0" g="0" b="0"/>
+      </a:lnRef>
+      <a:fillRef idx="1">
+        <a:scrgbClr r="0" g="0" b="0"/>
+      </a:fillRef>
+      <a:effectRef idx="0">
+        <a:scrgbClr r="0" g="0" b="0"/>
+      </a:effectRef>
+      <a:fontRef idx="minor"/>
+    </dgm:style>
+  </dgm:styleLbl>
+  <dgm:styleLbl name="fgAcc2">
+    <dgm:scene3d>
+      <a:camera prst="orthographicFront"/>
+      <a:lightRig rig="threePt" dir="t"/>
+    </dgm:scene3d>
+    <dgm:sp3d/>
+    <dgm:txPr/>
+    <dgm:style>
+      <a:lnRef idx="2">
+        <a:scrgbClr r="0" g="0" b="0"/>
+      </a:lnRef>
+      <a:fillRef idx="1">
+        <a:scrgbClr r="0" g="0" b="0"/>
+      </a:fillRef>
+      <a:effectRef idx="0">
+        <a:scrgbClr r="0" g="0" b="0"/>
+      </a:effectRef>
+      <a:fontRef idx="minor"/>
+    </dgm:style>
+  </dgm:styleLbl>
+  <dgm:styleLbl name="fgAcc3">
+    <dgm:scene3d>
+      <a:camera prst="orthographicFront"/>
+      <a:lightRig rig="threePt" dir="t"/>
+    </dgm:scene3d>
+    <dgm:sp3d/>
+    <dgm:txPr/>
+    <dgm:style>
+      <a:lnRef idx="2">
+        <a:scrgbClr r="0" g="0" b="0"/>
+      </a:lnRef>
+      <a:fillRef idx="1">
+        <a:scrgbClr r="0" g="0" b="0"/>
+      </a:fillRef>
+      <a:effectRef idx="0">
+        <a:scrgbClr r="0" g="0" b="0"/>
+      </a:effectRef>
+      <a:fontRef idx="minor"/>
+    </dgm:style>
+  </dgm:styleLbl>
+  <dgm:styleLbl name="fgAcc4">
+    <dgm:scene3d>
+      <a:camera prst="orthographicFront"/>
+      <a:lightRig rig="threePt" dir="t"/>
+    </dgm:scene3d>
+    <dgm:sp3d/>
+    <dgm:txPr/>
+    <dgm:style>
+      <a:lnRef idx="2">
+        <a:scrgbClr r="0" g="0" b="0"/>
+      </a:lnRef>
+      <a:fillRef idx="1">
+        <a:scrgbClr r="0" g="0" b="0"/>
+      </a:fillRef>
+      <a:effectRef idx="0">
+        <a:scrgbClr r="0" g="0" b="0"/>
+      </a:effectRef>
+      <a:fontRef idx="minor"/>
+    </dgm:style>
+  </dgm:styleLbl>
+  <dgm:styleLbl name="bgShp">
+    <dgm:scene3d>
+      <a:camera prst="orthographicFront"/>
+      <a:lightRig rig="threePt" dir="t"/>
+    </dgm:scene3d>
+    <dgm:sp3d/>
+    <dgm:txPr/>
+    <dgm:style>
+      <a:lnRef idx="0">
+        <a:scrgbClr r="0" g="0" b="0"/>
+      </a:lnRef>
+      <a:fillRef idx="1">
+        <a:scrgbClr r="0" g="0" b="0"/>
+      </a:fillRef>
+      <a:effectRef idx="0">
+        <a:scrgbClr r="0" g="0" b="0"/>
+      </a:effectRef>
+      <a:fontRef idx="minor"/>
+    </dgm:style>
+  </dgm:styleLbl>
+  <dgm:styleLbl name="dkBgShp">
+    <dgm:scene3d>
+      <a:camera prst="orthographicFront"/>
+      <a:lightRig rig="threePt" dir="t"/>
+    </dgm:scene3d>
+    <dgm:sp3d/>
+    <dgm:txPr/>
+    <dgm:style>
+      <a:lnRef idx="0">
+        <a:scrgbClr r="0" g="0" b="0"/>
+      </a:lnRef>
+      <a:fillRef idx="1">
+        <a:scrgbClr r="0" g="0" b="0"/>
+      </a:fillRef>
+      <a:effectRef idx="0">
+        <a:scrgbClr r="0" g="0" b="0"/>
+      </a:effectRef>
+      <a:fontRef idx="minor"/>
+    </dgm:style>
+  </dgm:styleLbl>
+  <dgm:styleLbl name="trBgShp">
+    <dgm:scene3d>
+      <a:camera prst="orthographicFront"/>
+      <a:lightRig rig="threePt" dir="t"/>
+    </dgm:scene3d>
+    <dgm:sp3d/>
+    <dgm:txPr/>
+    <dgm:style>
+      <a:lnRef idx="0">
+        <a:scrgbClr r="0" g="0" b="0"/>
+      </a:lnRef>
+      <a:fillRef idx="1">
+        <a:scrgbClr r="0" g="0" b="0"/>
+      </a:fillRef>
+      <a:effectRef idx="0">
+        <a:scrgbClr r="0" g="0" b="0"/>
+      </a:effectRef>
+      <a:fontRef idx="minor"/>
+    </dgm:style>
+  </dgm:styleLbl>
+  <dgm:styleLbl name="fgShp">
+    <dgm:scene3d>
+      <a:camera prst="orthographicFront"/>
+      <a:lightRig rig="threePt" dir="t"/>
+    </dgm:scene3d>
+    <dgm:sp3d/>
+    <dgm:txPr/>
+    <dgm:style>
+      <a:lnRef idx="2">
+        <a:scrgbClr r="0" g="0" b="0"/>
+      </a:lnRef>
+      <a:fillRef idx="1">
+        <a:scrgbClr r="0" g="0" b="0"/>
+      </a:fillRef>
+      <a:effectRef idx="0">
+        <a:scrgbClr r="0" g="0" b="0"/>
+      </a:effectRef>
+      <a:fontRef idx="minor"/>
+    </dgm:style>
+  </dgm:styleLbl>
+  <dgm:styleLbl name="revTx">
+    <dgm:scene3d>
+      <a:camera prst="orthographicFront"/>
+      <a:lightRig rig="threePt" dir="t"/>
+    </dgm:scene3d>
+    <dgm:sp3d/>
+    <dgm:txPr/>
+    <dgm:style>
+      <a:lnRef idx="0">
+        <a:scrgbClr r="0" g="0" b="0"/>
+      </a:lnRef>
+      <a:fillRef idx="0">
+        <a:scrgbClr r="0" g="0" b="0"/>
+      </a:fillRef>
+      <a:effectRef idx="0">
+        <a:scrgbClr r="0" g="0" b="0"/>
+      </a:effectRef>
+      <a:fontRef idx="minor"/>
+    </dgm:style>
+  </dgm:styleLbl>
+</dgm:styleDef>
+</file>
+
+<file path=ppt/diagrams/quickStyle2.xml><?xml version="1.0" encoding="utf-8"?>
+<dgm:styleDef xmlns:dgm="http://schemas.openxmlformats.org/drawingml/2006/diagram" xmlns:a="http://schemas.openxmlformats.org/drawingml/2006/main" uniqueId="urn:microsoft.com/office/officeart/2005/8/quickstyle/simple1">
+  <dgm:title val=""/>
+  <dgm:desc val=""/>
+  <dgm:catLst>
+    <dgm:cat type="simple" pri="10100"/>
+  </dgm:catLst>
+  <dgm:scene3d>
+    <a:camera prst="orthographicFront"/>
+    <a:lightRig rig="threePt" dir="t"/>
+  </dgm:scene3d>
+  <dgm:styleLbl name="node0">
+    <dgm:scene3d>
+      <a:camera prst="orthographicFront"/>
+      <a:lightRig rig="threePt" dir="t"/>
+    </dgm:scene3d>
+    <dgm:sp3d/>
+    <dgm:txPr/>
+    <dgm:style>
+      <a:lnRef idx="2">
+        <a:scrgbClr r="0" g="0" b="0"/>
+      </a:lnRef>
+      <a:fillRef idx="1">
+        <a:scrgbClr r="0" g="0" b="0"/>
+      </a:fillRef>
+      <a:effectRef idx="0">
+        <a:scrgbClr r="0" g="0" b="0"/>
+      </a:effectRef>
+      <a:fontRef idx="minor">
+        <a:schemeClr val="lt1"/>
+      </a:fontRef>
+    </dgm:style>
+  </dgm:styleLbl>
+  <dgm:styleLbl name="lnNode1">
+    <dgm:scene3d>
+      <a:camera prst="orthographicFront"/>
+      <a:lightRig rig="threePt" dir="t"/>
+    </dgm:scene3d>
+    <dgm:sp3d/>
+    <dgm:txPr/>
+    <dgm:style>
+      <a:lnRef idx="2">
+        <a:scrgbClr r="0" g="0" b="0"/>
+      </a:lnRef>
+      <a:fillRef idx="1">
+        <a:scrgbClr r="0" g="0" b="0"/>
+      </a:fillRef>
+      <a:effectRef idx="0">
+        <a:scrgbClr r="0" g="0" b="0"/>
+      </a:effectRef>
+      <a:fontRef idx="minor">
+        <a:schemeClr val="lt1"/>
+      </a:fontRef>
+    </dgm:style>
+  </dgm:styleLbl>
+  <dgm:styleLbl name="vennNode1">
+    <dgm:scene3d>
+      <a:camera prst="orthographicFront"/>
+      <a:lightRig rig="threePt" dir="t"/>
+    </dgm:scene3d>
+    <dgm:sp3d/>
+    <dgm:txPr/>
+    <dgm:style>
+      <a:lnRef idx="2">
+        <a:scrgbClr r="0" g="0" b="0"/>
+      </a:lnRef>
+      <a:fillRef idx="1">
+        <a:scrgbClr r="0" g="0" b="0"/>
+      </a:fillRef>
+      <a:effectRef idx="0">
+        <a:scrgbClr r="0" g="0" b="0"/>
+      </a:effectRef>
+      <a:fontRef idx="minor">
+        <a:schemeClr val="tx1"/>
+      </a:fontRef>
+    </dgm:style>
+  </dgm:styleLbl>
+  <dgm:styleLbl name="alignNode1">
+    <dgm:scene3d>
+      <a:camera prst="orthographicFront"/>
+      <a:lightRig rig="threePt" dir="t"/>
+    </dgm:scene3d>
+    <dgm:sp3d/>
+    <dgm:txPr/>
+    <dgm:style>
+      <a:lnRef idx="2">
+        <a:scrgbClr r="0" g="0" b="0"/>
+      </a:lnRef>
+      <a:fillRef idx="1">
+        <a:scrgbClr r="0" g="0" b="0"/>
+      </a:fillRef>
+      <a:effectRef idx="0">
+        <a:scrgbClr r="0" g="0" b="0"/>
+      </a:effectRef>
+      <a:fontRef idx="minor">
+        <a:schemeClr val="lt1"/>
+      </a:fontRef>
+    </dgm:style>
+  </dgm:styleLbl>
+  <dgm:styleLbl name="node1">
+    <dgm:scene3d>
+      <a:camera prst="orthographicFront"/>
+      <a:lightRig rig="threePt" dir="t"/>
+    </dgm:scene3d>
+    <dgm:sp3d/>
+    <dgm:txPr/>
+    <dgm:style>
+      <a:lnRef idx="2">
+        <a:scrgbClr r="0" g="0" b="0"/>
+      </a:lnRef>
+      <a:fillRef idx="1">
+        <a:scrgbClr r="0" g="0" b="0"/>
+      </a:fillRef>
+      <a:effectRef idx="0">
+        <a:scrgbClr r="0" g="0" b="0"/>
+      </a:effectRef>
+      <a:fontRef idx="minor">
+        <a:schemeClr val="lt1"/>
+      </a:fontRef>
+    </dgm:style>
+  </dgm:styleLbl>
+  <dgm:styleLbl name="node2">
+    <dgm:scene3d>
+      <a:camera prst="orthographicFront"/>
+      <a:lightRig rig="threePt" dir="t"/>
+    </dgm:scene3d>
+    <dgm:sp3d/>
+    <dgm:txPr/>
+    <dgm:style>
+      <a:lnRef idx="2">
+        <a:scrgbClr r="0" g="0" b="0"/>
+      </a:lnRef>
+      <a:fillRef idx="1">
+        <a:scrgbClr r="0" g="0" b="0"/>
+      </a:fillRef>
+      <a:effectRef idx="0">
+        <a:scrgbClr r="0" g="0" b="0"/>
+      </a:effectRef>
+      <a:fontRef idx="minor">
+        <a:schemeClr val="lt1"/>
+      </a:fontRef>
+    </dgm:style>
+  </dgm:styleLbl>
+  <dgm:styleLbl name="node3">
+    <dgm:scene3d>
+      <a:camera prst="orthographicFront"/>
+      <a:lightRig rig="threePt" dir="t"/>
+    </dgm:scene3d>
+    <dgm:sp3d/>
+    <dgm:txPr/>
+    <dgm:style>
+      <a:lnRef idx="2">
+        <a:scrgbClr r="0" g="0" b="0"/>
+      </a:lnRef>
+      <a:fillRef idx="1">
+        <a:scrgbClr r="0" g="0" b="0"/>
+      </a:fillRef>
+      <a:effectRef idx="0">
+        <a:scrgbClr r="0" g="0" b="0"/>
+      </a:effectRef>
+      <a:fontRef idx="minor">
+        <a:schemeClr val="lt1"/>
+      </a:fontRef>
+    </dgm:style>
+  </dgm:styleLbl>
+  <dgm:styleLbl name="node4">
+    <dgm:scene3d>
+      <a:camera prst="orthographicFront"/>
+      <a:lightRig rig="threePt" dir="t"/>
+    </dgm:scene3d>
+    <dgm:sp3d/>
+    <dgm:txPr/>
+    <dgm:style>
+      <a:lnRef idx="2">
+        <a:scrgbClr r="0" g="0" b="0"/>
+      </a:lnRef>
+      <a:fillRef idx="1">
+        <a:scrgbClr r="0" g="0" b="0"/>
+      </a:fillRef>
+      <a:effectRef idx="0">
+        <a:scrgbClr r="0" g="0" b="0"/>
+      </a:effectRef>
+      <a:fontRef idx="minor">
+        <a:schemeClr val="lt1"/>
+      </a:fontRef>
+    </dgm:style>
+  </dgm:styleLbl>
+  <dgm:styleLbl name="fgImgPlace1">
+    <dgm:scene3d>
+      <a:camera prst="orthographicFront"/>
+      <a:lightRig rig="threePt" dir="t"/>
+    </dgm:scene3d>
+    <dgm:sp3d/>
+    <dgm:txPr/>
+    <dgm:style>
+      <a:lnRef idx="2">
+        <a:scrgbClr r="0" g="0" b="0"/>
+      </a:lnRef>
+      <a:fillRef idx="1">
+        <a:scrgbClr r="0" g="0" b="0"/>
+      </a:fillRef>
+      <a:effectRef idx="0">
+        <a:scrgbClr r="0" g="0" b="0"/>
+      </a:effectRef>
+      <a:fontRef idx="minor"/>
+    </dgm:style>
+  </dgm:styleLbl>
+  <dgm:styleLbl name="alignImgPlace1">
+    <dgm:scene3d>
+      <a:camera prst="orthographicFront"/>
+      <a:lightRig rig="threePt" dir="t"/>
+    </dgm:scene3d>
+    <dgm:sp3d/>
+    <dgm:txPr/>
+    <dgm:style>
+      <a:lnRef idx="2">
+        <a:scrgbClr r="0" g="0" b="0"/>
+      </a:lnRef>
+      <a:fillRef idx="1">
+        <a:scrgbClr r="0" g="0" b="0"/>
+      </a:fillRef>
+      <a:effectRef idx="0">
+        <a:scrgbClr r="0" g="0" b="0"/>
+      </a:effectRef>
+      <a:fontRef idx="minor"/>
+    </dgm:style>
+  </dgm:styleLbl>
+  <dgm:styleLbl name="bgImgPlace1">
+    <dgm:scene3d>
+      <a:camera prst="orthographicFront"/>
+      <a:lightRig rig="threePt" dir="t"/>
+    </dgm:scene3d>
+    <dgm:sp3d/>
+    <dgm:txPr/>
+    <dgm:style>
+      <a:lnRef idx="2">
+        <a:scrgbClr r="0" g="0" b="0"/>
+      </a:lnRef>
+      <a:fillRef idx="1">
+        <a:scrgbClr r="0" g="0" b="0"/>
+      </a:fillRef>
+      <a:effectRef idx="0">
+        <a:scrgbClr r="0" g="0" b="0"/>
+      </a:effectRef>
+      <a:fontRef idx="minor"/>
+    </dgm:style>
+  </dgm:styleLbl>
+  <dgm:styleLbl name="sibTrans2D1">
+    <dgm:scene3d>
+      <a:camera prst="orthographicFront"/>
+      <a:lightRig rig="threePt" dir="t"/>
+    </dgm:scene3d>
+    <dgm:sp3d/>
+    <dgm:txPr/>
+    <dgm:style>
+      <a:lnRef idx="0">
+        <a:scrgbClr r="0" g="0" b="0"/>
+      </a:lnRef>
+      <a:fillRef idx="1">
+        <a:scrgbClr r="0" g="0" b="0"/>
+      </a:fillRef>
+      <a:effectRef idx="0">
+        <a:scrgbClr r="0" g="0" b="0"/>
+      </a:effectRef>
+      <a:fontRef idx="minor">
+        <a:schemeClr val="lt1"/>
+      </a:fontRef>
+    </dgm:style>
+  </dgm:styleLbl>
+  <dgm:styleLbl name="fgSibTrans2D1">
+    <dgm:scene3d>
+      <a:camera prst="orthographicFront"/>
+      <a:lightRig rig="threePt" dir="t"/>
+    </dgm:scene3d>
+    <dgm:sp3d/>
+    <dgm:txPr/>
+    <dgm:style>
+      <a:lnRef idx="0">
+        <a:scrgbClr r="0" g="0" b="0"/>
+      </a:lnRef>
+      <a:fillRef idx="1">
+        <a:scrgbClr r="0" g="0" b="0"/>
+      </a:fillRef>
+      <a:effectRef idx="0">
+        <a:scrgbClr r="0" g="0" b="0"/>
+      </a:effectRef>
+      <a:fontRef idx="minor">
+        <a:schemeClr val="lt1"/>
+      </a:fontRef>
+    </dgm:style>
+  </dgm:styleLbl>
+  <dgm:styleLbl name="bgSibTrans2D1">
+    <dgm:scene3d>
+      <a:camera prst="orthographicFront"/>
+      <a:lightRig rig="threePt" dir="t"/>
+    </dgm:scene3d>
+    <dgm:sp3d/>
+    <dgm:txPr/>
+    <dgm:style>
+      <a:lnRef idx="0">
+        <a:scrgbClr r="0" g="0" b="0"/>
+      </a:lnRef>
+      <a:fillRef idx="1">
+        <a:scrgbClr r="0" g="0" b="0"/>
+      </a:fillRef>
+      <a:effectRef idx="0">
+        <a:scrgbClr r="0" g="0" b="0"/>
+      </a:effectRef>
+      <a:fontRef idx="minor">
+        <a:schemeClr val="lt1"/>
+      </a:fontRef>
+    </dgm:style>
+  </dgm:styleLbl>
+  <dgm:styleLbl name="sibTrans1D1">
+    <dgm:scene3d>
+      <a:camera prst="orthographicFront"/>
+      <a:lightRig rig="threePt" dir="t"/>
+    </dgm:scene3d>
+    <dgm:sp3d/>
+    <dgm:txPr/>
+    <dgm:style>
+      <a:lnRef idx="1">
+        <a:scrgbClr r="0" g="0" b="0"/>
+      </a:lnRef>
+      <a:fillRef idx="0">
+        <a:scrgbClr r="0" g="0" b="0"/>
+      </a:fillRef>
+      <a:effectRef idx="0">
+        <a:scrgbClr r="0" g="0" b="0"/>
+      </a:effectRef>
+      <a:fontRef idx="minor"/>
+    </dgm:style>
+  </dgm:styleLbl>
+  <dgm:styleLbl name="callout">
+    <dgm:scene3d>
+      <a:camera prst="orthographicFront"/>
+      <a:lightRig rig="threePt" dir="t"/>
+    </dgm:scene3d>
+    <dgm:sp3d/>
+    <dgm:txPr/>
+    <dgm:style>
+      <a:lnRef idx="2">
+        <a:scrgbClr r="0" g="0" b="0"/>
+      </a:lnRef>
+      <a:fillRef idx="1">
+        <a:scrgbClr r="0" g="0" b="0"/>
+      </a:fillRef>
+      <a:effectRef idx="0">
+        <a:scrgbClr r="0" g="0" b="0"/>
+      </a:effectRef>
+      <a:fontRef idx="minor"/>
+    </dgm:style>
+  </dgm:styleLbl>
+  <dgm:styleLbl name="asst0">
+    <dgm:scene3d>
+      <a:camera prst="orthographicFront"/>
+      <a:lightRig rig="threePt" dir="t"/>
+    </dgm:scene3d>
+    <dgm:sp3d/>
+    <dgm:txPr/>
+    <dgm:style>
+      <a:lnRef idx="2">
+        <a:scrgbClr r="0" g="0" b="0"/>
+      </a:lnRef>
+      <a:fillRef idx="1">
+        <a:scrgbClr r="0" g="0" b="0"/>
+      </a:fillRef>
+      <a:effectRef idx="0">
+        <a:scrgbClr r="0" g="0" b="0"/>
+      </a:effectRef>
+      <a:fontRef idx="minor">
+        <a:schemeClr val="lt1"/>
+      </a:fontRef>
+    </dgm:style>
+  </dgm:styleLbl>
+  <dgm:styleLbl name="asst1">
+    <dgm:scene3d>
+      <a:camera prst="orthographicFront"/>
+      <a:lightRig rig="threePt" dir="t"/>
+    </dgm:scene3d>
+    <dgm:sp3d/>
+    <dgm:txPr/>
+    <dgm:style>
+      <a:lnRef idx="2">
+        <a:scrgbClr r="0" g="0" b="0"/>
+      </a:lnRef>
+      <a:fillRef idx="1">
+        <a:scrgbClr r="0" g="0" b="0"/>
+      </a:fillRef>
+      <a:effectRef idx="0">
+        <a:scrgbClr r="0" g="0" b="0"/>
+      </a:effectRef>
+      <a:fontRef idx="minor">
+        <a:schemeClr val="lt1"/>
+      </a:fontRef>
+    </dgm:style>
+  </dgm:styleLbl>
+  <dgm:styleLbl name="asst2">
+    <dgm:scene3d>
+      <a:camera prst="orthographicFront"/>
+      <a:lightRig rig="threePt" dir="t"/>
+    </dgm:scene3d>
+    <dgm:sp3d/>
+    <dgm:txPr/>
+    <dgm:style>
+      <a:lnRef idx="2">
+        <a:scrgbClr r="0" g="0" b="0"/>
+      </a:lnRef>
+      <a:fillRef idx="1">
+        <a:scrgbClr r="0" g="0" b="0"/>
+      </a:fillRef>
+      <a:effectRef idx="0">
+        <a:scrgbClr r="0" g="0" b="0"/>
+      </a:effectRef>
+      <a:fontRef idx="minor">
+        <a:schemeClr val="lt1"/>
+      </a:fontRef>
+    </dgm:style>
+  </dgm:styleLbl>
+  <dgm:styleLbl name="asst3">
+    <dgm:scene3d>
+      <a:camera prst="orthographicFront"/>
+      <a:lightRig rig="threePt" dir="t"/>
+    </dgm:scene3d>
+    <dgm:sp3d/>
+    <dgm:txPr/>
+    <dgm:style>
+      <a:lnRef idx="2">
+        <a:scrgbClr r="0" g="0" b="0"/>
+      </a:lnRef>
+      <a:fillRef idx="1">
+        <a:scrgbClr r="0" g="0" b="0"/>
+      </a:fillRef>
+      <a:effectRef idx="0">
+        <a:scrgbClr r="0" g="0" b="0"/>
+      </a:effectRef>
+      <a:fontRef idx="minor">
+        <a:schemeClr val="lt1"/>
+      </a:fontRef>
+    </dgm:style>
+  </dgm:styleLbl>
+  <dgm:styleLbl name="asst4">
+    <dgm:scene3d>
+      <a:camera prst="orthographicFront"/>
+      <a:lightRig rig="threePt" dir="t"/>
+    </dgm:scene3d>
+    <dgm:sp3d/>
+    <dgm:txPr/>
+    <dgm:style>
+      <a:lnRef idx="2">
+        <a:scrgbClr r="0" g="0" b="0"/>
+      </a:lnRef>
+      <a:fillRef idx="1">
+        <a:scrgbClr r="0" g="0" b="0"/>
+      </a:fillRef>
+      <a:effectRef idx="0">
+        <a:scrgbClr r="0" g="0" b="0"/>
+      </a:effectRef>
+      <a:fontRef idx="minor">
+        <a:schemeClr val="lt1"/>
+      </a:fontRef>
+    </dgm:style>
+  </dgm:styleLbl>
+  <dgm:styleLbl name="parChTrans2D1">
+    <dgm:scene3d>
+      <a:camera prst="orthographicFront"/>
+      <a:lightRig rig="threePt" dir="t"/>
+    </dgm:scene3d>
+    <dgm:sp3d/>
+    <dgm:txPr/>
+    <dgm:style>
+      <a:lnRef idx="2">
+        <a:scrgbClr r="0" g="0" b="0"/>
+      </a:lnRef>
+      <a:fillRef idx="1">
+        <a:scrgbClr r="0" g="0" b="0"/>
+      </a:fillRef>
+      <a:effectRef idx="0">
+        <a:scrgbClr r="0" g="0" b="0"/>
+      </a:effectRef>
+      <a:fontRef idx="minor">
+        <a:schemeClr val="lt1"/>
+      </a:fontRef>
+    </dgm:style>
+  </dgm:styleLbl>
+  <dgm:styleLbl name="parChTrans2D2">
+    <dgm:scene3d>
+      <a:camera prst="orthographicFront"/>
+      <a:lightRig rig="threePt" dir="t"/>
+    </dgm:scene3d>
+    <dgm:sp3d/>
+    <dgm:txPr/>
+    <dgm:style>
+      <a:lnRef idx="2">
+        <a:scrgbClr r="0" g="0" b="0"/>
+      </a:lnRef>
+      <a:fillRef idx="1">
+        <a:scrgbClr r="0" g="0" b="0"/>
+      </a:fillRef>
+      <a:effectRef idx="0">
+        <a:scrgbClr r="0" g="0" b="0"/>
+      </a:effectRef>
+      <a:fontRef idx="minor">
+        <a:schemeClr val="lt1"/>
+      </a:fontRef>
+    </dgm:style>
+  </dgm:styleLbl>
+  <dgm:styleLbl name="parChTrans2D3">
+    <dgm:scene3d>
+      <a:camera prst="orthographicFront"/>
+      <a:lightRig rig="threePt" dir="t"/>
+    </dgm:scene3d>
+    <dgm:sp3d/>
+    <dgm:txPr/>
+    <dgm:style>
+      <a:lnRef idx="2">
+        <a:scrgbClr r="0" g="0" b="0"/>
+      </a:lnRef>
+      <a:fillRef idx="1">
+        <a:scrgbClr r="0" g="0" b="0"/>
+      </a:fillRef>
+      <a:effectRef idx="0">
+        <a:scrgbClr r="0" g="0" b="0"/>
+      </a:effectRef>
+      <a:fontRef idx="minor">
+        <a:schemeClr val="lt1"/>
+      </a:fontRef>
+    </dgm:style>
+  </dgm:styleLbl>
+  <dgm:styleLbl name="parChTrans2D4">
+    <dgm:scene3d>
+      <a:camera prst="orthographicFront"/>
+      <a:lightRig rig="threePt" dir="t"/>
+    </dgm:scene3d>
+    <dgm:sp3d/>
+    <dgm:txPr/>
+    <dgm:style>
+      <a:lnRef idx="2">
+        <a:scrgbClr r="0" g="0" b="0"/>
+      </a:lnRef>
+      <a:fillRef idx="1">
+        <a:scrgbClr r="0" g="0" b="0"/>
+      </a:fillRef>
+      <a:effectRef idx="0">
+        <a:scrgbClr r="0" g="0" b="0"/>
+      </a:effectRef>
+      <a:fontRef idx="minor">
+        <a:schemeClr val="lt1"/>
+      </a:fontRef>
+    </dgm:style>
+  </dgm:styleLbl>
+  <dgm:styleLbl name="parChTrans1D1">
+    <dgm:scene3d>
+      <a:camera prst="orthographicFront"/>
+      <a:lightRig rig="threePt" dir="t"/>
+    </dgm:scene3d>
+    <dgm:sp3d/>
+    <dgm:txPr/>
+    <dgm:style>
+      <a:lnRef idx="2">
+        <a:scrgbClr r="0" g="0" b="0"/>
+      </a:lnRef>
+      <a:fillRef idx="0">
+        <a:scrgbClr r="0" g="0" b="0"/>
+      </a:fillRef>
+      <a:effectRef idx="0">
+        <a:scrgbClr r="0" g="0" b="0"/>
+      </a:effectRef>
+      <a:fontRef idx="minor"/>
+    </dgm:style>
+  </dgm:styleLbl>
+  <dgm:styleLbl name="parChTrans1D2">
+    <dgm:scene3d>
+      <a:camera prst="orthographicFront"/>
+      <a:lightRig rig="threePt" dir="t"/>
+    </dgm:scene3d>
+    <dgm:sp3d/>
+    <dgm:txPr/>
+    <dgm:style>
+      <a:lnRef idx="2">
+        <a:scrgbClr r="0" g="0" b="0"/>
+      </a:lnRef>
+      <a:fillRef idx="0">
+        <a:scrgbClr r="0" g="0" b="0"/>
+      </a:fillRef>
+      <a:effectRef idx="0">
+        <a:scrgbClr r="0" g="0" b="0"/>
+      </a:effectRef>
+      <a:fontRef idx="minor"/>
+    </dgm:style>
+  </dgm:styleLbl>
+  <dgm:styleLbl name="parChTrans1D3">
+    <dgm:scene3d>
+      <a:camera prst="orthographicFront"/>
+      <a:lightRig rig="threePt" dir="t"/>
+    </dgm:scene3d>
+    <dgm:sp3d/>
+    <dgm:txPr/>
+    <dgm:style>
+      <a:lnRef idx="2">
+        <a:scrgbClr r="0" g="0" b="0"/>
+      </a:lnRef>
+      <a:fillRef idx="0">
+        <a:scrgbClr r="0" g="0" b="0"/>
+      </a:fillRef>
+      <a:effectRef idx="0">
+        <a:scrgbClr r="0" g="0" b="0"/>
+      </a:effectRef>
+      <a:fontRef idx="minor"/>
+    </dgm:style>
+  </dgm:styleLbl>
+  <dgm:styleLbl name="parChTrans1D4">
+    <dgm:scene3d>
+      <a:camera prst="orthographicFront"/>
+      <a:lightRig rig="threePt" dir="t"/>
+    </dgm:scene3d>
+    <dgm:sp3d/>
+    <dgm:txPr/>
+    <dgm:style>
+      <a:lnRef idx="2">
+        <a:scrgbClr r="0" g="0" b="0"/>
+      </a:lnRef>
+      <a:fillRef idx="0">
+        <a:scrgbClr r="0" g="0" b="0"/>
+      </a:fillRef>
+      <a:effectRef idx="0">
+        <a:scrgbClr r="0" g="0" b="0"/>
+      </a:effectRef>
+      <a:fontRef idx="minor"/>
+    </dgm:style>
+  </dgm:styleLbl>
+  <dgm:styleLbl name="fgAcc1">
+    <dgm:scene3d>
+      <a:camera prst="orthographicFront"/>
+      <a:lightRig rig="threePt" dir="t"/>
+    </dgm:scene3d>
+    <dgm:sp3d/>
+    <dgm:txPr/>
+    <dgm:style>
+      <a:lnRef idx="2">
+        <a:scrgbClr r="0" g="0" b="0"/>
+      </a:lnRef>
+      <a:fillRef idx="1">
+        <a:scrgbClr r="0" g="0" b="0"/>
+      </a:fillRef>
+      <a:effectRef idx="0">
+        <a:scrgbClr r="0" g="0" b="0"/>
+      </a:effectRef>
+      <a:fontRef idx="minor"/>
+    </dgm:style>
+  </dgm:styleLbl>
+  <dgm:styleLbl name="conFgAcc1">
+    <dgm:scene3d>
+      <a:camera prst="orthographicFront"/>
+      <a:lightRig rig="threePt" dir="t"/>
+    </dgm:scene3d>
+    <dgm:sp3d/>
+    <dgm:txPr/>
+    <dgm:style>
+      <a:lnRef idx="2">
+        <a:scrgbClr r="0" g="0" b="0"/>
+      </a:lnRef>
+      <a:fillRef idx="1">
+        <a:scrgbClr r="0" g="0" b="0"/>
+      </a:fillRef>
+      <a:effectRef idx="0">
+        <a:scrgbClr r="0" g="0" b="0"/>
+      </a:effectRef>
+      <a:fontRef idx="minor"/>
+    </dgm:style>
+  </dgm:styleLbl>
+  <dgm:styleLbl name="alignAcc1">
+    <dgm:scene3d>
+      <a:camera prst="orthographicFront"/>
+      <a:lightRig rig="threePt" dir="t"/>
+    </dgm:scene3d>
+    <dgm:sp3d/>
+    <dgm:txPr/>
+    <dgm:style>
+      <a:lnRef idx="2">
+        <a:scrgbClr r="0" g="0" b="0"/>
+      </a:lnRef>
+      <a:fillRef idx="1">
+        <a:scrgbClr r="0" g="0" b="0"/>
+      </a:fillRef>
+      <a:effectRef idx="0">
+        <a:scrgbClr r="0" g="0" b="0"/>
+      </a:effectRef>
+      <a:fontRef idx="minor"/>
+    </dgm:style>
+  </dgm:styleLbl>
+  <dgm:styleLbl name="trAlignAcc1">
+    <dgm:scene3d>
+      <a:camera prst="orthographicFront"/>
+      <a:lightRig rig="threePt" dir="t"/>
+    </dgm:scene3d>
+    <dgm:sp3d/>
+    <dgm:txPr/>
+    <dgm:style>
+      <a:lnRef idx="1">
+        <a:scrgbClr r="0" g="0" b="0"/>
+      </a:lnRef>
+      <a:fillRef idx="1">
+        <a:scrgbClr r="0" g="0" b="0"/>
+      </a:fillRef>
+      <a:effectRef idx="0">
+        <a:scrgbClr r="0" g="0" b="0"/>
+      </a:effectRef>
+      <a:fontRef idx="minor"/>
+    </dgm:style>
+  </dgm:styleLbl>
+  <dgm:styleLbl name="bgAcc1">
+    <dgm:scene3d>
+      <a:camera prst="orthographicFront"/>
+      <a:lightRig rig="threePt" dir="t"/>
+    </dgm:scene3d>
+    <dgm:sp3d/>
+    <dgm:txPr/>
+    <dgm:style>
+      <a:lnRef idx="2">
+        <a:scrgbClr r="0" g="0" b="0"/>
+      </a:lnRef>
+      <a:fillRef idx="1">
+        <a:scrgbClr r="0" g="0" b="0"/>
+      </a:fillRef>
+      <a:effectRef idx="0">
+        <a:scrgbClr r="0" g="0" b="0"/>
+      </a:effectRef>
+      <a:fontRef idx="minor"/>
+    </dgm:style>
+  </dgm:styleLbl>
+  <dgm:styleLbl name="solidFgAcc1">
+    <dgm:scene3d>
+      <a:camera prst="orthographicFront"/>
+      <a:lightRig rig="threePt" dir="t"/>
+    </dgm:scene3d>
+    <dgm:sp3d/>
+    <dgm:txPr/>
+    <dgm:style>
+      <a:lnRef idx="2">
+        <a:scrgbClr r="0" g="0" b="0"/>
+      </a:lnRef>
+      <a:fillRef idx="1">
+        <a:scrgbClr r="0" g="0" b="0"/>
+      </a:fillRef>
+      <a:effectRef idx="0">
+        <a:scrgbClr r="0" g="0" b="0"/>
+      </a:effectRef>
+      <a:fontRef idx="minor"/>
+    </dgm:style>
+  </dgm:styleLbl>
+  <dgm:styleLbl name="solidAlignAcc1">
+    <dgm:scene3d>
+      <a:camera prst="orthographicFront"/>
+      <a:lightRig rig="threePt" dir="t"/>
+    </dgm:scene3d>
+    <dgm:sp3d/>
+    <dgm:txPr/>
+    <dgm:style>
+      <a:lnRef idx="2">
+        <a:scrgbClr r="0" g="0" b="0"/>
+      </a:lnRef>
+      <a:fillRef idx="1">
+        <a:scrgbClr r="0" g="0" b="0"/>
+      </a:fillRef>
+      <a:effectRef idx="0">
+        <a:scrgbClr r="0" g="0" b="0"/>
+      </a:effectRef>
+      <a:fontRef idx="minor"/>
+    </dgm:style>
+  </dgm:styleLbl>
+  <dgm:styleLbl name="solidBgAcc1">
+    <dgm:scene3d>
+      <a:camera prst="orthographicFront"/>
+      <a:lightRig rig="threePt" dir="t"/>
+    </dgm:scene3d>
+    <dgm:sp3d/>
+    <dgm:txPr/>
+    <dgm:style>
+      <a:lnRef idx="2">
+        <a:scrgbClr r="0" g="0" b="0"/>
+      </a:lnRef>
+      <a:fillRef idx="1">
+        <a:scrgbClr r="0" g="0" b="0"/>
+      </a:fillRef>
+      <a:effectRef idx="0">
+        <a:scrgbClr r="0" g="0" b="0"/>
+      </a:effectRef>
+      <a:fontRef idx="minor"/>
+    </dgm:style>
+  </dgm:styleLbl>
+  <dgm:styleLbl name="fgAccFollowNode1">
+    <dgm:scene3d>
+      <a:camera prst="orthographicFront"/>
+      <a:lightRig rig="threePt" dir="t"/>
+    </dgm:scene3d>
+    <dgm:sp3d/>
+    <dgm:txPr/>
+    <dgm:style>
+      <a:lnRef idx="2">
+        <a:scrgbClr r="0" g="0" b="0"/>
+      </a:lnRef>
+      <a:fillRef idx="1">
+        <a:scrgbClr r="0" g="0" b="0"/>
+      </a:fillRef>
+      <a:effectRef idx="0">
+        <a:scrgbClr r="0" g="0" b="0"/>
+      </a:effectRef>
+      <a:fontRef idx="minor"/>
+    </dgm:style>
+  </dgm:styleLbl>
+  <dgm:styleLbl name="alignAccFollowNode1">
+    <dgm:scene3d>
+      <a:camera prst="orthographicFront"/>
+      <a:lightRig rig="threePt" dir="t"/>
+    </dgm:scene3d>
+    <dgm:sp3d/>
+    <dgm:txPr/>
+    <dgm:style>
+      <a:lnRef idx="2">
+        <a:scrgbClr r="0" g="0" b="0"/>
+      </a:lnRef>
+      <a:fillRef idx="1">
+        <a:scrgbClr r="0" g="0" b="0"/>
+      </a:fillRef>
+      <a:effectRef idx="0">
+        <a:scrgbClr r="0" g="0" b="0"/>
+      </a:effectRef>
+      <a:fontRef idx="minor"/>
+    </dgm:style>
+  </dgm:styleLbl>
+  <dgm:styleLbl name="bgAccFollowNode1">
+    <dgm:scene3d>
+      <a:camera prst="orthographicFront"/>
+      <a:lightRig rig="threePt" dir="t"/>
+    </dgm:scene3d>
+    <dgm:sp3d/>
+    <dgm:txPr/>
+    <dgm:style>
+      <a:lnRef idx="2">
+        <a:scrgbClr r="0" g="0" b="0"/>
+      </a:lnRef>
+      <a:fillRef idx="1">
+        <a:scrgbClr r="0" g="0" b="0"/>
+      </a:fillRef>
+      <a:effectRef idx="0">
+        <a:scrgbClr r="0" g="0" b="0"/>
+      </a:effectRef>
+      <a:fontRef idx="minor"/>
+    </dgm:style>
+  </dgm:styleLbl>
+  <dgm:styleLbl name="fgAcc0">
+    <dgm:scene3d>
+      <a:camera prst="orthographicFront"/>
+      <a:lightRig rig="threePt" dir="t"/>
+    </dgm:scene3d>
+    <dgm:sp3d/>
+    <dgm:txPr/>
+    <dgm:style>
+      <a:lnRef idx="2">
+        <a:scrgbClr r="0" g="0" b="0"/>
+      </a:lnRef>
+      <a:fillRef idx="1">
+        <a:scrgbClr r="0" g="0" b="0"/>
+      </a:fillRef>
+      <a:effectRef idx="0">
+        <a:scrgbClr r="0" g="0" b="0"/>
+      </a:effectRef>
+      <a:fontRef idx="minor"/>
+    </dgm:style>
+  </dgm:styleLbl>
+  <dgm:styleLbl name="fgAcc2">
+    <dgm:scene3d>
+      <a:camera prst="orthographicFront"/>
+      <a:lightRig rig="threePt" dir="t"/>
+    </dgm:scene3d>
+    <dgm:sp3d/>
+    <dgm:txPr/>
+    <dgm:style>
+      <a:lnRef idx="2">
+        <a:scrgbClr r="0" g="0" b="0"/>
+      </a:lnRef>
+      <a:fillRef idx="1">
+        <a:scrgbClr r="0" g="0" b="0"/>
+      </a:fillRef>
+      <a:effectRef idx="0">
+        <a:scrgbClr r="0" g="0" b="0"/>
+      </a:effectRef>
+      <a:fontRef idx="minor"/>
+    </dgm:style>
+  </dgm:styleLbl>
+  <dgm:styleLbl name="fgAcc3">
+    <dgm:scene3d>
+      <a:camera prst="orthographicFront"/>
+      <a:lightRig rig="threePt" dir="t"/>
+    </dgm:scene3d>
+    <dgm:sp3d/>
+    <dgm:txPr/>
+    <dgm:style>
+      <a:lnRef idx="2">
+        <a:scrgbClr r="0" g="0" b="0"/>
+      </a:lnRef>
+      <a:fillRef idx="1">
+        <a:scrgbClr r="0" g="0" b="0"/>
+      </a:fillRef>
+      <a:effectRef idx="0">
+        <a:scrgbClr r="0" g="0" b="0"/>
+      </a:effectRef>
+      <a:fontRef idx="minor"/>
+    </dgm:style>
+  </dgm:styleLbl>
+  <dgm:styleLbl name="fgAcc4">
+    <dgm:scene3d>
+      <a:camera prst="orthographicFront"/>
+      <a:lightRig rig="threePt" dir="t"/>
+    </dgm:scene3d>
+    <dgm:sp3d/>
+    <dgm:txPr/>
+    <dgm:style>
+      <a:lnRef idx="2">
+        <a:scrgbClr r="0" g="0" b="0"/>
+      </a:lnRef>
+      <a:fillRef idx="1">
+        <a:scrgbClr r="0" g="0" b="0"/>
+      </a:fillRef>
+      <a:effectRef idx="0">
+        <a:scrgbClr r="0" g="0" b="0"/>
+      </a:effectRef>
+      <a:fontRef idx="minor"/>
+    </dgm:style>
+  </dgm:styleLbl>
+  <dgm:styleLbl name="bgShp">
+    <dgm:scene3d>
+      <a:camera prst="orthographicFront"/>
+      <a:lightRig rig="threePt" dir="t"/>
+    </dgm:scene3d>
+    <dgm:sp3d/>
+    <dgm:txPr/>
+    <dgm:style>
+      <a:lnRef idx="0">
+        <a:scrgbClr r="0" g="0" b="0"/>
+      </a:lnRef>
+      <a:fillRef idx="1">
+        <a:scrgbClr r="0" g="0" b="0"/>
+      </a:fillRef>
+      <a:effectRef idx="0">
+        <a:scrgbClr r="0" g="0" b="0"/>
+      </a:effectRef>
+      <a:fontRef idx="minor"/>
+    </dgm:style>
+  </dgm:styleLbl>
+  <dgm:styleLbl name="dkBgShp">
+    <dgm:scene3d>
+      <a:camera prst="orthographicFront"/>
+      <a:lightRig rig="threePt" dir="t"/>
+    </dgm:scene3d>
+    <dgm:sp3d/>
+    <dgm:txPr/>
+    <dgm:style>
+      <a:lnRef idx="0">
+        <a:scrgbClr r="0" g="0" b="0"/>
+      </a:lnRef>
+      <a:fillRef idx="1">
+        <a:scrgbClr r="0" g="0" b="0"/>
+      </a:fillRef>
+      <a:effectRef idx="0">
+        <a:scrgbClr r="0" g="0" b="0"/>
+      </a:effectRef>
+      <a:fontRef idx="minor"/>
+    </dgm:style>
+  </dgm:styleLbl>
+  <dgm:styleLbl name="trBgShp">
+    <dgm:scene3d>
+      <a:camera prst="orthographicFront"/>
+      <a:lightRig rig="threePt" dir="t"/>
+    </dgm:scene3d>
+    <dgm:sp3d/>
+    <dgm:txPr/>
+    <dgm:style>
+      <a:lnRef idx="0">
+        <a:scrgbClr r="0" g="0" b="0"/>
+      </a:lnRef>
+      <a:fillRef idx="1">
+        <a:scrgbClr r="0" g="0" b="0"/>
+      </a:fillRef>
+      <a:effectRef idx="0">
+        <a:scrgbClr r="0" g="0" b="0"/>
+      </a:effectRef>
+      <a:fontRef idx="minor"/>
+    </dgm:style>
+  </dgm:styleLbl>
+  <dgm:styleLbl name="fgShp">
+    <dgm:scene3d>
+      <a:camera prst="orthographicFront"/>
+      <a:lightRig rig="threePt" dir="t"/>
+    </dgm:scene3d>
+    <dgm:sp3d/>
+    <dgm:txPr/>
+    <dgm:style>
+      <a:lnRef idx="2">
+        <a:scrgbClr r="0" g="0" b="0"/>
+      </a:lnRef>
+      <a:fillRef idx="1">
+        <a:scrgbClr r="0" g="0" b="0"/>
+      </a:fillRef>
+      <a:effectRef idx="0">
+        <a:scrgbClr r="0" g="0" b="0"/>
+      </a:effectRef>
+      <a:fontRef idx="minor"/>
+    </dgm:style>
+  </dgm:styleLbl>
+  <dgm:styleLbl name="revTx">
+    <dgm:scene3d>
+      <a:camera prst="orthographicFront"/>
+      <a:lightRig rig="threePt" dir="t"/>
+    </dgm:scene3d>
+    <dgm:sp3d/>
+    <dgm:txPr/>
+    <dgm:style>
+      <a:lnRef idx="0">
+        <a:scrgbClr r="0" g="0" b="0"/>
+      </a:lnRef>
+      <a:fillRef idx="0">
+        <a:scrgbClr r="0" g="0" b="0"/>
+      </a:fillRef>
+      <a:effectRef idx="0">
+        <a:scrgbClr r="0" g="0" b="0"/>
+      </a:effectRef>
+      <a:fontRef idx="minor"/>
+    </dgm:style>
+  </dgm:styleLbl>
+</dgm:styleDef>
+</file>
+
 <file path=ppt/notesMasters/notesMaster1.xml><?xml version="1.0" encoding="utf-8"?>
 <p:notesMaster xmlns:a="http://schemas.openxmlformats.org/drawingml/2006/main" xmlns:r="http://schemas.openxmlformats.org/officeDocument/2006/relationships" xmlns:p="http://schemas.openxmlformats.org/presentationml/2006/main">
   <p:cSld>
@@ -212,7 +6894,7 @@
           <a:p>
             <a:fld id="{36606CF4-FA77-4E71-BDBB-B62F97D48318}" type="datetimeFigureOut">
               <a:rPr lang="zh-CN" altLang="en-US" smtClean="0"/>
-              <a:t>2023/1/7</a:t>
+              <a:t>2023/1/9</a:t>
             </a:fld>
             <a:endParaRPr lang="zh-CN" altLang="en-US"/>
           </a:p>
@@ -721,7 +7403,7 @@
     </p:spTree>
     <p:extLst>
       <p:ext uri="{BB962C8B-B14F-4D97-AF65-F5344CB8AC3E}">
-        <p14:creationId xmlns:p14="http://schemas.microsoft.com/office/powerpoint/2010/main" val="1215218641"/>
+        <p14:creationId xmlns:p14="http://schemas.microsoft.com/office/powerpoint/2010/main" val="381698877"/>
       </p:ext>
     </p:extLst>
   </p:cSld>
@@ -805,6 +7487,174 @@
     </p:spTree>
     <p:extLst>
       <p:ext uri="{BB962C8B-B14F-4D97-AF65-F5344CB8AC3E}">
+        <p14:creationId xmlns:p14="http://schemas.microsoft.com/office/powerpoint/2010/main" val="3567101403"/>
+      </p:ext>
+    </p:extLst>
+  </p:cSld>
+  <p:clrMapOvr>
+    <a:masterClrMapping/>
+  </p:clrMapOvr>
+</p:notes>
+</file>
+
+<file path=ppt/notesSlides/notesSlide13.xml><?xml version="1.0" encoding="utf-8"?>
+<p:notes xmlns:a="http://schemas.openxmlformats.org/drawingml/2006/main" xmlns:r="http://schemas.openxmlformats.org/officeDocument/2006/relationships" xmlns:p="http://schemas.openxmlformats.org/presentationml/2006/main">
+  <p:cSld>
+    <p:spTree>
+      <p:nvGrpSpPr>
+        <p:cNvPr id="1" name=""/>
+        <p:cNvGrpSpPr/>
+        <p:nvPr/>
+      </p:nvGrpSpPr>
+      <p:grpSpPr>
+        <a:xfrm>
+          <a:off x="0" y="0"/>
+          <a:ext cx="0" cy="0"/>
+          <a:chOff x="0" y="0"/>
+          <a:chExt cx="0" cy="0"/>
+        </a:xfrm>
+      </p:grpSpPr>
+      <p:sp>
+        <p:nvSpPr>
+          <p:cNvPr id="2" name="幻灯片图像占位符 1"/>
+          <p:cNvSpPr>
+            <a:spLocks noGrp="1" noRot="1" noChangeAspect="1"/>
+          </p:cNvSpPr>
+          <p:nvPr>
+            <p:ph type="sldImg"/>
+          </p:nvPr>
+        </p:nvSpPr>
+        <p:spPr/>
+      </p:sp>
+      <p:sp>
+        <p:nvSpPr>
+          <p:cNvPr id="3" name="备注占位符 2"/>
+          <p:cNvSpPr>
+            <a:spLocks noGrp="1"/>
+          </p:cNvSpPr>
+          <p:nvPr>
+            <p:ph type="body" idx="1"/>
+          </p:nvPr>
+        </p:nvSpPr>
+        <p:spPr/>
+        <p:txBody>
+          <a:bodyPr/>
+          <a:lstStyle/>
+          <a:p>
+            <a:endParaRPr lang="zh-CN" altLang="en-US"/>
+          </a:p>
+        </p:txBody>
+      </p:sp>
+      <p:sp>
+        <p:nvSpPr>
+          <p:cNvPr id="4" name="灯片编号占位符 3"/>
+          <p:cNvSpPr>
+            <a:spLocks noGrp="1"/>
+          </p:cNvSpPr>
+          <p:nvPr>
+            <p:ph type="sldNum" sz="quarter" idx="10"/>
+          </p:nvPr>
+        </p:nvSpPr>
+        <p:spPr/>
+        <p:txBody>
+          <a:bodyPr/>
+          <a:lstStyle/>
+          <a:p>
+            <a:fld id="{4A7EA511-84E0-4AE0-9842-AB0E10994BF1}" type="slidenum">
+              <a:rPr lang="zh-CN" altLang="en-US" smtClean="0"/>
+              <a:t>13</a:t>
+            </a:fld>
+            <a:endParaRPr lang="zh-CN" altLang="en-US"/>
+          </a:p>
+        </p:txBody>
+      </p:sp>
+    </p:spTree>
+    <p:extLst>
+      <p:ext uri="{BB962C8B-B14F-4D97-AF65-F5344CB8AC3E}">
+        <p14:creationId xmlns:p14="http://schemas.microsoft.com/office/powerpoint/2010/main" val="1215218641"/>
+      </p:ext>
+    </p:extLst>
+  </p:cSld>
+  <p:clrMapOvr>
+    <a:masterClrMapping/>
+  </p:clrMapOvr>
+</p:notes>
+</file>
+
+<file path=ppt/notesSlides/notesSlide14.xml><?xml version="1.0" encoding="utf-8"?>
+<p:notes xmlns:a="http://schemas.openxmlformats.org/drawingml/2006/main" xmlns:r="http://schemas.openxmlformats.org/officeDocument/2006/relationships" xmlns:p="http://schemas.openxmlformats.org/presentationml/2006/main">
+  <p:cSld>
+    <p:spTree>
+      <p:nvGrpSpPr>
+        <p:cNvPr id="1" name=""/>
+        <p:cNvGrpSpPr/>
+        <p:nvPr/>
+      </p:nvGrpSpPr>
+      <p:grpSpPr>
+        <a:xfrm>
+          <a:off x="0" y="0"/>
+          <a:ext cx="0" cy="0"/>
+          <a:chOff x="0" y="0"/>
+          <a:chExt cx="0" cy="0"/>
+        </a:xfrm>
+      </p:grpSpPr>
+      <p:sp>
+        <p:nvSpPr>
+          <p:cNvPr id="2" name="幻灯片图像占位符 1"/>
+          <p:cNvSpPr>
+            <a:spLocks noGrp="1" noRot="1" noChangeAspect="1"/>
+          </p:cNvSpPr>
+          <p:nvPr>
+            <p:ph type="sldImg"/>
+          </p:nvPr>
+        </p:nvSpPr>
+        <p:spPr/>
+      </p:sp>
+      <p:sp>
+        <p:nvSpPr>
+          <p:cNvPr id="3" name="备注占位符 2"/>
+          <p:cNvSpPr>
+            <a:spLocks noGrp="1"/>
+          </p:cNvSpPr>
+          <p:nvPr>
+            <p:ph type="body" idx="1"/>
+          </p:nvPr>
+        </p:nvSpPr>
+        <p:spPr/>
+        <p:txBody>
+          <a:bodyPr/>
+          <a:lstStyle/>
+          <a:p>
+            <a:endParaRPr lang="zh-CN" altLang="en-US"/>
+          </a:p>
+        </p:txBody>
+      </p:sp>
+      <p:sp>
+        <p:nvSpPr>
+          <p:cNvPr id="4" name="灯片编号占位符 3"/>
+          <p:cNvSpPr>
+            <a:spLocks noGrp="1"/>
+          </p:cNvSpPr>
+          <p:nvPr>
+            <p:ph type="sldNum" sz="quarter" idx="10"/>
+          </p:nvPr>
+        </p:nvSpPr>
+        <p:spPr/>
+        <p:txBody>
+          <a:bodyPr/>
+          <a:lstStyle/>
+          <a:p>
+            <a:fld id="{4A7EA511-84E0-4AE0-9842-AB0E10994BF1}" type="slidenum">
+              <a:rPr lang="zh-CN" altLang="en-US" smtClean="0"/>
+              <a:t>14</a:t>
+            </a:fld>
+            <a:endParaRPr lang="zh-CN" altLang="en-US"/>
+          </a:p>
+        </p:txBody>
+      </p:sp>
+    </p:spTree>
+    <p:extLst>
+      <p:ext uri="{BB962C8B-B14F-4D97-AF65-F5344CB8AC3E}">
         <p14:creationId xmlns:p14="http://schemas.microsoft.com/office/powerpoint/2010/main" val="2699425049"/>
       </p:ext>
     </p:extLst>
@@ -815,7 +7665,7 @@
 </p:notes>
 </file>
 
-<file path=ppt/notesSlides/notesSlide13.xml><?xml version="1.0" encoding="utf-8"?>
+<file path=ppt/notesSlides/notesSlide15.xml><?xml version="1.0" encoding="utf-8"?>
 <p:notes xmlns:a="http://schemas.openxmlformats.org/drawingml/2006/main" xmlns:r="http://schemas.openxmlformats.org/officeDocument/2006/relationships" xmlns:p="http://schemas.openxmlformats.org/presentationml/2006/main">
   <p:cSld>
     <p:spTree>
@@ -880,7 +7730,7 @@
           <a:p>
             <a:fld id="{4A7EA511-84E0-4AE0-9842-AB0E10994BF1}" type="slidenum">
               <a:rPr lang="zh-CN" altLang="en-US" smtClean="0"/>
-              <a:t>13</a:t>
+              <a:t>15</a:t>
             </a:fld>
             <a:endParaRPr lang="zh-CN" altLang="en-US"/>
           </a:p>
@@ -2307,7 +9157,7 @@
             <a:fld id="{6489D9C7-5DC6-4263-87FF-7C99F6FB63C3}" type="datetime1">
               <a:rPr lang="zh-CN" altLang="en-US" smtClean="0"/>
               <a:pPr/>
-              <a:t>2023/1/7</a:t>
+              <a:t>2023/1/9</a:t>
             </a:fld>
             <a:endParaRPr lang="zh-CN" altLang="en-US"/>
           </a:p>
@@ -2459,7 +9309,7 @@
             <a:fld id="{6489D9C7-5DC6-4263-87FF-7C99F6FB63C3}" type="datetime1">
               <a:rPr lang="zh-CN" altLang="en-US" smtClean="0"/>
               <a:pPr/>
-              <a:t>2023/1/7</a:t>
+              <a:t>2023/1/9</a:t>
             </a:fld>
             <a:endParaRPr lang="zh-CN" altLang="en-US"/>
           </a:p>
@@ -2941,7 +9791,7 @@
             <a:fld id="{6489D9C7-5DC6-4263-87FF-7C99F6FB63C3}" type="datetime1">
               <a:rPr lang="zh-CN" altLang="en-US" smtClean="0"/>
               <a:pPr/>
-              <a:t>2023/1/7</a:t>
+              <a:t>2023/1/9</a:t>
             </a:fld>
             <a:endParaRPr lang="zh-CN" altLang="en-US"/>
           </a:p>
@@ -4409,13 +11259,58 @@
               </a:rPr>
               <a:t>cosine_similarity</a:t>
             </a:r>
+            <a:r>
+              <a:rPr kumimoji="0" lang="zh-CN" altLang="en-US" sz="2400" b="0" i="0" u="none" strike="noStrike" cap="none" normalizeH="0" baseline="0" dirty="0">
+                <a:ln>
+                  <a:noFill/>
+                </a:ln>
+                <a:solidFill>
+                  <a:srgbClr val="080808"/>
+                </a:solidFill>
+                <a:effectLst/>
+                <a:latin typeface="Arial Unicode MS"/>
+                <a:ea typeface="JetBrains Mono"/>
+              </a:rPr>
+              <a:t>，</a:t>
+            </a:r>
+            <a:r>
+              <a:rPr kumimoji="0" lang="en-US" altLang="zh-CN" sz="2400" b="0" i="0" u="none" strike="noStrike" cap="none" normalizeH="0" baseline="0" dirty="0" err="1">
+                <a:ln>
+                  <a:noFill/>
+                </a:ln>
+                <a:solidFill>
+                  <a:srgbClr val="080808"/>
+                </a:solidFill>
+                <a:effectLst/>
+                <a:latin typeface="Arial Unicode MS"/>
+                <a:ea typeface="JetBrains Mono"/>
+              </a:rPr>
+              <a:t>SimHash</a:t>
+            </a:r>
+            <a:r>
+              <a:rPr lang="en-US" altLang="zh-CN" sz="2400" dirty="0">
+                <a:solidFill>
+                  <a:srgbClr val="080808"/>
+                </a:solidFill>
+                <a:latin typeface="Arial Unicode MS"/>
+                <a:ea typeface="JetBrains Mono"/>
+              </a:rPr>
+              <a:t>+</a:t>
+            </a:r>
+            <a:r>
+              <a:rPr lang="zh-CN" altLang="en-US" sz="2400" dirty="0">
+                <a:solidFill>
+                  <a:srgbClr val="080808"/>
+                </a:solidFill>
+                <a:latin typeface="Arial Unicode MS"/>
+                <a:ea typeface="JetBrains Mono"/>
+              </a:rPr>
+              <a:t>海明距离</a:t>
+            </a:r>
             <a:endParaRPr kumimoji="0" lang="zh-CN" altLang="zh-CN" sz="3200" b="0" i="0" u="none" strike="noStrike" cap="none" normalizeH="0" baseline="0" dirty="0">
               <a:ln>
                 <a:noFill/>
               </a:ln>
-              <a:solidFill>
-                <a:schemeClr val="tx1"/>
-              </a:solidFill>
               <a:effectLst/>
               <a:latin typeface="Arial" panose="020B0604020202020204" pitchFamily="34" charset="0"/>
             </a:endParaRPr>
@@ -4448,6 +11343,955 @@
 </file>
 
 <file path=ppt/slides/slide11.xml><?xml version="1.0" encoding="utf-8"?>
+<p:sld xmlns:a="http://schemas.openxmlformats.org/drawingml/2006/main" xmlns:r="http://schemas.openxmlformats.org/officeDocument/2006/relationships" xmlns:p="http://schemas.openxmlformats.org/presentationml/2006/main">
+  <p:cSld>
+    <p:spTree>
+      <p:nvGrpSpPr>
+        <p:cNvPr id="1" name=""/>
+        <p:cNvGrpSpPr/>
+        <p:nvPr/>
+      </p:nvGrpSpPr>
+      <p:grpSpPr>
+        <a:xfrm>
+          <a:off x="0" y="0"/>
+          <a:ext cx="0" cy="0"/>
+          <a:chOff x="0" y="0"/>
+          <a:chExt cx="0" cy="0"/>
+        </a:xfrm>
+      </p:grpSpPr>
+      <p:sp>
+        <p:nvSpPr>
+          <p:cNvPr id="30" name="矩形 29"/>
+          <p:cNvSpPr/>
+          <p:nvPr/>
+        </p:nvSpPr>
+        <p:spPr>
+          <a:xfrm>
+            <a:off x="0" y="204952"/>
+            <a:ext cx="2081048" cy="378372"/>
+          </a:xfrm>
+          <a:prstGeom prst="rect">
+            <a:avLst/>
+          </a:prstGeom>
+          <a:solidFill>
+            <a:srgbClr val="222A35"/>
+          </a:solidFill>
+          <a:ln>
+            <a:solidFill>
+              <a:srgbClr val="222A35"/>
+            </a:solidFill>
+          </a:ln>
+        </p:spPr>
+        <p:style>
+          <a:lnRef idx="2">
+            <a:schemeClr val="accent1">
+              <a:shade val="50000"/>
+            </a:schemeClr>
+          </a:lnRef>
+          <a:fillRef idx="1">
+            <a:schemeClr val="accent1"/>
+          </a:fillRef>
+          <a:effectRef idx="0">
+            <a:schemeClr val="accent1"/>
+          </a:effectRef>
+          <a:fontRef idx="minor">
+            <a:schemeClr val="lt1"/>
+          </a:fontRef>
+        </p:style>
+        <p:txBody>
+          <a:bodyPr rtlCol="0" anchor="ctr"/>
+          <a:lstStyle/>
+          <a:p>
+            <a:pPr algn="ctr"/>
+            <a:endParaRPr lang="zh-CN" altLang="en-US"/>
+          </a:p>
+        </p:txBody>
+      </p:sp>
+      <p:cxnSp>
+        <p:nvCxnSpPr>
+          <p:cNvPr id="32" name="直接连接符 31"/>
+          <p:cNvCxnSpPr>
+            <a:stCxn id="30" idx="3"/>
+          </p:cNvCxnSpPr>
+          <p:nvPr/>
+        </p:nvCxnSpPr>
+        <p:spPr>
+          <a:xfrm>
+            <a:off x="2081048" y="394138"/>
+            <a:ext cx="10110952" cy="0"/>
+          </a:xfrm>
+          <a:prstGeom prst="line">
+            <a:avLst/>
+          </a:prstGeom>
+          <a:ln w="38100">
+            <a:solidFill>
+              <a:srgbClr val="222A35"/>
+            </a:solidFill>
+          </a:ln>
+        </p:spPr>
+        <p:style>
+          <a:lnRef idx="1">
+            <a:schemeClr val="accent1"/>
+          </a:lnRef>
+          <a:fillRef idx="0">
+            <a:schemeClr val="accent1"/>
+          </a:fillRef>
+          <a:effectRef idx="0">
+            <a:schemeClr val="accent1"/>
+          </a:effectRef>
+          <a:fontRef idx="minor">
+            <a:schemeClr val="tx1"/>
+          </a:fontRef>
+        </p:style>
+      </p:cxnSp>
+      <p:sp>
+        <p:nvSpPr>
+          <p:cNvPr id="33" name="矩形 32"/>
+          <p:cNvSpPr/>
+          <p:nvPr/>
+        </p:nvSpPr>
+        <p:spPr>
+          <a:xfrm>
+            <a:off x="249023" y="213992"/>
+            <a:ext cx="1800493" cy="369332"/>
+          </a:xfrm>
+          <a:prstGeom prst="rect">
+            <a:avLst/>
+          </a:prstGeom>
+        </p:spPr>
+        <p:txBody>
+          <a:bodyPr wrap="none">
+            <a:spAutoFit/>
+          </a:bodyPr>
+          <a:lstStyle/>
+          <a:p>
+            <a:pPr algn="ctr"/>
+            <a:r>
+              <a:rPr lang="zh-CN" altLang="en-US" b="1" dirty="0">
+                <a:solidFill>
+                  <a:schemeClr val="bg1"/>
+                </a:solidFill>
+                <a:latin typeface="华文中宋" panose="02010600040101010101" pitchFamily="2" charset="-122"/>
+                <a:ea typeface="华文中宋" panose="02010600040101010101" pitchFamily="2" charset="-122"/>
+                <a:cs typeface="+mn-ea"/>
+                <a:sym typeface="Arial" panose="020B0604020202020204" pitchFamily="34" charset="0"/>
+              </a:rPr>
+              <a:t>研究方法与过程</a:t>
+            </a:r>
+          </a:p>
+        </p:txBody>
+      </p:sp>
+      <p:sp>
+        <p:nvSpPr>
+          <p:cNvPr id="34" name="等腰三角形 33"/>
+          <p:cNvSpPr/>
+          <p:nvPr/>
+        </p:nvSpPr>
+        <p:spPr>
+          <a:xfrm flipV="1">
+            <a:off x="122899" y="331076"/>
+            <a:ext cx="126124" cy="157655"/>
+          </a:xfrm>
+          <a:prstGeom prst="triangle">
+            <a:avLst/>
+          </a:prstGeom>
+          <a:solidFill>
+            <a:schemeClr val="bg1"/>
+          </a:solidFill>
+          <a:ln>
+            <a:noFill/>
+          </a:ln>
+        </p:spPr>
+        <p:style>
+          <a:lnRef idx="2">
+            <a:schemeClr val="accent1">
+              <a:shade val="50000"/>
+            </a:schemeClr>
+          </a:lnRef>
+          <a:fillRef idx="1">
+            <a:schemeClr val="accent1"/>
+          </a:fillRef>
+          <a:effectRef idx="0">
+            <a:schemeClr val="accent1"/>
+          </a:effectRef>
+          <a:fontRef idx="minor">
+            <a:schemeClr val="lt1"/>
+          </a:fontRef>
+        </p:style>
+        <p:txBody>
+          <a:bodyPr rtlCol="0" anchor="ctr"/>
+          <a:lstStyle/>
+          <a:p>
+            <a:pPr algn="ctr"/>
+            <a:endParaRPr lang="zh-CN" altLang="en-US"/>
+          </a:p>
+        </p:txBody>
+      </p:sp>
+      <p:sp>
+        <p:nvSpPr>
+          <p:cNvPr id="8" name="文本框 7">
+            <a:extLst>
+              <a:ext uri="{FF2B5EF4-FFF2-40B4-BE49-F238E27FC236}">
+                <a16:creationId xmlns:a16="http://schemas.microsoft.com/office/drawing/2014/main" id="{75601E2F-2A48-302C-BA18-61E63C6A9231}"/>
+              </a:ext>
+            </a:extLst>
+          </p:cNvPr>
+          <p:cNvSpPr txBox="1"/>
+          <p:nvPr/>
+        </p:nvSpPr>
+        <p:spPr>
+          <a:xfrm>
+            <a:off x="907773" y="1130300"/>
+            <a:ext cx="3538331" cy="523220"/>
+          </a:xfrm>
+          <a:prstGeom prst="rect">
+            <a:avLst/>
+          </a:prstGeom>
+          <a:noFill/>
+        </p:spPr>
+        <p:txBody>
+          <a:bodyPr wrap="square" rtlCol="0">
+            <a:spAutoFit/>
+          </a:bodyPr>
+          <a:lstStyle/>
+          <a:p>
+            <a:r>
+              <a:rPr lang="zh-CN" altLang="en-US" sz="2800" dirty="0"/>
+              <a:t>需要实现的核心功能</a:t>
+            </a:r>
+          </a:p>
+        </p:txBody>
+      </p:sp>
+      <p:sp>
+        <p:nvSpPr>
+          <p:cNvPr id="21" name="矩形 20">
+            <a:extLst>
+              <a:ext uri="{FF2B5EF4-FFF2-40B4-BE49-F238E27FC236}">
+                <a16:creationId xmlns:a16="http://schemas.microsoft.com/office/drawing/2014/main" id="{20CF0474-BFD4-4F35-A273-C70BC9479448}"/>
+              </a:ext>
+            </a:extLst>
+          </p:cNvPr>
+          <p:cNvSpPr/>
+          <p:nvPr/>
+        </p:nvSpPr>
+        <p:spPr>
+          <a:xfrm>
+            <a:off x="1080280" y="1779818"/>
+            <a:ext cx="569387" cy="923330"/>
+          </a:xfrm>
+          <a:prstGeom prst="rect">
+            <a:avLst/>
+          </a:prstGeom>
+          <a:noFill/>
+        </p:spPr>
+        <p:txBody>
+          <a:bodyPr wrap="none" lIns="91440" tIns="45720" rIns="91440" bIns="45720">
+            <a:spAutoFit/>
+          </a:bodyPr>
+          <a:lstStyle/>
+          <a:p>
+            <a:pPr algn="ctr"/>
+            <a:r>
+              <a:rPr lang="en-US" altLang="zh-CN" sz="5400" b="1" cap="none" spc="0" dirty="0">
+                <a:ln w="6600">
+                  <a:solidFill>
+                    <a:schemeClr val="accent2"/>
+                  </a:solidFill>
+                  <a:prstDash val="solid"/>
+                </a:ln>
+                <a:solidFill>
+                  <a:srgbClr val="FFFFFF"/>
+                </a:solidFill>
+                <a:effectLst>
+                  <a:outerShdw dist="38100" dir="2700000" algn="tl" rotWithShape="0">
+                    <a:schemeClr val="accent2"/>
+                  </a:outerShdw>
+                </a:effectLst>
+              </a:rPr>
+              <a:t>1</a:t>
+            </a:r>
+            <a:endParaRPr lang="zh-CN" altLang="en-US" sz="5400" b="1" cap="none" spc="0" dirty="0">
+              <a:ln w="6600">
+                <a:solidFill>
+                  <a:schemeClr val="accent2"/>
+                </a:solidFill>
+                <a:prstDash val="solid"/>
+              </a:ln>
+              <a:solidFill>
+                <a:srgbClr val="FFFFFF"/>
+              </a:solidFill>
+              <a:effectLst>
+                <a:outerShdw dist="38100" dir="2700000" algn="tl" rotWithShape="0">
+                  <a:schemeClr val="accent2"/>
+                </a:outerShdw>
+              </a:effectLst>
+            </a:endParaRPr>
+          </a:p>
+        </p:txBody>
+      </p:sp>
+      <p:sp>
+        <p:nvSpPr>
+          <p:cNvPr id="22" name="文本框 21">
+            <a:extLst>
+              <a:ext uri="{FF2B5EF4-FFF2-40B4-BE49-F238E27FC236}">
+                <a16:creationId xmlns:a16="http://schemas.microsoft.com/office/drawing/2014/main" id="{F2AFD31F-3103-D164-9A18-446D139A95AF}"/>
+              </a:ext>
+            </a:extLst>
+          </p:cNvPr>
+          <p:cNvSpPr txBox="1"/>
+          <p:nvPr/>
+        </p:nvSpPr>
+        <p:spPr>
+          <a:xfrm>
+            <a:off x="1800402" y="2015494"/>
+            <a:ext cx="2006064" cy="523220"/>
+          </a:xfrm>
+          <a:prstGeom prst="rect">
+            <a:avLst/>
+          </a:prstGeom>
+          <a:noFill/>
+        </p:spPr>
+        <p:txBody>
+          <a:bodyPr wrap="square" rtlCol="0">
+            <a:spAutoFit/>
+          </a:bodyPr>
+          <a:lstStyle/>
+          <a:p>
+            <a:r>
+              <a:rPr lang="zh-CN" altLang="en-US" sz="2800" dirty="0"/>
+              <a:t>概览</a:t>
+            </a:r>
+          </a:p>
+        </p:txBody>
+      </p:sp>
+      <p:sp>
+        <p:nvSpPr>
+          <p:cNvPr id="23" name="矩形 22">
+            <a:extLst>
+              <a:ext uri="{FF2B5EF4-FFF2-40B4-BE49-F238E27FC236}">
+                <a16:creationId xmlns:a16="http://schemas.microsoft.com/office/drawing/2014/main" id="{D9B4F8D6-2366-79F5-4F8B-FCA95C1604A3}"/>
+              </a:ext>
+            </a:extLst>
+          </p:cNvPr>
+          <p:cNvSpPr/>
+          <p:nvPr/>
+        </p:nvSpPr>
+        <p:spPr>
+          <a:xfrm>
+            <a:off x="1080279" y="2829446"/>
+            <a:ext cx="569388" cy="923330"/>
+          </a:xfrm>
+          <a:prstGeom prst="rect">
+            <a:avLst/>
+          </a:prstGeom>
+          <a:noFill/>
+        </p:spPr>
+        <p:txBody>
+          <a:bodyPr wrap="none" lIns="91440" tIns="45720" rIns="91440" bIns="45720">
+            <a:spAutoFit/>
+          </a:bodyPr>
+          <a:lstStyle/>
+          <a:p>
+            <a:pPr algn="ctr"/>
+            <a:r>
+              <a:rPr lang="en-US" altLang="zh-CN" sz="5400" b="1" dirty="0">
+                <a:ln w="6600">
+                  <a:solidFill>
+                    <a:schemeClr val="accent2"/>
+                  </a:solidFill>
+                  <a:prstDash val="solid"/>
+                </a:ln>
+                <a:solidFill>
+                  <a:srgbClr val="FFFFFF"/>
+                </a:solidFill>
+                <a:effectLst>
+                  <a:outerShdw dist="38100" dir="2700000" algn="tl" rotWithShape="0">
+                    <a:schemeClr val="accent2"/>
+                  </a:outerShdw>
+                </a:effectLst>
+              </a:rPr>
+              <a:t>2</a:t>
+            </a:r>
+            <a:endParaRPr lang="zh-CN" altLang="en-US" sz="5400" b="1" cap="none" spc="0" dirty="0">
+              <a:ln w="6600">
+                <a:solidFill>
+                  <a:schemeClr val="accent2"/>
+                </a:solidFill>
+                <a:prstDash val="solid"/>
+              </a:ln>
+              <a:solidFill>
+                <a:srgbClr val="FFFFFF"/>
+              </a:solidFill>
+              <a:effectLst>
+                <a:outerShdw dist="38100" dir="2700000" algn="tl" rotWithShape="0">
+                  <a:schemeClr val="accent2"/>
+                </a:outerShdw>
+              </a:effectLst>
+            </a:endParaRPr>
+          </a:p>
+        </p:txBody>
+      </p:sp>
+      <p:sp>
+        <p:nvSpPr>
+          <p:cNvPr id="24" name="文本框 23">
+            <a:extLst>
+              <a:ext uri="{FF2B5EF4-FFF2-40B4-BE49-F238E27FC236}">
+                <a16:creationId xmlns:a16="http://schemas.microsoft.com/office/drawing/2014/main" id="{C5E52191-666F-1F33-869E-EFDA718EA001}"/>
+              </a:ext>
+            </a:extLst>
+          </p:cNvPr>
+          <p:cNvSpPr txBox="1"/>
+          <p:nvPr/>
+        </p:nvSpPr>
+        <p:spPr>
+          <a:xfrm>
+            <a:off x="1800402" y="3065122"/>
+            <a:ext cx="2006064" cy="523220"/>
+          </a:xfrm>
+          <a:prstGeom prst="rect">
+            <a:avLst/>
+          </a:prstGeom>
+          <a:noFill/>
+        </p:spPr>
+        <p:txBody>
+          <a:bodyPr wrap="square" rtlCol="0">
+            <a:spAutoFit/>
+          </a:bodyPr>
+          <a:lstStyle/>
+          <a:p>
+            <a:r>
+              <a:rPr lang="zh-CN" altLang="en-US" sz="2800" dirty="0"/>
+              <a:t>按题查看</a:t>
+            </a:r>
+          </a:p>
+        </p:txBody>
+      </p:sp>
+      <p:sp>
+        <p:nvSpPr>
+          <p:cNvPr id="25" name="矩形 24">
+            <a:extLst>
+              <a:ext uri="{FF2B5EF4-FFF2-40B4-BE49-F238E27FC236}">
+                <a16:creationId xmlns:a16="http://schemas.microsoft.com/office/drawing/2014/main" id="{FC39089F-7B42-0A3E-2416-E56F9F88F0AF}"/>
+              </a:ext>
+            </a:extLst>
+          </p:cNvPr>
+          <p:cNvSpPr/>
+          <p:nvPr/>
+        </p:nvSpPr>
+        <p:spPr>
+          <a:xfrm>
+            <a:off x="1072036" y="3879074"/>
+            <a:ext cx="569388" cy="923330"/>
+          </a:xfrm>
+          <a:prstGeom prst="rect">
+            <a:avLst/>
+          </a:prstGeom>
+          <a:noFill/>
+        </p:spPr>
+        <p:txBody>
+          <a:bodyPr wrap="none" lIns="91440" tIns="45720" rIns="91440" bIns="45720">
+            <a:spAutoFit/>
+          </a:bodyPr>
+          <a:lstStyle/>
+          <a:p>
+            <a:pPr algn="ctr"/>
+            <a:r>
+              <a:rPr lang="en-US" altLang="zh-CN" sz="5400" b="1" dirty="0">
+                <a:ln w="6600">
+                  <a:solidFill>
+                    <a:schemeClr val="accent2"/>
+                  </a:solidFill>
+                  <a:prstDash val="solid"/>
+                </a:ln>
+                <a:solidFill>
+                  <a:srgbClr val="FFFFFF"/>
+                </a:solidFill>
+                <a:effectLst>
+                  <a:outerShdw dist="38100" dir="2700000" algn="tl" rotWithShape="0">
+                    <a:schemeClr val="accent2"/>
+                  </a:outerShdw>
+                </a:effectLst>
+              </a:rPr>
+              <a:t>3</a:t>
+            </a:r>
+            <a:endParaRPr lang="zh-CN" altLang="en-US" sz="5400" b="1" cap="none" spc="0" dirty="0">
+              <a:ln w="6600">
+                <a:solidFill>
+                  <a:schemeClr val="accent2"/>
+                </a:solidFill>
+                <a:prstDash val="solid"/>
+              </a:ln>
+              <a:solidFill>
+                <a:srgbClr val="FFFFFF"/>
+              </a:solidFill>
+              <a:effectLst>
+                <a:outerShdw dist="38100" dir="2700000" algn="tl" rotWithShape="0">
+                  <a:schemeClr val="accent2"/>
+                </a:outerShdw>
+              </a:effectLst>
+            </a:endParaRPr>
+          </a:p>
+        </p:txBody>
+      </p:sp>
+      <p:sp>
+        <p:nvSpPr>
+          <p:cNvPr id="26" name="文本框 25">
+            <a:extLst>
+              <a:ext uri="{FF2B5EF4-FFF2-40B4-BE49-F238E27FC236}">
+                <a16:creationId xmlns:a16="http://schemas.microsoft.com/office/drawing/2014/main" id="{334B1C68-CF4C-8DAA-1738-89D0C13A049F}"/>
+              </a:ext>
+            </a:extLst>
+          </p:cNvPr>
+          <p:cNvSpPr txBox="1"/>
+          <p:nvPr/>
+        </p:nvSpPr>
+        <p:spPr>
+          <a:xfrm>
+            <a:off x="1792159" y="4114750"/>
+            <a:ext cx="2006064" cy="523220"/>
+          </a:xfrm>
+          <a:prstGeom prst="rect">
+            <a:avLst/>
+          </a:prstGeom>
+          <a:noFill/>
+        </p:spPr>
+        <p:txBody>
+          <a:bodyPr wrap="square" rtlCol="0">
+            <a:spAutoFit/>
+          </a:bodyPr>
+          <a:lstStyle/>
+          <a:p>
+            <a:r>
+              <a:rPr lang="zh-CN" altLang="en-US" sz="2800" dirty="0"/>
+              <a:t>按同学查看</a:t>
+            </a:r>
+          </a:p>
+        </p:txBody>
+      </p:sp>
+      <p:sp>
+        <p:nvSpPr>
+          <p:cNvPr id="27" name="矩形 26">
+            <a:extLst>
+              <a:ext uri="{FF2B5EF4-FFF2-40B4-BE49-F238E27FC236}">
+                <a16:creationId xmlns:a16="http://schemas.microsoft.com/office/drawing/2014/main" id="{4CDD58C1-088E-51AB-C7B3-80744B0ABB29}"/>
+              </a:ext>
+            </a:extLst>
+          </p:cNvPr>
+          <p:cNvSpPr/>
+          <p:nvPr/>
+        </p:nvSpPr>
+        <p:spPr>
+          <a:xfrm>
+            <a:off x="1080280" y="4928702"/>
+            <a:ext cx="569388" cy="923330"/>
+          </a:xfrm>
+          <a:prstGeom prst="rect">
+            <a:avLst/>
+          </a:prstGeom>
+          <a:noFill/>
+        </p:spPr>
+        <p:txBody>
+          <a:bodyPr wrap="none" lIns="91440" tIns="45720" rIns="91440" bIns="45720">
+            <a:spAutoFit/>
+          </a:bodyPr>
+          <a:lstStyle/>
+          <a:p>
+            <a:pPr algn="ctr"/>
+            <a:r>
+              <a:rPr lang="en-US" altLang="zh-CN" sz="5400" b="1" cap="none" spc="0" dirty="0">
+                <a:ln w="6600">
+                  <a:solidFill>
+                    <a:schemeClr val="accent2"/>
+                  </a:solidFill>
+                  <a:prstDash val="solid"/>
+                </a:ln>
+                <a:solidFill>
+                  <a:srgbClr val="FFFFFF"/>
+                </a:solidFill>
+                <a:effectLst>
+                  <a:outerShdw dist="38100" dir="2700000" algn="tl" rotWithShape="0">
+                    <a:schemeClr val="accent2"/>
+                  </a:outerShdw>
+                </a:effectLst>
+              </a:rPr>
+              <a:t>4</a:t>
+            </a:r>
+            <a:endParaRPr lang="zh-CN" altLang="en-US" sz="5400" b="1" cap="none" spc="0" dirty="0">
+              <a:ln w="6600">
+                <a:solidFill>
+                  <a:schemeClr val="accent2"/>
+                </a:solidFill>
+                <a:prstDash val="solid"/>
+              </a:ln>
+              <a:solidFill>
+                <a:srgbClr val="FFFFFF"/>
+              </a:solidFill>
+              <a:effectLst>
+                <a:outerShdw dist="38100" dir="2700000" algn="tl" rotWithShape="0">
+                  <a:schemeClr val="accent2"/>
+                </a:outerShdw>
+              </a:effectLst>
+            </a:endParaRPr>
+          </a:p>
+        </p:txBody>
+      </p:sp>
+      <p:sp>
+        <p:nvSpPr>
+          <p:cNvPr id="28" name="文本框 27">
+            <a:extLst>
+              <a:ext uri="{FF2B5EF4-FFF2-40B4-BE49-F238E27FC236}">
+                <a16:creationId xmlns:a16="http://schemas.microsoft.com/office/drawing/2014/main" id="{4A5ECFF3-95EA-B370-2AEE-B2B8AD88AC36}"/>
+              </a:ext>
+            </a:extLst>
+          </p:cNvPr>
+          <p:cNvSpPr txBox="1"/>
+          <p:nvPr/>
+        </p:nvSpPr>
+        <p:spPr>
+          <a:xfrm>
+            <a:off x="1800402" y="5164378"/>
+            <a:ext cx="2429055" cy="523220"/>
+          </a:xfrm>
+          <a:prstGeom prst="rect">
+            <a:avLst/>
+          </a:prstGeom>
+          <a:noFill/>
+        </p:spPr>
+        <p:txBody>
+          <a:bodyPr wrap="square" rtlCol="0">
+            <a:spAutoFit/>
+          </a:bodyPr>
+          <a:lstStyle/>
+          <a:p>
+            <a:r>
+              <a:rPr lang="zh-CN" altLang="en-US" sz="2800" dirty="0"/>
+              <a:t>自由选择算法</a:t>
+            </a:r>
+          </a:p>
+        </p:txBody>
+      </p:sp>
+      <p:pic>
+        <p:nvPicPr>
+          <p:cNvPr id="3" name="图片 2">
+            <a:extLst>
+              <a:ext uri="{FF2B5EF4-FFF2-40B4-BE49-F238E27FC236}">
+                <a16:creationId xmlns:a16="http://schemas.microsoft.com/office/drawing/2014/main" id="{06F7C65E-4E15-24F2-6BCC-408659DE7080}"/>
+              </a:ext>
+            </a:extLst>
+          </p:cNvPr>
+          <p:cNvPicPr>
+            <a:picLocks noChangeAspect="1"/>
+          </p:cNvPicPr>
+          <p:nvPr/>
+        </p:nvPicPr>
+        <p:blipFill>
+          <a:blip r:embed="rId3"/>
+          <a:stretch>
+            <a:fillRect/>
+          </a:stretch>
+        </p:blipFill>
+        <p:spPr>
+          <a:xfrm>
+            <a:off x="4814734" y="488731"/>
+            <a:ext cx="7052588" cy="6456661"/>
+          </a:xfrm>
+          <a:prstGeom prst="rect">
+            <a:avLst/>
+          </a:prstGeom>
+        </p:spPr>
+      </p:pic>
+    </p:spTree>
+    <p:extLst>
+      <p:ext uri="{BB962C8B-B14F-4D97-AF65-F5344CB8AC3E}">
+        <p14:creationId xmlns:p14="http://schemas.microsoft.com/office/powerpoint/2010/main" val="672815682"/>
+      </p:ext>
+    </p:extLst>
+  </p:cSld>
+  <p:clrMapOvr>
+    <a:masterClrMapping/>
+  </p:clrMapOvr>
+  <mc:AlternateContent xmlns:mc="http://schemas.openxmlformats.org/markup-compatibility/2006" xmlns:p15="http://schemas.microsoft.com/office/powerpoint/2012/main">
+    <mc:Choice Requires="p15">
+      <p:transition xmlns:p14="http://schemas.microsoft.com/office/powerpoint/2010/main" spd="slow" p14:dur="1250" advTm="3000">
+        <p15:prstTrans prst="pageCurlDouble"/>
+      </p:transition>
+    </mc:Choice>
+    <mc:Fallback xmlns="">
+      <p:transition spd="slow" advTm="3000">
+        <p:fade/>
+      </p:transition>
+    </mc:Fallback>
+  </mc:AlternateContent>
+</p:sld>
+</file>
+
+<file path=ppt/slides/slide12.xml><?xml version="1.0" encoding="utf-8"?>
+<p:sld xmlns:a="http://schemas.openxmlformats.org/drawingml/2006/main" xmlns:r="http://schemas.openxmlformats.org/officeDocument/2006/relationships" xmlns:p="http://schemas.openxmlformats.org/presentationml/2006/main">
+  <p:cSld>
+    <p:spTree>
+      <p:nvGrpSpPr>
+        <p:cNvPr id="1" name=""/>
+        <p:cNvGrpSpPr/>
+        <p:nvPr/>
+      </p:nvGrpSpPr>
+      <p:grpSpPr>
+        <a:xfrm>
+          <a:off x="0" y="0"/>
+          <a:ext cx="0" cy="0"/>
+          <a:chOff x="0" y="0"/>
+          <a:chExt cx="0" cy="0"/>
+        </a:xfrm>
+      </p:grpSpPr>
+      <p:sp>
+        <p:nvSpPr>
+          <p:cNvPr id="30" name="矩形 29"/>
+          <p:cNvSpPr/>
+          <p:nvPr/>
+        </p:nvSpPr>
+        <p:spPr>
+          <a:xfrm>
+            <a:off x="0" y="204952"/>
+            <a:ext cx="2081048" cy="378372"/>
+          </a:xfrm>
+          <a:prstGeom prst="rect">
+            <a:avLst/>
+          </a:prstGeom>
+          <a:solidFill>
+            <a:srgbClr val="222A35"/>
+          </a:solidFill>
+          <a:ln>
+            <a:solidFill>
+              <a:srgbClr val="222A35"/>
+            </a:solidFill>
+          </a:ln>
+        </p:spPr>
+        <p:style>
+          <a:lnRef idx="2">
+            <a:schemeClr val="accent1">
+              <a:shade val="50000"/>
+            </a:schemeClr>
+          </a:lnRef>
+          <a:fillRef idx="1">
+            <a:schemeClr val="accent1"/>
+          </a:fillRef>
+          <a:effectRef idx="0">
+            <a:schemeClr val="accent1"/>
+          </a:effectRef>
+          <a:fontRef idx="minor">
+            <a:schemeClr val="lt1"/>
+          </a:fontRef>
+        </p:style>
+        <p:txBody>
+          <a:bodyPr rtlCol="0" anchor="ctr"/>
+          <a:lstStyle/>
+          <a:p>
+            <a:pPr algn="ctr"/>
+            <a:endParaRPr lang="zh-CN" altLang="en-US"/>
+          </a:p>
+        </p:txBody>
+      </p:sp>
+      <p:cxnSp>
+        <p:nvCxnSpPr>
+          <p:cNvPr id="32" name="直接连接符 31"/>
+          <p:cNvCxnSpPr>
+            <a:stCxn id="30" idx="3"/>
+          </p:cNvCxnSpPr>
+          <p:nvPr/>
+        </p:nvCxnSpPr>
+        <p:spPr>
+          <a:xfrm>
+            <a:off x="2081048" y="394138"/>
+            <a:ext cx="10110952" cy="0"/>
+          </a:xfrm>
+          <a:prstGeom prst="line">
+            <a:avLst/>
+          </a:prstGeom>
+          <a:ln w="38100">
+            <a:solidFill>
+              <a:srgbClr val="222A35"/>
+            </a:solidFill>
+          </a:ln>
+        </p:spPr>
+        <p:style>
+          <a:lnRef idx="1">
+            <a:schemeClr val="accent1"/>
+          </a:lnRef>
+          <a:fillRef idx="0">
+            <a:schemeClr val="accent1"/>
+          </a:fillRef>
+          <a:effectRef idx="0">
+            <a:schemeClr val="accent1"/>
+          </a:effectRef>
+          <a:fontRef idx="minor">
+            <a:schemeClr val="tx1"/>
+          </a:fontRef>
+        </p:style>
+      </p:cxnSp>
+      <p:sp>
+        <p:nvSpPr>
+          <p:cNvPr id="33" name="矩形 32"/>
+          <p:cNvSpPr/>
+          <p:nvPr/>
+        </p:nvSpPr>
+        <p:spPr>
+          <a:xfrm>
+            <a:off x="249023" y="213992"/>
+            <a:ext cx="1800493" cy="369332"/>
+          </a:xfrm>
+          <a:prstGeom prst="rect">
+            <a:avLst/>
+          </a:prstGeom>
+        </p:spPr>
+        <p:txBody>
+          <a:bodyPr wrap="none">
+            <a:spAutoFit/>
+          </a:bodyPr>
+          <a:lstStyle/>
+          <a:p>
+            <a:pPr algn="ctr"/>
+            <a:r>
+              <a:rPr lang="zh-CN" altLang="en-US" b="1" dirty="0">
+                <a:solidFill>
+                  <a:schemeClr val="bg1"/>
+                </a:solidFill>
+                <a:latin typeface="华文中宋" panose="02010600040101010101" pitchFamily="2" charset="-122"/>
+                <a:ea typeface="华文中宋" panose="02010600040101010101" pitchFamily="2" charset="-122"/>
+                <a:cs typeface="+mn-ea"/>
+                <a:sym typeface="Arial" panose="020B0604020202020204" pitchFamily="34" charset="0"/>
+              </a:rPr>
+              <a:t>研究方法与过程</a:t>
+            </a:r>
+          </a:p>
+        </p:txBody>
+      </p:sp>
+      <p:sp>
+        <p:nvSpPr>
+          <p:cNvPr id="34" name="等腰三角形 33"/>
+          <p:cNvSpPr/>
+          <p:nvPr/>
+        </p:nvSpPr>
+        <p:spPr>
+          <a:xfrm flipV="1">
+            <a:off x="122899" y="331076"/>
+            <a:ext cx="126124" cy="157655"/>
+          </a:xfrm>
+          <a:prstGeom prst="triangle">
+            <a:avLst/>
+          </a:prstGeom>
+          <a:solidFill>
+            <a:schemeClr val="bg1"/>
+          </a:solidFill>
+          <a:ln>
+            <a:noFill/>
+          </a:ln>
+        </p:spPr>
+        <p:style>
+          <a:lnRef idx="2">
+            <a:schemeClr val="accent1">
+              <a:shade val="50000"/>
+            </a:schemeClr>
+          </a:lnRef>
+          <a:fillRef idx="1">
+            <a:schemeClr val="accent1"/>
+          </a:fillRef>
+          <a:effectRef idx="0">
+            <a:schemeClr val="accent1"/>
+          </a:effectRef>
+          <a:fontRef idx="minor">
+            <a:schemeClr val="lt1"/>
+          </a:fontRef>
+        </p:style>
+        <p:txBody>
+          <a:bodyPr rtlCol="0" anchor="ctr"/>
+          <a:lstStyle/>
+          <a:p>
+            <a:pPr algn="ctr"/>
+            <a:endParaRPr lang="zh-CN" altLang="en-US"/>
+          </a:p>
+        </p:txBody>
+      </p:sp>
+      <p:graphicFrame>
+        <p:nvGraphicFramePr>
+          <p:cNvPr id="10" name="图示 9">
+            <a:extLst>
+              <a:ext uri="{FF2B5EF4-FFF2-40B4-BE49-F238E27FC236}">
+                <a16:creationId xmlns:a16="http://schemas.microsoft.com/office/drawing/2014/main" id="{31B9E899-E574-8671-FD5E-7EA2FF79D4C1}"/>
+              </a:ext>
+            </a:extLst>
+          </p:cNvPr>
+          <p:cNvGraphicFramePr/>
+          <p:nvPr>
+            <p:extLst>
+              <p:ext uri="{D42A27DB-BD31-4B8C-83A1-F6EECF244321}">
+                <p14:modId xmlns:p14="http://schemas.microsoft.com/office/powerpoint/2010/main" val="3910406787"/>
+              </p:ext>
+            </p:extLst>
+          </p:nvPr>
+        </p:nvGraphicFramePr>
+        <p:xfrm>
+          <a:off x="759791" y="1930217"/>
+          <a:ext cx="4428435" cy="2997565"/>
+        </p:xfrm>
+        <a:graphic>
+          <a:graphicData uri="http://schemas.openxmlformats.org/drawingml/2006/diagram">
+            <dgm:relIds xmlns:dgm="http://schemas.openxmlformats.org/drawingml/2006/diagram" xmlns:r="http://schemas.openxmlformats.org/officeDocument/2006/relationships" r:dm="rId3" r:lo="rId4" r:qs="rId5" r:cs="rId6"/>
+          </a:graphicData>
+        </a:graphic>
+      </p:graphicFrame>
+      <p:graphicFrame>
+        <p:nvGraphicFramePr>
+          <p:cNvPr id="16" name="图示 15">
+            <a:extLst>
+              <a:ext uri="{FF2B5EF4-FFF2-40B4-BE49-F238E27FC236}">
+                <a16:creationId xmlns:a16="http://schemas.microsoft.com/office/drawing/2014/main" id="{949C453D-D616-34A4-808B-A68665894147}"/>
+              </a:ext>
+            </a:extLst>
+          </p:cNvPr>
+          <p:cNvGraphicFramePr/>
+          <p:nvPr>
+            <p:extLst>
+              <p:ext uri="{D42A27DB-BD31-4B8C-83A1-F6EECF244321}">
+                <p14:modId xmlns:p14="http://schemas.microsoft.com/office/powerpoint/2010/main" val="4056714271"/>
+              </p:ext>
+            </p:extLst>
+          </p:nvPr>
+        </p:nvGraphicFramePr>
+        <p:xfrm>
+          <a:off x="7136524" y="1329266"/>
+          <a:ext cx="4289287" cy="4534821"/>
+        </p:xfrm>
+        <a:graphic>
+          <a:graphicData uri="http://schemas.openxmlformats.org/drawingml/2006/diagram">
+            <dgm:relIds xmlns:dgm="http://schemas.openxmlformats.org/drawingml/2006/diagram" xmlns:r="http://schemas.openxmlformats.org/officeDocument/2006/relationships" r:dm="rId8" r:lo="rId9" r:qs="rId10" r:cs="rId11"/>
+          </a:graphicData>
+        </a:graphic>
+      </p:graphicFrame>
+    </p:spTree>
+    <p:extLst>
+      <p:ext uri="{BB962C8B-B14F-4D97-AF65-F5344CB8AC3E}">
+        <p14:creationId xmlns:p14="http://schemas.microsoft.com/office/powerpoint/2010/main" val="3441872108"/>
+      </p:ext>
+    </p:extLst>
+  </p:cSld>
+  <p:clrMapOvr>
+    <a:masterClrMapping/>
+  </p:clrMapOvr>
+  <mc:AlternateContent xmlns:mc="http://schemas.openxmlformats.org/markup-compatibility/2006" xmlns:p15="http://schemas.microsoft.com/office/powerpoint/2012/main">
+    <mc:Choice Requires="p15">
+      <p:transition xmlns:p14="http://schemas.microsoft.com/office/powerpoint/2010/main" spd="slow" p14:dur="1250" advTm="3000">
+        <p15:prstTrans prst="pageCurlDouble"/>
+      </p:transition>
+    </mc:Choice>
+    <mc:Fallback xmlns="">
+      <p:transition spd="slow" advTm="3000">
+        <p:fade/>
+      </p:transition>
+    </mc:Fallback>
+  </mc:AlternateContent>
+</p:sld>
+</file>
+
+<file path=ppt/slides/slide13.xml><?xml version="1.0" encoding="utf-8"?>
 <p:sld xmlns:a="http://schemas.openxmlformats.org/drawingml/2006/main" xmlns:r="http://schemas.openxmlformats.org/officeDocument/2006/relationships" xmlns:p="http://schemas.openxmlformats.org/presentationml/2006/main">
   <p:cSld>
     <p:spTree>
@@ -4667,117 +12511,12 @@
           </a:p>
         </p:txBody>
       </p:sp>
-      <p:sp>
-        <p:nvSpPr>
-          <p:cNvPr id="8" name="文本框 7">
+      <p:pic>
+        <p:nvPicPr>
+          <p:cNvPr id="3" name="图片 2">
             <a:extLst>
               <a:ext uri="{FF2B5EF4-FFF2-40B4-BE49-F238E27FC236}">
-                <a16:creationId xmlns:a16="http://schemas.microsoft.com/office/drawing/2014/main" id="{DBC0697C-3B8A-B60E-4D44-E5187DBA2425}"/>
-              </a:ext>
-            </a:extLst>
-          </p:cNvPr>
-          <p:cNvSpPr txBox="1"/>
-          <p:nvPr/>
-        </p:nvSpPr>
-        <p:spPr>
-          <a:xfrm>
-            <a:off x="856343" y="3428951"/>
-            <a:ext cx="1079045" cy="369332"/>
-          </a:xfrm>
-          <a:prstGeom prst="rect">
-            <a:avLst/>
-          </a:prstGeom>
-          <a:noFill/>
-        </p:spPr>
-        <p:txBody>
-          <a:bodyPr wrap="square">
-            <a:spAutoFit/>
-          </a:bodyPr>
-          <a:lstStyle/>
-          <a:p>
-            <a:r>
-              <a:rPr lang="zh-CN" altLang="en-US" dirty="0">
-                <a:solidFill>
-                  <a:schemeClr val="tx2"/>
-                </a:solidFill>
-                <a:hlinkClick r:id="rId3">
-                  <a:extLst>
-                    <a:ext uri="{A12FA001-AC4F-418D-AE19-62706E023703}">
-                      <ahyp:hlinkClr xmlns:ahyp="http://schemas.microsoft.com/office/drawing/2018/hyperlinkcolor" val="tx"/>
-                    </a:ext>
-                  </a:extLst>
-                </a:hlinkClick>
-              </a:rPr>
-              <a:t>学生端</a:t>
-            </a:r>
-            <a:endParaRPr lang="zh-CN" altLang="en-US" dirty="0">
-              <a:solidFill>
-                <a:schemeClr val="tx2"/>
-              </a:solidFill>
-            </a:endParaRPr>
-          </a:p>
-        </p:txBody>
-      </p:sp>
-      <p:sp>
-        <p:nvSpPr>
-          <p:cNvPr id="10" name="文本框 9">
-            <a:extLst>
-              <a:ext uri="{FF2B5EF4-FFF2-40B4-BE49-F238E27FC236}">
-                <a16:creationId xmlns:a16="http://schemas.microsoft.com/office/drawing/2014/main" id="{BC693790-45DD-FA1B-3CD9-CE34F7D0097A}"/>
-              </a:ext>
-            </a:extLst>
-          </p:cNvPr>
-          <p:cNvSpPr txBox="1"/>
-          <p:nvPr/>
-        </p:nvSpPr>
-        <p:spPr>
-          <a:xfrm>
-            <a:off x="10336439" y="3475118"/>
-            <a:ext cx="999218" cy="646331"/>
-          </a:xfrm>
-          <a:prstGeom prst="rect">
-            <a:avLst/>
-          </a:prstGeom>
-          <a:noFill/>
-        </p:spPr>
-        <p:txBody>
-          <a:bodyPr wrap="square" rtlCol="0">
-            <a:spAutoFit/>
-          </a:bodyPr>
-          <a:lstStyle/>
-          <a:p>
-            <a:r>
-              <a:rPr lang="zh-CN" altLang="en-US" dirty="0">
-                <a:solidFill>
-                  <a:schemeClr val="tx2"/>
-                </a:solidFill>
-                <a:hlinkClick r:id="rId4">
-                  <a:extLst>
-                    <a:ext uri="{A12FA001-AC4F-418D-AE19-62706E023703}">
-                      <ahyp:hlinkClr xmlns:ahyp="http://schemas.microsoft.com/office/drawing/2018/hyperlinkcolor" val="tx"/>
-                    </a:ext>
-                  </a:extLst>
-                </a:hlinkClick>
-              </a:rPr>
-              <a:t>教师端</a:t>
-            </a:r>
-            <a:endParaRPr lang="zh-CN" altLang="en-US" dirty="0">
-              <a:solidFill>
-                <a:schemeClr val="tx2"/>
-              </a:solidFill>
-            </a:endParaRPr>
-          </a:p>
-          <a:p>
-            <a:endParaRPr lang="zh-CN" altLang="en-US" dirty="0"/>
-          </a:p>
-        </p:txBody>
-      </p:sp>
-      <p:pic>
-        <p:nvPicPr>
-          <p:cNvPr id="12" name="图片 11">
-            <a:extLst>
-              <a:ext uri="{FF2B5EF4-FFF2-40B4-BE49-F238E27FC236}">
-                <a16:creationId xmlns:a16="http://schemas.microsoft.com/office/drawing/2014/main" id="{2D910331-4BB9-4A09-EC0D-7A5BF33B9F2D}"/>
+                <a16:creationId xmlns:a16="http://schemas.microsoft.com/office/drawing/2014/main" id="{CD3F766C-3E20-16D6-98CB-D9955E4FFF37}"/>
               </a:ext>
             </a:extLst>
           </p:cNvPr>
@@ -4787,15 +12526,15 @@
           <p:nvPr/>
         </p:nvPicPr>
         <p:blipFill>
-          <a:blip r:embed="rId5"/>
+          <a:blip r:embed="rId3"/>
           <a:stretch>
             <a:fillRect/>
           </a:stretch>
         </p:blipFill>
         <p:spPr>
           <a:xfrm>
-            <a:off x="7405815" y="1158106"/>
-            <a:ext cx="2386350" cy="5280356"/>
+            <a:off x="1052087" y="1130300"/>
+            <a:ext cx="2931745" cy="5648971"/>
           </a:xfrm>
           <a:prstGeom prst="rect">
             <a:avLst/>
@@ -4804,10 +12543,10 @@
       </p:pic>
       <p:pic>
         <p:nvPicPr>
-          <p:cNvPr id="14" name="图片 13">
+          <p:cNvPr id="6" name="图片 5">
             <a:extLst>
               <a:ext uri="{FF2B5EF4-FFF2-40B4-BE49-F238E27FC236}">
-                <a16:creationId xmlns:a16="http://schemas.microsoft.com/office/drawing/2014/main" id="{BF0429B0-646C-26D0-14CD-BC7F0DF2DF41}"/>
+                <a16:creationId xmlns:a16="http://schemas.microsoft.com/office/drawing/2014/main" id="{E97B31BE-6205-B243-E1E5-564CC580E31A}"/>
               </a:ext>
             </a:extLst>
           </p:cNvPr>
@@ -4817,15 +12556,15 @@
           <p:nvPr/>
         </p:nvPicPr>
         <p:blipFill>
-          <a:blip r:embed="rId6"/>
+          <a:blip r:embed="rId4"/>
           <a:stretch>
             <a:fillRect/>
           </a:stretch>
         </p:blipFill>
         <p:spPr>
           <a:xfrm>
-            <a:off x="2069324" y="1130300"/>
-            <a:ext cx="2547981" cy="5402173"/>
+            <a:off x="8352748" y="1130297"/>
+            <a:ext cx="2721344" cy="5648969"/>
           </a:xfrm>
           <a:prstGeom prst="rect">
             <a:avLst/>
@@ -4857,7 +12596,7 @@
 </p:sld>
 </file>
 
-<file path=ppt/slides/slide12.xml><?xml version="1.0" encoding="utf-8"?>
+<file path=ppt/slides/slide14.xml><?xml version="1.0" encoding="utf-8"?>
 <p:sld xmlns:a="http://schemas.openxmlformats.org/drawingml/2006/main" xmlns:r="http://schemas.openxmlformats.org/officeDocument/2006/relationships" xmlns:p="http://schemas.openxmlformats.org/presentationml/2006/main">
   <p:cSld>
     <p:spTree>
@@ -9815,7 +17554,7 @@
 </p:sld>
 </file>
 
-<file path=ppt/slides/slide13.xml><?xml version="1.0" encoding="utf-8"?>
+<file path=ppt/slides/slide15.xml><?xml version="1.0" encoding="utf-8"?>
 <p:sld xmlns:a="http://schemas.openxmlformats.org/drawingml/2006/main" xmlns:r="http://schemas.openxmlformats.org/officeDocument/2006/relationships" xmlns:p="http://schemas.openxmlformats.org/presentationml/2006/main">
   <p:cSld>
     <p:spTree>
@@ -18363,7 +26102,7 @@
         </p:nvSpPr>
         <p:spPr>
           <a:xfrm>
-            <a:off x="0" y="3926991"/>
+            <a:off x="-13806" y="3926993"/>
             <a:ext cx="12192000" cy="2931007"/>
           </a:xfrm>
           <a:prstGeom prst="rect">
@@ -18602,7 +26341,7 @@
                     <a:schemeClr val="bg1"/>
                   </a:solidFill>
                 </a:rPr>
-                <a:t>完整性</a:t>
+                <a:t>完整度</a:t>
               </a:r>
             </a:p>
           </p:txBody>
@@ -18645,13 +26384,8 @@
                     <a:schemeClr val="bg1"/>
                   </a:solidFill>
                 </a:rPr>
-                <a:t>作为一个供用户日常频繁使用的平台，功能的完整是一切的基础所在，一个完整的系统才能实际地真正地为目标用户带来便利。</a:t>
+                <a:t>在应用场景下，考虑到不同场景及需要，为其提供所需要的功能，在相似度方面有足够多的功能于选择，对用户来说就是有足够的自由度</a:t>
               </a:r>
-              <a:endParaRPr lang="zh-CN" altLang="en-US" sz="1200" dirty="0">
-                <a:solidFill>
-                  <a:schemeClr val="bg1"/>
-                </a:solidFill>
-              </a:endParaRPr>
             </a:p>
           </p:txBody>
         </p:sp>

--- a/docs/开题/开题答辩.pptx
+++ b/docs/开题/开题答辩.pptx
@@ -2068,16 +2068,8 @@
         <a:lstStyle/>
         <a:p>
           <a:r>
-            <a:rPr lang="en-US" altLang="zh-CN" dirty="0" err="1"/>
-            <a:t>SimHash</a:t>
-          </a:r>
-          <a:r>
-            <a:rPr lang="en-US" altLang="zh-CN" dirty="0"/>
-            <a:t>+</a:t>
-          </a:r>
-          <a:r>
             <a:rPr lang="zh-CN" altLang="en-US" dirty="0"/>
-            <a:t>海明距离</a:t>
+            <a:t>降维，转二进制处理</a:t>
           </a:r>
         </a:p>
       </dgm:t>
@@ -3139,16 +3131,8 @@
             <a:buChar char="•"/>
           </a:pPr>
           <a:r>
-            <a:rPr lang="en-US" altLang="zh-CN" sz="1700" kern="1200" dirty="0" err="1"/>
-            <a:t>SimHash</a:t>
-          </a:r>
-          <a:r>
-            <a:rPr lang="en-US" altLang="zh-CN" sz="1700" kern="1200" dirty="0"/>
-            <a:t>+</a:t>
-          </a:r>
-          <a:r>
             <a:rPr lang="zh-CN" altLang="en-US" sz="1700" kern="1200" dirty="0"/>
-            <a:t>海明距离</a:t>
+            <a:t>降维，转二进制处理</a:t>
           </a:r>
         </a:p>
       </dsp:txBody>
@@ -11145,7 +11129,7 @@
         <p:spPr>
           <a:xfrm>
             <a:off x="1204685" y="2407119"/>
-            <a:ext cx="2595582" cy="461665"/>
+            <a:ext cx="2568139" cy="461665"/>
           </a:xfrm>
           <a:prstGeom prst="rect">
             <a:avLst/>
@@ -11164,7 +11148,7 @@
             </a:r>
             <a:r>
               <a:rPr lang="en-US" altLang="zh-CN" sz="2400" dirty="0"/>
-              <a:t>Flutter</a:t>
+              <a:t>Vue.js</a:t>
             </a:r>
             <a:endParaRPr lang="zh-CN" altLang="en-US" sz="2400" dirty="0"/>
           </a:p>
@@ -11228,7 +11212,7 @@
         <p:spPr>
           <a:xfrm>
             <a:off x="1204685" y="4358547"/>
-            <a:ext cx="8955315" cy="461665"/>
+            <a:ext cx="10384341" cy="461665"/>
           </a:xfrm>
           <a:prstGeom prst="rect">
             <a:avLst/>
@@ -11305,7 +11289,27 @@
                 <a:latin typeface="Arial Unicode MS"/>
                 <a:ea typeface="JetBrains Mono"/>
               </a:rPr>
-              <a:t>海明距离</a:t>
+              <a:t>海明距离、</a:t>
+            </a:r>
+            <a:r>
+              <a:rPr lang="en-US" altLang="zh-CN" sz="2400" dirty="0">
+                <a:solidFill>
+                  <a:srgbClr val="080808"/>
+                </a:solidFill>
+                <a:latin typeface="Arial Unicode MS"/>
+                <a:ea typeface="JetBrains Mono"/>
+              </a:rPr>
+              <a:t>Jaccard</a:t>
+            </a:r>
+            <a:r>
+              <a:rPr lang="zh-CN" altLang="en-US" sz="2400" dirty="0">
+                <a:solidFill>
+                  <a:srgbClr val="080808"/>
+                </a:solidFill>
+                <a:latin typeface="Arial Unicode MS"/>
+                <a:ea typeface="JetBrains Mono"/>
+              </a:rPr>
+              <a:t>相似度</a:t>
             </a:r>
             <a:endParaRPr kumimoji="0" lang="zh-CN" altLang="zh-CN" sz="3200" b="0" i="0" u="none" strike="noStrike" cap="none" normalizeH="0" baseline="0" dirty="0">
               <a:ln>
@@ -12251,7 +12255,7 @@
           <p:nvPr>
             <p:extLst>
               <p:ext uri="{D42A27DB-BD31-4B8C-83A1-F6EECF244321}">
-                <p14:modId xmlns:p14="http://schemas.microsoft.com/office/powerpoint/2010/main" val="4056714271"/>
+                <p14:modId xmlns:p14="http://schemas.microsoft.com/office/powerpoint/2010/main" val="2430194339"/>
               </p:ext>
             </p:extLst>
           </p:nvPr>
@@ -12513,10 +12517,10 @@
       </p:sp>
       <p:pic>
         <p:nvPicPr>
-          <p:cNvPr id="3" name="图片 2">
+          <p:cNvPr id="5" name="图片 4">
             <a:extLst>
               <a:ext uri="{FF2B5EF4-FFF2-40B4-BE49-F238E27FC236}">
-                <a16:creationId xmlns:a16="http://schemas.microsoft.com/office/drawing/2014/main" id="{CD3F766C-3E20-16D6-98CB-D9955E4FFF37}"/>
+                <a16:creationId xmlns:a16="http://schemas.microsoft.com/office/drawing/2014/main" id="{4FE883D3-FD68-2B3C-A9BF-55E7C5EFBE66}"/>
               </a:ext>
             </a:extLst>
           </p:cNvPr>
@@ -12533,38 +12537,8 @@
         </p:blipFill>
         <p:spPr>
           <a:xfrm>
-            <a:off x="1052087" y="1130300"/>
-            <a:ext cx="2931745" cy="5648971"/>
-          </a:xfrm>
-          <a:prstGeom prst="rect">
-            <a:avLst/>
-          </a:prstGeom>
-        </p:spPr>
-      </p:pic>
-      <p:pic>
-        <p:nvPicPr>
-          <p:cNvPr id="6" name="图片 5">
-            <a:extLst>
-              <a:ext uri="{FF2B5EF4-FFF2-40B4-BE49-F238E27FC236}">
-                <a16:creationId xmlns:a16="http://schemas.microsoft.com/office/drawing/2014/main" id="{E97B31BE-6205-B243-E1E5-564CC580E31A}"/>
-              </a:ext>
-            </a:extLst>
-          </p:cNvPr>
-          <p:cNvPicPr>
-            <a:picLocks noChangeAspect="1"/>
-          </p:cNvPicPr>
-          <p:nvPr/>
-        </p:nvPicPr>
-        <p:blipFill>
-          <a:blip r:embed="rId4"/>
-          <a:stretch>
-            <a:fillRect/>
-          </a:stretch>
-        </p:blipFill>
-        <p:spPr>
-          <a:xfrm>
-            <a:off x="8352748" y="1130297"/>
-            <a:ext cx="2721344" cy="5648969"/>
+            <a:off x="616916" y="1454020"/>
+            <a:ext cx="10779953" cy="5199028"/>
           </a:xfrm>
           <a:prstGeom prst="rect">
             <a:avLst/>
